--- a/slides/AWS_Comprehend.pptx
+++ b/slides/AWS_Comprehend.pptx
@@ -4,6 +4,9 @@
   <p:sldMasterIdLst>
     <p:sldMasterId id="2147483648" r:id="rId1"/>
   </p:sldMasterIdLst>
+  <p:notesMasterIdLst>
+    <p:notesMasterId r:id="rId37"/>
+  </p:notesMasterIdLst>
   <p:sldIdLst>
     <p:sldId id="256" r:id="rId2"/>
     <p:sldId id="257" r:id="rId3"/>
@@ -13,7 +16,7 @@
     <p:sldId id="306" r:id="rId7"/>
     <p:sldId id="260" r:id="rId8"/>
     <p:sldId id="305" r:id="rId9"/>
-    <p:sldId id="308" r:id="rId10"/>
+    <p:sldId id="333" r:id="rId10"/>
     <p:sldId id="270" r:id="rId11"/>
     <p:sldId id="309" r:id="rId12"/>
     <p:sldId id="310" r:id="rId13"/>
@@ -23,15 +26,23 @@
     <p:sldId id="313" r:id="rId17"/>
     <p:sldId id="314" r:id="rId18"/>
     <p:sldId id="315" r:id="rId19"/>
-    <p:sldId id="317" r:id="rId20"/>
-    <p:sldId id="316" r:id="rId21"/>
-    <p:sldId id="318" r:id="rId22"/>
-    <p:sldId id="319" r:id="rId23"/>
-    <p:sldId id="320" r:id="rId24"/>
-    <p:sldId id="321" r:id="rId25"/>
-    <p:sldId id="322" r:id="rId26"/>
-    <p:sldId id="323" r:id="rId27"/>
-    <p:sldId id="324" r:id="rId28"/>
+    <p:sldId id="332" r:id="rId20"/>
+    <p:sldId id="317" r:id="rId21"/>
+    <p:sldId id="316" r:id="rId22"/>
+    <p:sldId id="318" r:id="rId23"/>
+    <p:sldId id="319" r:id="rId24"/>
+    <p:sldId id="320" r:id="rId25"/>
+    <p:sldId id="321" r:id="rId26"/>
+    <p:sldId id="322" r:id="rId27"/>
+    <p:sldId id="323" r:id="rId28"/>
+    <p:sldId id="324" r:id="rId29"/>
+    <p:sldId id="325" r:id="rId30"/>
+    <p:sldId id="326" r:id="rId31"/>
+    <p:sldId id="327" r:id="rId32"/>
+    <p:sldId id="328" r:id="rId33"/>
+    <p:sldId id="329" r:id="rId34"/>
+    <p:sldId id="330" r:id="rId35"/>
+    <p:sldId id="331" r:id="rId36"/>
   </p:sldIdLst>
   <p:sldSz cx="9144000" cy="6858000" type="screen4x3"/>
   <p:notesSz cx="9144000" cy="6858000"/>
@@ -161,6 +172,439 @@
 </p:cmAuthorLst>
 </file>
 
+<file path=ppt/notesMasters/notesMaster1.xml><?xml version="1.0" encoding="utf-8"?>
+<p:notesMaster xmlns:a="http://schemas.openxmlformats.org/drawingml/2006/main" xmlns:r="http://schemas.openxmlformats.org/officeDocument/2006/relationships" xmlns:p="http://schemas.openxmlformats.org/presentationml/2006/main">
+  <p:cSld>
+    <p:bg>
+      <p:bgRef idx="1001">
+        <a:schemeClr val="bg1"/>
+      </p:bgRef>
+    </p:bg>
+    <p:spTree>
+      <p:nvGrpSpPr>
+        <p:cNvPr id="1" name=""/>
+        <p:cNvGrpSpPr/>
+        <p:nvPr/>
+      </p:nvGrpSpPr>
+      <p:grpSpPr>
+        <a:xfrm>
+          <a:off x="0" y="0"/>
+          <a:ext cx="0" cy="0"/>
+          <a:chOff x="0" y="0"/>
+          <a:chExt cx="0" cy="0"/>
+        </a:xfrm>
+      </p:grpSpPr>
+      <p:sp>
+        <p:nvSpPr>
+          <p:cNvPr id="2" name="머리글 개체 틀 1"/>
+          <p:cNvSpPr>
+            <a:spLocks noGrp="1"/>
+          </p:cNvSpPr>
+          <p:nvPr>
+            <p:ph type="hdr" sz="quarter"/>
+          </p:nvPr>
+        </p:nvSpPr>
+        <p:spPr>
+          <a:xfrm>
+            <a:off x="0" y="0"/>
+            <a:ext cx="3962400" cy="344488"/>
+          </a:xfrm>
+          <a:prstGeom prst="rect">
+            <a:avLst/>
+          </a:prstGeom>
+        </p:spPr>
+        <p:txBody>
+          <a:bodyPr vert="horz" lIns="91440" tIns="45720" rIns="91440" bIns="45720" rtlCol="0"/>
+          <a:lstStyle>
+            <a:lvl1pPr algn="l">
+              <a:defRPr sz="1200"/>
+            </a:lvl1pPr>
+          </a:lstStyle>
+          <a:p>
+            <a:endParaRPr lang="ko-KR" altLang="en-US"/>
+          </a:p>
+        </p:txBody>
+      </p:sp>
+      <p:sp>
+        <p:nvSpPr>
+          <p:cNvPr id="3" name="날짜 개체 틀 2"/>
+          <p:cNvSpPr>
+            <a:spLocks noGrp="1"/>
+          </p:cNvSpPr>
+          <p:nvPr>
+            <p:ph type="dt" idx="1"/>
+          </p:nvPr>
+        </p:nvSpPr>
+        <p:spPr>
+          <a:xfrm>
+            <a:off x="5180013" y="0"/>
+            <a:ext cx="3962400" cy="344488"/>
+          </a:xfrm>
+          <a:prstGeom prst="rect">
+            <a:avLst/>
+          </a:prstGeom>
+        </p:spPr>
+        <p:txBody>
+          <a:bodyPr vert="horz" lIns="91440" tIns="45720" rIns="91440" bIns="45720" rtlCol="0"/>
+          <a:lstStyle>
+            <a:lvl1pPr algn="r">
+              <a:defRPr sz="1200"/>
+            </a:lvl1pPr>
+          </a:lstStyle>
+          <a:p>
+            <a:fld id="{CACACCF5-D987-4F81-89B5-0F414E520C9D}" type="datetimeFigureOut">
+              <a:rPr lang="ko-KR" altLang="en-US" smtClean="0"/>
+              <a:t>2020-01-26</a:t>
+            </a:fld>
+            <a:endParaRPr lang="ko-KR" altLang="en-US"/>
+          </a:p>
+        </p:txBody>
+      </p:sp>
+      <p:sp>
+        <p:nvSpPr>
+          <p:cNvPr id="4" name="슬라이드 이미지 개체 틀 3"/>
+          <p:cNvSpPr>
+            <a:spLocks noGrp="1" noRot="1" noChangeAspect="1"/>
+          </p:cNvSpPr>
+          <p:nvPr>
+            <p:ph type="sldImg" idx="2"/>
+          </p:nvPr>
+        </p:nvSpPr>
+        <p:spPr>
+          <a:xfrm>
+            <a:off x="3028950" y="857250"/>
+            <a:ext cx="3086100" cy="2314575"/>
+          </a:xfrm>
+          <a:prstGeom prst="rect">
+            <a:avLst/>
+          </a:prstGeom>
+          <a:noFill/>
+          <a:ln w="12700">
+            <a:solidFill>
+              <a:prstClr val="black"/>
+            </a:solidFill>
+          </a:ln>
+        </p:spPr>
+        <p:txBody>
+          <a:bodyPr vert="horz" lIns="91440" tIns="45720" rIns="91440" bIns="45720" rtlCol="0" anchor="ctr"/>
+          <a:lstStyle/>
+          <a:p>
+            <a:endParaRPr lang="ko-KR" altLang="en-US"/>
+          </a:p>
+        </p:txBody>
+      </p:sp>
+      <p:sp>
+        <p:nvSpPr>
+          <p:cNvPr id="5" name="슬라이드 노트 개체 틀 4"/>
+          <p:cNvSpPr>
+            <a:spLocks noGrp="1"/>
+          </p:cNvSpPr>
+          <p:nvPr>
+            <p:ph type="body" sz="quarter" idx="3"/>
+          </p:nvPr>
+        </p:nvSpPr>
+        <p:spPr>
+          <a:xfrm>
+            <a:off x="914400" y="3300413"/>
+            <a:ext cx="7315200" cy="2700337"/>
+          </a:xfrm>
+          <a:prstGeom prst="rect">
+            <a:avLst/>
+          </a:prstGeom>
+        </p:spPr>
+        <p:txBody>
+          <a:bodyPr vert="horz" lIns="91440" tIns="45720" rIns="91440" bIns="45720" rtlCol="0"/>
+          <a:lstStyle/>
+          <a:p>
+            <a:pPr lvl="0"/>
+            <a:r>
+              <a:rPr lang="ko-KR" altLang="en-US"/>
+              <a:t>마스터 텍스트 스타일을 편집하려면 클릭</a:t>
+            </a:r>
+          </a:p>
+          <a:p>
+            <a:pPr lvl="1"/>
+            <a:r>
+              <a:rPr lang="ko-KR" altLang="en-US"/>
+              <a:t>두 번째 수준</a:t>
+            </a:r>
+          </a:p>
+          <a:p>
+            <a:pPr lvl="2"/>
+            <a:r>
+              <a:rPr lang="ko-KR" altLang="en-US"/>
+              <a:t>세 번째 수준</a:t>
+            </a:r>
+          </a:p>
+          <a:p>
+            <a:pPr lvl="3"/>
+            <a:r>
+              <a:rPr lang="ko-KR" altLang="en-US"/>
+              <a:t>네 번째 수준</a:t>
+            </a:r>
+          </a:p>
+          <a:p>
+            <a:pPr lvl="4"/>
+            <a:r>
+              <a:rPr lang="ko-KR" altLang="en-US"/>
+              <a:t>다섯 번째 수준</a:t>
+            </a:r>
+          </a:p>
+        </p:txBody>
+      </p:sp>
+      <p:sp>
+        <p:nvSpPr>
+          <p:cNvPr id="6" name="바닥글 개체 틀 5"/>
+          <p:cNvSpPr>
+            <a:spLocks noGrp="1"/>
+          </p:cNvSpPr>
+          <p:nvPr>
+            <p:ph type="ftr" sz="quarter" idx="4"/>
+          </p:nvPr>
+        </p:nvSpPr>
+        <p:spPr>
+          <a:xfrm>
+            <a:off x="0" y="6513513"/>
+            <a:ext cx="3962400" cy="344487"/>
+          </a:xfrm>
+          <a:prstGeom prst="rect">
+            <a:avLst/>
+          </a:prstGeom>
+        </p:spPr>
+        <p:txBody>
+          <a:bodyPr vert="horz" lIns="91440" tIns="45720" rIns="91440" bIns="45720" rtlCol="0" anchor="b"/>
+          <a:lstStyle>
+            <a:lvl1pPr algn="l">
+              <a:defRPr sz="1200"/>
+            </a:lvl1pPr>
+          </a:lstStyle>
+          <a:p>
+            <a:endParaRPr lang="ko-KR" altLang="en-US"/>
+          </a:p>
+        </p:txBody>
+      </p:sp>
+      <p:sp>
+        <p:nvSpPr>
+          <p:cNvPr id="7" name="슬라이드 번호 개체 틀 6"/>
+          <p:cNvSpPr>
+            <a:spLocks noGrp="1"/>
+          </p:cNvSpPr>
+          <p:nvPr>
+            <p:ph type="sldNum" sz="quarter" idx="5"/>
+          </p:nvPr>
+        </p:nvSpPr>
+        <p:spPr>
+          <a:xfrm>
+            <a:off x="5180013" y="6513513"/>
+            <a:ext cx="3962400" cy="344487"/>
+          </a:xfrm>
+          <a:prstGeom prst="rect">
+            <a:avLst/>
+          </a:prstGeom>
+        </p:spPr>
+        <p:txBody>
+          <a:bodyPr vert="horz" lIns="91440" tIns="45720" rIns="91440" bIns="45720" rtlCol="0" anchor="b"/>
+          <a:lstStyle>
+            <a:lvl1pPr algn="r">
+              <a:defRPr sz="1200"/>
+            </a:lvl1pPr>
+          </a:lstStyle>
+          <a:p>
+            <a:fld id="{1CD5A2F9-62CA-4D64-9CAE-4237475ECF52}" type="slidenum">
+              <a:rPr lang="ko-KR" altLang="en-US" smtClean="0"/>
+              <a:t>‹#›</a:t>
+            </a:fld>
+            <a:endParaRPr lang="ko-KR" altLang="en-US"/>
+          </a:p>
+        </p:txBody>
+      </p:sp>
+    </p:spTree>
+    <p:extLst>
+      <p:ext uri="{BB962C8B-B14F-4D97-AF65-F5344CB8AC3E}">
+        <p14:creationId xmlns:p14="http://schemas.microsoft.com/office/powerpoint/2010/main" val="770606294"/>
+      </p:ext>
+    </p:extLst>
+  </p:cSld>
+  <p:clrMap bg1="lt1" tx1="dk1" bg2="lt2" tx2="dk2" accent1="accent1" accent2="accent2" accent3="accent3" accent4="accent4" accent5="accent5" accent6="accent6" hlink="hlink" folHlink="folHlink"/>
+  <p:notesStyle>
+    <a:lvl1pPr marL="0" algn="l" defTabSz="914400" rtl="0" eaLnBrk="1" latinLnBrk="1" hangingPunct="1">
+      <a:defRPr sz="1200" kern="1200">
+        <a:solidFill>
+          <a:schemeClr val="tx1"/>
+        </a:solidFill>
+        <a:latin typeface="+mn-lt"/>
+        <a:ea typeface="+mn-ea"/>
+        <a:cs typeface="+mn-cs"/>
+      </a:defRPr>
+    </a:lvl1pPr>
+    <a:lvl2pPr marL="457200" algn="l" defTabSz="914400" rtl="0" eaLnBrk="1" latinLnBrk="1" hangingPunct="1">
+      <a:defRPr sz="1200" kern="1200">
+        <a:solidFill>
+          <a:schemeClr val="tx1"/>
+        </a:solidFill>
+        <a:latin typeface="+mn-lt"/>
+        <a:ea typeface="+mn-ea"/>
+        <a:cs typeface="+mn-cs"/>
+      </a:defRPr>
+    </a:lvl2pPr>
+    <a:lvl3pPr marL="914400" algn="l" defTabSz="914400" rtl="0" eaLnBrk="1" latinLnBrk="1" hangingPunct="1">
+      <a:defRPr sz="1200" kern="1200">
+        <a:solidFill>
+          <a:schemeClr val="tx1"/>
+        </a:solidFill>
+        <a:latin typeface="+mn-lt"/>
+        <a:ea typeface="+mn-ea"/>
+        <a:cs typeface="+mn-cs"/>
+      </a:defRPr>
+    </a:lvl3pPr>
+    <a:lvl4pPr marL="1371600" algn="l" defTabSz="914400" rtl="0" eaLnBrk="1" latinLnBrk="1" hangingPunct="1">
+      <a:defRPr sz="1200" kern="1200">
+        <a:solidFill>
+          <a:schemeClr val="tx1"/>
+        </a:solidFill>
+        <a:latin typeface="+mn-lt"/>
+        <a:ea typeface="+mn-ea"/>
+        <a:cs typeface="+mn-cs"/>
+      </a:defRPr>
+    </a:lvl4pPr>
+    <a:lvl5pPr marL="1828800" algn="l" defTabSz="914400" rtl="0" eaLnBrk="1" latinLnBrk="1" hangingPunct="1">
+      <a:defRPr sz="1200" kern="1200">
+        <a:solidFill>
+          <a:schemeClr val="tx1"/>
+        </a:solidFill>
+        <a:latin typeface="+mn-lt"/>
+        <a:ea typeface="+mn-ea"/>
+        <a:cs typeface="+mn-cs"/>
+      </a:defRPr>
+    </a:lvl5pPr>
+    <a:lvl6pPr marL="2286000" algn="l" defTabSz="914400" rtl="0" eaLnBrk="1" latinLnBrk="1" hangingPunct="1">
+      <a:defRPr sz="1200" kern="1200">
+        <a:solidFill>
+          <a:schemeClr val="tx1"/>
+        </a:solidFill>
+        <a:latin typeface="+mn-lt"/>
+        <a:ea typeface="+mn-ea"/>
+        <a:cs typeface="+mn-cs"/>
+      </a:defRPr>
+    </a:lvl6pPr>
+    <a:lvl7pPr marL="2743200" algn="l" defTabSz="914400" rtl="0" eaLnBrk="1" latinLnBrk="1" hangingPunct="1">
+      <a:defRPr sz="1200" kern="1200">
+        <a:solidFill>
+          <a:schemeClr val="tx1"/>
+        </a:solidFill>
+        <a:latin typeface="+mn-lt"/>
+        <a:ea typeface="+mn-ea"/>
+        <a:cs typeface="+mn-cs"/>
+      </a:defRPr>
+    </a:lvl7pPr>
+    <a:lvl8pPr marL="3200400" algn="l" defTabSz="914400" rtl="0" eaLnBrk="1" latinLnBrk="1" hangingPunct="1">
+      <a:defRPr sz="1200" kern="1200">
+        <a:solidFill>
+          <a:schemeClr val="tx1"/>
+        </a:solidFill>
+        <a:latin typeface="+mn-lt"/>
+        <a:ea typeface="+mn-ea"/>
+        <a:cs typeface="+mn-cs"/>
+      </a:defRPr>
+    </a:lvl8pPr>
+    <a:lvl9pPr marL="3657600" algn="l" defTabSz="914400" rtl="0" eaLnBrk="1" latinLnBrk="1" hangingPunct="1">
+      <a:defRPr sz="1200" kern="1200">
+        <a:solidFill>
+          <a:schemeClr val="tx1"/>
+        </a:solidFill>
+        <a:latin typeface="+mn-lt"/>
+        <a:ea typeface="+mn-ea"/>
+        <a:cs typeface="+mn-cs"/>
+      </a:defRPr>
+    </a:lvl9pPr>
+  </p:notesStyle>
+</p:notesMaster>
+</file>
+
+<file path=ppt/notesSlides/notesSlide1.xml><?xml version="1.0" encoding="utf-8"?>
+<p:notes xmlns:a="http://schemas.openxmlformats.org/drawingml/2006/main" xmlns:r="http://schemas.openxmlformats.org/officeDocument/2006/relationships" xmlns:p="http://schemas.openxmlformats.org/presentationml/2006/main">
+  <p:cSld>
+    <p:spTree>
+      <p:nvGrpSpPr>
+        <p:cNvPr id="1" name=""/>
+        <p:cNvGrpSpPr/>
+        <p:nvPr/>
+      </p:nvGrpSpPr>
+      <p:grpSpPr>
+        <a:xfrm>
+          <a:off x="0" y="0"/>
+          <a:ext cx="0" cy="0"/>
+          <a:chOff x="0" y="0"/>
+          <a:chExt cx="0" cy="0"/>
+        </a:xfrm>
+      </p:grpSpPr>
+      <p:sp>
+        <p:nvSpPr>
+          <p:cNvPr id="2" name="슬라이드 이미지 개체 틀 1"/>
+          <p:cNvSpPr>
+            <a:spLocks noGrp="1" noRot="1" noChangeAspect="1"/>
+          </p:cNvSpPr>
+          <p:nvPr>
+            <p:ph type="sldImg"/>
+          </p:nvPr>
+        </p:nvSpPr>
+        <p:spPr/>
+      </p:sp>
+      <p:sp>
+        <p:nvSpPr>
+          <p:cNvPr id="3" name="슬라이드 노트 개체 틀 2"/>
+          <p:cNvSpPr>
+            <a:spLocks noGrp="1"/>
+          </p:cNvSpPr>
+          <p:nvPr>
+            <p:ph type="body" idx="1"/>
+          </p:nvPr>
+        </p:nvSpPr>
+        <p:spPr/>
+        <p:txBody>
+          <a:bodyPr/>
+          <a:lstStyle/>
+          <a:p>
+            <a:endParaRPr lang="ko-KR" altLang="en-US" dirty="0"/>
+          </a:p>
+        </p:txBody>
+      </p:sp>
+      <p:sp>
+        <p:nvSpPr>
+          <p:cNvPr id="4" name="슬라이드 번호 개체 틀 3"/>
+          <p:cNvSpPr>
+            <a:spLocks noGrp="1"/>
+          </p:cNvSpPr>
+          <p:nvPr>
+            <p:ph type="sldNum" sz="quarter" idx="5"/>
+          </p:nvPr>
+        </p:nvSpPr>
+        <p:spPr/>
+        <p:txBody>
+          <a:bodyPr/>
+          <a:lstStyle/>
+          <a:p>
+            <a:fld id="{1CD5A2F9-62CA-4D64-9CAE-4237475ECF52}" type="slidenum">
+              <a:rPr lang="ko-KR" altLang="en-US" smtClean="0"/>
+              <a:t>27</a:t>
+            </a:fld>
+            <a:endParaRPr lang="ko-KR" altLang="en-US"/>
+          </a:p>
+        </p:txBody>
+      </p:sp>
+    </p:spTree>
+    <p:extLst>
+      <p:ext uri="{BB962C8B-B14F-4D97-AF65-F5344CB8AC3E}">
+        <p14:creationId xmlns:p14="http://schemas.microsoft.com/office/powerpoint/2010/main" val="3821499470"/>
+      </p:ext>
+    </p:extLst>
+  </p:cSld>
+  <p:clrMapOvr>
+    <a:masterClrMapping/>
+  </p:clrMapOvr>
+</p:notes>
+</file>
+
 <file path=ppt/slideLayouts/slideLayout1.xml><?xml version="1.0" encoding="utf-8"?>
 <p:sldLayout xmlns:a="http://schemas.openxmlformats.org/drawingml/2006/main" xmlns:r="http://schemas.openxmlformats.org/officeDocument/2006/relationships" xmlns:p="http://schemas.openxmlformats.org/presentationml/2006/main" type="obj" preserve="1">
   <p:cSld name="Title Slide">
@@ -304,7 +748,7 @@
           <a:p>
             <a:fld id="{1D8BD707-D9CF-40AE-B4C6-C98DA3205C09}" type="datetimeFigureOut">
               <a:rPr lang="en-US"/>
-              <a:t>1/20/2020</a:t>
+              <a:t>1/26/2020</a:t>
             </a:fld>
             <a:endParaRPr lang="en-US"/>
           </a:p>
@@ -485,7 +929,7 @@
           <a:p>
             <a:fld id="{1D8BD707-D9CF-40AE-B4C6-C98DA3205C09}" type="datetimeFigureOut">
               <a:rPr lang="en-US"/>
-              <a:t>1/20/2020</a:t>
+              <a:t>1/26/2020</a:t>
             </a:fld>
             <a:endParaRPr lang="en-US"/>
           </a:p>
@@ -705,7 +1149,7 @@
           <a:p>
             <a:fld id="{1D8BD707-D9CF-40AE-B4C6-C98DA3205C09}" type="datetimeFigureOut">
               <a:rPr lang="en-US"/>
-              <a:t>1/20/2020</a:t>
+              <a:t>1/26/2020</a:t>
             </a:fld>
             <a:endParaRPr lang="en-US"/>
           </a:p>
@@ -859,7 +1303,7 @@
           <a:p>
             <a:fld id="{1D8BD707-D9CF-40AE-B4C6-C98DA3205C09}" type="datetimeFigureOut">
               <a:rPr lang="en-US"/>
-              <a:t>1/20/2020</a:t>
+              <a:t>1/26/2020</a:t>
             </a:fld>
             <a:endParaRPr lang="en-US"/>
           </a:p>
@@ -984,7 +1428,7 @@
           <a:p>
             <a:fld id="{1D8BD707-D9CF-40AE-B4C6-C98DA3205C09}" type="datetimeFigureOut">
               <a:rPr lang="en-US"/>
-              <a:t>1/20/2020</a:t>
+              <a:t>1/26/2020</a:t>
             </a:fld>
             <a:endParaRPr lang="en-US"/>
           </a:p>
@@ -1292,7 +1736,7 @@
           <a:p>
             <a:fld id="{1D8BD707-D9CF-40AE-B4C6-C98DA3205C09}" type="datetimeFigureOut">
               <a:rPr lang="en-US"/>
-              <a:t>1/20/2020</a:t>
+              <a:t>1/26/2020</a:t>
             </a:fld>
             <a:endParaRPr lang="en-US"/>
           </a:p>
@@ -1865,7 +2309,7 @@
         <p:spPr>
           <a:xfrm>
             <a:off x="474370" y="177546"/>
-            <a:ext cx="2971800" cy="574040"/>
+            <a:ext cx="4097630" cy="566822"/>
           </a:xfrm>
           <a:prstGeom prst="rect">
             <a:avLst/>
@@ -1886,11 +2330,32 @@
               </a:spcBef>
             </a:pPr>
             <a:r>
+              <a:rPr lang="en-US" altLang="ko-KR" sz="3600" b="1" dirty="0">
+                <a:latin typeface="UnDinaru"/>
+                <a:cs typeface="UnDinaru"/>
+              </a:rPr>
+              <a:t>1</a:t>
+            </a:r>
+            <a:r>
+              <a:rPr lang="ko-KR" altLang="en-US" sz="3600" b="1" dirty="0">
+                <a:latin typeface="UnDinaru"/>
+                <a:cs typeface="UnDinaru"/>
+              </a:rPr>
+              <a:t>번 </a:t>
+            </a:r>
+            <a:r>
+              <a:rPr sz="3600" b="1" dirty="0" err="1">
+                <a:latin typeface="UnDinaru"/>
+                <a:cs typeface="UnDinaru"/>
+              </a:rPr>
+              <a:t>실습</a:t>
+            </a:r>
+            <a:r>
               <a:rPr sz="3600" b="1" dirty="0">
                 <a:latin typeface="UnDinaru"/>
                 <a:cs typeface="UnDinaru"/>
               </a:rPr>
-              <a:t>실습 진행</a:t>
+              <a:t> 진행</a:t>
             </a:r>
             <a:r>
               <a:rPr sz="3600" b="1" spc="-229" dirty="0">
@@ -1906,7 +2371,7 @@
               </a:rPr>
               <a:t>내용</a:t>
             </a:r>
-            <a:endParaRPr sz="3600">
+            <a:endParaRPr sz="3600" dirty="0">
               <a:latin typeface="UnDinaru"/>
               <a:cs typeface="UnDinaru"/>
             </a:endParaRPr>
@@ -4347,57 +4812,7 @@
       </p:grpSpPr>
       <p:sp>
         <p:nvSpPr>
-          <p:cNvPr id="2" name="object 2"/>
-          <p:cNvSpPr txBox="1"/>
-          <p:nvPr/>
-        </p:nvSpPr>
-        <p:spPr>
-          <a:xfrm>
-            <a:off x="474370" y="177546"/>
-            <a:ext cx="8364830" cy="566822"/>
-          </a:xfrm>
-          <a:prstGeom prst="rect">
-            <a:avLst/>
-          </a:prstGeom>
-        </p:spPr>
-        <p:txBody>
-          <a:bodyPr vert="horz" wrap="square" lIns="0" tIns="12700" rIns="0" bIns="0" rtlCol="0">
-            <a:spAutoFit/>
-          </a:bodyPr>
-          <a:lstStyle/>
-          <a:p>
-            <a:pPr marL="12700">
-              <a:lnSpc>
-                <a:spcPct val="100000"/>
-              </a:lnSpc>
-              <a:spcBef>
-                <a:spcPts val="100"/>
-              </a:spcBef>
-            </a:pPr>
-            <a:r>
-              <a:rPr lang="en-US" sz="3600" b="1" spc="-185" dirty="0">
-                <a:latin typeface="Trebuchet MS"/>
-                <a:cs typeface="UnDinaru"/>
-              </a:rPr>
-              <a:t>AWS Lambda </a:t>
-            </a:r>
-            <a:r>
-              <a:rPr lang="ko-KR" altLang="en-US" sz="3600" b="1" spc="-185" dirty="0">
-                <a:latin typeface="Trebuchet MS"/>
-                <a:cs typeface="UnDinaru"/>
-              </a:rPr>
-              <a:t>함수 생성</a:t>
-            </a:r>
-            <a:endParaRPr sz="3600" b="1" dirty="0">
-              <a:latin typeface="UnDinaru"/>
-              <a:cs typeface="UnDinaru"/>
-            </a:endParaRPr>
-          </a:p>
-        </p:txBody>
-      </p:sp>
-      <p:sp>
-        <p:nvSpPr>
-          <p:cNvPr id="7" name="object 7"/>
+          <p:cNvPr id="5" name="object 5"/>
           <p:cNvSpPr txBox="1">
             <a:spLocks noGrp="1"/>
           </p:cNvSpPr>
@@ -4429,312 +4844,78 @@
           </a:p>
         </p:txBody>
       </p:sp>
-      <p:pic>
-        <p:nvPicPr>
-          <p:cNvPr id="3" name="그림 2">
+      <p:sp>
+        <p:nvSpPr>
+          <p:cNvPr id="7" name="object 3">
             <a:extLst>
               <a:ext uri="{FF2B5EF4-FFF2-40B4-BE49-F238E27FC236}">
-                <a16:creationId xmlns:a16="http://schemas.microsoft.com/office/drawing/2014/main" id="{9ACD552B-DAE5-4D12-A782-51DB2C7F01B6}"/>
+                <a16:creationId xmlns:a16="http://schemas.microsoft.com/office/drawing/2014/main" id="{15992DBA-A09F-4CD0-BD2E-18B8282AF1FD}"/>
               </a:ext>
             </a:extLst>
           </p:cNvPr>
-          <p:cNvPicPr>
-            <a:picLocks noChangeAspect="1"/>
-          </p:cNvPicPr>
-          <p:nvPr/>
-        </p:nvPicPr>
-        <p:blipFill>
-          <a:blip r:embed="rId2"/>
-          <a:stretch>
-            <a:fillRect/>
-          </a:stretch>
-        </p:blipFill>
-        <p:spPr>
-          <a:xfrm>
-            <a:off x="-76200" y="1295400"/>
-            <a:ext cx="9144000" cy="1175232"/>
-          </a:xfrm>
-          <a:prstGeom prst="rect">
-            <a:avLst/>
-          </a:prstGeom>
-        </p:spPr>
-      </p:pic>
-      <p:sp>
-        <p:nvSpPr>
-          <p:cNvPr id="9" name="액자 8">
+          <p:cNvSpPr txBox="1">
+            <a:spLocks/>
+          </p:cNvSpPr>
+          <p:nvPr/>
+        </p:nvSpPr>
+        <p:spPr>
+          <a:xfrm>
+            <a:off x="474370" y="172973"/>
+            <a:ext cx="6536030" cy="566822"/>
+          </a:xfrm>
+          <a:prstGeom prst="rect">
+            <a:avLst/>
+          </a:prstGeom>
+        </p:spPr>
+        <p:txBody>
+          <a:bodyPr vert="horz" wrap="square" lIns="0" tIns="12700" rIns="0" bIns="0" rtlCol="0">
+            <a:spAutoFit/>
+          </a:bodyPr>
+          <a:lstStyle>
+            <a:lvl1pPr>
+              <a:defRPr>
+                <a:latin typeface="+mj-lt"/>
+                <a:ea typeface="+mj-ea"/>
+                <a:cs typeface="+mj-cs"/>
+              </a:defRPr>
+            </a:lvl1pPr>
+          </a:lstStyle>
+          <a:p>
+            <a:pPr marL="12700" latinLnBrk="0">
+              <a:spcBef>
+                <a:spcPts val="100"/>
+              </a:spcBef>
+            </a:pPr>
+            <a:r>
+              <a:rPr lang="en-US" altLang="ko-KR" sz="3600" b="1" kern="0" spc="-110" dirty="0">
+                <a:solidFill>
+                  <a:sysClr val="windowText" lastClr="000000"/>
+                </a:solidFill>
+              </a:rPr>
+              <a:t>2</a:t>
+            </a:r>
+            <a:r>
+              <a:rPr lang="ko-KR" altLang="en-US" sz="3600" b="1" kern="0" spc="-110" dirty="0">
+                <a:solidFill>
+                  <a:sysClr val="windowText" lastClr="000000"/>
+                </a:solidFill>
+              </a:rPr>
+              <a:t>번 실습 구성</a:t>
+            </a:r>
+            <a:endParaRPr lang="en-US" sz="3600" b="1" kern="0" dirty="0">
+              <a:solidFill>
+                <a:sysClr val="windowText" lastClr="000000"/>
+              </a:solidFill>
+            </a:endParaRPr>
+          </a:p>
+        </p:txBody>
+      </p:sp>
+      <p:sp>
+        <p:nvSpPr>
+          <p:cNvPr id="2" name="TextBox 1">
             <a:extLst>
               <a:ext uri="{FF2B5EF4-FFF2-40B4-BE49-F238E27FC236}">
-                <a16:creationId xmlns:a16="http://schemas.microsoft.com/office/drawing/2014/main" id="{96871174-84DB-4DFE-982F-4F858B664BED}"/>
-              </a:ext>
-            </a:extLst>
-          </p:cNvPr>
-          <p:cNvSpPr/>
-          <p:nvPr/>
-        </p:nvSpPr>
-        <p:spPr>
-          <a:xfrm>
-            <a:off x="8077200" y="1676400"/>
-            <a:ext cx="990600" cy="228600"/>
-          </a:xfrm>
-          <a:prstGeom prst="frame">
-            <a:avLst>
-              <a:gd name="adj1" fmla="val 0"/>
-            </a:avLst>
-          </a:prstGeom>
-          <a:solidFill>
-            <a:srgbClr val="FF0000"/>
-          </a:solidFill>
-          <a:ln>
-            <a:solidFill>
-              <a:srgbClr val="FF0000"/>
-            </a:solidFill>
-          </a:ln>
-        </p:spPr>
-        <p:style>
-          <a:lnRef idx="2">
-            <a:schemeClr val="accent1">
-              <a:shade val="50000"/>
-            </a:schemeClr>
-          </a:lnRef>
-          <a:fillRef idx="1">
-            <a:schemeClr val="accent1"/>
-          </a:fillRef>
-          <a:effectRef idx="0">
-            <a:schemeClr val="accent1"/>
-          </a:effectRef>
-          <a:fontRef idx="minor">
-            <a:schemeClr val="lt1"/>
-          </a:fontRef>
-        </p:style>
-        <p:txBody>
-          <a:bodyPr rtlCol="0" anchor="ctr"/>
-          <a:lstStyle/>
-          <a:p>
-            <a:pPr algn="ctr"/>
-            <a:endParaRPr lang="ko-KR" altLang="en-US">
-              <a:solidFill>
-                <a:schemeClr val="tx1"/>
-              </a:solidFill>
-            </a:endParaRPr>
-          </a:p>
-        </p:txBody>
-      </p:sp>
-      <p:pic>
-        <p:nvPicPr>
-          <p:cNvPr id="11" name="그림 10">
-            <a:extLst>
-              <a:ext uri="{FF2B5EF4-FFF2-40B4-BE49-F238E27FC236}">
-                <a16:creationId xmlns:a16="http://schemas.microsoft.com/office/drawing/2014/main" id="{924E3D43-88B0-4CD2-894C-448D57336526}"/>
-              </a:ext>
-            </a:extLst>
-          </p:cNvPr>
-          <p:cNvPicPr>
-            <a:picLocks noChangeAspect="1"/>
-          </p:cNvPicPr>
-          <p:nvPr/>
-        </p:nvPicPr>
-        <p:blipFill>
-          <a:blip r:embed="rId3"/>
-          <a:stretch>
-            <a:fillRect/>
-          </a:stretch>
-        </p:blipFill>
-        <p:spPr>
-          <a:xfrm>
-            <a:off x="385292" y="2675188"/>
-            <a:ext cx="8221015" cy="3859520"/>
-          </a:xfrm>
-          <a:prstGeom prst="rect">
-            <a:avLst/>
-          </a:prstGeom>
-        </p:spPr>
-      </p:pic>
-      <p:sp>
-        <p:nvSpPr>
-          <p:cNvPr id="12" name="액자 11">
-            <a:extLst>
-              <a:ext uri="{FF2B5EF4-FFF2-40B4-BE49-F238E27FC236}">
-                <a16:creationId xmlns:a16="http://schemas.microsoft.com/office/drawing/2014/main" id="{98D961E6-BF30-4E23-BBAD-218D70BBC95A}"/>
-              </a:ext>
-            </a:extLst>
-          </p:cNvPr>
-          <p:cNvSpPr/>
-          <p:nvPr/>
-        </p:nvSpPr>
-        <p:spPr>
-          <a:xfrm>
-            <a:off x="7734934" y="6348660"/>
-            <a:ext cx="990600" cy="228600"/>
-          </a:xfrm>
-          <a:prstGeom prst="frame">
-            <a:avLst>
-              <a:gd name="adj1" fmla="val 0"/>
-            </a:avLst>
-          </a:prstGeom>
-          <a:solidFill>
-            <a:srgbClr val="FF0000"/>
-          </a:solidFill>
-          <a:ln>
-            <a:solidFill>
-              <a:srgbClr val="FF0000"/>
-            </a:solidFill>
-          </a:ln>
-        </p:spPr>
-        <p:style>
-          <a:lnRef idx="2">
-            <a:schemeClr val="accent1">
-              <a:shade val="50000"/>
-            </a:schemeClr>
-          </a:lnRef>
-          <a:fillRef idx="1">
-            <a:schemeClr val="accent1"/>
-          </a:fillRef>
-          <a:effectRef idx="0">
-            <a:schemeClr val="accent1"/>
-          </a:effectRef>
-          <a:fontRef idx="minor">
-            <a:schemeClr val="lt1"/>
-          </a:fontRef>
-        </p:style>
-        <p:txBody>
-          <a:bodyPr rtlCol="0" anchor="ctr"/>
-          <a:lstStyle/>
-          <a:p>
-            <a:pPr algn="ctr"/>
-            <a:endParaRPr lang="ko-KR" altLang="en-US">
-              <a:solidFill>
-                <a:schemeClr val="tx1"/>
-              </a:solidFill>
-            </a:endParaRPr>
-          </a:p>
-        </p:txBody>
-      </p:sp>
-      <p:sp>
-        <p:nvSpPr>
-          <p:cNvPr id="13" name="액자 12">
-            <a:extLst>
-              <a:ext uri="{FF2B5EF4-FFF2-40B4-BE49-F238E27FC236}">
-                <a16:creationId xmlns:a16="http://schemas.microsoft.com/office/drawing/2014/main" id="{2D660E06-C30F-49C3-80C5-F944D2D54F9F}"/>
-              </a:ext>
-            </a:extLst>
-          </p:cNvPr>
-          <p:cNvSpPr/>
-          <p:nvPr/>
-        </p:nvSpPr>
-        <p:spPr>
-          <a:xfrm>
-            <a:off x="474370" y="4800600"/>
-            <a:ext cx="990600" cy="228600"/>
-          </a:xfrm>
-          <a:prstGeom prst="frame">
-            <a:avLst>
-              <a:gd name="adj1" fmla="val 0"/>
-            </a:avLst>
-          </a:prstGeom>
-          <a:solidFill>
-            <a:srgbClr val="FF0000"/>
-          </a:solidFill>
-          <a:ln>
-            <a:solidFill>
-              <a:srgbClr val="FF0000"/>
-            </a:solidFill>
-          </a:ln>
-        </p:spPr>
-        <p:style>
-          <a:lnRef idx="2">
-            <a:schemeClr val="accent1">
-              <a:shade val="50000"/>
-            </a:schemeClr>
-          </a:lnRef>
-          <a:fillRef idx="1">
-            <a:schemeClr val="accent1"/>
-          </a:fillRef>
-          <a:effectRef idx="0">
-            <a:schemeClr val="accent1"/>
-          </a:effectRef>
-          <a:fontRef idx="minor">
-            <a:schemeClr val="lt1"/>
-          </a:fontRef>
-        </p:style>
-        <p:txBody>
-          <a:bodyPr rtlCol="0" anchor="ctr"/>
-          <a:lstStyle/>
-          <a:p>
-            <a:pPr algn="ctr"/>
-            <a:endParaRPr lang="ko-KR" altLang="en-US">
-              <a:solidFill>
-                <a:schemeClr val="tx1"/>
-              </a:solidFill>
-            </a:endParaRPr>
-          </a:p>
-        </p:txBody>
-      </p:sp>
-      <p:sp>
-        <p:nvSpPr>
-          <p:cNvPr id="14" name="액자 13">
-            <a:extLst>
-              <a:ext uri="{FF2B5EF4-FFF2-40B4-BE49-F238E27FC236}">
-                <a16:creationId xmlns:a16="http://schemas.microsoft.com/office/drawing/2014/main" id="{EA4ACDCA-39EA-42C2-BC3D-5C84B5666895}"/>
-              </a:ext>
-            </a:extLst>
-          </p:cNvPr>
-          <p:cNvSpPr/>
-          <p:nvPr/>
-        </p:nvSpPr>
-        <p:spPr>
-          <a:xfrm>
-            <a:off x="474370" y="5334000"/>
-            <a:ext cx="990600" cy="228600"/>
-          </a:xfrm>
-          <a:prstGeom prst="frame">
-            <a:avLst>
-              <a:gd name="adj1" fmla="val 0"/>
-            </a:avLst>
-          </a:prstGeom>
-          <a:solidFill>
-            <a:srgbClr val="FF0000"/>
-          </a:solidFill>
-          <a:ln>
-            <a:solidFill>
-              <a:srgbClr val="FF0000"/>
-            </a:solidFill>
-          </a:ln>
-        </p:spPr>
-        <p:style>
-          <a:lnRef idx="2">
-            <a:schemeClr val="accent1">
-              <a:shade val="50000"/>
-            </a:schemeClr>
-          </a:lnRef>
-          <a:fillRef idx="1">
-            <a:schemeClr val="accent1"/>
-          </a:fillRef>
-          <a:effectRef idx="0">
-            <a:schemeClr val="accent1"/>
-          </a:effectRef>
-          <a:fontRef idx="minor">
-            <a:schemeClr val="lt1"/>
-          </a:fontRef>
-        </p:style>
-        <p:txBody>
-          <a:bodyPr rtlCol="0" anchor="ctr"/>
-          <a:lstStyle/>
-          <a:p>
-            <a:pPr algn="ctr"/>
-            <a:endParaRPr lang="ko-KR" altLang="en-US">
-              <a:solidFill>
-                <a:schemeClr val="tx1"/>
-              </a:solidFill>
-            </a:endParaRPr>
-          </a:p>
-        </p:txBody>
-      </p:sp>
-      <p:sp>
-        <p:nvSpPr>
-          <p:cNvPr id="15" name="TextBox 14">
-            <a:extLst>
-              <a:ext uri="{FF2B5EF4-FFF2-40B4-BE49-F238E27FC236}">
-                <a16:creationId xmlns:a16="http://schemas.microsoft.com/office/drawing/2014/main" id="{CEE0B34F-65D9-4404-BDF9-6255CD406D57}"/>
+                <a16:creationId xmlns:a16="http://schemas.microsoft.com/office/drawing/2014/main" id="{6825CBEF-BE47-465A-AF05-0118FE2983D6}"/>
               </a:ext>
             </a:extLst>
           </p:cNvPr>
@@ -4743,8 +4924,8 @@
         </p:nvSpPr>
         <p:spPr>
           <a:xfrm>
-            <a:off x="1828800" y="5334000"/>
-            <a:ext cx="2133600" cy="369332"/>
+            <a:off x="838200" y="1600200"/>
+            <a:ext cx="6705600" cy="2031325"/>
           </a:xfrm>
           <a:prstGeom prst="rect">
             <a:avLst/>
@@ -4757,13 +4938,115 @@
           </a:bodyPr>
           <a:lstStyle/>
           <a:p>
-            <a:r>
-              <a:rPr lang="en-US" altLang="ko-KR"/>
+            <a:pPr marL="285750" indent="-285750">
+              <a:buFont typeface="Arial" panose="020B0604020202020204" pitchFamily="34" charset="0"/>
+              <a:buChar char="•"/>
+            </a:pPr>
+            <a:r>
+              <a:rPr lang="en-US" altLang="ko-KR" dirty="0"/>
+              <a:t>IAM User</a:t>
+            </a:r>
+            <a:r>
+              <a:rPr lang="ko-KR" altLang="en-US" dirty="0"/>
+              <a:t>등록과 </a:t>
+            </a:r>
+            <a:r>
+              <a:rPr lang="en-US" altLang="ko-KR" dirty="0"/>
+              <a:t>Comprehend </a:t>
+            </a:r>
+            <a:r>
+              <a:rPr lang="ko-KR" altLang="en-US" dirty="0"/>
+              <a:t>사용 권한 설정</a:t>
+            </a:r>
+            <a:endParaRPr lang="en-US" altLang="ko-KR" dirty="0"/>
+          </a:p>
+          <a:p>
+            <a:pPr marL="285750" indent="-285750">
+              <a:buFont typeface="Arial" panose="020B0604020202020204" pitchFamily="34" charset="0"/>
+              <a:buChar char="•"/>
+            </a:pPr>
+            <a:endParaRPr lang="en-US" altLang="ko-KR" dirty="0"/>
+          </a:p>
+          <a:p>
+            <a:pPr marL="285750" indent="-285750">
+              <a:buFont typeface="Arial" panose="020B0604020202020204" pitchFamily="34" charset="0"/>
+              <a:buChar char="•"/>
+            </a:pPr>
+            <a:r>
+              <a:rPr lang="en-US" altLang="ko-KR" dirty="0"/>
               <a:t>Python </a:t>
             </a:r>
             <a:r>
               <a:rPr lang="ko-KR" altLang="en-US" dirty="0"/>
-              <a:t>최신버전</a:t>
+              <a:t>예제 코드를 사용해 </a:t>
+            </a:r>
+            <a:r>
+              <a:rPr lang="en-US" altLang="ko-KR" dirty="0"/>
+              <a:t>AWS</a:t>
+            </a:r>
+            <a:r>
+              <a:rPr lang="ko-KR" altLang="en-US" dirty="0"/>
+              <a:t> </a:t>
+            </a:r>
+            <a:r>
+              <a:rPr lang="en-US" altLang="ko-KR" dirty="0"/>
+              <a:t>Comprehend</a:t>
+            </a:r>
+            <a:r>
+              <a:rPr lang="ko-KR" altLang="en-US" dirty="0"/>
+              <a:t> 서비스 테스트</a:t>
+            </a:r>
+            <a:endParaRPr lang="en-US" altLang="ko-KR" dirty="0"/>
+          </a:p>
+          <a:p>
+            <a:pPr marL="285750" indent="-285750">
+              <a:buFont typeface="Arial" panose="020B0604020202020204" pitchFamily="34" charset="0"/>
+              <a:buChar char="•"/>
+            </a:pPr>
+            <a:endParaRPr lang="en-US" altLang="ko-KR" dirty="0"/>
+          </a:p>
+          <a:p>
+            <a:pPr marL="285750" indent="-285750">
+              <a:buFont typeface="Arial" panose="020B0604020202020204" pitchFamily="34" charset="0"/>
+              <a:buChar char="•"/>
+            </a:pPr>
+            <a:r>
+              <a:rPr lang="en-US" altLang="ko-KR" dirty="0"/>
+              <a:t>Lambda </a:t>
+            </a:r>
+            <a:r>
+              <a:rPr lang="en-US" altLang="ko-KR" dirty="0" err="1"/>
+              <a:t>Api</a:t>
+            </a:r>
+            <a:r>
+              <a:rPr lang="en-US" altLang="ko-KR" dirty="0"/>
+              <a:t> </a:t>
+            </a:r>
+            <a:r>
+              <a:rPr lang="ko-KR" altLang="en-US" dirty="0"/>
+              <a:t>구성</a:t>
+            </a:r>
+            <a:endParaRPr lang="en-US" altLang="ko-KR" dirty="0"/>
+          </a:p>
+          <a:p>
+            <a:pPr marL="285750" indent="-285750">
+              <a:buFont typeface="Arial" panose="020B0604020202020204" pitchFamily="34" charset="0"/>
+              <a:buChar char="•"/>
+            </a:pPr>
+            <a:endParaRPr lang="en-US" altLang="ko-KR" dirty="0"/>
+          </a:p>
+          <a:p>
+            <a:pPr marL="285750" indent="-285750">
+              <a:buFont typeface="Arial" panose="020B0604020202020204" pitchFamily="34" charset="0"/>
+              <a:buChar char="•"/>
+            </a:pPr>
+            <a:r>
+              <a:rPr lang="en-US" altLang="ko-KR" dirty="0"/>
+              <a:t>Lambda  API</a:t>
+            </a:r>
+            <a:r>
+              <a:rPr lang="ko-KR" altLang="en-US" dirty="0"/>
+              <a:t>를 호출해 결과값을 받아보는 웹페이지 구성</a:t>
             </a:r>
           </a:p>
         </p:txBody>
@@ -4771,7 +5054,7 @@
     </p:spTree>
     <p:extLst>
       <p:ext uri="{BB962C8B-B14F-4D97-AF65-F5344CB8AC3E}">
-        <p14:creationId xmlns:p14="http://schemas.microsoft.com/office/powerpoint/2010/main" val="1219032658"/>
+        <p14:creationId xmlns:p14="http://schemas.microsoft.com/office/powerpoint/2010/main" val="3748799625"/>
       </p:ext>
     </p:extLst>
   </p:cSld>
@@ -5126,21 +5409,7 @@
                 <a:latin typeface="Trebuchet MS"/>
                 <a:cs typeface="UnDinaru"/>
               </a:rPr>
-              <a:t>함수 </a:t>
-            </a:r>
-            <a:r>
-              <a:rPr lang="en-US" altLang="ko-KR" sz="3600" b="1" spc="-185" dirty="0">
-                <a:latin typeface="Trebuchet MS"/>
-                <a:cs typeface="UnDinaru"/>
-              </a:rPr>
-              <a:t>HTTP API </a:t>
-            </a:r>
-            <a:r>
-              <a:rPr lang="ko-KR" altLang="en-US" sz="3600" b="1" spc="-185" dirty="0">
-                <a:latin typeface="Trebuchet MS"/>
-                <a:cs typeface="UnDinaru"/>
-              </a:rPr>
-              <a:t>트리거 생성</a:t>
+              <a:t>함수 생성</a:t>
             </a:r>
             <a:endParaRPr sz="3600" b="1" dirty="0">
               <a:latin typeface="UnDinaru"/>
@@ -5188,7 +5457,7 @@
           <p:cNvPr id="3" name="그림 2">
             <a:extLst>
               <a:ext uri="{FF2B5EF4-FFF2-40B4-BE49-F238E27FC236}">
-                <a16:creationId xmlns:a16="http://schemas.microsoft.com/office/drawing/2014/main" id="{96ECBC0F-A8D6-424E-A362-62BBF2AB91EE}"/>
+                <a16:creationId xmlns:a16="http://schemas.microsoft.com/office/drawing/2014/main" id="{9ACD552B-DAE5-4D12-A782-51DB2C7F01B6}"/>
               </a:ext>
             </a:extLst>
           </p:cNvPr>
@@ -5205,8 +5474,8 @@
         </p:blipFill>
         <p:spPr>
           <a:xfrm>
-            <a:off x="381000" y="1495716"/>
-            <a:ext cx="3667125" cy="3590925"/>
+            <a:off x="-76200" y="1295400"/>
+            <a:ext cx="9144000" cy="1175232"/>
           </a:xfrm>
           <a:prstGeom prst="rect">
             <a:avLst/>
@@ -5215,107 +5484,10 @@
       </p:pic>
       <p:sp>
         <p:nvSpPr>
-          <p:cNvPr id="13" name="TextBox 12">
+          <p:cNvPr id="9" name="액자 8">
             <a:extLst>
               <a:ext uri="{FF2B5EF4-FFF2-40B4-BE49-F238E27FC236}">
-                <a16:creationId xmlns:a16="http://schemas.microsoft.com/office/drawing/2014/main" id="{B611EA4E-E38A-4B42-A8EE-66E68EA073B8}"/>
-              </a:ext>
-            </a:extLst>
-          </p:cNvPr>
-          <p:cNvSpPr txBox="1"/>
-          <p:nvPr/>
-        </p:nvSpPr>
-        <p:spPr>
-          <a:xfrm>
-            <a:off x="4495800" y="1676400"/>
-            <a:ext cx="4648200" cy="2031325"/>
-          </a:xfrm>
-          <a:prstGeom prst="rect">
-            <a:avLst/>
-          </a:prstGeom>
-          <a:noFill/>
-        </p:spPr>
-        <p:txBody>
-          <a:bodyPr wrap="square" rtlCol="0">
-            <a:spAutoFit/>
-          </a:bodyPr>
-          <a:lstStyle/>
-          <a:p>
-            <a:r>
-              <a:rPr lang="ko-KR" altLang="en-US" dirty="0" err="1"/>
-              <a:t>트리거란</a:t>
-            </a:r>
-            <a:r>
-              <a:rPr lang="en-US" altLang="ko-KR" dirty="0"/>
-              <a:t>? </a:t>
-            </a:r>
-          </a:p>
-          <a:p>
-            <a:endParaRPr lang="en-US" altLang="ko-KR" dirty="0"/>
-          </a:p>
-          <a:p>
-            <a:r>
-              <a:rPr lang="en-US" altLang="ko-KR" dirty="0"/>
-              <a:t>AWS Lambda</a:t>
-            </a:r>
-            <a:r>
-              <a:rPr lang="ko-KR" altLang="en-US" dirty="0"/>
-              <a:t>에 등록한 이벤트</a:t>
-            </a:r>
-            <a:r>
-              <a:rPr lang="en-US" altLang="ko-KR" dirty="0"/>
-              <a:t>(</a:t>
-            </a:r>
-            <a:r>
-              <a:rPr lang="ko-KR" altLang="en-US" dirty="0"/>
-              <a:t>함수</a:t>
-            </a:r>
-            <a:r>
-              <a:rPr lang="en-US" altLang="ko-KR" dirty="0"/>
-              <a:t>) </a:t>
-            </a:r>
-            <a:r>
-              <a:rPr lang="ko-KR" altLang="en-US" dirty="0"/>
-              <a:t>가 실행될 수 있도록 하는 촉발</a:t>
-            </a:r>
-            <a:r>
-              <a:rPr lang="en-US" altLang="ko-KR" dirty="0"/>
-              <a:t>(trigger)</a:t>
-            </a:r>
-          </a:p>
-          <a:p>
-            <a:endParaRPr lang="en-US" altLang="ko-KR" dirty="0"/>
-          </a:p>
-          <a:p>
-            <a:r>
-              <a:rPr lang="ko-KR" altLang="en-US" dirty="0"/>
-              <a:t>본</a:t>
-            </a:r>
-            <a:r>
-              <a:rPr lang="en-US" altLang="ko-KR" dirty="0"/>
-              <a:t> </a:t>
-            </a:r>
-            <a:r>
-              <a:rPr lang="ko-KR" altLang="en-US" dirty="0"/>
-              <a:t>실습에서는 </a:t>
-            </a:r>
-            <a:r>
-              <a:rPr lang="en-US" altLang="ko-KR" dirty="0"/>
-              <a:t>HTTP </a:t>
-            </a:r>
-            <a:r>
-              <a:rPr lang="ko-KR" altLang="en-US" dirty="0"/>
-              <a:t>요청을 통해 트리거를 구성할 예정</a:t>
-            </a:r>
-          </a:p>
-        </p:txBody>
-      </p:sp>
-      <p:sp>
-        <p:nvSpPr>
-          <p:cNvPr id="14" name="액자 13">
-            <a:extLst>
-              <a:ext uri="{FF2B5EF4-FFF2-40B4-BE49-F238E27FC236}">
-                <a16:creationId xmlns:a16="http://schemas.microsoft.com/office/drawing/2014/main" id="{261FA0B8-BB25-45DC-B90B-96A5A9738C17}"/>
+                <a16:creationId xmlns:a16="http://schemas.microsoft.com/office/drawing/2014/main" id="{96871174-84DB-4DFE-982F-4F858B664BED}"/>
               </a:ext>
             </a:extLst>
           </p:cNvPr>
@@ -5324,8 +5496,8 @@
         </p:nvSpPr>
         <p:spPr>
           <a:xfrm>
-            <a:off x="533400" y="4495800"/>
-            <a:ext cx="1676400" cy="381000"/>
+            <a:off x="8077200" y="1676400"/>
+            <a:ext cx="990600" cy="228600"/>
           </a:xfrm>
           <a:prstGeom prst="frame">
             <a:avLst>
@@ -5370,10 +5542,259 @@
           </a:p>
         </p:txBody>
       </p:sp>
+      <p:pic>
+        <p:nvPicPr>
+          <p:cNvPr id="11" name="그림 10">
+            <a:extLst>
+              <a:ext uri="{FF2B5EF4-FFF2-40B4-BE49-F238E27FC236}">
+                <a16:creationId xmlns:a16="http://schemas.microsoft.com/office/drawing/2014/main" id="{924E3D43-88B0-4CD2-894C-448D57336526}"/>
+              </a:ext>
+            </a:extLst>
+          </p:cNvPr>
+          <p:cNvPicPr>
+            <a:picLocks noChangeAspect="1"/>
+          </p:cNvPicPr>
+          <p:nvPr/>
+        </p:nvPicPr>
+        <p:blipFill>
+          <a:blip r:embed="rId3"/>
+          <a:stretch>
+            <a:fillRect/>
+          </a:stretch>
+        </p:blipFill>
+        <p:spPr>
+          <a:xfrm>
+            <a:off x="385292" y="2675188"/>
+            <a:ext cx="8221015" cy="3859520"/>
+          </a:xfrm>
+          <a:prstGeom prst="rect">
+            <a:avLst/>
+          </a:prstGeom>
+        </p:spPr>
+      </p:pic>
+      <p:sp>
+        <p:nvSpPr>
+          <p:cNvPr id="12" name="액자 11">
+            <a:extLst>
+              <a:ext uri="{FF2B5EF4-FFF2-40B4-BE49-F238E27FC236}">
+                <a16:creationId xmlns:a16="http://schemas.microsoft.com/office/drawing/2014/main" id="{98D961E6-BF30-4E23-BBAD-218D70BBC95A}"/>
+              </a:ext>
+            </a:extLst>
+          </p:cNvPr>
+          <p:cNvSpPr/>
+          <p:nvPr/>
+        </p:nvSpPr>
+        <p:spPr>
+          <a:xfrm>
+            <a:off x="7734934" y="6348660"/>
+            <a:ext cx="990600" cy="228600"/>
+          </a:xfrm>
+          <a:prstGeom prst="frame">
+            <a:avLst>
+              <a:gd name="adj1" fmla="val 0"/>
+            </a:avLst>
+          </a:prstGeom>
+          <a:solidFill>
+            <a:srgbClr val="FF0000"/>
+          </a:solidFill>
+          <a:ln>
+            <a:solidFill>
+              <a:srgbClr val="FF0000"/>
+            </a:solidFill>
+          </a:ln>
+        </p:spPr>
+        <p:style>
+          <a:lnRef idx="2">
+            <a:schemeClr val="accent1">
+              <a:shade val="50000"/>
+            </a:schemeClr>
+          </a:lnRef>
+          <a:fillRef idx="1">
+            <a:schemeClr val="accent1"/>
+          </a:fillRef>
+          <a:effectRef idx="0">
+            <a:schemeClr val="accent1"/>
+          </a:effectRef>
+          <a:fontRef idx="minor">
+            <a:schemeClr val="lt1"/>
+          </a:fontRef>
+        </p:style>
+        <p:txBody>
+          <a:bodyPr rtlCol="0" anchor="ctr"/>
+          <a:lstStyle/>
+          <a:p>
+            <a:pPr algn="ctr"/>
+            <a:endParaRPr lang="ko-KR" altLang="en-US">
+              <a:solidFill>
+                <a:schemeClr val="tx1"/>
+              </a:solidFill>
+            </a:endParaRPr>
+          </a:p>
+        </p:txBody>
+      </p:sp>
+      <p:sp>
+        <p:nvSpPr>
+          <p:cNvPr id="13" name="액자 12">
+            <a:extLst>
+              <a:ext uri="{FF2B5EF4-FFF2-40B4-BE49-F238E27FC236}">
+                <a16:creationId xmlns:a16="http://schemas.microsoft.com/office/drawing/2014/main" id="{2D660E06-C30F-49C3-80C5-F944D2D54F9F}"/>
+              </a:ext>
+            </a:extLst>
+          </p:cNvPr>
+          <p:cNvSpPr/>
+          <p:nvPr/>
+        </p:nvSpPr>
+        <p:spPr>
+          <a:xfrm>
+            <a:off x="474370" y="4800600"/>
+            <a:ext cx="990600" cy="228600"/>
+          </a:xfrm>
+          <a:prstGeom prst="frame">
+            <a:avLst>
+              <a:gd name="adj1" fmla="val 0"/>
+            </a:avLst>
+          </a:prstGeom>
+          <a:solidFill>
+            <a:srgbClr val="FF0000"/>
+          </a:solidFill>
+          <a:ln>
+            <a:solidFill>
+              <a:srgbClr val="FF0000"/>
+            </a:solidFill>
+          </a:ln>
+        </p:spPr>
+        <p:style>
+          <a:lnRef idx="2">
+            <a:schemeClr val="accent1">
+              <a:shade val="50000"/>
+            </a:schemeClr>
+          </a:lnRef>
+          <a:fillRef idx="1">
+            <a:schemeClr val="accent1"/>
+          </a:fillRef>
+          <a:effectRef idx="0">
+            <a:schemeClr val="accent1"/>
+          </a:effectRef>
+          <a:fontRef idx="minor">
+            <a:schemeClr val="lt1"/>
+          </a:fontRef>
+        </p:style>
+        <p:txBody>
+          <a:bodyPr rtlCol="0" anchor="ctr"/>
+          <a:lstStyle/>
+          <a:p>
+            <a:pPr algn="ctr"/>
+            <a:endParaRPr lang="ko-KR" altLang="en-US">
+              <a:solidFill>
+                <a:schemeClr val="tx1"/>
+              </a:solidFill>
+            </a:endParaRPr>
+          </a:p>
+        </p:txBody>
+      </p:sp>
+      <p:sp>
+        <p:nvSpPr>
+          <p:cNvPr id="14" name="액자 13">
+            <a:extLst>
+              <a:ext uri="{FF2B5EF4-FFF2-40B4-BE49-F238E27FC236}">
+                <a16:creationId xmlns:a16="http://schemas.microsoft.com/office/drawing/2014/main" id="{EA4ACDCA-39EA-42C2-BC3D-5C84B5666895}"/>
+              </a:ext>
+            </a:extLst>
+          </p:cNvPr>
+          <p:cNvSpPr/>
+          <p:nvPr/>
+        </p:nvSpPr>
+        <p:spPr>
+          <a:xfrm>
+            <a:off x="474370" y="5334000"/>
+            <a:ext cx="990600" cy="228600"/>
+          </a:xfrm>
+          <a:prstGeom prst="frame">
+            <a:avLst>
+              <a:gd name="adj1" fmla="val 0"/>
+            </a:avLst>
+          </a:prstGeom>
+          <a:solidFill>
+            <a:srgbClr val="FF0000"/>
+          </a:solidFill>
+          <a:ln>
+            <a:solidFill>
+              <a:srgbClr val="FF0000"/>
+            </a:solidFill>
+          </a:ln>
+        </p:spPr>
+        <p:style>
+          <a:lnRef idx="2">
+            <a:schemeClr val="accent1">
+              <a:shade val="50000"/>
+            </a:schemeClr>
+          </a:lnRef>
+          <a:fillRef idx="1">
+            <a:schemeClr val="accent1"/>
+          </a:fillRef>
+          <a:effectRef idx="0">
+            <a:schemeClr val="accent1"/>
+          </a:effectRef>
+          <a:fontRef idx="minor">
+            <a:schemeClr val="lt1"/>
+          </a:fontRef>
+        </p:style>
+        <p:txBody>
+          <a:bodyPr rtlCol="0" anchor="ctr"/>
+          <a:lstStyle/>
+          <a:p>
+            <a:pPr algn="ctr"/>
+            <a:endParaRPr lang="ko-KR" altLang="en-US">
+              <a:solidFill>
+                <a:schemeClr val="tx1"/>
+              </a:solidFill>
+            </a:endParaRPr>
+          </a:p>
+        </p:txBody>
+      </p:sp>
+      <p:sp>
+        <p:nvSpPr>
+          <p:cNvPr id="15" name="TextBox 14">
+            <a:extLst>
+              <a:ext uri="{FF2B5EF4-FFF2-40B4-BE49-F238E27FC236}">
+                <a16:creationId xmlns:a16="http://schemas.microsoft.com/office/drawing/2014/main" id="{CEE0B34F-65D9-4404-BDF9-6255CD406D57}"/>
+              </a:ext>
+            </a:extLst>
+          </p:cNvPr>
+          <p:cNvSpPr txBox="1"/>
+          <p:nvPr/>
+        </p:nvSpPr>
+        <p:spPr>
+          <a:xfrm>
+            <a:off x="1828800" y="5334000"/>
+            <a:ext cx="2133600" cy="369332"/>
+          </a:xfrm>
+          <a:prstGeom prst="rect">
+            <a:avLst/>
+          </a:prstGeom>
+          <a:noFill/>
+        </p:spPr>
+        <p:txBody>
+          <a:bodyPr wrap="square" rtlCol="0">
+            <a:spAutoFit/>
+          </a:bodyPr>
+          <a:lstStyle/>
+          <a:p>
+            <a:r>
+              <a:rPr lang="en-US" altLang="ko-KR"/>
+              <a:t>Python </a:t>
+            </a:r>
+            <a:r>
+              <a:rPr lang="ko-KR" altLang="en-US" dirty="0"/>
+              <a:t>최신버전</a:t>
+            </a:r>
+          </a:p>
+        </p:txBody>
+      </p:sp>
     </p:spTree>
     <p:extLst>
       <p:ext uri="{BB962C8B-B14F-4D97-AF65-F5344CB8AC3E}">
-        <p14:creationId xmlns:p14="http://schemas.microsoft.com/office/powerpoint/2010/main" val="1523631282"/>
+        <p14:creationId xmlns:p14="http://schemas.microsoft.com/office/powerpoint/2010/main" val="1219032658"/>
       </p:ext>
     </p:extLst>
   </p:cSld>
@@ -5500,10 +5921,10 @@
       </p:sp>
       <p:pic>
         <p:nvPicPr>
-          <p:cNvPr id="11" name="그림 10">
+          <p:cNvPr id="3" name="그림 2">
             <a:extLst>
               <a:ext uri="{FF2B5EF4-FFF2-40B4-BE49-F238E27FC236}">
-                <a16:creationId xmlns:a16="http://schemas.microsoft.com/office/drawing/2014/main" id="{A42A3F92-25B3-46B3-B3A9-9475B89BD619}"/>
+                <a16:creationId xmlns:a16="http://schemas.microsoft.com/office/drawing/2014/main" id="{96ECBC0F-A8D6-424E-A362-62BBF2AB91EE}"/>
               </a:ext>
             </a:extLst>
           </p:cNvPr>
@@ -5520,50 +5941,117 @@
         </p:blipFill>
         <p:spPr>
           <a:xfrm>
-            <a:off x="455517" y="1066800"/>
-            <a:ext cx="7874352" cy="2100820"/>
+            <a:off x="381000" y="1495716"/>
+            <a:ext cx="3667125" cy="3590925"/>
           </a:xfrm>
           <a:prstGeom prst="rect">
             <a:avLst/>
           </a:prstGeom>
         </p:spPr>
       </p:pic>
-      <p:pic>
-        <p:nvPicPr>
-          <p:cNvPr id="12" name="그림 11">
+      <p:sp>
+        <p:nvSpPr>
+          <p:cNvPr id="13" name="TextBox 12">
             <a:extLst>
               <a:ext uri="{FF2B5EF4-FFF2-40B4-BE49-F238E27FC236}">
-                <a16:creationId xmlns:a16="http://schemas.microsoft.com/office/drawing/2014/main" id="{225F1863-6B60-4E70-B66B-1E196030C485}"/>
+                <a16:creationId xmlns:a16="http://schemas.microsoft.com/office/drawing/2014/main" id="{B611EA4E-E38A-4B42-A8EE-66E68EA073B8}"/>
               </a:ext>
             </a:extLst>
           </p:cNvPr>
-          <p:cNvPicPr>
-            <a:picLocks noChangeAspect="1"/>
-          </p:cNvPicPr>
-          <p:nvPr/>
-        </p:nvPicPr>
-        <p:blipFill>
-          <a:blip r:embed="rId3"/>
-          <a:stretch>
-            <a:fillRect/>
-          </a:stretch>
-        </p:blipFill>
-        <p:spPr>
-          <a:xfrm>
-            <a:off x="609600" y="3886200"/>
-            <a:ext cx="7219950" cy="1685925"/>
-          </a:xfrm>
-          <a:prstGeom prst="rect">
-            <a:avLst/>
-          </a:prstGeom>
-        </p:spPr>
-      </p:pic>
-      <p:sp>
-        <p:nvSpPr>
-          <p:cNvPr id="13" name="액자 12">
+          <p:cNvSpPr txBox="1"/>
+          <p:nvPr/>
+        </p:nvSpPr>
+        <p:spPr>
+          <a:xfrm>
+            <a:off x="4495800" y="1676400"/>
+            <a:ext cx="4648200" cy="2031325"/>
+          </a:xfrm>
+          <a:prstGeom prst="rect">
+            <a:avLst/>
+          </a:prstGeom>
+          <a:noFill/>
+        </p:spPr>
+        <p:txBody>
+          <a:bodyPr wrap="square" rtlCol="0">
+            <a:spAutoFit/>
+          </a:bodyPr>
+          <a:lstStyle/>
+          <a:p>
+            <a:r>
+              <a:rPr lang="ko-KR" altLang="en-US" dirty="0" err="1"/>
+              <a:t>트리거란</a:t>
+            </a:r>
+            <a:r>
+              <a:rPr lang="en-US" altLang="ko-KR" dirty="0"/>
+              <a:t>? </a:t>
+            </a:r>
+          </a:p>
+          <a:p>
+            <a:endParaRPr lang="en-US" altLang="ko-KR" dirty="0"/>
+          </a:p>
+          <a:p>
+            <a:r>
+              <a:rPr lang="en-US" altLang="ko-KR" dirty="0"/>
+              <a:t>AWS Lambda</a:t>
+            </a:r>
+            <a:r>
+              <a:rPr lang="ko-KR" altLang="en-US" dirty="0"/>
+              <a:t>에 등록한 이벤트</a:t>
+            </a:r>
+            <a:r>
+              <a:rPr lang="en-US" altLang="ko-KR" dirty="0"/>
+              <a:t>(</a:t>
+            </a:r>
+            <a:r>
+              <a:rPr lang="ko-KR" altLang="en-US" dirty="0"/>
+              <a:t>함수</a:t>
+            </a:r>
+            <a:r>
+              <a:rPr lang="en-US" altLang="ko-KR" dirty="0"/>
+              <a:t>) </a:t>
+            </a:r>
+            <a:r>
+              <a:rPr lang="ko-KR" altLang="en-US" dirty="0"/>
+              <a:t>가 실행될 수 있도록 하는 촉발</a:t>
+            </a:r>
+            <a:r>
+              <a:rPr lang="en-US" altLang="ko-KR" dirty="0"/>
+              <a:t>(trigger)</a:t>
+            </a:r>
+          </a:p>
+          <a:p>
+            <a:endParaRPr lang="en-US" altLang="ko-KR" dirty="0"/>
+          </a:p>
+          <a:p>
+            <a:r>
+              <a:rPr lang="ko-KR" altLang="en-US" dirty="0"/>
+              <a:t>본</a:t>
+            </a:r>
+            <a:r>
+              <a:rPr lang="en-US" altLang="ko-KR" dirty="0"/>
+              <a:t> </a:t>
+            </a:r>
+            <a:r>
+              <a:rPr lang="ko-KR" altLang="en-US" dirty="0"/>
+              <a:t>실습에서는 </a:t>
+            </a:r>
+            <a:r>
+              <a:rPr lang="en-US" altLang="ko-KR" dirty="0"/>
+              <a:t>HTTP </a:t>
+            </a:r>
+            <a:r>
+              <a:rPr lang="ko-KR" altLang="en-US" dirty="0"/>
+              <a:t>요청을 통해 트리거를 구성할 예정</a:t>
+            </a:r>
+          </a:p>
+        </p:txBody>
+      </p:sp>
+      <p:sp>
+        <p:nvSpPr>
+          <p:cNvPr id="14" name="액자 13">
             <a:extLst>
               <a:ext uri="{FF2B5EF4-FFF2-40B4-BE49-F238E27FC236}">
-                <a16:creationId xmlns:a16="http://schemas.microsoft.com/office/drawing/2014/main" id="{AC1FBEA5-EAE1-4A2A-A619-689D8B1BA805}"/>
+                <a16:creationId xmlns:a16="http://schemas.microsoft.com/office/drawing/2014/main" id="{261FA0B8-BB25-45DC-B90B-96A5A9738C17}"/>
               </a:ext>
             </a:extLst>
           </p:cNvPr>
@@ -5572,8 +6060,8 @@
         </p:nvSpPr>
         <p:spPr>
           <a:xfrm>
-            <a:off x="619812" y="2667000"/>
-            <a:ext cx="6619188" cy="609600"/>
+            <a:off x="533400" y="4495800"/>
+            <a:ext cx="1676400" cy="381000"/>
           </a:xfrm>
           <a:prstGeom prst="frame">
             <a:avLst>
@@ -5618,105 +6106,10 @@
           </a:p>
         </p:txBody>
       </p:sp>
-      <p:sp>
-        <p:nvSpPr>
-          <p:cNvPr id="14" name="액자 13">
-            <a:extLst>
-              <a:ext uri="{FF2B5EF4-FFF2-40B4-BE49-F238E27FC236}">
-                <a16:creationId xmlns:a16="http://schemas.microsoft.com/office/drawing/2014/main" id="{8D00B9C0-D0AB-4293-B407-2031A8436A9F}"/>
-              </a:ext>
-            </a:extLst>
-          </p:cNvPr>
-          <p:cNvSpPr/>
-          <p:nvPr/>
-        </p:nvSpPr>
-        <p:spPr>
-          <a:xfrm>
-            <a:off x="609600" y="4953000"/>
-            <a:ext cx="6314388" cy="364717"/>
-          </a:xfrm>
-          <a:prstGeom prst="frame">
-            <a:avLst>
-              <a:gd name="adj1" fmla="val 0"/>
-            </a:avLst>
-          </a:prstGeom>
-          <a:solidFill>
-            <a:srgbClr val="FF0000"/>
-          </a:solidFill>
-          <a:ln>
-            <a:solidFill>
-              <a:srgbClr val="FF0000"/>
-            </a:solidFill>
-          </a:ln>
-        </p:spPr>
-        <p:style>
-          <a:lnRef idx="2">
-            <a:schemeClr val="accent1">
-              <a:shade val="50000"/>
-            </a:schemeClr>
-          </a:lnRef>
-          <a:fillRef idx="1">
-            <a:schemeClr val="accent1"/>
-          </a:fillRef>
-          <a:effectRef idx="0">
-            <a:schemeClr val="accent1"/>
-          </a:effectRef>
-          <a:fontRef idx="minor">
-            <a:schemeClr val="lt1"/>
-          </a:fontRef>
-        </p:style>
-        <p:txBody>
-          <a:bodyPr rtlCol="0" anchor="ctr"/>
-          <a:lstStyle/>
-          <a:p>
-            <a:pPr algn="ctr"/>
-            <a:endParaRPr lang="ko-KR" altLang="en-US">
-              <a:solidFill>
-                <a:schemeClr val="tx1"/>
-              </a:solidFill>
-            </a:endParaRPr>
-          </a:p>
-        </p:txBody>
-      </p:sp>
-      <p:sp>
-        <p:nvSpPr>
-          <p:cNvPr id="4" name="TextBox 3">
-            <a:extLst>
-              <a:ext uri="{FF2B5EF4-FFF2-40B4-BE49-F238E27FC236}">
-                <a16:creationId xmlns:a16="http://schemas.microsoft.com/office/drawing/2014/main" id="{D523B33B-3285-45C9-B205-ECB201460E6B}"/>
-              </a:ext>
-            </a:extLst>
-          </p:cNvPr>
-          <p:cNvSpPr txBox="1"/>
-          <p:nvPr/>
-        </p:nvSpPr>
-        <p:spPr>
-          <a:xfrm>
-            <a:off x="3505200" y="6096000"/>
-            <a:ext cx="3124200" cy="369332"/>
-          </a:xfrm>
-          <a:prstGeom prst="rect">
-            <a:avLst/>
-          </a:prstGeom>
-          <a:noFill/>
-        </p:spPr>
-        <p:txBody>
-          <a:bodyPr wrap="square" rtlCol="0">
-            <a:spAutoFit/>
-          </a:bodyPr>
-          <a:lstStyle/>
-          <a:p>
-            <a:r>
-              <a:rPr lang="ko-KR" altLang="en-US" dirty="0"/>
-              <a:t>더 이상 설정하지 않고 추가</a:t>
-            </a:r>
-          </a:p>
-        </p:txBody>
-      </p:sp>
     </p:spTree>
     <p:extLst>
       <p:ext uri="{BB962C8B-B14F-4D97-AF65-F5344CB8AC3E}">
-        <p14:creationId xmlns:p14="http://schemas.microsoft.com/office/powerpoint/2010/main" val="1088635437"/>
+        <p14:creationId xmlns:p14="http://schemas.microsoft.com/office/powerpoint/2010/main" val="1523631282"/>
       </p:ext>
     </p:extLst>
   </p:cSld>
@@ -5784,7 +6177,21 @@
                 <a:latin typeface="Trebuchet MS"/>
                 <a:cs typeface="UnDinaru"/>
               </a:rPr>
-              <a:t>함수 트리거 테스트</a:t>
+              <a:t>함수 </a:t>
+            </a:r>
+            <a:r>
+              <a:rPr lang="en-US" altLang="ko-KR" sz="3600" b="1" spc="-185" dirty="0">
+                <a:latin typeface="Trebuchet MS"/>
+                <a:cs typeface="UnDinaru"/>
+              </a:rPr>
+              <a:t>HTTP API </a:t>
+            </a:r>
+            <a:r>
+              <a:rPr lang="ko-KR" altLang="en-US" sz="3600" b="1" spc="-185" dirty="0">
+                <a:latin typeface="Trebuchet MS"/>
+                <a:cs typeface="UnDinaru"/>
+              </a:rPr>
+              <a:t>트리거 생성</a:t>
             </a:r>
             <a:endParaRPr sz="3600" b="1" dirty="0">
               <a:latin typeface="UnDinaru"/>
@@ -5822,6 +6229,335 @@
             <a:fld id="{81D60167-4931-47E6-BA6A-407CBD079E47}" type="slidenum">
               <a:rPr dirty="0"/>
               <a:t>22</a:t>
+            </a:fld>
+            <a:endParaRPr dirty="0"/>
+          </a:p>
+        </p:txBody>
+      </p:sp>
+      <p:pic>
+        <p:nvPicPr>
+          <p:cNvPr id="11" name="그림 10">
+            <a:extLst>
+              <a:ext uri="{FF2B5EF4-FFF2-40B4-BE49-F238E27FC236}">
+                <a16:creationId xmlns:a16="http://schemas.microsoft.com/office/drawing/2014/main" id="{A42A3F92-25B3-46B3-B3A9-9475B89BD619}"/>
+              </a:ext>
+            </a:extLst>
+          </p:cNvPr>
+          <p:cNvPicPr>
+            <a:picLocks noChangeAspect="1"/>
+          </p:cNvPicPr>
+          <p:nvPr/>
+        </p:nvPicPr>
+        <p:blipFill>
+          <a:blip r:embed="rId2"/>
+          <a:stretch>
+            <a:fillRect/>
+          </a:stretch>
+        </p:blipFill>
+        <p:spPr>
+          <a:xfrm>
+            <a:off x="455517" y="1066800"/>
+            <a:ext cx="7874352" cy="2100820"/>
+          </a:xfrm>
+          <a:prstGeom prst="rect">
+            <a:avLst/>
+          </a:prstGeom>
+        </p:spPr>
+      </p:pic>
+      <p:pic>
+        <p:nvPicPr>
+          <p:cNvPr id="12" name="그림 11">
+            <a:extLst>
+              <a:ext uri="{FF2B5EF4-FFF2-40B4-BE49-F238E27FC236}">
+                <a16:creationId xmlns:a16="http://schemas.microsoft.com/office/drawing/2014/main" id="{225F1863-6B60-4E70-B66B-1E196030C485}"/>
+              </a:ext>
+            </a:extLst>
+          </p:cNvPr>
+          <p:cNvPicPr>
+            <a:picLocks noChangeAspect="1"/>
+          </p:cNvPicPr>
+          <p:nvPr/>
+        </p:nvPicPr>
+        <p:blipFill>
+          <a:blip r:embed="rId3"/>
+          <a:stretch>
+            <a:fillRect/>
+          </a:stretch>
+        </p:blipFill>
+        <p:spPr>
+          <a:xfrm>
+            <a:off x="609600" y="3886200"/>
+            <a:ext cx="7219950" cy="1685925"/>
+          </a:xfrm>
+          <a:prstGeom prst="rect">
+            <a:avLst/>
+          </a:prstGeom>
+        </p:spPr>
+      </p:pic>
+      <p:sp>
+        <p:nvSpPr>
+          <p:cNvPr id="13" name="액자 12">
+            <a:extLst>
+              <a:ext uri="{FF2B5EF4-FFF2-40B4-BE49-F238E27FC236}">
+                <a16:creationId xmlns:a16="http://schemas.microsoft.com/office/drawing/2014/main" id="{AC1FBEA5-EAE1-4A2A-A619-689D8B1BA805}"/>
+              </a:ext>
+            </a:extLst>
+          </p:cNvPr>
+          <p:cNvSpPr/>
+          <p:nvPr/>
+        </p:nvSpPr>
+        <p:spPr>
+          <a:xfrm>
+            <a:off x="619812" y="2667000"/>
+            <a:ext cx="6619188" cy="609600"/>
+          </a:xfrm>
+          <a:prstGeom prst="frame">
+            <a:avLst>
+              <a:gd name="adj1" fmla="val 0"/>
+            </a:avLst>
+          </a:prstGeom>
+          <a:solidFill>
+            <a:srgbClr val="FF0000"/>
+          </a:solidFill>
+          <a:ln>
+            <a:solidFill>
+              <a:srgbClr val="FF0000"/>
+            </a:solidFill>
+          </a:ln>
+        </p:spPr>
+        <p:style>
+          <a:lnRef idx="2">
+            <a:schemeClr val="accent1">
+              <a:shade val="50000"/>
+            </a:schemeClr>
+          </a:lnRef>
+          <a:fillRef idx="1">
+            <a:schemeClr val="accent1"/>
+          </a:fillRef>
+          <a:effectRef idx="0">
+            <a:schemeClr val="accent1"/>
+          </a:effectRef>
+          <a:fontRef idx="minor">
+            <a:schemeClr val="lt1"/>
+          </a:fontRef>
+        </p:style>
+        <p:txBody>
+          <a:bodyPr rtlCol="0" anchor="ctr"/>
+          <a:lstStyle/>
+          <a:p>
+            <a:pPr algn="ctr"/>
+            <a:endParaRPr lang="ko-KR" altLang="en-US">
+              <a:solidFill>
+                <a:schemeClr val="tx1"/>
+              </a:solidFill>
+            </a:endParaRPr>
+          </a:p>
+        </p:txBody>
+      </p:sp>
+      <p:sp>
+        <p:nvSpPr>
+          <p:cNvPr id="14" name="액자 13">
+            <a:extLst>
+              <a:ext uri="{FF2B5EF4-FFF2-40B4-BE49-F238E27FC236}">
+                <a16:creationId xmlns:a16="http://schemas.microsoft.com/office/drawing/2014/main" id="{8D00B9C0-D0AB-4293-B407-2031A8436A9F}"/>
+              </a:ext>
+            </a:extLst>
+          </p:cNvPr>
+          <p:cNvSpPr/>
+          <p:nvPr/>
+        </p:nvSpPr>
+        <p:spPr>
+          <a:xfrm>
+            <a:off x="609600" y="4953000"/>
+            <a:ext cx="6314388" cy="364717"/>
+          </a:xfrm>
+          <a:prstGeom prst="frame">
+            <a:avLst>
+              <a:gd name="adj1" fmla="val 0"/>
+            </a:avLst>
+          </a:prstGeom>
+          <a:solidFill>
+            <a:srgbClr val="FF0000"/>
+          </a:solidFill>
+          <a:ln>
+            <a:solidFill>
+              <a:srgbClr val="FF0000"/>
+            </a:solidFill>
+          </a:ln>
+        </p:spPr>
+        <p:style>
+          <a:lnRef idx="2">
+            <a:schemeClr val="accent1">
+              <a:shade val="50000"/>
+            </a:schemeClr>
+          </a:lnRef>
+          <a:fillRef idx="1">
+            <a:schemeClr val="accent1"/>
+          </a:fillRef>
+          <a:effectRef idx="0">
+            <a:schemeClr val="accent1"/>
+          </a:effectRef>
+          <a:fontRef idx="minor">
+            <a:schemeClr val="lt1"/>
+          </a:fontRef>
+        </p:style>
+        <p:txBody>
+          <a:bodyPr rtlCol="0" anchor="ctr"/>
+          <a:lstStyle/>
+          <a:p>
+            <a:pPr algn="ctr"/>
+            <a:endParaRPr lang="ko-KR" altLang="en-US">
+              <a:solidFill>
+                <a:schemeClr val="tx1"/>
+              </a:solidFill>
+            </a:endParaRPr>
+          </a:p>
+        </p:txBody>
+      </p:sp>
+      <p:sp>
+        <p:nvSpPr>
+          <p:cNvPr id="4" name="TextBox 3">
+            <a:extLst>
+              <a:ext uri="{FF2B5EF4-FFF2-40B4-BE49-F238E27FC236}">
+                <a16:creationId xmlns:a16="http://schemas.microsoft.com/office/drawing/2014/main" id="{D523B33B-3285-45C9-B205-ECB201460E6B}"/>
+              </a:ext>
+            </a:extLst>
+          </p:cNvPr>
+          <p:cNvSpPr txBox="1"/>
+          <p:nvPr/>
+        </p:nvSpPr>
+        <p:spPr>
+          <a:xfrm>
+            <a:off x="3505200" y="6096000"/>
+            <a:ext cx="3124200" cy="369332"/>
+          </a:xfrm>
+          <a:prstGeom prst="rect">
+            <a:avLst/>
+          </a:prstGeom>
+          <a:noFill/>
+        </p:spPr>
+        <p:txBody>
+          <a:bodyPr wrap="square" rtlCol="0">
+            <a:spAutoFit/>
+          </a:bodyPr>
+          <a:lstStyle/>
+          <a:p>
+            <a:r>
+              <a:rPr lang="ko-KR" altLang="en-US" dirty="0"/>
+              <a:t>더 이상 설정하지 않고 추가</a:t>
+            </a:r>
+          </a:p>
+        </p:txBody>
+      </p:sp>
+    </p:spTree>
+    <p:extLst>
+      <p:ext uri="{BB962C8B-B14F-4D97-AF65-F5344CB8AC3E}">
+        <p14:creationId xmlns:p14="http://schemas.microsoft.com/office/powerpoint/2010/main" val="1088635437"/>
+      </p:ext>
+    </p:extLst>
+  </p:cSld>
+  <p:clrMapOvr>
+    <a:masterClrMapping/>
+  </p:clrMapOvr>
+</p:sld>
+</file>
+
+<file path=ppt/slides/slide23.xml><?xml version="1.0" encoding="utf-8"?>
+<p:sld xmlns:a="http://schemas.openxmlformats.org/drawingml/2006/main" xmlns:r="http://schemas.openxmlformats.org/officeDocument/2006/relationships" xmlns:p="http://schemas.openxmlformats.org/presentationml/2006/main">
+  <p:cSld>
+    <p:spTree>
+      <p:nvGrpSpPr>
+        <p:cNvPr id="1" name=""/>
+        <p:cNvGrpSpPr/>
+        <p:nvPr/>
+      </p:nvGrpSpPr>
+      <p:grpSpPr>
+        <a:xfrm>
+          <a:off x="0" y="0"/>
+          <a:ext cx="0" cy="0"/>
+          <a:chOff x="0" y="0"/>
+          <a:chExt cx="0" cy="0"/>
+        </a:xfrm>
+      </p:grpSpPr>
+      <p:sp>
+        <p:nvSpPr>
+          <p:cNvPr id="2" name="object 2"/>
+          <p:cNvSpPr txBox="1"/>
+          <p:nvPr/>
+        </p:nvSpPr>
+        <p:spPr>
+          <a:xfrm>
+            <a:off x="474370" y="177546"/>
+            <a:ext cx="8364830" cy="566822"/>
+          </a:xfrm>
+          <a:prstGeom prst="rect">
+            <a:avLst/>
+          </a:prstGeom>
+        </p:spPr>
+        <p:txBody>
+          <a:bodyPr vert="horz" wrap="square" lIns="0" tIns="12700" rIns="0" bIns="0" rtlCol="0">
+            <a:spAutoFit/>
+          </a:bodyPr>
+          <a:lstStyle/>
+          <a:p>
+            <a:pPr marL="12700">
+              <a:lnSpc>
+                <a:spcPct val="100000"/>
+              </a:lnSpc>
+              <a:spcBef>
+                <a:spcPts val="100"/>
+              </a:spcBef>
+            </a:pPr>
+            <a:r>
+              <a:rPr lang="en-US" sz="3600" b="1" spc="-185" dirty="0">
+                <a:latin typeface="Trebuchet MS"/>
+                <a:cs typeface="UnDinaru"/>
+              </a:rPr>
+              <a:t>AWS Lambda </a:t>
+            </a:r>
+            <a:r>
+              <a:rPr lang="ko-KR" altLang="en-US" sz="3600" b="1" spc="-185" dirty="0">
+                <a:latin typeface="Trebuchet MS"/>
+                <a:cs typeface="UnDinaru"/>
+              </a:rPr>
+              <a:t>함수 트리거 테스트</a:t>
+            </a:r>
+            <a:endParaRPr sz="3600" b="1" dirty="0">
+              <a:latin typeface="UnDinaru"/>
+              <a:cs typeface="UnDinaru"/>
+            </a:endParaRPr>
+          </a:p>
+        </p:txBody>
+      </p:sp>
+      <p:sp>
+        <p:nvSpPr>
+          <p:cNvPr id="7" name="object 7"/>
+          <p:cNvSpPr txBox="1">
+            <a:spLocks noGrp="1"/>
+          </p:cNvSpPr>
+          <p:nvPr>
+            <p:ph type="sldNum" sz="quarter" idx="7"/>
+          </p:nvPr>
+        </p:nvSpPr>
+        <p:spPr>
+          <a:prstGeom prst="rect">
+            <a:avLst/>
+          </a:prstGeom>
+        </p:spPr>
+        <p:txBody>
+          <a:bodyPr vert="horz" wrap="square" lIns="0" tIns="0" rIns="0" bIns="0" rtlCol="0">
+            <a:spAutoFit/>
+          </a:bodyPr>
+          <a:lstStyle/>
+          <a:p>
+            <a:pPr marL="38100">
+              <a:lnSpc>
+                <a:spcPts val="1240"/>
+              </a:lnSpc>
+            </a:pPr>
+            <a:fld id="{81D60167-4931-47E6-BA6A-407CBD079E47}" type="slidenum">
+              <a:rPr dirty="0"/>
+              <a:t>23</a:t>
             </a:fld>
             <a:endParaRPr dirty="0"/>
           </a:p>
@@ -6057,300 +6793,6 @@
 </p:sld>
 </file>
 
-<file path=ppt/slides/slide23.xml><?xml version="1.0" encoding="utf-8"?>
-<p:sld xmlns:a="http://schemas.openxmlformats.org/drawingml/2006/main" xmlns:r="http://schemas.openxmlformats.org/officeDocument/2006/relationships" xmlns:p="http://schemas.openxmlformats.org/presentationml/2006/main">
-  <p:cSld>
-    <p:spTree>
-      <p:nvGrpSpPr>
-        <p:cNvPr id="1" name=""/>
-        <p:cNvGrpSpPr/>
-        <p:nvPr/>
-      </p:nvGrpSpPr>
-      <p:grpSpPr>
-        <a:xfrm>
-          <a:off x="0" y="0"/>
-          <a:ext cx="0" cy="0"/>
-          <a:chOff x="0" y="0"/>
-          <a:chExt cx="0" cy="0"/>
-        </a:xfrm>
-      </p:grpSpPr>
-      <p:sp>
-        <p:nvSpPr>
-          <p:cNvPr id="2" name="object 2"/>
-          <p:cNvSpPr txBox="1"/>
-          <p:nvPr/>
-        </p:nvSpPr>
-        <p:spPr>
-          <a:xfrm>
-            <a:off x="474370" y="177546"/>
-            <a:ext cx="8364830" cy="566822"/>
-          </a:xfrm>
-          <a:prstGeom prst="rect">
-            <a:avLst/>
-          </a:prstGeom>
-        </p:spPr>
-        <p:txBody>
-          <a:bodyPr vert="horz" wrap="square" lIns="0" tIns="12700" rIns="0" bIns="0" rtlCol="0">
-            <a:spAutoFit/>
-          </a:bodyPr>
-          <a:lstStyle/>
-          <a:p>
-            <a:pPr marL="12700">
-              <a:lnSpc>
-                <a:spcPct val="100000"/>
-              </a:lnSpc>
-              <a:spcBef>
-                <a:spcPts val="100"/>
-              </a:spcBef>
-            </a:pPr>
-            <a:r>
-              <a:rPr lang="en-US" sz="3600" b="1" spc="-185" dirty="0">
-                <a:latin typeface="Trebuchet MS"/>
-                <a:cs typeface="UnDinaru"/>
-              </a:rPr>
-              <a:t>Comprehend </a:t>
-            </a:r>
-            <a:r>
-              <a:rPr lang="ko-KR" altLang="en-US" sz="3600" b="1" spc="-185" dirty="0">
-                <a:latin typeface="Trebuchet MS"/>
-                <a:cs typeface="UnDinaru"/>
-              </a:rPr>
-              <a:t>사용을 위한 권한 설정</a:t>
-            </a:r>
-            <a:endParaRPr sz="3600" b="1" dirty="0">
-              <a:latin typeface="UnDinaru"/>
-              <a:cs typeface="UnDinaru"/>
-            </a:endParaRPr>
-          </a:p>
-        </p:txBody>
-      </p:sp>
-      <p:sp>
-        <p:nvSpPr>
-          <p:cNvPr id="7" name="object 7"/>
-          <p:cNvSpPr txBox="1">
-            <a:spLocks noGrp="1"/>
-          </p:cNvSpPr>
-          <p:nvPr>
-            <p:ph type="sldNum" sz="quarter" idx="7"/>
-          </p:nvPr>
-        </p:nvSpPr>
-        <p:spPr>
-          <a:prstGeom prst="rect">
-            <a:avLst/>
-          </a:prstGeom>
-        </p:spPr>
-        <p:txBody>
-          <a:bodyPr vert="horz" wrap="square" lIns="0" tIns="0" rIns="0" bIns="0" rtlCol="0">
-            <a:spAutoFit/>
-          </a:bodyPr>
-          <a:lstStyle/>
-          <a:p>
-            <a:pPr marL="38100">
-              <a:lnSpc>
-                <a:spcPts val="1240"/>
-              </a:lnSpc>
-            </a:pPr>
-            <a:fld id="{81D60167-4931-47E6-BA6A-407CBD079E47}" type="slidenum">
-              <a:rPr dirty="0"/>
-              <a:t>23</a:t>
-            </a:fld>
-            <a:endParaRPr dirty="0"/>
-          </a:p>
-        </p:txBody>
-      </p:sp>
-      <p:pic>
-        <p:nvPicPr>
-          <p:cNvPr id="3" name="그림 2">
-            <a:extLst>
-              <a:ext uri="{FF2B5EF4-FFF2-40B4-BE49-F238E27FC236}">
-                <a16:creationId xmlns:a16="http://schemas.microsoft.com/office/drawing/2014/main" id="{B62C0058-3024-44E2-8225-E7E95FACF411}"/>
-              </a:ext>
-            </a:extLst>
-          </p:cNvPr>
-          <p:cNvPicPr>
-            <a:picLocks noChangeAspect="1"/>
-          </p:cNvPicPr>
-          <p:nvPr/>
-        </p:nvPicPr>
-        <p:blipFill>
-          <a:blip r:embed="rId2"/>
-          <a:stretch>
-            <a:fillRect/>
-          </a:stretch>
-        </p:blipFill>
-        <p:spPr>
-          <a:xfrm>
-            <a:off x="228600" y="1219200"/>
-            <a:ext cx="7299378" cy="2251936"/>
-          </a:xfrm>
-          <a:prstGeom prst="rect">
-            <a:avLst/>
-          </a:prstGeom>
-        </p:spPr>
-      </p:pic>
-      <p:pic>
-        <p:nvPicPr>
-          <p:cNvPr id="10" name="그림 9">
-            <a:extLst>
-              <a:ext uri="{FF2B5EF4-FFF2-40B4-BE49-F238E27FC236}">
-                <a16:creationId xmlns:a16="http://schemas.microsoft.com/office/drawing/2014/main" id="{BC09FF27-6A13-48A8-B512-057B3E59382D}"/>
-              </a:ext>
-            </a:extLst>
-          </p:cNvPr>
-          <p:cNvPicPr>
-            <a:picLocks noChangeAspect="1"/>
-          </p:cNvPicPr>
-          <p:nvPr/>
-        </p:nvPicPr>
-        <p:blipFill>
-          <a:blip r:embed="rId3"/>
-          <a:stretch>
-            <a:fillRect/>
-          </a:stretch>
-        </p:blipFill>
-        <p:spPr>
-          <a:xfrm>
-            <a:off x="1727721" y="3256623"/>
-            <a:ext cx="6593262" cy="2933699"/>
-          </a:xfrm>
-          <a:prstGeom prst="rect">
-            <a:avLst/>
-          </a:prstGeom>
-        </p:spPr>
-      </p:pic>
-      <p:sp>
-        <p:nvSpPr>
-          <p:cNvPr id="6" name="액자 5">
-            <a:extLst>
-              <a:ext uri="{FF2B5EF4-FFF2-40B4-BE49-F238E27FC236}">
-                <a16:creationId xmlns:a16="http://schemas.microsoft.com/office/drawing/2014/main" id="{94D46BAE-84E5-4CDB-B899-3BEFFDA38138}"/>
-              </a:ext>
-            </a:extLst>
-          </p:cNvPr>
-          <p:cNvSpPr/>
-          <p:nvPr/>
-        </p:nvSpPr>
-        <p:spPr>
-          <a:xfrm>
-            <a:off x="2667000" y="1981200"/>
-            <a:ext cx="2286000" cy="304800"/>
-          </a:xfrm>
-          <a:prstGeom prst="frame">
-            <a:avLst>
-              <a:gd name="adj1" fmla="val 0"/>
-            </a:avLst>
-          </a:prstGeom>
-          <a:solidFill>
-            <a:srgbClr val="FF0000"/>
-          </a:solidFill>
-          <a:ln>
-            <a:solidFill>
-              <a:srgbClr val="FF0000"/>
-            </a:solidFill>
-          </a:ln>
-        </p:spPr>
-        <p:style>
-          <a:lnRef idx="2">
-            <a:schemeClr val="accent1">
-              <a:shade val="50000"/>
-            </a:schemeClr>
-          </a:lnRef>
-          <a:fillRef idx="1">
-            <a:schemeClr val="accent1"/>
-          </a:fillRef>
-          <a:effectRef idx="0">
-            <a:schemeClr val="accent1"/>
-          </a:effectRef>
-          <a:fontRef idx="minor">
-            <a:schemeClr val="lt1"/>
-          </a:fontRef>
-        </p:style>
-        <p:txBody>
-          <a:bodyPr rtlCol="0" anchor="ctr"/>
-          <a:lstStyle/>
-          <a:p>
-            <a:pPr algn="ctr"/>
-            <a:endParaRPr lang="ko-KR" altLang="en-US">
-              <a:solidFill>
-                <a:schemeClr val="tx1"/>
-              </a:solidFill>
-            </a:endParaRPr>
-          </a:p>
-        </p:txBody>
-      </p:sp>
-      <p:sp>
-        <p:nvSpPr>
-          <p:cNvPr id="8" name="액자 7">
-            <a:extLst>
-              <a:ext uri="{FF2B5EF4-FFF2-40B4-BE49-F238E27FC236}">
-                <a16:creationId xmlns:a16="http://schemas.microsoft.com/office/drawing/2014/main" id="{9CF2AF09-EDBE-4CB2-83FF-79B175B51BF7}"/>
-              </a:ext>
-            </a:extLst>
-          </p:cNvPr>
-          <p:cNvSpPr/>
-          <p:nvPr/>
-        </p:nvSpPr>
-        <p:spPr>
-          <a:xfrm>
-            <a:off x="2514600" y="5410200"/>
-            <a:ext cx="2438400" cy="228600"/>
-          </a:xfrm>
-          <a:prstGeom prst="frame">
-            <a:avLst>
-              <a:gd name="adj1" fmla="val 0"/>
-            </a:avLst>
-          </a:prstGeom>
-          <a:solidFill>
-            <a:srgbClr val="FF0000"/>
-          </a:solidFill>
-          <a:ln>
-            <a:solidFill>
-              <a:srgbClr val="FF0000"/>
-            </a:solidFill>
-          </a:ln>
-        </p:spPr>
-        <p:style>
-          <a:lnRef idx="2">
-            <a:schemeClr val="accent1">
-              <a:shade val="50000"/>
-            </a:schemeClr>
-          </a:lnRef>
-          <a:fillRef idx="1">
-            <a:schemeClr val="accent1"/>
-          </a:fillRef>
-          <a:effectRef idx="0">
-            <a:schemeClr val="accent1"/>
-          </a:effectRef>
-          <a:fontRef idx="minor">
-            <a:schemeClr val="lt1"/>
-          </a:fontRef>
-        </p:style>
-        <p:txBody>
-          <a:bodyPr rtlCol="0" anchor="ctr"/>
-          <a:lstStyle/>
-          <a:p>
-            <a:pPr algn="ctr"/>
-            <a:endParaRPr lang="ko-KR" altLang="en-US">
-              <a:solidFill>
-                <a:schemeClr val="tx1"/>
-              </a:solidFill>
-            </a:endParaRPr>
-          </a:p>
-        </p:txBody>
-      </p:sp>
-    </p:spTree>
-    <p:extLst>
-      <p:ext uri="{BB962C8B-B14F-4D97-AF65-F5344CB8AC3E}">
-        <p14:creationId xmlns:p14="http://schemas.microsoft.com/office/powerpoint/2010/main" val="751966321"/>
-      </p:ext>
-    </p:extLst>
-  </p:cSld>
-  <p:clrMapOvr>
-    <a:masterClrMapping/>
-  </p:clrMapOvr>
-</p:sld>
-</file>
-
 <file path=ppt/slides/slide24.xml><?xml version="1.0" encoding="utf-8"?>
 <p:sld xmlns:a="http://schemas.openxmlformats.org/drawingml/2006/main" xmlns:r="http://schemas.openxmlformats.org/officeDocument/2006/relationships" xmlns:p="http://schemas.openxmlformats.org/presentationml/2006/main">
   <p:cSld>
@@ -6452,6 +6894,66 @@
           </a:p>
         </p:txBody>
       </p:sp>
+      <p:pic>
+        <p:nvPicPr>
+          <p:cNvPr id="3" name="그림 2">
+            <a:extLst>
+              <a:ext uri="{FF2B5EF4-FFF2-40B4-BE49-F238E27FC236}">
+                <a16:creationId xmlns:a16="http://schemas.microsoft.com/office/drawing/2014/main" id="{B62C0058-3024-44E2-8225-E7E95FACF411}"/>
+              </a:ext>
+            </a:extLst>
+          </p:cNvPr>
+          <p:cNvPicPr>
+            <a:picLocks noChangeAspect="1"/>
+          </p:cNvPicPr>
+          <p:nvPr/>
+        </p:nvPicPr>
+        <p:blipFill>
+          <a:blip r:embed="rId2"/>
+          <a:stretch>
+            <a:fillRect/>
+          </a:stretch>
+        </p:blipFill>
+        <p:spPr>
+          <a:xfrm>
+            <a:off x="228600" y="1219200"/>
+            <a:ext cx="7299378" cy="2251936"/>
+          </a:xfrm>
+          <a:prstGeom prst="rect">
+            <a:avLst/>
+          </a:prstGeom>
+        </p:spPr>
+      </p:pic>
+      <p:pic>
+        <p:nvPicPr>
+          <p:cNvPr id="10" name="그림 9">
+            <a:extLst>
+              <a:ext uri="{FF2B5EF4-FFF2-40B4-BE49-F238E27FC236}">
+                <a16:creationId xmlns:a16="http://schemas.microsoft.com/office/drawing/2014/main" id="{BC09FF27-6A13-48A8-B512-057B3E59382D}"/>
+              </a:ext>
+            </a:extLst>
+          </p:cNvPr>
+          <p:cNvPicPr>
+            <a:picLocks noChangeAspect="1"/>
+          </p:cNvPicPr>
+          <p:nvPr/>
+        </p:nvPicPr>
+        <p:blipFill>
+          <a:blip r:embed="rId3"/>
+          <a:stretch>
+            <a:fillRect/>
+          </a:stretch>
+        </p:blipFill>
+        <p:spPr>
+          <a:xfrm>
+            <a:off x="1727721" y="3256623"/>
+            <a:ext cx="6593262" cy="2933699"/>
+          </a:xfrm>
+          <a:prstGeom prst="rect">
+            <a:avLst/>
+          </a:prstGeom>
+        </p:spPr>
+      </p:pic>
       <p:sp>
         <p:nvSpPr>
           <p:cNvPr id="6" name="액자 5">
@@ -6466,8 +6968,8 @@
         </p:nvSpPr>
         <p:spPr>
           <a:xfrm>
-            <a:off x="1143000" y="3886200"/>
-            <a:ext cx="6695388" cy="304800"/>
+            <a:off x="2667000" y="1981200"/>
+            <a:ext cx="2286000" cy="304800"/>
           </a:xfrm>
           <a:prstGeom prst="frame">
             <a:avLst>
@@ -6512,36 +7014,6 @@
           </a:p>
         </p:txBody>
       </p:sp>
-      <p:pic>
-        <p:nvPicPr>
-          <p:cNvPr id="4" name="그림 3">
-            <a:extLst>
-              <a:ext uri="{FF2B5EF4-FFF2-40B4-BE49-F238E27FC236}">
-                <a16:creationId xmlns:a16="http://schemas.microsoft.com/office/drawing/2014/main" id="{C251ADA6-E8B0-4817-BF77-204A24C53B51}"/>
-              </a:ext>
-            </a:extLst>
-          </p:cNvPr>
-          <p:cNvPicPr>
-            <a:picLocks noChangeAspect="1"/>
-          </p:cNvPicPr>
-          <p:nvPr/>
-        </p:nvPicPr>
-        <p:blipFill>
-          <a:blip r:embed="rId2"/>
-          <a:stretch>
-            <a:fillRect/>
-          </a:stretch>
-        </p:blipFill>
-        <p:spPr>
-          <a:xfrm>
-            <a:off x="304113" y="1295400"/>
-            <a:ext cx="7534275" cy="3267075"/>
-          </a:xfrm>
-          <a:prstGeom prst="rect">
-            <a:avLst/>
-          </a:prstGeom>
-        </p:spPr>
-      </p:pic>
       <p:sp>
         <p:nvSpPr>
           <p:cNvPr id="8" name="액자 7">
@@ -6556,8 +7028,8 @@
         </p:nvSpPr>
         <p:spPr>
           <a:xfrm>
-            <a:off x="434419" y="2204721"/>
-            <a:ext cx="1454477" cy="448307"/>
+            <a:off x="2514600" y="5410200"/>
+            <a:ext cx="2438400" cy="228600"/>
           </a:xfrm>
           <a:prstGeom prst="frame">
             <a:avLst>
@@ -6605,7 +7077,7 @@
     </p:spTree>
     <p:extLst>
       <p:ext uri="{BB962C8B-B14F-4D97-AF65-F5344CB8AC3E}">
-        <p14:creationId xmlns:p14="http://schemas.microsoft.com/office/powerpoint/2010/main" val="1067332593"/>
+        <p14:creationId xmlns:p14="http://schemas.microsoft.com/office/powerpoint/2010/main" val="751966321"/>
       </p:ext>
     </p:extLst>
   </p:cSld>
@@ -6730,7 +7202,7 @@
         </p:nvSpPr>
         <p:spPr>
           <a:xfrm>
-            <a:off x="276225" y="2924884"/>
+            <a:off x="1143000" y="3886200"/>
             <a:ext cx="6695388" cy="304800"/>
           </a:xfrm>
           <a:prstGeom prst="frame">
@@ -6778,10 +7250,10 @@
       </p:sp>
       <p:pic>
         <p:nvPicPr>
-          <p:cNvPr id="3" name="그림 2">
+          <p:cNvPr id="4" name="그림 3">
             <a:extLst>
               <a:ext uri="{FF2B5EF4-FFF2-40B4-BE49-F238E27FC236}">
-                <a16:creationId xmlns:a16="http://schemas.microsoft.com/office/drawing/2014/main" id="{37B9573A-7815-4D89-8CBD-1300F2A9341B}"/>
+                <a16:creationId xmlns:a16="http://schemas.microsoft.com/office/drawing/2014/main" id="{C251ADA6-E8B0-4817-BF77-204A24C53B51}"/>
               </a:ext>
             </a:extLst>
           </p:cNvPr>
@@ -6798,147 +7270,78 @@
         </p:blipFill>
         <p:spPr>
           <a:xfrm>
-            <a:off x="461682" y="1333499"/>
-            <a:ext cx="6038850" cy="2828925"/>
+            <a:off x="304113" y="1295400"/>
+            <a:ext cx="7534275" cy="3267075"/>
           </a:xfrm>
           <a:prstGeom prst="rect">
             <a:avLst/>
           </a:prstGeom>
         </p:spPr>
       </p:pic>
-      <p:pic>
-        <p:nvPicPr>
-          <p:cNvPr id="5" name="그림 4">
+      <p:sp>
+        <p:nvSpPr>
+          <p:cNvPr id="8" name="액자 7">
             <a:extLst>
               <a:ext uri="{FF2B5EF4-FFF2-40B4-BE49-F238E27FC236}">
-                <a16:creationId xmlns:a16="http://schemas.microsoft.com/office/drawing/2014/main" id="{17328A08-F536-452A-BC88-000B9EEA8946}"/>
+                <a16:creationId xmlns:a16="http://schemas.microsoft.com/office/drawing/2014/main" id="{9CF2AF09-EDBE-4CB2-83FF-79B175B51BF7}"/>
               </a:ext>
             </a:extLst>
           </p:cNvPr>
-          <p:cNvPicPr>
-            <a:picLocks noChangeAspect="1"/>
-          </p:cNvPicPr>
-          <p:nvPr/>
-        </p:nvPicPr>
-        <p:blipFill>
-          <a:blip r:embed="rId3"/>
-          <a:stretch>
-            <a:fillRect/>
-          </a:stretch>
-        </p:blipFill>
-        <p:spPr>
-          <a:xfrm>
-            <a:off x="1328457" y="1690687"/>
-            <a:ext cx="5581650" cy="3267075"/>
-          </a:xfrm>
-          <a:prstGeom prst="rect">
-            <a:avLst/>
-          </a:prstGeom>
-        </p:spPr>
-      </p:pic>
-      <p:pic>
-        <p:nvPicPr>
-          <p:cNvPr id="10" name="그림 9">
-            <a:extLst>
-              <a:ext uri="{FF2B5EF4-FFF2-40B4-BE49-F238E27FC236}">
-                <a16:creationId xmlns:a16="http://schemas.microsoft.com/office/drawing/2014/main" id="{5956F23C-1634-40D9-85D2-F3E0FF4E9B9D}"/>
-              </a:ext>
-            </a:extLst>
-          </p:cNvPr>
-          <p:cNvPicPr>
-            <a:picLocks noChangeAspect="1"/>
-          </p:cNvPicPr>
-          <p:nvPr/>
-        </p:nvPicPr>
-        <p:blipFill>
-          <a:blip r:embed="rId4"/>
-          <a:stretch>
-            <a:fillRect/>
-          </a:stretch>
-        </p:blipFill>
-        <p:spPr>
-          <a:xfrm>
-            <a:off x="2185707" y="1900237"/>
-            <a:ext cx="7105650" cy="3057525"/>
-          </a:xfrm>
-          <a:prstGeom prst="rect">
-            <a:avLst/>
-          </a:prstGeom>
-        </p:spPr>
-      </p:pic>
-      <p:pic>
-        <p:nvPicPr>
-          <p:cNvPr id="11" name="그림 10">
-            <a:extLst>
-              <a:ext uri="{FF2B5EF4-FFF2-40B4-BE49-F238E27FC236}">
-                <a16:creationId xmlns:a16="http://schemas.microsoft.com/office/drawing/2014/main" id="{C9B150E8-8417-443A-880C-DA5248018061}"/>
-              </a:ext>
-            </a:extLst>
-          </p:cNvPr>
-          <p:cNvPicPr>
-            <a:picLocks noChangeAspect="1"/>
-          </p:cNvPicPr>
-          <p:nvPr/>
-        </p:nvPicPr>
-        <p:blipFill>
-          <a:blip r:embed="rId5"/>
-          <a:stretch>
-            <a:fillRect/>
-          </a:stretch>
-        </p:blipFill>
-        <p:spPr>
-          <a:xfrm>
-            <a:off x="2667000" y="5181600"/>
-            <a:ext cx="7477125" cy="838200"/>
-          </a:xfrm>
-          <a:prstGeom prst="rect">
-            <a:avLst/>
-          </a:prstGeom>
-        </p:spPr>
-      </p:pic>
-      <p:sp>
-        <p:nvSpPr>
-          <p:cNvPr id="12" name="TextBox 11">
-            <a:extLst>
-              <a:ext uri="{FF2B5EF4-FFF2-40B4-BE49-F238E27FC236}">
-                <a16:creationId xmlns:a16="http://schemas.microsoft.com/office/drawing/2014/main" id="{9B1C103B-2DC8-457F-95D7-317B2B2F034D}"/>
-              </a:ext>
-            </a:extLst>
-          </p:cNvPr>
-          <p:cNvSpPr txBox="1"/>
-          <p:nvPr/>
-        </p:nvSpPr>
-        <p:spPr>
-          <a:xfrm>
-            <a:off x="4614420" y="2974156"/>
-            <a:ext cx="4453380" cy="646331"/>
-          </a:xfrm>
-          <a:prstGeom prst="rect">
-            <a:avLst/>
-          </a:prstGeom>
-          <a:noFill/>
-        </p:spPr>
-        <p:txBody>
-          <a:bodyPr wrap="square" rtlCol="0">
-            <a:spAutoFit/>
-          </a:bodyPr>
+          <p:cNvSpPr/>
+          <p:nvPr/>
+        </p:nvSpPr>
+        <p:spPr>
+          <a:xfrm>
+            <a:off x="434419" y="2204721"/>
+            <a:ext cx="1454477" cy="448307"/>
+          </a:xfrm>
+          <a:prstGeom prst="frame">
+            <a:avLst>
+              <a:gd name="adj1" fmla="val 0"/>
+            </a:avLst>
+          </a:prstGeom>
+          <a:solidFill>
+            <a:srgbClr val="FF0000"/>
+          </a:solidFill>
+          <a:ln>
+            <a:solidFill>
+              <a:srgbClr val="FF0000"/>
+            </a:solidFill>
+          </a:ln>
+        </p:spPr>
+        <p:style>
+          <a:lnRef idx="2">
+            <a:schemeClr val="accent1">
+              <a:shade val="50000"/>
+            </a:schemeClr>
+          </a:lnRef>
+          <a:fillRef idx="1">
+            <a:schemeClr val="accent1"/>
+          </a:fillRef>
+          <a:effectRef idx="0">
+            <a:schemeClr val="accent1"/>
+          </a:effectRef>
+          <a:fontRef idx="minor">
+            <a:schemeClr val="lt1"/>
+          </a:fontRef>
+        </p:style>
+        <p:txBody>
+          <a:bodyPr rtlCol="0" anchor="ctr"/>
           <a:lstStyle/>
           <a:p>
-            <a:r>
-              <a:rPr lang="en-US" altLang="ko-KR" dirty="0"/>
-              <a:t>///</a:t>
-            </a:r>
-            <a:r>
-              <a:rPr lang="ko-KR" altLang="en-US" dirty="0"/>
-              <a:t>실습에 맞게 권한 선택 후 이미지 설정하기</a:t>
-            </a:r>
+            <a:pPr algn="ctr"/>
+            <a:endParaRPr lang="ko-KR" altLang="en-US">
+              <a:solidFill>
+                <a:schemeClr val="tx1"/>
+              </a:solidFill>
+            </a:endParaRPr>
           </a:p>
         </p:txBody>
       </p:sp>
     </p:spTree>
     <p:extLst>
       <p:ext uri="{BB962C8B-B14F-4D97-AF65-F5344CB8AC3E}">
-        <p14:creationId xmlns:p14="http://schemas.microsoft.com/office/powerpoint/2010/main" val="592164141"/>
+        <p14:creationId xmlns:p14="http://schemas.microsoft.com/office/powerpoint/2010/main" val="1067332593"/>
       </p:ext>
     </p:extLst>
   </p:cSld>
@@ -6965,6 +7368,36 @@
           <a:chExt cx="0" cy="0"/>
         </a:xfrm>
       </p:grpSpPr>
+      <p:pic>
+        <p:nvPicPr>
+          <p:cNvPr id="3" name="그림 2">
+            <a:extLst>
+              <a:ext uri="{FF2B5EF4-FFF2-40B4-BE49-F238E27FC236}">
+                <a16:creationId xmlns:a16="http://schemas.microsoft.com/office/drawing/2014/main" id="{37B9573A-7815-4D89-8CBD-1300F2A9341B}"/>
+              </a:ext>
+            </a:extLst>
+          </p:cNvPr>
+          <p:cNvPicPr>
+            <a:picLocks noChangeAspect="1"/>
+          </p:cNvPicPr>
+          <p:nvPr/>
+        </p:nvPicPr>
+        <p:blipFill>
+          <a:blip r:embed="rId2"/>
+          <a:stretch>
+            <a:fillRect/>
+          </a:stretch>
+        </p:blipFill>
+        <p:spPr>
+          <a:xfrm>
+            <a:off x="461682" y="1333499"/>
+            <a:ext cx="6038850" cy="2828925"/>
+          </a:xfrm>
+          <a:prstGeom prst="rect">
+            <a:avLst/>
+          </a:prstGeom>
+        </p:spPr>
+      </p:pic>
       <p:sp>
         <p:nvSpPr>
           <p:cNvPr id="2" name="object 2"/>
@@ -7006,21 +7439,7 @@
                 <a:latin typeface="Trebuchet MS"/>
                 <a:cs typeface="UnDinaru"/>
               </a:rPr>
-              <a:t>함수 작성 </a:t>
-            </a:r>
-            <a:r>
-              <a:rPr lang="en-US" altLang="ko-KR" sz="3600" b="1" spc="-185" dirty="0">
-                <a:latin typeface="Trebuchet MS"/>
-                <a:cs typeface="UnDinaru"/>
-              </a:rPr>
-              <a:t>/ </a:t>
-            </a:r>
-            <a:r>
-              <a:rPr lang="ko-KR" altLang="en-US" sz="3600" b="1" spc="-185" dirty="0">
-                <a:latin typeface="Trebuchet MS"/>
-                <a:cs typeface="UnDinaru"/>
-              </a:rPr>
-              <a:t>테스트</a:t>
+              <a:t>사용을 위한 권한 설정</a:t>
             </a:r>
             <a:endParaRPr sz="3600" b="1" dirty="0">
               <a:latin typeface="UnDinaru"/>
@@ -7063,102 +7482,12 @@
           </a:p>
         </p:txBody>
       </p:sp>
-      <p:pic>
-        <p:nvPicPr>
-          <p:cNvPr id="11" name="그림 10">
+      <p:sp>
+        <p:nvSpPr>
+          <p:cNvPr id="6" name="액자 5">
             <a:extLst>
               <a:ext uri="{FF2B5EF4-FFF2-40B4-BE49-F238E27FC236}">
-                <a16:creationId xmlns:a16="http://schemas.microsoft.com/office/drawing/2014/main" id="{C9B150E8-8417-443A-880C-DA5248018061}"/>
-              </a:ext>
-            </a:extLst>
-          </p:cNvPr>
-          <p:cNvPicPr>
-            <a:picLocks noChangeAspect="1"/>
-          </p:cNvPicPr>
-          <p:nvPr/>
-        </p:nvPicPr>
-        <p:blipFill>
-          <a:blip r:embed="rId2"/>
-          <a:stretch>
-            <a:fillRect/>
-          </a:stretch>
-        </p:blipFill>
-        <p:spPr>
-          <a:xfrm>
-            <a:off x="833437" y="3009900"/>
-            <a:ext cx="7477125" cy="838200"/>
-          </a:xfrm>
-          <a:prstGeom prst="rect">
-            <a:avLst/>
-          </a:prstGeom>
-        </p:spPr>
-      </p:pic>
-      <p:pic>
-        <p:nvPicPr>
-          <p:cNvPr id="4" name="그림 3">
-            <a:extLst>
-              <a:ext uri="{FF2B5EF4-FFF2-40B4-BE49-F238E27FC236}">
-                <a16:creationId xmlns:a16="http://schemas.microsoft.com/office/drawing/2014/main" id="{1101C2EF-83E2-4AE8-B55D-0915E4D8D0EC}"/>
-              </a:ext>
-            </a:extLst>
-          </p:cNvPr>
-          <p:cNvPicPr>
-            <a:picLocks noChangeAspect="1"/>
-          </p:cNvPicPr>
-          <p:nvPr/>
-        </p:nvPicPr>
-        <p:blipFill>
-          <a:blip r:embed="rId3"/>
-          <a:stretch>
-            <a:fillRect/>
-          </a:stretch>
-        </p:blipFill>
-        <p:spPr>
-          <a:xfrm>
-            <a:off x="424992" y="1277589"/>
-            <a:ext cx="7620000" cy="2570511"/>
-          </a:xfrm>
-          <a:prstGeom prst="rect">
-            <a:avLst/>
-          </a:prstGeom>
-        </p:spPr>
-      </p:pic>
-      <p:pic>
-        <p:nvPicPr>
-          <p:cNvPr id="12" name="그림 11">
-            <a:extLst>
-              <a:ext uri="{FF2B5EF4-FFF2-40B4-BE49-F238E27FC236}">
-                <a16:creationId xmlns:a16="http://schemas.microsoft.com/office/drawing/2014/main" id="{6EFD646A-0FD8-4C4F-B30B-9FD5B2A29F16}"/>
-              </a:ext>
-            </a:extLst>
-          </p:cNvPr>
-          <p:cNvPicPr>
-            <a:picLocks noChangeAspect="1"/>
-          </p:cNvPicPr>
-          <p:nvPr/>
-        </p:nvPicPr>
-        <p:blipFill>
-          <a:blip r:embed="rId4"/>
-          <a:stretch>
-            <a:fillRect/>
-          </a:stretch>
-        </p:blipFill>
-        <p:spPr>
-          <a:xfrm>
-            <a:off x="493224" y="4067175"/>
-            <a:ext cx="7886700" cy="1076325"/>
-          </a:xfrm>
-          <a:prstGeom prst="rect">
-            <a:avLst/>
-          </a:prstGeom>
-        </p:spPr>
-      </p:pic>
-      <p:sp>
-        <p:nvSpPr>
-          <p:cNvPr id="14" name="액자 13">
-            <a:extLst>
-              <a:ext uri="{FF2B5EF4-FFF2-40B4-BE49-F238E27FC236}">
-                <a16:creationId xmlns:a16="http://schemas.microsoft.com/office/drawing/2014/main" id="{CFF86527-5E45-419B-9902-1E796B1C5064}"/>
+                <a16:creationId xmlns:a16="http://schemas.microsoft.com/office/drawing/2014/main" id="{94D46BAE-84E5-4CDB-B899-3BEFFDA38138}"/>
               </a:ext>
             </a:extLst>
           </p:cNvPr>
@@ -7167,8 +7496,8 @@
         </p:nvSpPr>
         <p:spPr>
           <a:xfrm>
-            <a:off x="7327683" y="4191000"/>
-            <a:ext cx="902551" cy="351572"/>
+            <a:off x="476727" y="3429000"/>
+            <a:ext cx="3714273" cy="304800"/>
           </a:xfrm>
           <a:prstGeom prst="frame">
             <a:avLst>
@@ -7213,72 +7542,42 @@
           </a:p>
         </p:txBody>
       </p:sp>
-      <p:sp>
-        <p:nvSpPr>
-          <p:cNvPr id="15" name="액자 14">
+      <p:pic>
+        <p:nvPicPr>
+          <p:cNvPr id="11" name="그림 10">
             <a:extLst>
               <a:ext uri="{FF2B5EF4-FFF2-40B4-BE49-F238E27FC236}">
-                <a16:creationId xmlns:a16="http://schemas.microsoft.com/office/drawing/2014/main" id="{65F04927-0447-457D-B45C-944D28BE2B12}"/>
+                <a16:creationId xmlns:a16="http://schemas.microsoft.com/office/drawing/2014/main" id="{C9B150E8-8417-443A-880C-DA5248018061}"/>
               </a:ext>
             </a:extLst>
           </p:cNvPr>
-          <p:cNvSpPr/>
-          <p:nvPr/>
-        </p:nvSpPr>
-        <p:spPr>
-          <a:xfrm>
-            <a:off x="6324600" y="4191000"/>
-            <a:ext cx="902551" cy="351572"/>
-          </a:xfrm>
-          <a:prstGeom prst="frame">
-            <a:avLst>
-              <a:gd name="adj1" fmla="val 0"/>
-            </a:avLst>
-          </a:prstGeom>
-          <a:solidFill>
-            <a:srgbClr val="FF0000"/>
-          </a:solidFill>
-          <a:ln>
-            <a:solidFill>
-              <a:srgbClr val="FF0000"/>
-            </a:solidFill>
-          </a:ln>
-        </p:spPr>
-        <p:style>
-          <a:lnRef idx="2">
-            <a:schemeClr val="accent1">
-              <a:shade val="50000"/>
-            </a:schemeClr>
-          </a:lnRef>
-          <a:fillRef idx="1">
-            <a:schemeClr val="accent1"/>
-          </a:fillRef>
-          <a:effectRef idx="0">
-            <a:schemeClr val="accent1"/>
-          </a:effectRef>
-          <a:fontRef idx="minor">
-            <a:schemeClr val="lt1"/>
-          </a:fontRef>
-        </p:style>
-        <p:txBody>
-          <a:bodyPr rtlCol="0" anchor="ctr"/>
-          <a:lstStyle/>
-          <a:p>
-            <a:pPr algn="ctr"/>
-            <a:endParaRPr lang="ko-KR" altLang="en-US">
-              <a:solidFill>
-                <a:schemeClr val="tx1"/>
-              </a:solidFill>
-            </a:endParaRPr>
-          </a:p>
-        </p:txBody>
-      </p:sp>
-      <p:sp>
-        <p:nvSpPr>
-          <p:cNvPr id="16" name="TextBox 15">
+          <p:cNvPicPr>
+            <a:picLocks noChangeAspect="1"/>
+          </p:cNvPicPr>
+          <p:nvPr/>
+        </p:nvPicPr>
+        <p:blipFill>
+          <a:blip r:embed="rId3"/>
+          <a:stretch>
+            <a:fillRect/>
+          </a:stretch>
+        </p:blipFill>
+        <p:spPr>
+          <a:xfrm>
+            <a:off x="2667000" y="5181600"/>
+            <a:ext cx="7477125" cy="838200"/>
+          </a:xfrm>
+          <a:prstGeom prst="rect">
+            <a:avLst/>
+          </a:prstGeom>
+        </p:spPr>
+      </p:pic>
+      <p:sp>
+        <p:nvSpPr>
+          <p:cNvPr id="12" name="TextBox 11">
             <a:extLst>
               <a:ext uri="{FF2B5EF4-FFF2-40B4-BE49-F238E27FC236}">
-                <a16:creationId xmlns:a16="http://schemas.microsoft.com/office/drawing/2014/main" id="{14AB0A7C-2328-4652-879A-C1F4288B9461}"/>
+                <a16:creationId xmlns:a16="http://schemas.microsoft.com/office/drawing/2014/main" id="{9B1C103B-2DC8-457F-95D7-317B2B2F034D}"/>
               </a:ext>
             </a:extLst>
           </p:cNvPr>
@@ -7287,8 +7586,8 @@
         </p:nvSpPr>
         <p:spPr>
           <a:xfrm>
-            <a:off x="609600" y="5334000"/>
-            <a:ext cx="7620634" cy="1200329"/>
+            <a:off x="2625365" y="4222707"/>
+            <a:ext cx="6629400" cy="369332"/>
           </a:xfrm>
           <a:prstGeom prst="rect">
             <a:avLst/>
@@ -7301,65 +7600,25 @@
           </a:bodyPr>
           <a:lstStyle/>
           <a:p>
-            <a:pPr marL="342900" indent="-342900">
-              <a:buAutoNum type="arabicPeriod"/>
-            </a:pPr>
+            <a:r>
+              <a:rPr lang="ko-KR" altLang="en-US" dirty="0"/>
+              <a:t>권한 선택 후 연결</a:t>
+            </a:r>
             <a:r>
               <a:rPr lang="en-US" altLang="ko-KR" dirty="0"/>
-              <a:t>save</a:t>
+              <a:t>, </a:t>
             </a:r>
             <a:r>
               <a:rPr lang="ko-KR" altLang="en-US" dirty="0"/>
-              <a:t> 후</a:t>
-            </a:r>
-            <a:r>
-              <a:rPr lang="en-US" altLang="ko-KR" dirty="0"/>
-              <a:t>, 2. </a:t>
-            </a:r>
-            <a:r>
-              <a:rPr lang="ko-KR" altLang="en-US" dirty="0"/>
-              <a:t>테스트</a:t>
-            </a:r>
-            <a:endParaRPr lang="en-US" altLang="ko-KR" dirty="0"/>
-          </a:p>
-          <a:p>
-            <a:endParaRPr lang="en-US" altLang="ko-KR" dirty="0"/>
-          </a:p>
-          <a:p>
-            <a:r>
-              <a:rPr lang="ko-KR" altLang="en-US" dirty="0"/>
-              <a:t>테스트 설정 창이 </a:t>
-            </a:r>
-            <a:r>
-              <a:rPr lang="ko-KR" altLang="en-US" dirty="0" err="1"/>
-              <a:t>팝업되면</a:t>
-            </a:r>
-            <a:r>
-              <a:rPr lang="en-US" altLang="ko-KR" dirty="0"/>
-              <a:t>,</a:t>
-            </a:r>
-          </a:p>
-          <a:p>
-            <a:r>
-              <a:rPr lang="ko-KR" altLang="en-US" dirty="0"/>
-              <a:t>기본 설정</a:t>
-            </a:r>
-            <a:r>
-              <a:rPr lang="en-US" altLang="ko-KR" dirty="0"/>
-              <a:t>/</a:t>
-            </a:r>
-            <a:r>
-              <a:rPr lang="ko-KR" altLang="en-US" dirty="0"/>
-              <a:t>이름을 지정하고 생성하기 버튼 클릭</a:t>
-            </a:r>
-            <a:endParaRPr lang="en-US" altLang="ko-KR" dirty="0"/>
+              <a:t>아래와 같은 알림이 보인다면 성공</a:t>
+            </a:r>
           </a:p>
         </p:txBody>
       </p:sp>
     </p:spTree>
     <p:extLst>
       <p:ext uri="{BB962C8B-B14F-4D97-AF65-F5344CB8AC3E}">
-        <p14:creationId xmlns:p14="http://schemas.microsoft.com/office/powerpoint/2010/main" val="1264488530"/>
+        <p14:creationId xmlns:p14="http://schemas.microsoft.com/office/powerpoint/2010/main" val="592164141"/>
       </p:ext>
     </p:extLst>
   </p:cSld>
@@ -7416,6 +7675,423 @@
               </a:spcBef>
             </a:pPr>
             <a:r>
+              <a:rPr lang="en-US" sz="3600" b="1" spc="-185" dirty="0">
+                <a:latin typeface="Trebuchet MS"/>
+                <a:cs typeface="UnDinaru"/>
+              </a:rPr>
+              <a:t>Comprehend </a:t>
+            </a:r>
+            <a:r>
+              <a:rPr lang="ko-KR" altLang="en-US" sz="3600" b="1" spc="-185" dirty="0">
+                <a:latin typeface="Trebuchet MS"/>
+                <a:cs typeface="UnDinaru"/>
+              </a:rPr>
+              <a:t>함수 작성 </a:t>
+            </a:r>
+            <a:r>
+              <a:rPr lang="en-US" altLang="ko-KR" sz="3600" b="1" spc="-185" dirty="0">
+                <a:latin typeface="Trebuchet MS"/>
+                <a:cs typeface="UnDinaru"/>
+              </a:rPr>
+              <a:t>/ </a:t>
+            </a:r>
+            <a:r>
+              <a:rPr lang="ko-KR" altLang="en-US" sz="3600" b="1" spc="-185" dirty="0">
+                <a:latin typeface="Trebuchet MS"/>
+                <a:cs typeface="UnDinaru"/>
+              </a:rPr>
+              <a:t>테스트</a:t>
+            </a:r>
+            <a:endParaRPr sz="3600" b="1" dirty="0">
+              <a:latin typeface="UnDinaru"/>
+              <a:cs typeface="UnDinaru"/>
+            </a:endParaRPr>
+          </a:p>
+        </p:txBody>
+      </p:sp>
+      <p:sp>
+        <p:nvSpPr>
+          <p:cNvPr id="7" name="object 7"/>
+          <p:cNvSpPr txBox="1">
+            <a:spLocks noGrp="1"/>
+          </p:cNvSpPr>
+          <p:nvPr>
+            <p:ph type="sldNum" sz="quarter" idx="7"/>
+          </p:nvPr>
+        </p:nvSpPr>
+        <p:spPr>
+          <a:prstGeom prst="rect">
+            <a:avLst/>
+          </a:prstGeom>
+        </p:spPr>
+        <p:txBody>
+          <a:bodyPr vert="horz" wrap="square" lIns="0" tIns="0" rIns="0" bIns="0" rtlCol="0">
+            <a:spAutoFit/>
+          </a:bodyPr>
+          <a:lstStyle/>
+          <a:p>
+            <a:pPr marL="38100">
+              <a:lnSpc>
+                <a:spcPts val="1240"/>
+              </a:lnSpc>
+            </a:pPr>
+            <a:fld id="{81D60167-4931-47E6-BA6A-407CBD079E47}" type="slidenum">
+              <a:rPr dirty="0"/>
+              <a:t>27</a:t>
+            </a:fld>
+            <a:endParaRPr dirty="0"/>
+          </a:p>
+        </p:txBody>
+      </p:sp>
+      <p:pic>
+        <p:nvPicPr>
+          <p:cNvPr id="11" name="그림 10">
+            <a:extLst>
+              <a:ext uri="{FF2B5EF4-FFF2-40B4-BE49-F238E27FC236}">
+                <a16:creationId xmlns:a16="http://schemas.microsoft.com/office/drawing/2014/main" id="{C9B150E8-8417-443A-880C-DA5248018061}"/>
+              </a:ext>
+            </a:extLst>
+          </p:cNvPr>
+          <p:cNvPicPr>
+            <a:picLocks noChangeAspect="1"/>
+          </p:cNvPicPr>
+          <p:nvPr/>
+        </p:nvPicPr>
+        <p:blipFill>
+          <a:blip r:embed="rId3"/>
+          <a:stretch>
+            <a:fillRect/>
+          </a:stretch>
+        </p:blipFill>
+        <p:spPr>
+          <a:xfrm>
+            <a:off x="833437" y="3009900"/>
+            <a:ext cx="7477125" cy="838200"/>
+          </a:xfrm>
+          <a:prstGeom prst="rect">
+            <a:avLst/>
+          </a:prstGeom>
+        </p:spPr>
+      </p:pic>
+      <p:pic>
+        <p:nvPicPr>
+          <p:cNvPr id="4" name="그림 3">
+            <a:extLst>
+              <a:ext uri="{FF2B5EF4-FFF2-40B4-BE49-F238E27FC236}">
+                <a16:creationId xmlns:a16="http://schemas.microsoft.com/office/drawing/2014/main" id="{1101C2EF-83E2-4AE8-B55D-0915E4D8D0EC}"/>
+              </a:ext>
+            </a:extLst>
+          </p:cNvPr>
+          <p:cNvPicPr>
+            <a:picLocks noChangeAspect="1"/>
+          </p:cNvPicPr>
+          <p:nvPr/>
+        </p:nvPicPr>
+        <p:blipFill>
+          <a:blip r:embed="rId4"/>
+          <a:stretch>
+            <a:fillRect/>
+          </a:stretch>
+        </p:blipFill>
+        <p:spPr>
+          <a:xfrm>
+            <a:off x="424992" y="1277589"/>
+            <a:ext cx="7620000" cy="2570511"/>
+          </a:xfrm>
+          <a:prstGeom prst="rect">
+            <a:avLst/>
+          </a:prstGeom>
+        </p:spPr>
+      </p:pic>
+      <p:pic>
+        <p:nvPicPr>
+          <p:cNvPr id="12" name="그림 11">
+            <a:extLst>
+              <a:ext uri="{FF2B5EF4-FFF2-40B4-BE49-F238E27FC236}">
+                <a16:creationId xmlns:a16="http://schemas.microsoft.com/office/drawing/2014/main" id="{6EFD646A-0FD8-4C4F-B30B-9FD5B2A29F16}"/>
+              </a:ext>
+            </a:extLst>
+          </p:cNvPr>
+          <p:cNvPicPr>
+            <a:picLocks noChangeAspect="1"/>
+          </p:cNvPicPr>
+          <p:nvPr/>
+        </p:nvPicPr>
+        <p:blipFill>
+          <a:blip r:embed="rId5"/>
+          <a:stretch>
+            <a:fillRect/>
+          </a:stretch>
+        </p:blipFill>
+        <p:spPr>
+          <a:xfrm>
+            <a:off x="493224" y="4067175"/>
+            <a:ext cx="7886700" cy="1076325"/>
+          </a:xfrm>
+          <a:prstGeom prst="rect">
+            <a:avLst/>
+          </a:prstGeom>
+        </p:spPr>
+      </p:pic>
+      <p:sp>
+        <p:nvSpPr>
+          <p:cNvPr id="14" name="액자 13">
+            <a:extLst>
+              <a:ext uri="{FF2B5EF4-FFF2-40B4-BE49-F238E27FC236}">
+                <a16:creationId xmlns:a16="http://schemas.microsoft.com/office/drawing/2014/main" id="{CFF86527-5E45-419B-9902-1E796B1C5064}"/>
+              </a:ext>
+            </a:extLst>
+          </p:cNvPr>
+          <p:cNvSpPr/>
+          <p:nvPr/>
+        </p:nvSpPr>
+        <p:spPr>
+          <a:xfrm>
+            <a:off x="7327683" y="4191000"/>
+            <a:ext cx="902551" cy="351572"/>
+          </a:xfrm>
+          <a:prstGeom prst="frame">
+            <a:avLst>
+              <a:gd name="adj1" fmla="val 0"/>
+            </a:avLst>
+          </a:prstGeom>
+          <a:solidFill>
+            <a:srgbClr val="FF0000"/>
+          </a:solidFill>
+          <a:ln>
+            <a:solidFill>
+              <a:srgbClr val="FF0000"/>
+            </a:solidFill>
+          </a:ln>
+        </p:spPr>
+        <p:style>
+          <a:lnRef idx="2">
+            <a:schemeClr val="accent1">
+              <a:shade val="50000"/>
+            </a:schemeClr>
+          </a:lnRef>
+          <a:fillRef idx="1">
+            <a:schemeClr val="accent1"/>
+          </a:fillRef>
+          <a:effectRef idx="0">
+            <a:schemeClr val="accent1"/>
+          </a:effectRef>
+          <a:fontRef idx="minor">
+            <a:schemeClr val="lt1"/>
+          </a:fontRef>
+        </p:style>
+        <p:txBody>
+          <a:bodyPr rtlCol="0" anchor="ctr"/>
+          <a:lstStyle/>
+          <a:p>
+            <a:pPr algn="ctr"/>
+            <a:endParaRPr lang="ko-KR" altLang="en-US">
+              <a:solidFill>
+                <a:schemeClr val="tx1"/>
+              </a:solidFill>
+            </a:endParaRPr>
+          </a:p>
+        </p:txBody>
+      </p:sp>
+      <p:sp>
+        <p:nvSpPr>
+          <p:cNvPr id="15" name="액자 14">
+            <a:extLst>
+              <a:ext uri="{FF2B5EF4-FFF2-40B4-BE49-F238E27FC236}">
+                <a16:creationId xmlns:a16="http://schemas.microsoft.com/office/drawing/2014/main" id="{65F04927-0447-457D-B45C-944D28BE2B12}"/>
+              </a:ext>
+            </a:extLst>
+          </p:cNvPr>
+          <p:cNvSpPr/>
+          <p:nvPr/>
+        </p:nvSpPr>
+        <p:spPr>
+          <a:xfrm>
+            <a:off x="6324600" y="4191000"/>
+            <a:ext cx="902551" cy="351572"/>
+          </a:xfrm>
+          <a:prstGeom prst="frame">
+            <a:avLst>
+              <a:gd name="adj1" fmla="val 0"/>
+            </a:avLst>
+          </a:prstGeom>
+          <a:solidFill>
+            <a:srgbClr val="FF0000"/>
+          </a:solidFill>
+          <a:ln>
+            <a:solidFill>
+              <a:srgbClr val="FF0000"/>
+            </a:solidFill>
+          </a:ln>
+        </p:spPr>
+        <p:style>
+          <a:lnRef idx="2">
+            <a:schemeClr val="accent1">
+              <a:shade val="50000"/>
+            </a:schemeClr>
+          </a:lnRef>
+          <a:fillRef idx="1">
+            <a:schemeClr val="accent1"/>
+          </a:fillRef>
+          <a:effectRef idx="0">
+            <a:schemeClr val="accent1"/>
+          </a:effectRef>
+          <a:fontRef idx="minor">
+            <a:schemeClr val="lt1"/>
+          </a:fontRef>
+        </p:style>
+        <p:txBody>
+          <a:bodyPr rtlCol="0" anchor="ctr"/>
+          <a:lstStyle/>
+          <a:p>
+            <a:pPr algn="ctr"/>
+            <a:endParaRPr lang="ko-KR" altLang="en-US">
+              <a:solidFill>
+                <a:schemeClr val="tx1"/>
+              </a:solidFill>
+            </a:endParaRPr>
+          </a:p>
+        </p:txBody>
+      </p:sp>
+      <p:sp>
+        <p:nvSpPr>
+          <p:cNvPr id="16" name="TextBox 15">
+            <a:extLst>
+              <a:ext uri="{FF2B5EF4-FFF2-40B4-BE49-F238E27FC236}">
+                <a16:creationId xmlns:a16="http://schemas.microsoft.com/office/drawing/2014/main" id="{14AB0A7C-2328-4652-879A-C1F4288B9461}"/>
+              </a:ext>
+            </a:extLst>
+          </p:cNvPr>
+          <p:cNvSpPr txBox="1"/>
+          <p:nvPr/>
+        </p:nvSpPr>
+        <p:spPr>
+          <a:xfrm>
+            <a:off x="609600" y="5334000"/>
+            <a:ext cx="7620634" cy="1200329"/>
+          </a:xfrm>
+          <a:prstGeom prst="rect">
+            <a:avLst/>
+          </a:prstGeom>
+          <a:noFill/>
+        </p:spPr>
+        <p:txBody>
+          <a:bodyPr wrap="square" rtlCol="0">
+            <a:spAutoFit/>
+          </a:bodyPr>
+          <a:lstStyle/>
+          <a:p>
+            <a:pPr marL="342900" indent="-342900">
+              <a:buAutoNum type="arabicPeriod"/>
+            </a:pPr>
+            <a:r>
+              <a:rPr lang="en-US" altLang="ko-KR" dirty="0"/>
+              <a:t>save</a:t>
+            </a:r>
+            <a:r>
+              <a:rPr lang="ko-KR" altLang="en-US" dirty="0"/>
+              <a:t> 후</a:t>
+            </a:r>
+            <a:r>
+              <a:rPr lang="en-US" altLang="ko-KR" dirty="0"/>
+              <a:t>, 2. </a:t>
+            </a:r>
+            <a:r>
+              <a:rPr lang="ko-KR" altLang="en-US" dirty="0"/>
+              <a:t>테스트</a:t>
+            </a:r>
+            <a:endParaRPr lang="en-US" altLang="ko-KR" dirty="0"/>
+          </a:p>
+          <a:p>
+            <a:endParaRPr lang="en-US" altLang="ko-KR" dirty="0"/>
+          </a:p>
+          <a:p>
+            <a:r>
+              <a:rPr lang="ko-KR" altLang="en-US" dirty="0"/>
+              <a:t>테스트 설정 창이 팝업</a:t>
+            </a:r>
+            <a:r>
+              <a:rPr lang="en-US" altLang="ko-KR" dirty="0"/>
+              <a:t>,</a:t>
+            </a:r>
+          </a:p>
+          <a:p>
+            <a:r>
+              <a:rPr lang="ko-KR" altLang="en-US" dirty="0"/>
+              <a:t>기본 설정</a:t>
+            </a:r>
+            <a:r>
+              <a:rPr lang="en-US" altLang="ko-KR" dirty="0"/>
+              <a:t>/</a:t>
+            </a:r>
+            <a:r>
+              <a:rPr lang="ko-KR" altLang="en-US" dirty="0"/>
+              <a:t>이름을 지정하고 생성하기 버튼 클릭</a:t>
+            </a:r>
+            <a:endParaRPr lang="en-US" altLang="ko-KR" dirty="0"/>
+          </a:p>
+        </p:txBody>
+      </p:sp>
+    </p:spTree>
+    <p:extLst>
+      <p:ext uri="{BB962C8B-B14F-4D97-AF65-F5344CB8AC3E}">
+        <p14:creationId xmlns:p14="http://schemas.microsoft.com/office/powerpoint/2010/main" val="1264488530"/>
+      </p:ext>
+    </p:extLst>
+  </p:cSld>
+  <p:clrMapOvr>
+    <a:masterClrMapping/>
+  </p:clrMapOvr>
+</p:sld>
+</file>
+
+<file path=ppt/slides/slide28.xml><?xml version="1.0" encoding="utf-8"?>
+<p:sld xmlns:a="http://schemas.openxmlformats.org/drawingml/2006/main" xmlns:r="http://schemas.openxmlformats.org/officeDocument/2006/relationships" xmlns:p="http://schemas.openxmlformats.org/presentationml/2006/main">
+  <p:cSld>
+    <p:spTree>
+      <p:nvGrpSpPr>
+        <p:cNvPr id="1" name=""/>
+        <p:cNvGrpSpPr/>
+        <p:nvPr/>
+      </p:nvGrpSpPr>
+      <p:grpSpPr>
+        <a:xfrm>
+          <a:off x="0" y="0"/>
+          <a:ext cx="0" cy="0"/>
+          <a:chOff x="0" y="0"/>
+          <a:chExt cx="0" cy="0"/>
+        </a:xfrm>
+      </p:grpSpPr>
+      <p:sp>
+        <p:nvSpPr>
+          <p:cNvPr id="2" name="object 2"/>
+          <p:cNvSpPr txBox="1"/>
+          <p:nvPr/>
+        </p:nvSpPr>
+        <p:spPr>
+          <a:xfrm>
+            <a:off x="474370" y="177546"/>
+            <a:ext cx="8364830" cy="566822"/>
+          </a:xfrm>
+          <a:prstGeom prst="rect">
+            <a:avLst/>
+          </a:prstGeom>
+        </p:spPr>
+        <p:txBody>
+          <a:bodyPr vert="horz" wrap="square" lIns="0" tIns="12700" rIns="0" bIns="0" rtlCol="0">
+            <a:spAutoFit/>
+          </a:bodyPr>
+          <a:lstStyle/>
+          <a:p>
+            <a:pPr marL="12700">
+              <a:lnSpc>
+                <a:spcPct val="100000"/>
+              </a:lnSpc>
+              <a:spcBef>
+                <a:spcPts val="100"/>
+              </a:spcBef>
+            </a:pPr>
+            <a:r>
               <a:rPr lang="ko-KR" altLang="en-US" sz="3600" b="1" spc="-185" dirty="0">
                 <a:latin typeface="Trebuchet MS"/>
                 <a:cs typeface="UnDinaru"/>
@@ -7507,6 +8183,128 @@
     <p:extLst>
       <p:ext uri="{BB962C8B-B14F-4D97-AF65-F5344CB8AC3E}">
         <p14:creationId xmlns:p14="http://schemas.microsoft.com/office/powerpoint/2010/main" val="3352078365"/>
+      </p:ext>
+    </p:extLst>
+  </p:cSld>
+  <p:clrMapOvr>
+    <a:masterClrMapping/>
+  </p:clrMapOvr>
+</p:sld>
+</file>
+
+<file path=ppt/slides/slide29.xml><?xml version="1.0" encoding="utf-8"?>
+<p:sld xmlns:a="http://schemas.openxmlformats.org/drawingml/2006/main" xmlns:r="http://schemas.openxmlformats.org/officeDocument/2006/relationships" xmlns:p="http://schemas.openxmlformats.org/presentationml/2006/main">
+  <p:cSld>
+    <p:spTree>
+      <p:nvGrpSpPr>
+        <p:cNvPr id="1" name=""/>
+        <p:cNvGrpSpPr/>
+        <p:nvPr/>
+      </p:nvGrpSpPr>
+      <p:grpSpPr>
+        <a:xfrm>
+          <a:off x="0" y="0"/>
+          <a:ext cx="0" cy="0"/>
+          <a:chOff x="0" y="0"/>
+          <a:chExt cx="0" cy="0"/>
+        </a:xfrm>
+      </p:grpSpPr>
+      <p:sp>
+        <p:nvSpPr>
+          <p:cNvPr id="2" name="object 2"/>
+          <p:cNvSpPr txBox="1"/>
+          <p:nvPr/>
+        </p:nvSpPr>
+        <p:spPr>
+          <a:xfrm>
+            <a:off x="1981200" y="2667000"/>
+            <a:ext cx="5486400" cy="1700466"/>
+          </a:xfrm>
+          <a:prstGeom prst="rect">
+            <a:avLst/>
+          </a:prstGeom>
+        </p:spPr>
+        <p:txBody>
+          <a:bodyPr vert="horz" wrap="square" lIns="0" tIns="12700" rIns="0" bIns="0" rtlCol="0">
+            <a:spAutoFit/>
+          </a:bodyPr>
+          <a:lstStyle/>
+          <a:p>
+            <a:pPr marL="12700">
+              <a:lnSpc>
+                <a:spcPct val="100000"/>
+              </a:lnSpc>
+              <a:spcBef>
+                <a:spcPts val="100"/>
+              </a:spcBef>
+            </a:pPr>
+            <a:r>
+              <a:rPr lang="ko-KR" altLang="en-US" sz="3600" b="1" spc="-185" dirty="0">
+                <a:latin typeface="Trebuchet MS"/>
+                <a:cs typeface="UnDinaru"/>
+              </a:rPr>
+              <a:t>키워드 요약 기능이 있는 </a:t>
+            </a:r>
+            <a:endParaRPr lang="en-US" altLang="ko-KR" sz="3600" b="1" spc="-185" dirty="0">
+              <a:latin typeface="Trebuchet MS"/>
+              <a:cs typeface="UnDinaru"/>
+            </a:endParaRPr>
+          </a:p>
+          <a:p>
+            <a:pPr marL="12700">
+              <a:lnSpc>
+                <a:spcPct val="100000"/>
+              </a:lnSpc>
+              <a:spcBef>
+                <a:spcPts val="100"/>
+              </a:spcBef>
+            </a:pPr>
+            <a:endParaRPr lang="en-US" altLang="ko-KR" sz="3600" b="1" spc="-185" dirty="0">
+              <a:latin typeface="Trebuchet MS"/>
+              <a:cs typeface="UnDinaru"/>
+            </a:endParaRPr>
+          </a:p>
+          <a:p>
+            <a:pPr marL="12700">
+              <a:lnSpc>
+                <a:spcPct val="100000"/>
+              </a:lnSpc>
+              <a:spcBef>
+                <a:spcPts val="100"/>
+              </a:spcBef>
+            </a:pPr>
+            <a:r>
+              <a:rPr lang="en-US" altLang="ko-KR" sz="3600" b="1" spc="-185" dirty="0">
+                <a:latin typeface="Trebuchet MS"/>
+                <a:cs typeface="UnDinaru"/>
+              </a:rPr>
+              <a:t>        </a:t>
+            </a:r>
+            <a:r>
+              <a:rPr lang="ko-KR" altLang="en-US" sz="3600" b="1" spc="-185" dirty="0">
+                <a:latin typeface="Trebuchet MS"/>
+                <a:cs typeface="UnDinaru"/>
+              </a:rPr>
+              <a:t>뉴스 뷰어 제작</a:t>
+            </a:r>
+            <a:r>
+              <a:rPr lang="en-US" altLang="ko-KR" sz="3600" b="1" spc="-185" dirty="0">
+                <a:latin typeface="Trebuchet MS"/>
+                <a:cs typeface="UnDinaru"/>
+              </a:rPr>
+              <a:t> </a:t>
+            </a:r>
+            <a:endParaRPr sz="3600" b="1" dirty="0">
+              <a:latin typeface="UnDinaru"/>
+              <a:cs typeface="UnDinaru"/>
+            </a:endParaRPr>
+          </a:p>
+        </p:txBody>
+      </p:sp>
+    </p:spTree>
+    <p:extLst>
+      <p:ext uri="{BB962C8B-B14F-4D97-AF65-F5344CB8AC3E}">
+        <p14:creationId xmlns:p14="http://schemas.microsoft.com/office/powerpoint/2010/main" val="3896799722"/>
       </p:ext>
     </p:extLst>
   </p:cSld>
@@ -7801,6 +8599,1813 @@
     <p:extLst>
       <p:ext uri="{BB962C8B-B14F-4D97-AF65-F5344CB8AC3E}">
         <p14:creationId xmlns:p14="http://schemas.microsoft.com/office/powerpoint/2010/main" val="2013216154"/>
+      </p:ext>
+    </p:extLst>
+  </p:cSld>
+  <p:clrMapOvr>
+    <a:masterClrMapping/>
+  </p:clrMapOvr>
+</p:sld>
+</file>
+
+<file path=ppt/slides/slide30.xml><?xml version="1.0" encoding="utf-8"?>
+<p:sld xmlns:a="http://schemas.openxmlformats.org/drawingml/2006/main" xmlns:r="http://schemas.openxmlformats.org/officeDocument/2006/relationships" xmlns:p="http://schemas.openxmlformats.org/presentationml/2006/main">
+  <p:cSld>
+    <p:spTree>
+      <p:nvGrpSpPr>
+        <p:cNvPr id="1" name=""/>
+        <p:cNvGrpSpPr/>
+        <p:nvPr/>
+      </p:nvGrpSpPr>
+      <p:grpSpPr>
+        <a:xfrm>
+          <a:off x="0" y="0"/>
+          <a:ext cx="0" cy="0"/>
+          <a:chOff x="0" y="0"/>
+          <a:chExt cx="0" cy="0"/>
+        </a:xfrm>
+      </p:grpSpPr>
+      <p:sp>
+        <p:nvSpPr>
+          <p:cNvPr id="2" name="object 2"/>
+          <p:cNvSpPr txBox="1"/>
+          <p:nvPr/>
+        </p:nvSpPr>
+        <p:spPr>
+          <a:xfrm>
+            <a:off x="457200" y="228600"/>
+            <a:ext cx="5486400" cy="566822"/>
+          </a:xfrm>
+          <a:prstGeom prst="rect">
+            <a:avLst/>
+          </a:prstGeom>
+        </p:spPr>
+        <p:txBody>
+          <a:bodyPr vert="horz" wrap="square" lIns="0" tIns="12700" rIns="0" bIns="0" rtlCol="0">
+            <a:spAutoFit/>
+          </a:bodyPr>
+          <a:lstStyle/>
+          <a:p>
+            <a:pPr marL="12700">
+              <a:lnSpc>
+                <a:spcPct val="100000"/>
+              </a:lnSpc>
+              <a:spcBef>
+                <a:spcPts val="100"/>
+              </a:spcBef>
+            </a:pPr>
+            <a:r>
+              <a:rPr lang="ko-KR" altLang="en-US" sz="3600" b="1" spc="-185" dirty="0">
+                <a:latin typeface="Trebuchet MS"/>
+                <a:cs typeface="UnDinaru"/>
+              </a:rPr>
+              <a:t>뉴스 뷰어 제작</a:t>
+            </a:r>
+            <a:r>
+              <a:rPr lang="en-US" altLang="ko-KR" sz="3600" b="1" spc="-185" dirty="0">
+                <a:latin typeface="Trebuchet MS"/>
+                <a:cs typeface="UnDinaru"/>
+              </a:rPr>
+              <a:t> </a:t>
+            </a:r>
+            <a:endParaRPr sz="3600" b="1" dirty="0">
+              <a:latin typeface="UnDinaru"/>
+              <a:cs typeface="UnDinaru"/>
+            </a:endParaRPr>
+          </a:p>
+        </p:txBody>
+      </p:sp>
+      <p:sp>
+        <p:nvSpPr>
+          <p:cNvPr id="3" name="TextBox 2">
+            <a:extLst>
+              <a:ext uri="{FF2B5EF4-FFF2-40B4-BE49-F238E27FC236}">
+                <a16:creationId xmlns:a16="http://schemas.microsoft.com/office/drawing/2014/main" id="{E8C169D5-2211-4A73-B7C2-690B33448D46}"/>
+              </a:ext>
+            </a:extLst>
+          </p:cNvPr>
+          <p:cNvSpPr txBox="1"/>
+          <p:nvPr/>
+        </p:nvSpPr>
+        <p:spPr>
+          <a:xfrm>
+            <a:off x="533400" y="1828800"/>
+            <a:ext cx="8610600" cy="3785652"/>
+          </a:xfrm>
+          <a:prstGeom prst="rect">
+            <a:avLst/>
+          </a:prstGeom>
+          <a:noFill/>
+        </p:spPr>
+        <p:txBody>
+          <a:bodyPr wrap="square" rtlCol="0">
+            <a:spAutoFit/>
+          </a:bodyPr>
+          <a:lstStyle/>
+          <a:p>
+            <a:pPr marL="285750" indent="-285750">
+              <a:buFontTx/>
+              <a:buChar char="-"/>
+            </a:pPr>
+            <a:endParaRPr lang="en-US" altLang="ko-KR" sz="2400" dirty="0"/>
+          </a:p>
+          <a:p>
+            <a:pPr marL="285750" indent="-285750">
+              <a:buFontTx/>
+              <a:buChar char="-"/>
+            </a:pPr>
+            <a:r>
+              <a:rPr lang="en-US" altLang="ko-KR" sz="2400" dirty="0"/>
+              <a:t>News API </a:t>
+            </a:r>
+            <a:r>
+              <a:rPr lang="ko-KR" altLang="en-US" sz="2400" dirty="0"/>
+              <a:t>사용하여 뉴스 정보 가져오기 </a:t>
+            </a:r>
+            <a:r>
+              <a:rPr lang="en-US" altLang="ko-KR" sz="2400" dirty="0"/>
+              <a:t>(</a:t>
+            </a:r>
+            <a:r>
+              <a:rPr lang="en-US" altLang="ko-KR" sz="2400" dirty="0">
+                <a:hlinkClick r:id="rId2"/>
+              </a:rPr>
+              <a:t>https://newsapi.org</a:t>
+            </a:r>
+            <a:r>
+              <a:rPr lang="en-US" altLang="ko-KR" sz="2400" dirty="0"/>
+              <a:t>)</a:t>
+            </a:r>
+          </a:p>
+          <a:p>
+            <a:pPr marL="285750" indent="-285750">
+              <a:buFontTx/>
+              <a:buChar char="-"/>
+            </a:pPr>
+            <a:endParaRPr lang="en-US" altLang="ko-KR" sz="2400" dirty="0"/>
+          </a:p>
+          <a:p>
+            <a:pPr marL="285750" indent="-285750">
+              <a:buFontTx/>
+              <a:buChar char="-"/>
+            </a:pPr>
+            <a:r>
+              <a:rPr lang="ko-KR" altLang="en-US" sz="2400" dirty="0"/>
+              <a:t>간단한 </a:t>
+            </a:r>
+            <a:r>
+              <a:rPr lang="en-US" altLang="ko-KR" sz="2400" dirty="0"/>
+              <a:t>HTML, </a:t>
+            </a:r>
+            <a:r>
+              <a:rPr lang="en-US" altLang="ko-KR" sz="2400" dirty="0" err="1"/>
+              <a:t>Javscript</a:t>
+            </a:r>
+            <a:r>
+              <a:rPr lang="ko-KR" altLang="en-US" sz="2400" dirty="0"/>
+              <a:t>를 통해 뉴스정보 나열하기</a:t>
+            </a:r>
+            <a:endParaRPr lang="en-US" altLang="ko-KR" sz="2400" dirty="0"/>
+          </a:p>
+          <a:p>
+            <a:pPr marL="285750" indent="-285750">
+              <a:buFontTx/>
+              <a:buChar char="-"/>
+            </a:pPr>
+            <a:endParaRPr lang="en-US" altLang="ko-KR" sz="2400" dirty="0"/>
+          </a:p>
+          <a:p>
+            <a:pPr marL="285750" indent="-285750">
+              <a:buFontTx/>
+              <a:buChar char="-"/>
+            </a:pPr>
+            <a:r>
+              <a:rPr lang="ko-KR" altLang="en-US" sz="2400" dirty="0"/>
+              <a:t>앞서 구성한  </a:t>
+            </a:r>
+            <a:r>
+              <a:rPr lang="en-US" altLang="ko-KR" sz="2400" dirty="0"/>
+              <a:t>API Gateway(trigger)</a:t>
+            </a:r>
+            <a:r>
+              <a:rPr lang="ko-KR" altLang="en-US" sz="2400" dirty="0"/>
+              <a:t>와 </a:t>
+            </a:r>
+            <a:r>
+              <a:rPr lang="en-US" altLang="ko-KR" sz="2400" dirty="0"/>
+              <a:t>Lambda function</a:t>
+            </a:r>
+            <a:r>
+              <a:rPr lang="ko-KR" altLang="en-US" sz="2400" dirty="0"/>
+              <a:t>을 조금  수정하여 뉴스 요약 키워드  구성</a:t>
+            </a:r>
+            <a:endParaRPr lang="en-US" altLang="ko-KR" sz="2400" dirty="0"/>
+          </a:p>
+          <a:p>
+            <a:pPr marL="285750" indent="-285750">
+              <a:buFontTx/>
+              <a:buChar char="-"/>
+            </a:pPr>
+            <a:endParaRPr lang="en-US" altLang="ko-KR" sz="2400" dirty="0"/>
+          </a:p>
+          <a:p>
+            <a:pPr marL="285750" indent="-285750">
+              <a:buFontTx/>
+              <a:buChar char="-"/>
+            </a:pPr>
+            <a:endParaRPr lang="en-US" altLang="ko-KR" sz="2400" dirty="0"/>
+          </a:p>
+          <a:p>
+            <a:pPr marL="285750" indent="-285750">
+              <a:buFontTx/>
+              <a:buChar char="-"/>
+            </a:pPr>
+            <a:endParaRPr lang="en-US" altLang="ko-KR" sz="2400" dirty="0"/>
+          </a:p>
+        </p:txBody>
+      </p:sp>
+    </p:spTree>
+    <p:extLst>
+      <p:ext uri="{BB962C8B-B14F-4D97-AF65-F5344CB8AC3E}">
+        <p14:creationId xmlns:p14="http://schemas.microsoft.com/office/powerpoint/2010/main" val="3491294903"/>
+      </p:ext>
+    </p:extLst>
+  </p:cSld>
+  <p:clrMapOvr>
+    <a:masterClrMapping/>
+  </p:clrMapOvr>
+</p:sld>
+</file>
+
+<file path=ppt/slides/slide31.xml><?xml version="1.0" encoding="utf-8"?>
+<p:sld xmlns:a="http://schemas.openxmlformats.org/drawingml/2006/main" xmlns:r="http://schemas.openxmlformats.org/officeDocument/2006/relationships" xmlns:p="http://schemas.openxmlformats.org/presentationml/2006/main">
+  <p:cSld>
+    <p:spTree>
+      <p:nvGrpSpPr>
+        <p:cNvPr id="1" name=""/>
+        <p:cNvGrpSpPr/>
+        <p:nvPr/>
+      </p:nvGrpSpPr>
+      <p:grpSpPr>
+        <a:xfrm>
+          <a:off x="0" y="0"/>
+          <a:ext cx="0" cy="0"/>
+          <a:chOff x="0" y="0"/>
+          <a:chExt cx="0" cy="0"/>
+        </a:xfrm>
+      </p:grpSpPr>
+      <p:pic>
+        <p:nvPicPr>
+          <p:cNvPr id="4" name="그림 3">
+            <a:extLst>
+              <a:ext uri="{FF2B5EF4-FFF2-40B4-BE49-F238E27FC236}">
+                <a16:creationId xmlns:a16="http://schemas.microsoft.com/office/drawing/2014/main" id="{AB80226A-F2AF-4177-93B3-6AFE5E00F624}"/>
+              </a:ext>
+            </a:extLst>
+          </p:cNvPr>
+          <p:cNvPicPr>
+            <a:picLocks noChangeAspect="1"/>
+          </p:cNvPicPr>
+          <p:nvPr/>
+        </p:nvPicPr>
+        <p:blipFill>
+          <a:blip r:embed="rId2"/>
+          <a:stretch>
+            <a:fillRect/>
+          </a:stretch>
+        </p:blipFill>
+        <p:spPr>
+          <a:xfrm>
+            <a:off x="19639" y="2057400"/>
+            <a:ext cx="5665250" cy="3158964"/>
+          </a:xfrm>
+          <a:prstGeom prst="rect">
+            <a:avLst/>
+          </a:prstGeom>
+        </p:spPr>
+      </p:pic>
+      <p:sp>
+        <p:nvSpPr>
+          <p:cNvPr id="2" name="object 2"/>
+          <p:cNvSpPr txBox="1"/>
+          <p:nvPr/>
+        </p:nvSpPr>
+        <p:spPr>
+          <a:xfrm>
+            <a:off x="457200" y="228600"/>
+            <a:ext cx="9677400" cy="1133644"/>
+          </a:xfrm>
+          <a:prstGeom prst="rect">
+            <a:avLst/>
+          </a:prstGeom>
+        </p:spPr>
+        <p:txBody>
+          <a:bodyPr vert="horz" wrap="square" lIns="0" tIns="12700" rIns="0" bIns="0" rtlCol="0">
+            <a:spAutoFit/>
+          </a:bodyPr>
+          <a:lstStyle/>
+          <a:p>
+            <a:pPr marL="12700">
+              <a:spcBef>
+                <a:spcPts val="100"/>
+              </a:spcBef>
+            </a:pPr>
+            <a:r>
+              <a:rPr lang="ko-KR" altLang="en-US" sz="3600" b="1" spc="-185" dirty="0">
+                <a:latin typeface="Trebuchet MS"/>
+                <a:cs typeface="UnDinaru"/>
+              </a:rPr>
+              <a:t>뉴스 뷰어 제작 </a:t>
+            </a:r>
+            <a:r>
+              <a:rPr lang="en-US" altLang="ko-KR" sz="2800" b="1" spc="-185" dirty="0">
+                <a:latin typeface="Trebuchet MS"/>
+                <a:cs typeface="UnDinaru"/>
+              </a:rPr>
+              <a:t>-</a:t>
+            </a:r>
+            <a:r>
+              <a:rPr lang="ko-KR" altLang="en-US" sz="2800" b="1" dirty="0"/>
+              <a:t>뉴스 정보 가져오기</a:t>
+            </a:r>
+            <a:endParaRPr lang="en-US" altLang="ko-KR" sz="2800" b="1" dirty="0"/>
+          </a:p>
+          <a:p>
+            <a:pPr marL="12700">
+              <a:lnSpc>
+                <a:spcPct val="100000"/>
+              </a:lnSpc>
+              <a:spcBef>
+                <a:spcPts val="100"/>
+              </a:spcBef>
+            </a:pPr>
+            <a:r>
+              <a:rPr lang="en-US" altLang="ko-KR" sz="3600" b="1" spc="-185" dirty="0">
+                <a:latin typeface="Trebuchet MS"/>
+                <a:cs typeface="UnDinaru"/>
+              </a:rPr>
+              <a:t> </a:t>
+            </a:r>
+            <a:endParaRPr lang="en-US" sz="3600" b="1" dirty="0">
+              <a:latin typeface="UnDinaru"/>
+              <a:cs typeface="UnDinaru"/>
+            </a:endParaRPr>
+          </a:p>
+        </p:txBody>
+      </p:sp>
+      <p:sp>
+        <p:nvSpPr>
+          <p:cNvPr id="3" name="TextBox 2">
+            <a:extLst>
+              <a:ext uri="{FF2B5EF4-FFF2-40B4-BE49-F238E27FC236}">
+                <a16:creationId xmlns:a16="http://schemas.microsoft.com/office/drawing/2014/main" id="{E8C169D5-2211-4A73-B7C2-690B33448D46}"/>
+              </a:ext>
+            </a:extLst>
+          </p:cNvPr>
+          <p:cNvSpPr txBox="1"/>
+          <p:nvPr/>
+        </p:nvSpPr>
+        <p:spPr>
+          <a:xfrm>
+            <a:off x="457200" y="1362244"/>
+            <a:ext cx="8610600" cy="461665"/>
+          </a:xfrm>
+          <a:prstGeom prst="rect">
+            <a:avLst/>
+          </a:prstGeom>
+          <a:noFill/>
+        </p:spPr>
+        <p:txBody>
+          <a:bodyPr wrap="square" rtlCol="0">
+            <a:spAutoFit/>
+          </a:bodyPr>
+          <a:lstStyle/>
+          <a:p>
+            <a:r>
+              <a:rPr lang="en-US" altLang="ko-KR" sz="2400" dirty="0">
+                <a:hlinkClick r:id="rId3"/>
+              </a:rPr>
+              <a:t>https://newsapi.org</a:t>
+            </a:r>
+            <a:r>
+              <a:rPr lang="en-US" altLang="ko-KR" sz="2400" dirty="0"/>
+              <a:t> </a:t>
+            </a:r>
+            <a:r>
+              <a:rPr lang="ko-KR" altLang="en-US" sz="2400" dirty="0"/>
+              <a:t>접속 후 가입</a:t>
+            </a:r>
+            <a:endParaRPr lang="en-US" altLang="ko-KR" sz="2400" dirty="0"/>
+          </a:p>
+        </p:txBody>
+      </p:sp>
+      <p:sp>
+        <p:nvSpPr>
+          <p:cNvPr id="6" name="액자 5">
+            <a:extLst>
+              <a:ext uri="{FF2B5EF4-FFF2-40B4-BE49-F238E27FC236}">
+                <a16:creationId xmlns:a16="http://schemas.microsoft.com/office/drawing/2014/main" id="{6DD492DF-5622-4BA0-A1A7-6674D83CE2B9}"/>
+              </a:ext>
+            </a:extLst>
+          </p:cNvPr>
+          <p:cNvSpPr/>
+          <p:nvPr/>
+        </p:nvSpPr>
+        <p:spPr>
+          <a:xfrm>
+            <a:off x="3100698" y="4038600"/>
+            <a:ext cx="902551" cy="351572"/>
+          </a:xfrm>
+          <a:prstGeom prst="frame">
+            <a:avLst>
+              <a:gd name="adj1" fmla="val 0"/>
+            </a:avLst>
+          </a:prstGeom>
+          <a:solidFill>
+            <a:srgbClr val="FF0000"/>
+          </a:solidFill>
+          <a:ln>
+            <a:solidFill>
+              <a:srgbClr val="FF0000"/>
+            </a:solidFill>
+          </a:ln>
+        </p:spPr>
+        <p:style>
+          <a:lnRef idx="2">
+            <a:schemeClr val="accent1">
+              <a:shade val="50000"/>
+            </a:schemeClr>
+          </a:lnRef>
+          <a:fillRef idx="1">
+            <a:schemeClr val="accent1"/>
+          </a:fillRef>
+          <a:effectRef idx="0">
+            <a:schemeClr val="accent1"/>
+          </a:effectRef>
+          <a:fontRef idx="minor">
+            <a:schemeClr val="lt1"/>
+          </a:fontRef>
+        </p:style>
+        <p:txBody>
+          <a:bodyPr rtlCol="0" anchor="ctr"/>
+          <a:lstStyle/>
+          <a:p>
+            <a:pPr algn="ctr"/>
+            <a:endParaRPr lang="ko-KR" altLang="en-US">
+              <a:solidFill>
+                <a:schemeClr val="tx1"/>
+              </a:solidFill>
+            </a:endParaRPr>
+          </a:p>
+        </p:txBody>
+      </p:sp>
+      <p:pic>
+        <p:nvPicPr>
+          <p:cNvPr id="9" name="그림 8">
+            <a:extLst>
+              <a:ext uri="{FF2B5EF4-FFF2-40B4-BE49-F238E27FC236}">
+                <a16:creationId xmlns:a16="http://schemas.microsoft.com/office/drawing/2014/main" id="{449EA90D-8F4E-4C16-BBD1-F6C431A35C03}"/>
+              </a:ext>
+            </a:extLst>
+          </p:cNvPr>
+          <p:cNvPicPr>
+            <a:picLocks noChangeAspect="1"/>
+          </p:cNvPicPr>
+          <p:nvPr/>
+        </p:nvPicPr>
+        <p:blipFill>
+          <a:blip r:embed="rId4"/>
+          <a:stretch>
+            <a:fillRect/>
+          </a:stretch>
+        </p:blipFill>
+        <p:spPr>
+          <a:xfrm>
+            <a:off x="4061603" y="4561442"/>
+            <a:ext cx="4205288" cy="1576328"/>
+          </a:xfrm>
+          <a:prstGeom prst="rect">
+            <a:avLst/>
+          </a:prstGeom>
+        </p:spPr>
+      </p:pic>
+      <p:sp>
+        <p:nvSpPr>
+          <p:cNvPr id="7" name="액자 6">
+            <a:extLst>
+              <a:ext uri="{FF2B5EF4-FFF2-40B4-BE49-F238E27FC236}">
+                <a16:creationId xmlns:a16="http://schemas.microsoft.com/office/drawing/2014/main" id="{AA801F18-9E2E-4743-85AA-EB8E6ECADBA3}"/>
+              </a:ext>
+            </a:extLst>
+          </p:cNvPr>
+          <p:cNvSpPr/>
+          <p:nvPr/>
+        </p:nvSpPr>
+        <p:spPr>
+          <a:xfrm>
+            <a:off x="4784695" y="5098282"/>
+            <a:ext cx="2759105" cy="351572"/>
+          </a:xfrm>
+          <a:prstGeom prst="frame">
+            <a:avLst>
+              <a:gd name="adj1" fmla="val 0"/>
+            </a:avLst>
+          </a:prstGeom>
+          <a:solidFill>
+            <a:srgbClr val="FF0000"/>
+          </a:solidFill>
+          <a:ln>
+            <a:solidFill>
+              <a:srgbClr val="FF0000"/>
+            </a:solidFill>
+          </a:ln>
+        </p:spPr>
+        <p:style>
+          <a:lnRef idx="2">
+            <a:schemeClr val="accent1">
+              <a:shade val="50000"/>
+            </a:schemeClr>
+          </a:lnRef>
+          <a:fillRef idx="1">
+            <a:schemeClr val="accent1"/>
+          </a:fillRef>
+          <a:effectRef idx="0">
+            <a:schemeClr val="accent1"/>
+          </a:effectRef>
+          <a:fontRef idx="minor">
+            <a:schemeClr val="lt1"/>
+          </a:fontRef>
+        </p:style>
+        <p:txBody>
+          <a:bodyPr rtlCol="0" anchor="ctr"/>
+          <a:lstStyle/>
+          <a:p>
+            <a:pPr algn="ctr"/>
+            <a:endParaRPr lang="ko-KR" altLang="en-US">
+              <a:solidFill>
+                <a:schemeClr val="tx1"/>
+              </a:solidFill>
+            </a:endParaRPr>
+          </a:p>
+        </p:txBody>
+      </p:sp>
+      <p:sp>
+        <p:nvSpPr>
+          <p:cNvPr id="11" name="TextBox 10">
+            <a:extLst>
+              <a:ext uri="{FF2B5EF4-FFF2-40B4-BE49-F238E27FC236}">
+                <a16:creationId xmlns:a16="http://schemas.microsoft.com/office/drawing/2014/main" id="{90FF5427-A93D-4BCD-9EAA-90D91120EA52}"/>
+              </a:ext>
+            </a:extLst>
+          </p:cNvPr>
+          <p:cNvSpPr txBox="1"/>
+          <p:nvPr/>
+        </p:nvSpPr>
+        <p:spPr>
+          <a:xfrm>
+            <a:off x="6400800" y="4114800"/>
+            <a:ext cx="2438400" cy="369332"/>
+          </a:xfrm>
+          <a:prstGeom prst="rect">
+            <a:avLst/>
+          </a:prstGeom>
+          <a:noFill/>
+        </p:spPr>
+        <p:txBody>
+          <a:bodyPr wrap="square" rtlCol="0">
+            <a:spAutoFit/>
+          </a:bodyPr>
+          <a:lstStyle/>
+          <a:p>
+            <a:r>
+              <a:rPr lang="ko-KR" altLang="en-US"/>
+              <a:t>복사하여 잘 저장하기</a:t>
+            </a:r>
+            <a:endParaRPr lang="ko-KR" altLang="en-US" dirty="0"/>
+          </a:p>
+        </p:txBody>
+      </p:sp>
+    </p:spTree>
+    <p:extLst>
+      <p:ext uri="{BB962C8B-B14F-4D97-AF65-F5344CB8AC3E}">
+        <p14:creationId xmlns:p14="http://schemas.microsoft.com/office/powerpoint/2010/main" val="3025911893"/>
+      </p:ext>
+    </p:extLst>
+  </p:cSld>
+  <p:clrMapOvr>
+    <a:masterClrMapping/>
+  </p:clrMapOvr>
+</p:sld>
+</file>
+
+<file path=ppt/slides/slide32.xml><?xml version="1.0" encoding="utf-8"?>
+<p:sld xmlns:a="http://schemas.openxmlformats.org/drawingml/2006/main" xmlns:r="http://schemas.openxmlformats.org/officeDocument/2006/relationships" xmlns:p="http://schemas.openxmlformats.org/presentationml/2006/main">
+  <p:cSld>
+    <p:spTree>
+      <p:nvGrpSpPr>
+        <p:cNvPr id="1" name=""/>
+        <p:cNvGrpSpPr/>
+        <p:nvPr/>
+      </p:nvGrpSpPr>
+      <p:grpSpPr>
+        <a:xfrm>
+          <a:off x="0" y="0"/>
+          <a:ext cx="0" cy="0"/>
+          <a:chOff x="0" y="0"/>
+          <a:chExt cx="0" cy="0"/>
+        </a:xfrm>
+      </p:grpSpPr>
+      <p:sp>
+        <p:nvSpPr>
+          <p:cNvPr id="2" name="object 2"/>
+          <p:cNvSpPr txBox="1"/>
+          <p:nvPr/>
+        </p:nvSpPr>
+        <p:spPr>
+          <a:xfrm>
+            <a:off x="457200" y="228600"/>
+            <a:ext cx="9677400" cy="1133644"/>
+          </a:xfrm>
+          <a:prstGeom prst="rect">
+            <a:avLst/>
+          </a:prstGeom>
+        </p:spPr>
+        <p:txBody>
+          <a:bodyPr vert="horz" wrap="square" lIns="0" tIns="12700" rIns="0" bIns="0" rtlCol="0">
+            <a:spAutoFit/>
+          </a:bodyPr>
+          <a:lstStyle/>
+          <a:p>
+            <a:pPr marL="12700">
+              <a:spcBef>
+                <a:spcPts val="100"/>
+              </a:spcBef>
+            </a:pPr>
+            <a:r>
+              <a:rPr lang="ko-KR" altLang="en-US" sz="3600" b="1" spc="-185" dirty="0">
+                <a:latin typeface="Trebuchet MS"/>
+                <a:cs typeface="UnDinaru"/>
+              </a:rPr>
+              <a:t>뉴스 뷰어 제작 </a:t>
+            </a:r>
+            <a:r>
+              <a:rPr lang="en-US" altLang="ko-KR" sz="2800" b="1" spc="-185" dirty="0">
+                <a:latin typeface="Trebuchet MS"/>
+                <a:cs typeface="UnDinaru"/>
+              </a:rPr>
+              <a:t>–</a:t>
+            </a:r>
+            <a:r>
+              <a:rPr lang="ko-KR" altLang="en-US" sz="2800" b="1" dirty="0"/>
+              <a:t>웹 페이지 구성</a:t>
+            </a:r>
+            <a:endParaRPr lang="en-US" altLang="ko-KR" sz="2800" b="1" dirty="0"/>
+          </a:p>
+          <a:p>
+            <a:pPr marL="12700">
+              <a:lnSpc>
+                <a:spcPct val="100000"/>
+              </a:lnSpc>
+              <a:spcBef>
+                <a:spcPts val="100"/>
+              </a:spcBef>
+            </a:pPr>
+            <a:r>
+              <a:rPr lang="en-US" altLang="ko-KR" sz="3600" spc="-185" dirty="0">
+                <a:latin typeface="Trebuchet MS"/>
+                <a:cs typeface="UnDinaru"/>
+              </a:rPr>
+              <a:t> </a:t>
+            </a:r>
+            <a:endParaRPr lang="en-US" sz="3600" dirty="0">
+              <a:latin typeface="UnDinaru"/>
+              <a:cs typeface="UnDinaru"/>
+            </a:endParaRPr>
+          </a:p>
+        </p:txBody>
+      </p:sp>
+      <p:pic>
+        <p:nvPicPr>
+          <p:cNvPr id="5" name="그림 4">
+            <a:extLst>
+              <a:ext uri="{FF2B5EF4-FFF2-40B4-BE49-F238E27FC236}">
+                <a16:creationId xmlns:a16="http://schemas.microsoft.com/office/drawing/2014/main" id="{7C4C4013-722D-4D04-A4AC-F57FB4AD84F4}"/>
+              </a:ext>
+            </a:extLst>
+          </p:cNvPr>
+          <p:cNvPicPr>
+            <a:picLocks noChangeAspect="1"/>
+          </p:cNvPicPr>
+          <p:nvPr/>
+        </p:nvPicPr>
+        <p:blipFill>
+          <a:blip r:embed="rId2"/>
+          <a:stretch>
+            <a:fillRect/>
+          </a:stretch>
+        </p:blipFill>
+        <p:spPr>
+          <a:xfrm>
+            <a:off x="228600" y="3276600"/>
+            <a:ext cx="7159682" cy="3465239"/>
+          </a:xfrm>
+          <a:prstGeom prst="rect">
+            <a:avLst/>
+          </a:prstGeom>
+        </p:spPr>
+      </p:pic>
+      <p:pic>
+        <p:nvPicPr>
+          <p:cNvPr id="10" name="그림 9">
+            <a:extLst>
+              <a:ext uri="{FF2B5EF4-FFF2-40B4-BE49-F238E27FC236}">
+                <a16:creationId xmlns:a16="http://schemas.microsoft.com/office/drawing/2014/main" id="{E2F78307-B669-42F2-A8D9-070BAB58D024}"/>
+              </a:ext>
+            </a:extLst>
+          </p:cNvPr>
+          <p:cNvPicPr>
+            <a:picLocks noChangeAspect="1"/>
+          </p:cNvPicPr>
+          <p:nvPr/>
+        </p:nvPicPr>
+        <p:blipFill>
+          <a:blip r:embed="rId3"/>
+          <a:stretch>
+            <a:fillRect/>
+          </a:stretch>
+        </p:blipFill>
+        <p:spPr>
+          <a:xfrm>
+            <a:off x="22781" y="1295400"/>
+            <a:ext cx="5781675" cy="457200"/>
+          </a:xfrm>
+          <a:prstGeom prst="rect">
+            <a:avLst/>
+          </a:prstGeom>
+        </p:spPr>
+      </p:pic>
+      <p:sp>
+        <p:nvSpPr>
+          <p:cNvPr id="12" name="TextBox 11">
+            <a:extLst>
+              <a:ext uri="{FF2B5EF4-FFF2-40B4-BE49-F238E27FC236}">
+                <a16:creationId xmlns:a16="http://schemas.microsoft.com/office/drawing/2014/main" id="{5BF92B00-CABC-4801-A8D8-32EC7C0017EE}"/>
+              </a:ext>
+            </a:extLst>
+          </p:cNvPr>
+          <p:cNvSpPr txBox="1"/>
+          <p:nvPr/>
+        </p:nvSpPr>
+        <p:spPr>
+          <a:xfrm>
+            <a:off x="22781" y="1804220"/>
+            <a:ext cx="7391400" cy="646331"/>
+          </a:xfrm>
+          <a:prstGeom prst="rect">
+            <a:avLst/>
+          </a:prstGeom>
+          <a:noFill/>
+        </p:spPr>
+        <p:txBody>
+          <a:bodyPr wrap="square" rtlCol="0">
+            <a:spAutoFit/>
+          </a:bodyPr>
+          <a:lstStyle/>
+          <a:p>
+            <a:r>
+              <a:rPr lang="ko-KR" altLang="en-US" dirty="0"/>
+              <a:t>제공된 소스코드 사용하되</a:t>
+            </a:r>
+            <a:r>
+              <a:rPr lang="en-US" altLang="ko-KR" dirty="0"/>
+              <a:t>,</a:t>
+            </a:r>
+          </a:p>
+          <a:p>
+            <a:r>
+              <a:rPr lang="en-US" altLang="ko-KR" dirty="0"/>
+              <a:t> index.js </a:t>
+            </a:r>
+            <a:r>
+              <a:rPr lang="ko-KR" altLang="en-US" dirty="0"/>
+              <a:t>첫 번째 줄 </a:t>
+            </a:r>
+            <a:r>
+              <a:rPr lang="en-US" altLang="ko-KR" dirty="0" err="1"/>
+              <a:t>news_apikey</a:t>
+            </a:r>
+            <a:r>
+              <a:rPr lang="ko-KR" altLang="en-US" dirty="0"/>
+              <a:t>를 이전 슬라이드에서 받은 키로 설정</a:t>
+            </a:r>
+          </a:p>
+        </p:txBody>
+      </p:sp>
+      <p:sp>
+        <p:nvSpPr>
+          <p:cNvPr id="13" name="TextBox 12">
+            <a:extLst>
+              <a:ext uri="{FF2B5EF4-FFF2-40B4-BE49-F238E27FC236}">
+                <a16:creationId xmlns:a16="http://schemas.microsoft.com/office/drawing/2014/main" id="{4BCE4F93-DDAB-4CE1-94AD-FA264FB53BD5}"/>
+              </a:ext>
+            </a:extLst>
+          </p:cNvPr>
+          <p:cNvSpPr txBox="1"/>
+          <p:nvPr/>
+        </p:nvSpPr>
+        <p:spPr>
+          <a:xfrm>
+            <a:off x="250596" y="2630269"/>
+            <a:ext cx="6553200" cy="646331"/>
+          </a:xfrm>
+          <a:prstGeom prst="rect">
+            <a:avLst/>
+          </a:prstGeom>
+          <a:noFill/>
+        </p:spPr>
+        <p:txBody>
+          <a:bodyPr wrap="square" rtlCol="0">
+            <a:spAutoFit/>
+          </a:bodyPr>
+          <a:lstStyle/>
+          <a:p>
+            <a:r>
+              <a:rPr lang="ko-KR" altLang="en-US" dirty="0"/>
+              <a:t>테스트 </a:t>
+            </a:r>
+            <a:r>
+              <a:rPr lang="en-US" altLang="ko-KR" dirty="0"/>
+              <a:t>: getNews.html</a:t>
+            </a:r>
+            <a:r>
+              <a:rPr lang="ko-KR" altLang="en-US" dirty="0"/>
+              <a:t>을 </a:t>
+            </a:r>
+            <a:r>
+              <a:rPr lang="en-US" altLang="ko-KR" dirty="0"/>
+              <a:t>chrome</a:t>
+            </a:r>
+            <a:r>
+              <a:rPr lang="ko-KR" altLang="en-US" dirty="0"/>
+              <a:t>으로 열기</a:t>
+            </a:r>
+            <a:endParaRPr lang="en-US" altLang="ko-KR" dirty="0"/>
+          </a:p>
+          <a:p>
+            <a:r>
+              <a:rPr lang="en-US" altLang="ko-KR" dirty="0"/>
+              <a:t>(</a:t>
+            </a:r>
+            <a:r>
+              <a:rPr lang="ko-KR" altLang="en-US" dirty="0"/>
+              <a:t>아직 </a:t>
+            </a:r>
+            <a:r>
+              <a:rPr lang="en-US" altLang="ko-KR" dirty="0"/>
+              <a:t>get key phrase </a:t>
+            </a:r>
+            <a:r>
+              <a:rPr lang="ko-KR" altLang="en-US" dirty="0"/>
+              <a:t>버튼은 작동하지 않음</a:t>
+            </a:r>
+            <a:r>
+              <a:rPr lang="en-US" altLang="ko-KR" dirty="0"/>
+              <a:t>!)</a:t>
+            </a:r>
+            <a:endParaRPr lang="ko-KR" altLang="en-US" dirty="0"/>
+          </a:p>
+        </p:txBody>
+      </p:sp>
+    </p:spTree>
+    <p:extLst>
+      <p:ext uri="{BB962C8B-B14F-4D97-AF65-F5344CB8AC3E}">
+        <p14:creationId xmlns:p14="http://schemas.microsoft.com/office/powerpoint/2010/main" val="3736648709"/>
+      </p:ext>
+    </p:extLst>
+  </p:cSld>
+  <p:clrMapOvr>
+    <a:masterClrMapping/>
+  </p:clrMapOvr>
+</p:sld>
+</file>
+
+<file path=ppt/slides/slide33.xml><?xml version="1.0" encoding="utf-8"?>
+<p:sld xmlns:a="http://schemas.openxmlformats.org/drawingml/2006/main" xmlns:r="http://schemas.openxmlformats.org/officeDocument/2006/relationships" xmlns:p="http://schemas.openxmlformats.org/presentationml/2006/main">
+  <p:cSld>
+    <p:spTree>
+      <p:nvGrpSpPr>
+        <p:cNvPr id="1" name=""/>
+        <p:cNvGrpSpPr/>
+        <p:nvPr/>
+      </p:nvGrpSpPr>
+      <p:grpSpPr>
+        <a:xfrm>
+          <a:off x="0" y="0"/>
+          <a:ext cx="0" cy="0"/>
+          <a:chOff x="0" y="0"/>
+          <a:chExt cx="0" cy="0"/>
+        </a:xfrm>
+      </p:grpSpPr>
+      <p:sp>
+        <p:nvSpPr>
+          <p:cNvPr id="2" name="object 2"/>
+          <p:cNvSpPr txBox="1"/>
+          <p:nvPr/>
+        </p:nvSpPr>
+        <p:spPr>
+          <a:xfrm>
+            <a:off x="457200" y="228600"/>
+            <a:ext cx="9677400" cy="1133644"/>
+          </a:xfrm>
+          <a:prstGeom prst="rect">
+            <a:avLst/>
+          </a:prstGeom>
+        </p:spPr>
+        <p:txBody>
+          <a:bodyPr vert="horz" wrap="square" lIns="0" tIns="12700" rIns="0" bIns="0" rtlCol="0">
+            <a:spAutoFit/>
+          </a:bodyPr>
+          <a:lstStyle/>
+          <a:p>
+            <a:pPr marL="12700">
+              <a:spcBef>
+                <a:spcPts val="100"/>
+              </a:spcBef>
+            </a:pPr>
+            <a:r>
+              <a:rPr lang="ko-KR" altLang="en-US" sz="3600" b="1" spc="-185" dirty="0">
+                <a:latin typeface="Trebuchet MS"/>
+                <a:cs typeface="UnDinaru"/>
+              </a:rPr>
+              <a:t>뉴스 뷰어 제작 </a:t>
+            </a:r>
+            <a:r>
+              <a:rPr lang="en-US" altLang="ko-KR" sz="2800" b="1" spc="-185" dirty="0">
+                <a:latin typeface="Trebuchet MS"/>
+                <a:cs typeface="UnDinaru"/>
+              </a:rPr>
+              <a:t>–comprehend lambda </a:t>
+            </a:r>
+            <a:r>
+              <a:rPr lang="en-US" altLang="ko-KR" sz="2800" b="1" spc="-185" dirty="0" err="1">
+                <a:latin typeface="Trebuchet MS"/>
+                <a:cs typeface="UnDinaru"/>
+              </a:rPr>
+              <a:t>api</a:t>
+            </a:r>
+            <a:r>
+              <a:rPr lang="en-US" altLang="ko-KR" sz="2800" b="1" spc="-185" dirty="0">
+                <a:latin typeface="Trebuchet MS"/>
+                <a:cs typeface="UnDinaru"/>
+              </a:rPr>
+              <a:t> </a:t>
+            </a:r>
+            <a:r>
+              <a:rPr lang="ko-KR" altLang="en-US" sz="2800" b="1" spc="-185" dirty="0">
+                <a:latin typeface="Trebuchet MS"/>
+                <a:cs typeface="UnDinaru"/>
+              </a:rPr>
+              <a:t>구성</a:t>
+            </a:r>
+            <a:endParaRPr lang="en-US" altLang="ko-KR" sz="2800" dirty="0"/>
+          </a:p>
+          <a:p>
+            <a:pPr marL="12700">
+              <a:lnSpc>
+                <a:spcPct val="100000"/>
+              </a:lnSpc>
+              <a:spcBef>
+                <a:spcPts val="100"/>
+              </a:spcBef>
+            </a:pPr>
+            <a:r>
+              <a:rPr lang="en-US" altLang="ko-KR" sz="3600" b="1" spc="-185" dirty="0">
+                <a:latin typeface="Trebuchet MS"/>
+                <a:cs typeface="UnDinaru"/>
+              </a:rPr>
+              <a:t> </a:t>
+            </a:r>
+            <a:endParaRPr lang="en-US" sz="3600" b="1" dirty="0">
+              <a:latin typeface="UnDinaru"/>
+              <a:cs typeface="UnDinaru"/>
+            </a:endParaRPr>
+          </a:p>
+        </p:txBody>
+      </p:sp>
+      <p:pic>
+        <p:nvPicPr>
+          <p:cNvPr id="3" name="그림 2">
+            <a:extLst>
+              <a:ext uri="{FF2B5EF4-FFF2-40B4-BE49-F238E27FC236}">
+                <a16:creationId xmlns:a16="http://schemas.microsoft.com/office/drawing/2014/main" id="{FE59C584-0998-413C-95FE-36A95CCEF3C5}"/>
+              </a:ext>
+            </a:extLst>
+          </p:cNvPr>
+          <p:cNvPicPr>
+            <a:picLocks noChangeAspect="1"/>
+          </p:cNvPicPr>
+          <p:nvPr/>
+        </p:nvPicPr>
+        <p:blipFill>
+          <a:blip r:embed="rId2"/>
+          <a:stretch>
+            <a:fillRect/>
+          </a:stretch>
+        </p:blipFill>
+        <p:spPr>
+          <a:xfrm>
+            <a:off x="-4876" y="1688068"/>
+            <a:ext cx="9148876" cy="2350532"/>
+          </a:xfrm>
+          <a:prstGeom prst="rect">
+            <a:avLst/>
+          </a:prstGeom>
+        </p:spPr>
+      </p:pic>
+      <p:sp>
+        <p:nvSpPr>
+          <p:cNvPr id="4" name="TextBox 3">
+            <a:extLst>
+              <a:ext uri="{FF2B5EF4-FFF2-40B4-BE49-F238E27FC236}">
+                <a16:creationId xmlns:a16="http://schemas.microsoft.com/office/drawing/2014/main" id="{A7772B17-4991-42AD-820F-4443216AEE02}"/>
+              </a:ext>
+            </a:extLst>
+          </p:cNvPr>
+          <p:cNvSpPr txBox="1"/>
+          <p:nvPr/>
+        </p:nvSpPr>
+        <p:spPr>
+          <a:xfrm>
+            <a:off x="125690" y="4800600"/>
+            <a:ext cx="8332509" cy="369332"/>
+          </a:xfrm>
+          <a:prstGeom prst="rect">
+            <a:avLst/>
+          </a:prstGeom>
+          <a:noFill/>
+        </p:spPr>
+        <p:txBody>
+          <a:bodyPr wrap="square" rtlCol="0">
+            <a:spAutoFit/>
+          </a:bodyPr>
+          <a:lstStyle/>
+          <a:p>
+            <a:r>
+              <a:rPr lang="ko-KR" altLang="en-US" dirty="0"/>
+              <a:t>위와 같이 </a:t>
+            </a:r>
+            <a:r>
+              <a:rPr lang="en-US" altLang="ko-KR" dirty="0"/>
+              <a:t>lambda</a:t>
+            </a:r>
+            <a:r>
+              <a:rPr lang="ko-KR" altLang="en-US" dirty="0"/>
+              <a:t> 에서 </a:t>
+            </a:r>
+            <a:r>
+              <a:rPr lang="en-US" altLang="ko-KR" dirty="0"/>
+              <a:t>comprehend</a:t>
+            </a:r>
+            <a:r>
+              <a:rPr lang="ko-KR" altLang="en-US" dirty="0"/>
+              <a:t> 의 </a:t>
+            </a:r>
+            <a:r>
+              <a:rPr lang="en-US" altLang="ko-KR" dirty="0"/>
+              <a:t>key phase </a:t>
+            </a:r>
+            <a:r>
+              <a:rPr lang="ko-KR" altLang="en-US" dirty="0"/>
+              <a:t>분석 기능 사용하도록 코드 수정</a:t>
+            </a:r>
+          </a:p>
+        </p:txBody>
+      </p:sp>
+    </p:spTree>
+    <p:extLst>
+      <p:ext uri="{BB962C8B-B14F-4D97-AF65-F5344CB8AC3E}">
+        <p14:creationId xmlns:p14="http://schemas.microsoft.com/office/powerpoint/2010/main" val="607872514"/>
+      </p:ext>
+    </p:extLst>
+  </p:cSld>
+  <p:clrMapOvr>
+    <a:masterClrMapping/>
+  </p:clrMapOvr>
+</p:sld>
+</file>
+
+<file path=ppt/slides/slide34.xml><?xml version="1.0" encoding="utf-8"?>
+<p:sld xmlns:a="http://schemas.openxmlformats.org/drawingml/2006/main" xmlns:r="http://schemas.openxmlformats.org/officeDocument/2006/relationships" xmlns:p="http://schemas.openxmlformats.org/presentationml/2006/main">
+  <p:cSld>
+    <p:spTree>
+      <p:nvGrpSpPr>
+        <p:cNvPr id="1" name=""/>
+        <p:cNvGrpSpPr/>
+        <p:nvPr/>
+      </p:nvGrpSpPr>
+      <p:grpSpPr>
+        <a:xfrm>
+          <a:off x="0" y="0"/>
+          <a:ext cx="0" cy="0"/>
+          <a:chOff x="0" y="0"/>
+          <a:chExt cx="0" cy="0"/>
+        </a:xfrm>
+      </p:grpSpPr>
+      <p:sp>
+        <p:nvSpPr>
+          <p:cNvPr id="2" name="object 2"/>
+          <p:cNvSpPr txBox="1"/>
+          <p:nvPr/>
+        </p:nvSpPr>
+        <p:spPr>
+          <a:xfrm>
+            <a:off x="457200" y="228600"/>
+            <a:ext cx="9677400" cy="1133644"/>
+          </a:xfrm>
+          <a:prstGeom prst="rect">
+            <a:avLst/>
+          </a:prstGeom>
+        </p:spPr>
+        <p:txBody>
+          <a:bodyPr vert="horz" wrap="square" lIns="0" tIns="12700" rIns="0" bIns="0" rtlCol="0">
+            <a:spAutoFit/>
+          </a:bodyPr>
+          <a:lstStyle/>
+          <a:p>
+            <a:pPr marL="12700">
+              <a:spcBef>
+                <a:spcPts val="100"/>
+              </a:spcBef>
+            </a:pPr>
+            <a:r>
+              <a:rPr lang="ko-KR" altLang="en-US" sz="3600" b="1" spc="-185" dirty="0">
+                <a:latin typeface="Trebuchet MS"/>
+                <a:cs typeface="UnDinaru"/>
+              </a:rPr>
+              <a:t>뉴스 뷰어 제작 </a:t>
+            </a:r>
+            <a:r>
+              <a:rPr lang="en-US" altLang="ko-KR" sz="2800" b="1" spc="-185" dirty="0">
+                <a:latin typeface="Trebuchet MS"/>
+                <a:cs typeface="UnDinaru"/>
+              </a:rPr>
+              <a:t>–comprehend lambda </a:t>
+            </a:r>
+            <a:r>
+              <a:rPr lang="en-US" altLang="ko-KR" sz="2800" b="1" spc="-185" dirty="0" err="1">
+                <a:latin typeface="Trebuchet MS"/>
+                <a:cs typeface="UnDinaru"/>
+              </a:rPr>
+              <a:t>api</a:t>
+            </a:r>
+            <a:r>
+              <a:rPr lang="en-US" altLang="ko-KR" sz="2800" b="1" spc="-185" dirty="0">
+                <a:latin typeface="Trebuchet MS"/>
+                <a:cs typeface="UnDinaru"/>
+              </a:rPr>
+              <a:t> </a:t>
+            </a:r>
+            <a:r>
+              <a:rPr lang="ko-KR" altLang="en-US" sz="2800" b="1" spc="-185" dirty="0">
+                <a:latin typeface="Trebuchet MS"/>
+                <a:cs typeface="UnDinaru"/>
+              </a:rPr>
+              <a:t>구성</a:t>
+            </a:r>
+            <a:endParaRPr lang="en-US" altLang="ko-KR" sz="2800" dirty="0"/>
+          </a:p>
+          <a:p>
+            <a:pPr marL="12700">
+              <a:lnSpc>
+                <a:spcPct val="100000"/>
+              </a:lnSpc>
+              <a:spcBef>
+                <a:spcPts val="100"/>
+              </a:spcBef>
+            </a:pPr>
+            <a:r>
+              <a:rPr lang="en-US" altLang="ko-KR" sz="3600" b="1" spc="-185" dirty="0">
+                <a:latin typeface="Trebuchet MS"/>
+                <a:cs typeface="UnDinaru"/>
+              </a:rPr>
+              <a:t> </a:t>
+            </a:r>
+            <a:endParaRPr lang="en-US" sz="3600" b="1" dirty="0">
+              <a:latin typeface="UnDinaru"/>
+              <a:cs typeface="UnDinaru"/>
+            </a:endParaRPr>
+          </a:p>
+        </p:txBody>
+      </p:sp>
+      <p:pic>
+        <p:nvPicPr>
+          <p:cNvPr id="5" name="그림 4">
+            <a:extLst>
+              <a:ext uri="{FF2B5EF4-FFF2-40B4-BE49-F238E27FC236}">
+                <a16:creationId xmlns:a16="http://schemas.microsoft.com/office/drawing/2014/main" id="{F6042300-2296-4139-AB7F-3E207523AAF2}"/>
+              </a:ext>
+            </a:extLst>
+          </p:cNvPr>
+          <p:cNvPicPr>
+            <a:picLocks noChangeAspect="1"/>
+          </p:cNvPicPr>
+          <p:nvPr/>
+        </p:nvPicPr>
+        <p:blipFill>
+          <a:blip r:embed="rId2"/>
+          <a:stretch>
+            <a:fillRect/>
+          </a:stretch>
+        </p:blipFill>
+        <p:spPr>
+          <a:xfrm>
+            <a:off x="228600" y="914400"/>
+            <a:ext cx="5952829" cy="3942025"/>
+          </a:xfrm>
+          <a:prstGeom prst="rect">
+            <a:avLst/>
+          </a:prstGeom>
+        </p:spPr>
+      </p:pic>
+      <p:sp>
+        <p:nvSpPr>
+          <p:cNvPr id="6" name="액자 5">
+            <a:extLst>
+              <a:ext uri="{FF2B5EF4-FFF2-40B4-BE49-F238E27FC236}">
+                <a16:creationId xmlns:a16="http://schemas.microsoft.com/office/drawing/2014/main" id="{FFC214CC-9FA9-4935-B6DC-A065BF44B010}"/>
+              </a:ext>
+            </a:extLst>
+          </p:cNvPr>
+          <p:cNvSpPr/>
+          <p:nvPr/>
+        </p:nvSpPr>
+        <p:spPr>
+          <a:xfrm>
+            <a:off x="381000" y="1690973"/>
+            <a:ext cx="4419600" cy="351572"/>
+          </a:xfrm>
+          <a:prstGeom prst="frame">
+            <a:avLst>
+              <a:gd name="adj1" fmla="val 0"/>
+            </a:avLst>
+          </a:prstGeom>
+          <a:solidFill>
+            <a:srgbClr val="FF0000"/>
+          </a:solidFill>
+          <a:ln>
+            <a:solidFill>
+              <a:srgbClr val="FF0000"/>
+            </a:solidFill>
+          </a:ln>
+        </p:spPr>
+        <p:style>
+          <a:lnRef idx="2">
+            <a:schemeClr val="accent1">
+              <a:shade val="50000"/>
+            </a:schemeClr>
+          </a:lnRef>
+          <a:fillRef idx="1">
+            <a:schemeClr val="accent1"/>
+          </a:fillRef>
+          <a:effectRef idx="0">
+            <a:schemeClr val="accent1"/>
+          </a:effectRef>
+          <a:fontRef idx="minor">
+            <a:schemeClr val="lt1"/>
+          </a:fontRef>
+        </p:style>
+        <p:txBody>
+          <a:bodyPr rtlCol="0" anchor="ctr"/>
+          <a:lstStyle/>
+          <a:p>
+            <a:pPr algn="ctr"/>
+            <a:endParaRPr lang="ko-KR" altLang="en-US">
+              <a:solidFill>
+                <a:schemeClr val="tx1"/>
+              </a:solidFill>
+            </a:endParaRPr>
+          </a:p>
+        </p:txBody>
+      </p:sp>
+      <p:sp>
+        <p:nvSpPr>
+          <p:cNvPr id="7" name="액자 6">
+            <a:extLst>
+              <a:ext uri="{FF2B5EF4-FFF2-40B4-BE49-F238E27FC236}">
+                <a16:creationId xmlns:a16="http://schemas.microsoft.com/office/drawing/2014/main" id="{7B5F24C5-2972-4F37-835B-A95B8869C926}"/>
+              </a:ext>
+            </a:extLst>
+          </p:cNvPr>
+          <p:cNvSpPr/>
+          <p:nvPr/>
+        </p:nvSpPr>
+        <p:spPr>
+          <a:xfrm>
+            <a:off x="1143000" y="4648199"/>
+            <a:ext cx="3505200" cy="208225"/>
+          </a:xfrm>
+          <a:prstGeom prst="frame">
+            <a:avLst>
+              <a:gd name="adj1" fmla="val 0"/>
+            </a:avLst>
+          </a:prstGeom>
+          <a:solidFill>
+            <a:srgbClr val="FF0000"/>
+          </a:solidFill>
+          <a:ln>
+            <a:solidFill>
+              <a:srgbClr val="FF0000"/>
+            </a:solidFill>
+          </a:ln>
+        </p:spPr>
+        <p:style>
+          <a:lnRef idx="2">
+            <a:schemeClr val="accent1">
+              <a:shade val="50000"/>
+            </a:schemeClr>
+          </a:lnRef>
+          <a:fillRef idx="1">
+            <a:schemeClr val="accent1"/>
+          </a:fillRef>
+          <a:effectRef idx="0">
+            <a:schemeClr val="accent1"/>
+          </a:effectRef>
+          <a:fontRef idx="minor">
+            <a:schemeClr val="lt1"/>
+          </a:fontRef>
+        </p:style>
+        <p:txBody>
+          <a:bodyPr rtlCol="0" anchor="ctr"/>
+          <a:lstStyle/>
+          <a:p>
+            <a:pPr algn="ctr"/>
+            <a:endParaRPr lang="ko-KR" altLang="en-US">
+              <a:solidFill>
+                <a:schemeClr val="tx1"/>
+              </a:solidFill>
+            </a:endParaRPr>
+          </a:p>
+        </p:txBody>
+      </p:sp>
+      <p:pic>
+        <p:nvPicPr>
+          <p:cNvPr id="9" name="그림 8">
+            <a:extLst>
+              <a:ext uri="{FF2B5EF4-FFF2-40B4-BE49-F238E27FC236}">
+                <a16:creationId xmlns:a16="http://schemas.microsoft.com/office/drawing/2014/main" id="{5C021E2F-4ED3-4FF1-8E60-A93375D04D7E}"/>
+              </a:ext>
+            </a:extLst>
+          </p:cNvPr>
+          <p:cNvPicPr>
+            <a:picLocks noChangeAspect="1"/>
+          </p:cNvPicPr>
+          <p:nvPr/>
+        </p:nvPicPr>
+        <p:blipFill>
+          <a:blip r:embed="rId3"/>
+          <a:stretch>
+            <a:fillRect/>
+          </a:stretch>
+        </p:blipFill>
+        <p:spPr>
+          <a:xfrm>
+            <a:off x="1362075" y="5943600"/>
+            <a:ext cx="6419850" cy="476250"/>
+          </a:xfrm>
+          <a:prstGeom prst="rect">
+            <a:avLst/>
+          </a:prstGeom>
+        </p:spPr>
+      </p:pic>
+      <p:cxnSp>
+        <p:nvCxnSpPr>
+          <p:cNvPr id="11" name="직선 화살표 연결선 10">
+            <a:extLst>
+              <a:ext uri="{FF2B5EF4-FFF2-40B4-BE49-F238E27FC236}">
+                <a16:creationId xmlns:a16="http://schemas.microsoft.com/office/drawing/2014/main" id="{6BA87E82-BA9F-4BE3-B57B-A95F25583E9F}"/>
+              </a:ext>
+            </a:extLst>
+          </p:cNvPr>
+          <p:cNvCxnSpPr/>
+          <p:nvPr/>
+        </p:nvCxnSpPr>
+        <p:spPr>
+          <a:xfrm>
+            <a:off x="1905000" y="2138817"/>
+            <a:ext cx="720000" cy="2356983"/>
+          </a:xfrm>
+          <a:prstGeom prst="straightConnector1">
+            <a:avLst/>
+          </a:prstGeom>
+          <a:ln w="25400">
+            <a:solidFill>
+              <a:srgbClr val="FF0000"/>
+            </a:solidFill>
+            <a:tailEnd type="triangle"/>
+          </a:ln>
+        </p:spPr>
+        <p:style>
+          <a:lnRef idx="1">
+            <a:schemeClr val="accent2"/>
+          </a:lnRef>
+          <a:fillRef idx="0">
+            <a:schemeClr val="accent2"/>
+          </a:fillRef>
+          <a:effectRef idx="0">
+            <a:schemeClr val="accent2"/>
+          </a:effectRef>
+          <a:fontRef idx="minor">
+            <a:schemeClr val="tx1"/>
+          </a:fontRef>
+        </p:style>
+      </p:cxnSp>
+      <p:cxnSp>
+        <p:nvCxnSpPr>
+          <p:cNvPr id="13" name="직선 화살표 연결선 12">
+            <a:extLst>
+              <a:ext uri="{FF2B5EF4-FFF2-40B4-BE49-F238E27FC236}">
+                <a16:creationId xmlns:a16="http://schemas.microsoft.com/office/drawing/2014/main" id="{619F3788-D1E8-4982-BFB8-1A4D3B1E43D3}"/>
+              </a:ext>
+            </a:extLst>
+          </p:cNvPr>
+          <p:cNvCxnSpPr>
+            <a:cxnSpLocks/>
+          </p:cNvCxnSpPr>
+          <p:nvPr/>
+        </p:nvCxnSpPr>
+        <p:spPr>
+          <a:xfrm>
+            <a:off x="2998775" y="4943315"/>
+            <a:ext cx="963625" cy="863352"/>
+          </a:xfrm>
+          <a:prstGeom prst="straightConnector1">
+            <a:avLst/>
+          </a:prstGeom>
+          <a:ln w="25400">
+            <a:solidFill>
+              <a:srgbClr val="FF0000"/>
+            </a:solidFill>
+            <a:tailEnd type="triangle"/>
+          </a:ln>
+        </p:spPr>
+        <p:style>
+          <a:lnRef idx="1">
+            <a:schemeClr val="accent2"/>
+          </a:lnRef>
+          <a:fillRef idx="0">
+            <a:schemeClr val="accent2"/>
+          </a:fillRef>
+          <a:effectRef idx="0">
+            <a:schemeClr val="accent2"/>
+          </a:effectRef>
+          <a:fontRef idx="minor">
+            <a:schemeClr val="tx1"/>
+          </a:fontRef>
+        </p:style>
+      </p:cxnSp>
+      <p:sp>
+        <p:nvSpPr>
+          <p:cNvPr id="16" name="TextBox 15">
+            <a:extLst>
+              <a:ext uri="{FF2B5EF4-FFF2-40B4-BE49-F238E27FC236}">
+                <a16:creationId xmlns:a16="http://schemas.microsoft.com/office/drawing/2014/main" id="{62A7A87A-9271-445B-A61F-83CE2C6566CB}"/>
+              </a:ext>
+            </a:extLst>
+          </p:cNvPr>
+          <p:cNvSpPr txBox="1"/>
+          <p:nvPr/>
+        </p:nvSpPr>
+        <p:spPr>
+          <a:xfrm>
+            <a:off x="6019800" y="4117760"/>
+            <a:ext cx="3124200" cy="1477328"/>
+          </a:xfrm>
+          <a:prstGeom prst="rect">
+            <a:avLst/>
+          </a:prstGeom>
+          <a:noFill/>
+        </p:spPr>
+        <p:txBody>
+          <a:bodyPr wrap="square" rtlCol="0">
+            <a:spAutoFit/>
+          </a:bodyPr>
+          <a:lstStyle/>
+          <a:p>
+            <a:r>
+              <a:rPr lang="ko-KR" altLang="en-US" dirty="0"/>
+              <a:t>이전에 구성했던 </a:t>
+            </a:r>
+            <a:r>
+              <a:rPr lang="en-US" altLang="ko-KR" dirty="0"/>
+              <a:t>API </a:t>
+            </a:r>
+          </a:p>
+          <a:p>
+            <a:r>
+              <a:rPr lang="ko-KR" altLang="en-US" dirty="0"/>
+              <a:t>게이트웨이 주소를 복사해서</a:t>
+            </a:r>
+            <a:endParaRPr lang="en-US" altLang="ko-KR" dirty="0"/>
+          </a:p>
+          <a:p>
+            <a:endParaRPr lang="en-US" altLang="ko-KR" dirty="0"/>
+          </a:p>
+          <a:p>
+            <a:r>
+              <a:rPr lang="ko-KR" altLang="en-US" dirty="0"/>
+              <a:t> </a:t>
+            </a:r>
+            <a:r>
+              <a:rPr lang="en-US" altLang="ko-KR" dirty="0"/>
+              <a:t>index.js </a:t>
+            </a:r>
+            <a:r>
+              <a:rPr lang="ko-KR" altLang="en-US" dirty="0"/>
+              <a:t>의 </a:t>
+            </a:r>
+            <a:r>
+              <a:rPr lang="en-US" altLang="ko-KR" dirty="0" err="1"/>
+              <a:t>lambdaURL</a:t>
+            </a:r>
+            <a:r>
+              <a:rPr lang="ko-KR" altLang="en-US" dirty="0"/>
+              <a:t>에 붙여넣기</a:t>
+            </a:r>
+          </a:p>
+        </p:txBody>
+      </p:sp>
+    </p:spTree>
+    <p:extLst>
+      <p:ext uri="{BB962C8B-B14F-4D97-AF65-F5344CB8AC3E}">
+        <p14:creationId xmlns:p14="http://schemas.microsoft.com/office/powerpoint/2010/main" val="2895886474"/>
+      </p:ext>
+    </p:extLst>
+  </p:cSld>
+  <p:clrMapOvr>
+    <a:masterClrMapping/>
+  </p:clrMapOvr>
+</p:sld>
+</file>
+
+<file path=ppt/slides/slide35.xml><?xml version="1.0" encoding="utf-8"?>
+<p:sld xmlns:a="http://schemas.openxmlformats.org/drawingml/2006/main" xmlns:r="http://schemas.openxmlformats.org/officeDocument/2006/relationships" xmlns:p="http://schemas.openxmlformats.org/presentationml/2006/main">
+  <p:cSld>
+    <p:spTree>
+      <p:nvGrpSpPr>
+        <p:cNvPr id="1" name=""/>
+        <p:cNvGrpSpPr/>
+        <p:nvPr/>
+      </p:nvGrpSpPr>
+      <p:grpSpPr>
+        <a:xfrm>
+          <a:off x="0" y="0"/>
+          <a:ext cx="0" cy="0"/>
+          <a:chOff x="0" y="0"/>
+          <a:chExt cx="0" cy="0"/>
+        </a:xfrm>
+      </p:grpSpPr>
+      <p:sp>
+        <p:nvSpPr>
+          <p:cNvPr id="2" name="object 2"/>
+          <p:cNvSpPr txBox="1"/>
+          <p:nvPr/>
+        </p:nvSpPr>
+        <p:spPr>
+          <a:xfrm>
+            <a:off x="457200" y="228600"/>
+            <a:ext cx="9677400" cy="566822"/>
+          </a:xfrm>
+          <a:prstGeom prst="rect">
+            <a:avLst/>
+          </a:prstGeom>
+        </p:spPr>
+        <p:txBody>
+          <a:bodyPr vert="horz" wrap="square" lIns="0" tIns="12700" rIns="0" bIns="0" rtlCol="0">
+            <a:spAutoFit/>
+          </a:bodyPr>
+          <a:lstStyle/>
+          <a:p>
+            <a:pPr marL="12700">
+              <a:spcBef>
+                <a:spcPts val="100"/>
+              </a:spcBef>
+            </a:pPr>
+            <a:r>
+              <a:rPr lang="ko-KR" altLang="en-US" sz="3600" b="1" spc="-185" dirty="0">
+                <a:latin typeface="Trebuchet MS"/>
+                <a:cs typeface="UnDinaru"/>
+              </a:rPr>
+              <a:t>뉴스 뷰어 제작 </a:t>
+            </a:r>
+            <a:r>
+              <a:rPr lang="en-US" altLang="ko-KR" sz="2800" b="1" spc="-185" dirty="0">
+                <a:latin typeface="Trebuchet MS"/>
+                <a:cs typeface="UnDinaru"/>
+              </a:rPr>
+              <a:t>–</a:t>
+            </a:r>
+            <a:r>
+              <a:rPr lang="ko-KR" altLang="en-US" sz="2800" b="1" dirty="0"/>
+              <a:t>테스트</a:t>
+            </a:r>
+            <a:r>
+              <a:rPr lang="en-US" altLang="ko-KR" sz="2800" b="1" dirty="0"/>
+              <a:t>,</a:t>
+            </a:r>
+            <a:r>
+              <a:rPr lang="ko-KR" altLang="en-US" sz="2800" b="1" dirty="0"/>
+              <a:t>완성</a:t>
+            </a:r>
+            <a:r>
+              <a:rPr lang="en-US" altLang="ko-KR" sz="3600" spc="-185" dirty="0">
+                <a:latin typeface="Trebuchet MS"/>
+                <a:cs typeface="UnDinaru"/>
+              </a:rPr>
+              <a:t> </a:t>
+            </a:r>
+            <a:endParaRPr lang="en-US" sz="3600" dirty="0">
+              <a:latin typeface="UnDinaru"/>
+              <a:cs typeface="UnDinaru"/>
+            </a:endParaRPr>
+          </a:p>
+        </p:txBody>
+      </p:sp>
+      <p:pic>
+        <p:nvPicPr>
+          <p:cNvPr id="5" name="그림 4">
+            <a:extLst>
+              <a:ext uri="{FF2B5EF4-FFF2-40B4-BE49-F238E27FC236}">
+                <a16:creationId xmlns:a16="http://schemas.microsoft.com/office/drawing/2014/main" id="{7C4C4013-722D-4D04-A4AC-F57FB4AD84F4}"/>
+              </a:ext>
+            </a:extLst>
+          </p:cNvPr>
+          <p:cNvPicPr>
+            <a:picLocks noChangeAspect="1"/>
+          </p:cNvPicPr>
+          <p:nvPr/>
+        </p:nvPicPr>
+        <p:blipFill>
+          <a:blip r:embed="rId2"/>
+          <a:stretch>
+            <a:fillRect/>
+          </a:stretch>
+        </p:blipFill>
+        <p:spPr>
+          <a:xfrm>
+            <a:off x="76200" y="1759011"/>
+            <a:ext cx="7159682" cy="3465239"/>
+          </a:xfrm>
+          <a:prstGeom prst="rect">
+            <a:avLst/>
+          </a:prstGeom>
+        </p:spPr>
+      </p:pic>
+      <p:sp>
+        <p:nvSpPr>
+          <p:cNvPr id="13" name="TextBox 12">
+            <a:extLst>
+              <a:ext uri="{FF2B5EF4-FFF2-40B4-BE49-F238E27FC236}">
+                <a16:creationId xmlns:a16="http://schemas.microsoft.com/office/drawing/2014/main" id="{4BCE4F93-DDAB-4CE1-94AD-FA264FB53BD5}"/>
+              </a:ext>
+            </a:extLst>
+          </p:cNvPr>
+          <p:cNvSpPr txBox="1"/>
+          <p:nvPr/>
+        </p:nvSpPr>
+        <p:spPr>
+          <a:xfrm>
+            <a:off x="76200" y="1389679"/>
+            <a:ext cx="6553200" cy="369332"/>
+          </a:xfrm>
+          <a:prstGeom prst="rect">
+            <a:avLst/>
+          </a:prstGeom>
+          <a:noFill/>
+        </p:spPr>
+        <p:txBody>
+          <a:bodyPr wrap="square" rtlCol="0">
+            <a:spAutoFit/>
+          </a:bodyPr>
+          <a:lstStyle/>
+          <a:p>
+            <a:r>
+              <a:rPr lang="ko-KR" altLang="en-US" dirty="0"/>
+              <a:t>테스트 </a:t>
+            </a:r>
+            <a:r>
+              <a:rPr lang="en-US" altLang="ko-KR" dirty="0"/>
+              <a:t>: getNews.html</a:t>
+            </a:r>
+            <a:r>
+              <a:rPr lang="ko-KR" altLang="en-US" dirty="0"/>
+              <a:t>을 </a:t>
+            </a:r>
+            <a:r>
+              <a:rPr lang="en-US" altLang="ko-KR" dirty="0"/>
+              <a:t>chrome</a:t>
+            </a:r>
+            <a:r>
+              <a:rPr lang="ko-KR" altLang="en-US" dirty="0"/>
+              <a:t>으로 열기</a:t>
+            </a:r>
+            <a:endParaRPr lang="en-US" altLang="ko-KR" dirty="0"/>
+          </a:p>
+        </p:txBody>
+      </p:sp>
+      <p:sp>
+        <p:nvSpPr>
+          <p:cNvPr id="7" name="액자 6">
+            <a:extLst>
+              <a:ext uri="{FF2B5EF4-FFF2-40B4-BE49-F238E27FC236}">
+                <a16:creationId xmlns:a16="http://schemas.microsoft.com/office/drawing/2014/main" id="{F2E37A3B-232C-4D8C-ADE8-41144920FA2B}"/>
+              </a:ext>
+            </a:extLst>
+          </p:cNvPr>
+          <p:cNvSpPr/>
+          <p:nvPr/>
+        </p:nvSpPr>
+        <p:spPr>
+          <a:xfrm>
+            <a:off x="3656041" y="2438400"/>
+            <a:ext cx="915959" cy="156047"/>
+          </a:xfrm>
+          <a:prstGeom prst="frame">
+            <a:avLst>
+              <a:gd name="adj1" fmla="val 0"/>
+            </a:avLst>
+          </a:prstGeom>
+          <a:solidFill>
+            <a:srgbClr val="FF0000"/>
+          </a:solidFill>
+          <a:ln>
+            <a:solidFill>
+              <a:srgbClr val="FF0000"/>
+            </a:solidFill>
+          </a:ln>
+        </p:spPr>
+        <p:style>
+          <a:lnRef idx="2">
+            <a:schemeClr val="accent1">
+              <a:shade val="50000"/>
+            </a:schemeClr>
+          </a:lnRef>
+          <a:fillRef idx="1">
+            <a:schemeClr val="accent1"/>
+          </a:fillRef>
+          <a:effectRef idx="0">
+            <a:schemeClr val="accent1"/>
+          </a:effectRef>
+          <a:fontRef idx="minor">
+            <a:schemeClr val="lt1"/>
+          </a:fontRef>
+        </p:style>
+        <p:txBody>
+          <a:bodyPr rtlCol="0" anchor="ctr"/>
+          <a:lstStyle/>
+          <a:p>
+            <a:pPr algn="ctr"/>
+            <a:endParaRPr lang="ko-KR" altLang="en-US">
+              <a:solidFill>
+                <a:schemeClr val="tx1"/>
+              </a:solidFill>
+            </a:endParaRPr>
+          </a:p>
+        </p:txBody>
+      </p:sp>
+      <p:pic>
+        <p:nvPicPr>
+          <p:cNvPr id="3" name="그림 2">
+            <a:extLst>
+              <a:ext uri="{FF2B5EF4-FFF2-40B4-BE49-F238E27FC236}">
+                <a16:creationId xmlns:a16="http://schemas.microsoft.com/office/drawing/2014/main" id="{1339F8A4-D8DE-4723-9B3F-2B31254D10EB}"/>
+              </a:ext>
+            </a:extLst>
+          </p:cNvPr>
+          <p:cNvPicPr>
+            <a:picLocks noChangeAspect="1"/>
+          </p:cNvPicPr>
+          <p:nvPr/>
+        </p:nvPicPr>
+        <p:blipFill>
+          <a:blip r:embed="rId3"/>
+          <a:stretch>
+            <a:fillRect/>
+          </a:stretch>
+        </p:blipFill>
+        <p:spPr>
+          <a:xfrm>
+            <a:off x="5943600" y="2017336"/>
+            <a:ext cx="2907178" cy="4648200"/>
+          </a:xfrm>
+          <a:prstGeom prst="rect">
+            <a:avLst/>
+          </a:prstGeom>
+        </p:spPr>
+      </p:pic>
+    </p:spTree>
+    <p:extLst>
+      <p:ext uri="{BB962C8B-B14F-4D97-AF65-F5344CB8AC3E}">
+        <p14:creationId xmlns:p14="http://schemas.microsoft.com/office/powerpoint/2010/main" val="4048549952"/>
       </p:ext>
     </p:extLst>
   </p:cSld>
@@ -9992,7 +12597,94 @@
       </p:grpSpPr>
       <p:sp>
         <p:nvSpPr>
-          <p:cNvPr id="5" name="object 5"/>
+          <p:cNvPr id="2" name="object 2"/>
+          <p:cNvSpPr txBox="1">
+            <a:spLocks noGrp="1"/>
+          </p:cNvSpPr>
+          <p:nvPr>
+            <p:ph type="title"/>
+          </p:nvPr>
+        </p:nvSpPr>
+        <p:spPr>
+          <a:xfrm>
+            <a:off x="1219200" y="2591591"/>
+            <a:ext cx="7242809" cy="1674817"/>
+          </a:xfrm>
+          <a:prstGeom prst="rect">
+            <a:avLst/>
+          </a:prstGeom>
+        </p:spPr>
+        <p:txBody>
+          <a:bodyPr vert="horz" wrap="square" lIns="0" tIns="12700" rIns="0" bIns="0" rtlCol="0">
+            <a:spAutoFit/>
+          </a:bodyPr>
+          <a:lstStyle/>
+          <a:p>
+            <a:pPr marL="12700">
+              <a:lnSpc>
+                <a:spcPct val="100000"/>
+              </a:lnSpc>
+              <a:spcBef>
+                <a:spcPts val="100"/>
+              </a:spcBef>
+            </a:pPr>
+            <a:r>
+              <a:rPr lang="ko-KR" altLang="en-US" sz="3600" b="1" dirty="0">
+                <a:latin typeface="UnDinaru"/>
+                <a:cs typeface="UnDinaru"/>
+              </a:rPr>
+              <a:t>       실습 </a:t>
+            </a:r>
+            <a:r>
+              <a:rPr lang="en-US" altLang="ko-KR" sz="3600" b="1" dirty="0">
+                <a:latin typeface="UnDinaru"/>
+                <a:cs typeface="UnDinaru"/>
+              </a:rPr>
+              <a:t>: AWS Comprehend</a:t>
+            </a:r>
+            <a:br>
+              <a:rPr lang="en-US" altLang="ko-KR" sz="3600" b="1" dirty="0">
+                <a:latin typeface="UnDinaru"/>
+                <a:cs typeface="UnDinaru"/>
+              </a:rPr>
+            </a:br>
+            <a:br>
+              <a:rPr lang="en-US" altLang="ko-KR" sz="3600" b="1" dirty="0">
+                <a:latin typeface="UnDinaru"/>
+                <a:cs typeface="UnDinaru"/>
+              </a:rPr>
+            </a:br>
+            <a:r>
+              <a:rPr lang="en-US" altLang="ko-KR" sz="3600" b="1" dirty="0">
+                <a:latin typeface="UnDinaru"/>
+                <a:cs typeface="UnDinaru"/>
+              </a:rPr>
+              <a:t>    CLI, API</a:t>
+            </a:r>
+            <a:r>
+              <a:rPr lang="ko-KR" altLang="en-US" sz="3600" b="1" dirty="0">
+                <a:latin typeface="UnDinaru"/>
+                <a:cs typeface="UnDinaru"/>
+              </a:rPr>
+              <a:t> 사용해보고 활용하기</a:t>
+            </a:r>
+            <a:r>
+              <a:rPr lang="en-US" altLang="ko-KR" sz="3600" b="1" dirty="0">
+                <a:latin typeface="UnDinaru"/>
+                <a:cs typeface="UnDinaru"/>
+              </a:rPr>
+              <a:t> </a:t>
+            </a:r>
+            <a:endParaRPr sz="3600" dirty="0">
+              <a:latin typeface="UnDinaru"/>
+              <a:cs typeface="UnDinaru"/>
+            </a:endParaRPr>
+          </a:p>
+        </p:txBody>
+      </p:sp>
+      <p:sp>
+        <p:nvSpPr>
+          <p:cNvPr id="4" name="object 4"/>
           <p:cNvSpPr txBox="1">
             <a:spLocks noGrp="1"/>
           </p:cNvSpPr>
@@ -10024,209 +12716,10 @@
           </a:p>
         </p:txBody>
       </p:sp>
-      <p:sp>
-        <p:nvSpPr>
-          <p:cNvPr id="7" name="object 3">
-            <a:extLst>
-              <a:ext uri="{FF2B5EF4-FFF2-40B4-BE49-F238E27FC236}">
-                <a16:creationId xmlns:a16="http://schemas.microsoft.com/office/drawing/2014/main" id="{15992DBA-A09F-4CD0-BD2E-18B8282AF1FD}"/>
-              </a:ext>
-            </a:extLst>
-          </p:cNvPr>
-          <p:cNvSpPr txBox="1">
-            <a:spLocks/>
-          </p:cNvSpPr>
-          <p:nvPr/>
-        </p:nvSpPr>
-        <p:spPr>
-          <a:xfrm>
-            <a:off x="474370" y="172973"/>
-            <a:ext cx="6536030" cy="566822"/>
-          </a:xfrm>
-          <a:prstGeom prst="rect">
-            <a:avLst/>
-          </a:prstGeom>
-        </p:spPr>
-        <p:txBody>
-          <a:bodyPr vert="horz" wrap="square" lIns="0" tIns="12700" rIns="0" bIns="0" rtlCol="0">
-            <a:spAutoFit/>
-          </a:bodyPr>
-          <a:lstStyle>
-            <a:lvl1pPr>
-              <a:defRPr>
-                <a:latin typeface="+mj-lt"/>
-                <a:ea typeface="+mj-ea"/>
-                <a:cs typeface="+mj-cs"/>
-              </a:defRPr>
-            </a:lvl1pPr>
-          </a:lstStyle>
-          <a:p>
-            <a:pPr marL="12700" latinLnBrk="0">
-              <a:spcBef>
-                <a:spcPts val="100"/>
-              </a:spcBef>
-            </a:pPr>
-            <a:r>
-              <a:rPr lang="ko-KR" altLang="en-US" sz="3600" kern="0" spc="-110" dirty="0">
-                <a:solidFill>
-                  <a:sysClr val="windowText" lastClr="000000"/>
-                </a:solidFill>
-              </a:rPr>
-              <a:t>실습 구성</a:t>
-            </a:r>
-            <a:endParaRPr lang="en-US" sz="3600" kern="0" dirty="0">
-              <a:solidFill>
-                <a:sysClr val="windowText" lastClr="000000"/>
-              </a:solidFill>
-            </a:endParaRPr>
-          </a:p>
-        </p:txBody>
-      </p:sp>
-      <p:sp>
-        <p:nvSpPr>
-          <p:cNvPr id="2" name="TextBox 1">
-            <a:extLst>
-              <a:ext uri="{FF2B5EF4-FFF2-40B4-BE49-F238E27FC236}">
-                <a16:creationId xmlns:a16="http://schemas.microsoft.com/office/drawing/2014/main" id="{6825CBEF-BE47-465A-AF05-0118FE2983D6}"/>
-              </a:ext>
-            </a:extLst>
-          </p:cNvPr>
-          <p:cNvSpPr txBox="1"/>
-          <p:nvPr/>
-        </p:nvSpPr>
-        <p:spPr>
-          <a:xfrm>
-            <a:off x="838200" y="1600200"/>
-            <a:ext cx="6705600" cy="2031325"/>
-          </a:xfrm>
-          <a:prstGeom prst="rect">
-            <a:avLst/>
-          </a:prstGeom>
-          <a:noFill/>
-        </p:spPr>
-        <p:txBody>
-          <a:bodyPr wrap="square" rtlCol="0">
-            <a:spAutoFit/>
-          </a:bodyPr>
-          <a:lstStyle/>
-          <a:p>
-            <a:pPr marL="285750" indent="-285750">
-              <a:buFont typeface="Arial" panose="020B0604020202020204" pitchFamily="34" charset="0"/>
-              <a:buChar char="•"/>
-            </a:pPr>
-            <a:r>
-              <a:rPr lang="en-US" altLang="ko-KR" dirty="0"/>
-              <a:t>IAM User</a:t>
-            </a:r>
-            <a:r>
-              <a:rPr lang="ko-KR" altLang="en-US" dirty="0"/>
-              <a:t>등록과 </a:t>
-            </a:r>
-            <a:r>
-              <a:rPr lang="en-US" altLang="ko-KR" dirty="0"/>
-              <a:t>Comprehend </a:t>
-            </a:r>
-            <a:r>
-              <a:rPr lang="ko-KR" altLang="en-US" dirty="0"/>
-              <a:t>사용 권한 설정</a:t>
-            </a:r>
-            <a:endParaRPr lang="en-US" altLang="ko-KR" dirty="0"/>
-          </a:p>
-          <a:p>
-            <a:pPr marL="285750" indent="-285750">
-              <a:buFont typeface="Arial" panose="020B0604020202020204" pitchFamily="34" charset="0"/>
-              <a:buChar char="•"/>
-            </a:pPr>
-            <a:endParaRPr lang="en-US" altLang="ko-KR" dirty="0"/>
-          </a:p>
-          <a:p>
-            <a:pPr marL="285750" indent="-285750">
-              <a:buFont typeface="Arial" panose="020B0604020202020204" pitchFamily="34" charset="0"/>
-              <a:buChar char="•"/>
-            </a:pPr>
-            <a:r>
-              <a:rPr lang="en-US" altLang="ko-KR" dirty="0"/>
-              <a:t>Python </a:t>
-            </a:r>
-            <a:r>
-              <a:rPr lang="ko-KR" altLang="en-US" dirty="0"/>
-              <a:t>예제 코드를 사용해 </a:t>
-            </a:r>
-            <a:r>
-              <a:rPr lang="en-US" altLang="ko-KR" dirty="0"/>
-              <a:t>AWS</a:t>
-            </a:r>
-            <a:r>
-              <a:rPr lang="ko-KR" altLang="en-US" dirty="0"/>
-              <a:t> </a:t>
-            </a:r>
-            <a:r>
-              <a:rPr lang="en-US" altLang="ko-KR" dirty="0"/>
-              <a:t>Comprehend</a:t>
-            </a:r>
-            <a:r>
-              <a:rPr lang="ko-KR" altLang="en-US" dirty="0"/>
-              <a:t> 서비스 테스트</a:t>
-            </a:r>
-            <a:endParaRPr lang="en-US" altLang="ko-KR" dirty="0"/>
-          </a:p>
-          <a:p>
-            <a:pPr marL="285750" indent="-285750">
-              <a:buFont typeface="Arial" panose="020B0604020202020204" pitchFamily="34" charset="0"/>
-              <a:buChar char="•"/>
-            </a:pPr>
-            <a:endParaRPr lang="en-US" altLang="ko-KR" dirty="0"/>
-          </a:p>
-          <a:p>
-            <a:pPr marL="285750" indent="-285750">
-              <a:buFont typeface="Arial" panose="020B0604020202020204" pitchFamily="34" charset="0"/>
-              <a:buChar char="•"/>
-            </a:pPr>
-            <a:r>
-              <a:rPr lang="en-US" altLang="ko-KR" dirty="0"/>
-              <a:t>Lambda </a:t>
-            </a:r>
-            <a:r>
-              <a:rPr lang="en-US" altLang="ko-KR" dirty="0" err="1"/>
-              <a:t>Api</a:t>
-            </a:r>
-            <a:r>
-              <a:rPr lang="en-US" altLang="ko-KR" dirty="0"/>
-              <a:t> </a:t>
-            </a:r>
-            <a:r>
-              <a:rPr lang="ko-KR" altLang="en-US" dirty="0"/>
-              <a:t>구성</a:t>
-            </a:r>
-            <a:endParaRPr lang="en-US" altLang="ko-KR" dirty="0"/>
-          </a:p>
-          <a:p>
-            <a:pPr marL="285750" indent="-285750">
-              <a:buFont typeface="Arial" panose="020B0604020202020204" pitchFamily="34" charset="0"/>
-              <a:buChar char="•"/>
-            </a:pPr>
-            <a:endParaRPr lang="en-US" altLang="ko-KR" dirty="0"/>
-          </a:p>
-          <a:p>
-            <a:pPr marL="285750" indent="-285750">
-              <a:buFont typeface="Arial" panose="020B0604020202020204" pitchFamily="34" charset="0"/>
-              <a:buChar char="•"/>
-            </a:pPr>
-            <a:r>
-              <a:rPr lang="en-US" altLang="ko-KR" dirty="0"/>
-              <a:t>Lambda  API</a:t>
-            </a:r>
-            <a:r>
-              <a:rPr lang="ko-KR" altLang="en-US" dirty="0"/>
-              <a:t>를 호출해 결과값을 받아보는 웹페이지 구성</a:t>
-            </a:r>
-          </a:p>
-        </p:txBody>
-      </p:sp>
     </p:spTree>
     <p:extLst>
       <p:ext uri="{BB962C8B-B14F-4D97-AF65-F5344CB8AC3E}">
-        <p14:creationId xmlns:p14="http://schemas.microsoft.com/office/powerpoint/2010/main" val="2382940518"/>
+        <p14:creationId xmlns:p14="http://schemas.microsoft.com/office/powerpoint/2010/main" val="3396917241"/>
       </p:ext>
     </p:extLst>
   </p:cSld>
@@ -10517,4 +13010,299 @@
   <a:objectDefaults/>
   <a:extraClrSchemeLst/>
 </a:theme>
+</file>
+
+<file path=ppt/theme/theme2.xml><?xml version="1.0" encoding="utf-8"?>
+<a:theme xmlns:a="http://schemas.openxmlformats.org/drawingml/2006/main" name="Office 테마">
+  <a:themeElements>
+    <a:clrScheme name="Office">
+      <a:dk1>
+        <a:sysClr val="windowText" lastClr="000000"/>
+      </a:dk1>
+      <a:lt1>
+        <a:sysClr val="window" lastClr="FFFFFF"/>
+      </a:lt1>
+      <a:dk2>
+        <a:srgbClr val="44546A"/>
+      </a:dk2>
+      <a:lt2>
+        <a:srgbClr val="E7E6E6"/>
+      </a:lt2>
+      <a:accent1>
+        <a:srgbClr val="4472C4"/>
+      </a:accent1>
+      <a:accent2>
+        <a:srgbClr val="ED7D31"/>
+      </a:accent2>
+      <a:accent3>
+        <a:srgbClr val="A5A5A5"/>
+      </a:accent3>
+      <a:accent4>
+        <a:srgbClr val="FFC000"/>
+      </a:accent4>
+      <a:accent5>
+        <a:srgbClr val="5B9BD5"/>
+      </a:accent5>
+      <a:accent6>
+        <a:srgbClr val="70AD47"/>
+      </a:accent6>
+      <a:hlink>
+        <a:srgbClr val="0563C1"/>
+      </a:hlink>
+      <a:folHlink>
+        <a:srgbClr val="954F72"/>
+      </a:folHlink>
+    </a:clrScheme>
+    <a:fontScheme name="Office">
+      <a:majorFont>
+        <a:latin typeface="맑은 고딕" panose="020F0302020204030204"/>
+        <a:ea typeface=""/>
+        <a:cs typeface=""/>
+        <a:font script="Jpan" typeface="游ゴシック Light"/>
+        <a:font script="Hang" typeface="맑은 고딕"/>
+        <a:font script="Hans" typeface="等线 Light"/>
+        <a:font script="Hant" typeface="新細明體"/>
+        <a:font script="Arab" typeface="Times New Roman"/>
+        <a:font script="Hebr" typeface="Times New Roman"/>
+        <a:font script="Thai" typeface="Angsana New"/>
+        <a:font script="Ethi" typeface="Nyala"/>
+        <a:font script="Beng" typeface="Vrinda"/>
+        <a:font script="Gujr" typeface="Shruti"/>
+        <a:font script="Khmr" typeface="MoolBoran"/>
+        <a:font script="Knda" typeface="Tunga"/>
+        <a:font script="Guru" typeface="Raavi"/>
+        <a:font script="Cans" typeface="Euphemia"/>
+        <a:font script="Cher" typeface="Plantagenet Cherokee"/>
+        <a:font script="Yiii" typeface="Microsoft Yi Baiti"/>
+        <a:font script="Tibt" typeface="Microsoft Himalaya"/>
+        <a:font script="Thaa" typeface="MV Boli"/>
+        <a:font script="Deva" typeface="Mangal"/>
+        <a:font script="Telu" typeface="Gautami"/>
+        <a:font script="Taml" typeface="Latha"/>
+        <a:font script="Syrc" typeface="Estrangelo Edessa"/>
+        <a:font script="Orya" typeface="Kalinga"/>
+        <a:font script="Mlym" typeface="Kartika"/>
+        <a:font script="Laoo" typeface="DokChampa"/>
+        <a:font script="Sinh" typeface="Iskoola Pota"/>
+        <a:font script="Mong" typeface="Mongolian Baiti"/>
+        <a:font script="Viet" typeface="Times New Roman"/>
+        <a:font script="Uigh" typeface="Microsoft Uighur"/>
+        <a:font script="Geor" typeface="Sylfaen"/>
+        <a:font script="Armn" typeface="Arial"/>
+        <a:font script="Bugi" typeface="Leelawadee UI"/>
+        <a:font script="Bopo" typeface="Microsoft JhengHei"/>
+        <a:font script="Java" typeface="Javanese Text"/>
+        <a:font script="Lisu" typeface="Segoe UI"/>
+        <a:font script="Mymr" typeface="Myanmar Text"/>
+        <a:font script="Nkoo" typeface="Ebrima"/>
+        <a:font script="Olck" typeface="Nirmala UI"/>
+        <a:font script="Osma" typeface="Ebrima"/>
+        <a:font script="Phag" typeface="Phagspa"/>
+        <a:font script="Syrn" typeface="Estrangelo Edessa"/>
+        <a:font script="Syrj" typeface="Estrangelo Edessa"/>
+        <a:font script="Syre" typeface="Estrangelo Edessa"/>
+        <a:font script="Sora" typeface="Nirmala UI"/>
+        <a:font script="Tale" typeface="Microsoft Tai Le"/>
+        <a:font script="Talu" typeface="Microsoft New Tai Lue"/>
+        <a:font script="Tfng" typeface="Ebrima"/>
+      </a:majorFont>
+      <a:minorFont>
+        <a:latin typeface="맑은 고딕" panose="020F0502020204030204"/>
+        <a:ea typeface=""/>
+        <a:cs typeface=""/>
+        <a:font script="Jpan" typeface="游ゴシック"/>
+        <a:font script="Hang" typeface="맑은 고딕"/>
+        <a:font script="Hans" typeface="等线"/>
+        <a:font script="Hant" typeface="新細明體"/>
+        <a:font script="Arab" typeface="Arial"/>
+        <a:font script="Hebr" typeface="Arial"/>
+        <a:font script="Thai" typeface="Cordia New"/>
+        <a:font script="Ethi" typeface="Nyala"/>
+        <a:font script="Beng" typeface="Vrinda"/>
+        <a:font script="Gujr" typeface="Shruti"/>
+        <a:font script="Khmr" typeface="DaunPenh"/>
+        <a:font script="Knda" typeface="Tunga"/>
+        <a:font script="Guru" typeface="Raavi"/>
+        <a:font script="Cans" typeface="Euphemia"/>
+        <a:font script="Cher" typeface="Plantagenet Cherokee"/>
+        <a:font script="Yiii" typeface="Microsoft Yi Baiti"/>
+        <a:font script="Tibt" typeface="Microsoft Himalaya"/>
+        <a:font script="Thaa" typeface="MV Boli"/>
+        <a:font script="Deva" typeface="Mangal"/>
+        <a:font script="Telu" typeface="Gautami"/>
+        <a:font script="Taml" typeface="Latha"/>
+        <a:font script="Syrc" typeface="Estrangelo Edessa"/>
+        <a:font script="Orya" typeface="Kalinga"/>
+        <a:font script="Mlym" typeface="Kartika"/>
+        <a:font script="Laoo" typeface="DokChampa"/>
+        <a:font script="Sinh" typeface="Iskoola Pota"/>
+        <a:font script="Mong" typeface="Mongolian Baiti"/>
+        <a:font script="Viet" typeface="Arial"/>
+        <a:font script="Uigh" typeface="Microsoft Uighur"/>
+        <a:font script="Geor" typeface="Sylfaen"/>
+        <a:font script="Armn" typeface="Arial"/>
+        <a:font script="Bugi" typeface="Leelawadee UI"/>
+        <a:font script="Bopo" typeface="Microsoft JhengHei"/>
+        <a:font script="Java" typeface="Javanese Text"/>
+        <a:font script="Lisu" typeface="Segoe UI"/>
+        <a:font script="Mymr" typeface="Myanmar Text"/>
+        <a:font script="Nkoo" typeface="Ebrima"/>
+        <a:font script="Olck" typeface="Nirmala UI"/>
+        <a:font script="Osma" typeface="Ebrima"/>
+        <a:font script="Phag" typeface="Phagspa"/>
+        <a:font script="Syrn" typeface="Estrangelo Edessa"/>
+        <a:font script="Syrj" typeface="Estrangelo Edessa"/>
+        <a:font script="Syre" typeface="Estrangelo Edessa"/>
+        <a:font script="Sora" typeface="Nirmala UI"/>
+        <a:font script="Tale" typeface="Microsoft Tai Le"/>
+        <a:font script="Talu" typeface="Microsoft New Tai Lue"/>
+        <a:font script="Tfng" typeface="Ebrima"/>
+      </a:minorFont>
+    </a:fontScheme>
+    <a:fmtScheme name="Office">
+      <a:fillStyleLst>
+        <a:solidFill>
+          <a:schemeClr val="phClr"/>
+        </a:solidFill>
+        <a:gradFill rotWithShape="1">
+          <a:gsLst>
+            <a:gs pos="0">
+              <a:schemeClr val="phClr">
+                <a:lumMod val="110000"/>
+                <a:satMod val="105000"/>
+                <a:tint val="67000"/>
+              </a:schemeClr>
+            </a:gs>
+            <a:gs pos="50000">
+              <a:schemeClr val="phClr">
+                <a:lumMod val="105000"/>
+                <a:satMod val="103000"/>
+                <a:tint val="73000"/>
+              </a:schemeClr>
+            </a:gs>
+            <a:gs pos="100000">
+              <a:schemeClr val="phClr">
+                <a:lumMod val="105000"/>
+                <a:satMod val="109000"/>
+                <a:tint val="81000"/>
+              </a:schemeClr>
+            </a:gs>
+          </a:gsLst>
+          <a:lin ang="5400000" scaled="0"/>
+        </a:gradFill>
+        <a:gradFill rotWithShape="1">
+          <a:gsLst>
+            <a:gs pos="0">
+              <a:schemeClr val="phClr">
+                <a:satMod val="103000"/>
+                <a:lumMod val="102000"/>
+                <a:tint val="94000"/>
+              </a:schemeClr>
+            </a:gs>
+            <a:gs pos="50000">
+              <a:schemeClr val="phClr">
+                <a:satMod val="110000"/>
+                <a:lumMod val="100000"/>
+                <a:shade val="100000"/>
+              </a:schemeClr>
+            </a:gs>
+            <a:gs pos="100000">
+              <a:schemeClr val="phClr">
+                <a:lumMod val="99000"/>
+                <a:satMod val="120000"/>
+                <a:shade val="78000"/>
+              </a:schemeClr>
+            </a:gs>
+          </a:gsLst>
+          <a:lin ang="5400000" scaled="0"/>
+        </a:gradFill>
+      </a:fillStyleLst>
+      <a:lnStyleLst>
+        <a:ln w="6350" cap="flat" cmpd="sng" algn="ctr">
+          <a:solidFill>
+            <a:schemeClr val="phClr"/>
+          </a:solidFill>
+          <a:prstDash val="solid"/>
+          <a:miter lim="800000"/>
+        </a:ln>
+        <a:ln w="12700" cap="flat" cmpd="sng" algn="ctr">
+          <a:solidFill>
+            <a:schemeClr val="phClr"/>
+          </a:solidFill>
+          <a:prstDash val="solid"/>
+          <a:miter lim="800000"/>
+        </a:ln>
+        <a:ln w="19050" cap="flat" cmpd="sng" algn="ctr">
+          <a:solidFill>
+            <a:schemeClr val="phClr"/>
+          </a:solidFill>
+          <a:prstDash val="solid"/>
+          <a:miter lim="800000"/>
+        </a:ln>
+      </a:lnStyleLst>
+      <a:effectStyleLst>
+        <a:effectStyle>
+          <a:effectLst/>
+        </a:effectStyle>
+        <a:effectStyle>
+          <a:effectLst/>
+        </a:effectStyle>
+        <a:effectStyle>
+          <a:effectLst>
+            <a:outerShdw blurRad="57150" dist="19050" dir="5400000" algn="ctr" rotWithShape="0">
+              <a:srgbClr val="000000">
+                <a:alpha val="63000"/>
+              </a:srgbClr>
+            </a:outerShdw>
+          </a:effectLst>
+        </a:effectStyle>
+      </a:effectStyleLst>
+      <a:bgFillStyleLst>
+        <a:solidFill>
+          <a:schemeClr val="phClr"/>
+        </a:solidFill>
+        <a:solidFill>
+          <a:schemeClr val="phClr">
+            <a:tint val="95000"/>
+            <a:satMod val="170000"/>
+          </a:schemeClr>
+        </a:solidFill>
+        <a:gradFill rotWithShape="1">
+          <a:gsLst>
+            <a:gs pos="0">
+              <a:schemeClr val="phClr">
+                <a:tint val="93000"/>
+                <a:satMod val="150000"/>
+                <a:shade val="98000"/>
+                <a:lumMod val="102000"/>
+              </a:schemeClr>
+            </a:gs>
+            <a:gs pos="50000">
+              <a:schemeClr val="phClr">
+                <a:tint val="98000"/>
+                <a:satMod val="130000"/>
+                <a:shade val="90000"/>
+                <a:lumMod val="103000"/>
+              </a:schemeClr>
+            </a:gs>
+            <a:gs pos="100000">
+              <a:schemeClr val="phClr">
+                <a:shade val="63000"/>
+                <a:satMod val="120000"/>
+              </a:schemeClr>
+            </a:gs>
+          </a:gsLst>
+          <a:lin ang="5400000" scaled="0"/>
+        </a:gradFill>
+      </a:bgFillStyleLst>
+    </a:fmtScheme>
+  </a:themeElements>
+  <a:objectDefaults/>
+  <a:extraClrSchemeLst/>
+  <a:extLst>
+    <a:ext uri="{05A4C25C-085E-4340-85A3-A5531E510DB2}">
+      <thm15:themeFamily xmlns:thm15="http://schemas.microsoft.com/office/thememl/2012/main" name="Office Theme" id="{62F939B6-93AF-4DB8-9C6B-D6C7DFDC589F}" vid="{4A3C46E8-61CC-4603-A589-7422A47A8E4A}"/>
+    </a:ext>
+  </a:extLst>
+</a:theme>
 </file>
--- a/slides/AWS_Comprehend.pptx
+++ b/slides/AWS_Comprehend.pptx
@@ -5,7 +5,7 @@
     <p:sldMasterId id="2147483648" r:id="rId1"/>
   </p:sldMasterIdLst>
   <p:notesMasterIdLst>
-    <p:notesMasterId r:id="rId37"/>
+    <p:notesMasterId r:id="rId38"/>
   </p:notesMasterIdLst>
   <p:sldIdLst>
     <p:sldId id="256" r:id="rId2"/>
@@ -26,23 +26,24 @@
     <p:sldId id="313" r:id="rId17"/>
     <p:sldId id="314" r:id="rId18"/>
     <p:sldId id="315" r:id="rId19"/>
-    <p:sldId id="332" r:id="rId20"/>
-    <p:sldId id="317" r:id="rId21"/>
-    <p:sldId id="316" r:id="rId22"/>
-    <p:sldId id="318" r:id="rId23"/>
-    <p:sldId id="319" r:id="rId24"/>
-    <p:sldId id="320" r:id="rId25"/>
-    <p:sldId id="321" r:id="rId26"/>
-    <p:sldId id="322" r:id="rId27"/>
-    <p:sldId id="323" r:id="rId28"/>
-    <p:sldId id="324" r:id="rId29"/>
-    <p:sldId id="325" r:id="rId30"/>
-    <p:sldId id="326" r:id="rId31"/>
-    <p:sldId id="327" r:id="rId32"/>
-    <p:sldId id="328" r:id="rId33"/>
-    <p:sldId id="329" r:id="rId34"/>
-    <p:sldId id="330" r:id="rId35"/>
-    <p:sldId id="331" r:id="rId36"/>
+    <p:sldId id="334" r:id="rId20"/>
+    <p:sldId id="332" r:id="rId21"/>
+    <p:sldId id="317" r:id="rId22"/>
+    <p:sldId id="316" r:id="rId23"/>
+    <p:sldId id="318" r:id="rId24"/>
+    <p:sldId id="319" r:id="rId25"/>
+    <p:sldId id="320" r:id="rId26"/>
+    <p:sldId id="321" r:id="rId27"/>
+    <p:sldId id="322" r:id="rId28"/>
+    <p:sldId id="323" r:id="rId29"/>
+    <p:sldId id="324" r:id="rId30"/>
+    <p:sldId id="325" r:id="rId31"/>
+    <p:sldId id="326" r:id="rId32"/>
+    <p:sldId id="327" r:id="rId33"/>
+    <p:sldId id="328" r:id="rId34"/>
+    <p:sldId id="329" r:id="rId35"/>
+    <p:sldId id="330" r:id="rId36"/>
+    <p:sldId id="331" r:id="rId37"/>
   </p:sldIdLst>
   <p:sldSz cx="9144000" cy="6858000" type="screen4x3"/>
   <p:notesSz cx="9144000" cy="6858000"/>
@@ -254,7 +255,7 @@
           <a:p>
             <a:fld id="{CACACCF5-D987-4F81-89B5-0F414E520C9D}" type="datetimeFigureOut">
               <a:rPr lang="ko-KR" altLang="en-US" smtClean="0"/>
-              <a:t>2020-01-26</a:t>
+              <a:t>2020-01-28</a:t>
             </a:fld>
             <a:endParaRPr lang="ko-KR" altLang="en-US"/>
           </a:p>
@@ -586,7 +587,7 @@
           <a:p>
             <a:fld id="{1CD5A2F9-62CA-4D64-9CAE-4237475ECF52}" type="slidenum">
               <a:rPr lang="ko-KR" altLang="en-US" smtClean="0"/>
-              <a:t>27</a:t>
+              <a:t>28</a:t>
             </a:fld>
             <a:endParaRPr lang="ko-KR" altLang="en-US"/>
           </a:p>
@@ -635,7 +636,7 @@
         <p:spPr>
           <a:xfrm>
             <a:off x="474370" y="212597"/>
-            <a:ext cx="8195259" cy="513715"/>
+            <a:ext cx="8195259" cy="677108"/>
           </a:xfrm>
           <a:prstGeom prst="rect">
             <a:avLst/>
@@ -651,11 +652,13 @@
                 <a:solidFill>
                   <a:schemeClr val="tx1"/>
                 </a:solidFill>
+                <a:latin typeface="Calibri" panose="020F0502020204030204" pitchFamily="34" charset="0"/>
+                <a:cs typeface="Calibri" panose="020F0502020204030204" pitchFamily="34" charset="0"/>
               </a:defRPr>
             </a:lvl1pPr>
           </a:lstStyle>
           <a:p>
-            <a:endParaRPr/>
+            <a:endParaRPr dirty="0"/>
           </a:p>
         </p:txBody>
       </p:sp>
@@ -748,7 +751,7 @@
           <a:p>
             <a:fld id="{1D8BD707-D9CF-40AE-B4C6-C98DA3205C09}" type="datetimeFigureOut">
               <a:rPr lang="en-US"/>
-              <a:t>1/26/2020</a:t>
+              <a:t>1/28/2020</a:t>
             </a:fld>
             <a:endParaRPr lang="en-US"/>
           </a:p>
@@ -836,13 +839,13 @@
                 <a:solidFill>
                   <a:schemeClr val="tx1"/>
                 </a:solidFill>
-                <a:latin typeface="Trebuchet MS"/>
-                <a:cs typeface="Trebuchet MS"/>
+                <a:latin typeface="Calibri" panose="020F0502020204030204" pitchFamily="34" charset="0"/>
+                <a:cs typeface="Calibri" panose="020F0502020204030204" pitchFamily="34" charset="0"/>
               </a:defRPr>
             </a:lvl1pPr>
           </a:lstStyle>
           <a:p>
-            <a:endParaRPr/>
+            <a:endParaRPr dirty="0"/>
           </a:p>
         </p:txBody>
       </p:sp>
@@ -929,7 +932,7 @@
           <a:p>
             <a:fld id="{1D8BD707-D9CF-40AE-B4C6-C98DA3205C09}" type="datetimeFigureOut">
               <a:rPr lang="en-US"/>
-              <a:t>1/26/2020</a:t>
+              <a:t>1/28/2020</a:t>
             </a:fld>
             <a:endParaRPr lang="en-US"/>
           </a:p>
@@ -1017,13 +1020,13 @@
                 <a:solidFill>
                   <a:schemeClr val="tx1"/>
                 </a:solidFill>
-                <a:latin typeface="Trebuchet MS"/>
-                <a:cs typeface="Trebuchet MS"/>
+                <a:latin typeface="Calibri" panose="020F0502020204030204" pitchFamily="34" charset="0"/>
+                <a:cs typeface="Calibri" panose="020F0502020204030204" pitchFamily="34" charset="0"/>
               </a:defRPr>
             </a:lvl1pPr>
           </a:lstStyle>
           <a:p>
-            <a:endParaRPr/>
+            <a:endParaRPr dirty="0"/>
           </a:p>
         </p:txBody>
       </p:sp>
@@ -1149,7 +1152,7 @@
           <a:p>
             <a:fld id="{1D8BD707-D9CF-40AE-B4C6-C98DA3205C09}" type="datetimeFigureOut">
               <a:rPr lang="en-US"/>
-              <a:t>1/26/2020</a:t>
+              <a:t>1/28/2020</a:t>
             </a:fld>
             <a:endParaRPr lang="en-US"/>
           </a:p>
@@ -1237,13 +1240,13 @@
                 <a:solidFill>
                   <a:schemeClr val="tx1"/>
                 </a:solidFill>
-                <a:latin typeface="Trebuchet MS"/>
-                <a:cs typeface="Trebuchet MS"/>
+                <a:latin typeface="Calibri" panose="020F0502020204030204" pitchFamily="34" charset="0"/>
+                <a:cs typeface="Calibri" panose="020F0502020204030204" pitchFamily="34" charset="0"/>
               </a:defRPr>
             </a:lvl1pPr>
           </a:lstStyle>
           <a:p>
-            <a:endParaRPr/>
+            <a:endParaRPr dirty="0"/>
           </a:p>
         </p:txBody>
       </p:sp>
@@ -1303,7 +1306,7 @@
           <a:p>
             <a:fld id="{1D8BD707-D9CF-40AE-B4C6-C98DA3205C09}" type="datetimeFigureOut">
               <a:rPr lang="en-US"/>
-              <a:t>1/26/2020</a:t>
+              <a:t>1/28/2020</a:t>
             </a:fld>
             <a:endParaRPr lang="en-US"/>
           </a:p>
@@ -1428,7 +1431,7 @@
           <a:p>
             <a:fld id="{1D8BD707-D9CF-40AE-B4C6-C98DA3205C09}" type="datetimeFigureOut">
               <a:rPr lang="en-US"/>
-              <a:t>1/26/2020</a:t>
+              <a:t>1/28/2020</a:t>
             </a:fld>
             <a:endParaRPr lang="en-US"/>
           </a:p>
@@ -1619,7 +1622,7 @@
             </a:lvl1pPr>
           </a:lstStyle>
           <a:p>
-            <a:endParaRPr/>
+            <a:endParaRPr dirty="0"/>
           </a:p>
         </p:txBody>
       </p:sp>
@@ -1736,7 +1739,7 @@
           <a:p>
             <a:fld id="{1D8BD707-D9CF-40AE-B4C6-C98DA3205C09}" type="datetimeFigureOut">
               <a:rPr lang="en-US"/>
-              <a:t>1/26/2020</a:t>
+              <a:t>1/28/2020</a:t>
             </a:fld>
             <a:endParaRPr lang="en-US"/>
           </a:p>
@@ -1804,9 +1807,9 @@
     <p:titleStyle>
       <a:lvl1pPr>
         <a:defRPr>
-          <a:latin typeface="+mj-lt"/>
+          <a:latin typeface="Calibri" panose="020F0502020204030204" pitchFamily="34" charset="0"/>
           <a:ea typeface="+mj-ea"/>
-          <a:cs typeface="+mj-cs"/>
+          <a:cs typeface="Calibri" panose="020F0502020204030204" pitchFamily="34" charset="0"/>
         </a:defRPr>
       </a:lvl1pPr>
     </p:titleStyle>
@@ -2045,14 +2048,14 @@
               </a:spcBef>
             </a:pPr>
             <a:r>
-              <a:rPr spc="-135" dirty="0"/>
+              <a:rPr b="1" spc="-135" dirty="0"/>
               <a:t>AWS </a:t>
             </a:r>
             <a:r>
-              <a:rPr lang="en-US" spc="-235" dirty="0"/>
+              <a:rPr lang="en-US" b="1" spc="-235" dirty="0"/>
               <a:t>Machine Learning Services</a:t>
             </a:r>
-            <a:endParaRPr spc="-290" dirty="0"/>
+            <a:endParaRPr b="1" spc="-290" dirty="0"/>
           </a:p>
         </p:txBody>
       </p:sp>
@@ -2086,22 +2089,22 @@
               </a:spcBef>
             </a:pPr>
             <a:r>
-              <a:rPr lang="en-US" sz="4000" spc="-254" dirty="0">
-                <a:latin typeface="Trebuchet MS"/>
-                <a:cs typeface="Trebuchet MS"/>
+              <a:rPr lang="en-US" sz="4000" b="1" spc="-254" dirty="0">
+                <a:latin typeface="Calibri" panose="020F0502020204030204" pitchFamily="34" charset="0"/>
+                <a:cs typeface="Calibri" panose="020F0502020204030204" pitchFamily="34" charset="0"/>
               </a:rPr>
               <a:t>Comprehend, </a:t>
             </a:r>
             <a:r>
-              <a:rPr lang="en-US" sz="4000" spc="-254" dirty="0" err="1">
-                <a:latin typeface="Trebuchet MS"/>
-                <a:cs typeface="Trebuchet MS"/>
+              <a:rPr lang="en-US" sz="4000" b="1" spc="-254" dirty="0" err="1">
+                <a:latin typeface="Calibri" panose="020F0502020204030204" pitchFamily="34" charset="0"/>
+                <a:cs typeface="Calibri" panose="020F0502020204030204" pitchFamily="34" charset="0"/>
               </a:rPr>
               <a:t>Rekognition</a:t>
             </a:r>
-            <a:endParaRPr sz="4000" dirty="0">
-              <a:latin typeface="Trebuchet MS"/>
-              <a:cs typeface="Trebuchet MS"/>
+            <a:endParaRPr sz="4000" b="1" dirty="0">
+              <a:latin typeface="Calibri" panose="020F0502020204030204" pitchFamily="34" charset="0"/>
+              <a:cs typeface="Calibri" panose="020F0502020204030204" pitchFamily="34" charset="0"/>
             </a:endParaRPr>
           </a:p>
         </p:txBody>
@@ -2331,48 +2334,48 @@
             </a:pPr>
             <a:r>
               <a:rPr lang="en-US" altLang="ko-KR" sz="3600" b="1" dirty="0">
-                <a:latin typeface="UnDinaru"/>
+                <a:latin typeface="Calibri" panose="020F0502020204030204" pitchFamily="34" charset="0"/>
                 <a:cs typeface="UnDinaru"/>
               </a:rPr>
               <a:t>1</a:t>
             </a:r>
             <a:r>
               <a:rPr lang="ko-KR" altLang="en-US" sz="3600" b="1" dirty="0">
-                <a:latin typeface="UnDinaru"/>
+                <a:latin typeface="Calibri" panose="020F0502020204030204" pitchFamily="34" charset="0"/>
                 <a:cs typeface="UnDinaru"/>
               </a:rPr>
               <a:t>번 </a:t>
             </a:r>
             <a:r>
               <a:rPr sz="3600" b="1" dirty="0" err="1">
-                <a:latin typeface="UnDinaru"/>
+                <a:latin typeface="Calibri" panose="020F0502020204030204" pitchFamily="34" charset="0"/>
                 <a:cs typeface="UnDinaru"/>
               </a:rPr>
               <a:t>실습</a:t>
             </a:r>
             <a:r>
               <a:rPr sz="3600" b="1" dirty="0">
-                <a:latin typeface="UnDinaru"/>
+                <a:latin typeface="Calibri" panose="020F0502020204030204" pitchFamily="34" charset="0"/>
                 <a:cs typeface="UnDinaru"/>
               </a:rPr>
               <a:t> 진행</a:t>
             </a:r>
             <a:r>
               <a:rPr sz="3600" b="1" spc="-229" dirty="0">
-                <a:latin typeface="UnDinaru"/>
+                <a:latin typeface="Calibri" panose="020F0502020204030204" pitchFamily="34" charset="0"/>
                 <a:cs typeface="UnDinaru"/>
               </a:rPr>
               <a:t> </a:t>
             </a:r>
             <a:r>
               <a:rPr sz="3600" b="1" dirty="0">
-                <a:latin typeface="UnDinaru"/>
+                <a:latin typeface="Calibri" panose="020F0502020204030204" pitchFamily="34" charset="0"/>
                 <a:cs typeface="UnDinaru"/>
               </a:rPr>
               <a:t>내용</a:t>
             </a:r>
             <a:endParaRPr sz="3600" dirty="0">
-              <a:latin typeface="UnDinaru"/>
+              <a:latin typeface="Calibri" panose="020F0502020204030204" pitchFamily="34" charset="0"/>
               <a:cs typeface="UnDinaru"/>
             </a:endParaRPr>
           </a:p>
@@ -2445,20 +2448,20 @@
             </a:pPr>
             <a:r>
               <a:rPr lang="en-US" altLang="ko-KR" sz="2400" dirty="0">
-                <a:latin typeface="UKIJ CJK"/>
+                <a:latin typeface="Calibri" panose="020F0502020204030204" pitchFamily="34" charset="0"/>
                 <a:cs typeface="UKIJ CJK"/>
               </a:rPr>
               <a:t>IAM User</a:t>
             </a:r>
             <a:r>
               <a:rPr lang="ko-KR" altLang="en-US" sz="2400" dirty="0">
-                <a:latin typeface="UKIJ CJK"/>
+                <a:latin typeface="Calibri" panose="020F0502020204030204" pitchFamily="34" charset="0"/>
                 <a:cs typeface="UKIJ CJK"/>
               </a:rPr>
               <a:t> 생성</a:t>
             </a:r>
             <a:endParaRPr lang="en-US" sz="2400" dirty="0">
-              <a:latin typeface="UKIJ CJK"/>
+              <a:latin typeface="Calibri" panose="020F0502020204030204" pitchFamily="34" charset="0"/>
               <a:cs typeface="UKIJ CJK"/>
             </a:endParaRPr>
           </a:p>
@@ -2478,34 +2481,34 @@
             </a:pPr>
             <a:r>
               <a:rPr lang="en-US" sz="2400" dirty="0">
-                <a:latin typeface="UKIJ CJK"/>
+                <a:latin typeface="Calibri" panose="020F0502020204030204" pitchFamily="34" charset="0"/>
                 <a:cs typeface="UKIJ CJK"/>
               </a:rPr>
               <a:t>EC2 </a:t>
             </a:r>
             <a:r>
               <a:rPr lang="ko-KR" altLang="en-US" sz="2400" dirty="0">
-                <a:latin typeface="UKIJ CJK"/>
+                <a:latin typeface="Calibri" panose="020F0502020204030204" pitchFamily="34" charset="0"/>
                 <a:cs typeface="UKIJ CJK"/>
               </a:rPr>
               <a:t>우분투 </a:t>
             </a:r>
             <a:r>
               <a:rPr lang="en-US" altLang="ko-KR" sz="2400" dirty="0">
-                <a:latin typeface="UKIJ CJK"/>
+                <a:latin typeface="Calibri" panose="020F0502020204030204" pitchFamily="34" charset="0"/>
                 <a:cs typeface="UKIJ CJK"/>
               </a:rPr>
               <a:t>18.04 </a:t>
             </a:r>
             <a:r>
               <a:rPr lang="ko-KR" altLang="en-US" sz="2400" dirty="0">
-                <a:latin typeface="UKIJ CJK"/>
+                <a:latin typeface="Calibri" panose="020F0502020204030204" pitchFamily="34" charset="0"/>
                 <a:cs typeface="UKIJ CJK"/>
               </a:rPr>
               <a:t>인스턴스 생성</a:t>
             </a:r>
             <a:endParaRPr lang="en-US" altLang="ko-KR" sz="2400" dirty="0">
-              <a:latin typeface="UKIJ CJK"/>
+              <a:latin typeface="Calibri" panose="020F0502020204030204" pitchFamily="34" charset="0"/>
               <a:cs typeface="UKIJ CJK"/>
             </a:endParaRPr>
           </a:p>
@@ -2525,55 +2528,55 @@
             </a:pPr>
             <a:r>
               <a:rPr lang="en-US" sz="2400" dirty="0">
-                <a:latin typeface="UKIJ CJK"/>
+                <a:latin typeface="Calibri" panose="020F0502020204030204" pitchFamily="34" charset="0"/>
                 <a:cs typeface="UKIJ CJK"/>
               </a:rPr>
               <a:t>pip3 </a:t>
             </a:r>
             <a:r>
               <a:rPr lang="ko-KR" altLang="en-US" sz="2400" dirty="0">
-                <a:latin typeface="UKIJ CJK"/>
+                <a:latin typeface="Calibri" panose="020F0502020204030204" pitchFamily="34" charset="0"/>
                 <a:cs typeface="UKIJ CJK"/>
               </a:rPr>
               <a:t>및 </a:t>
             </a:r>
             <a:r>
               <a:rPr lang="en-US" altLang="ko-KR" sz="2400" dirty="0" err="1">
-                <a:latin typeface="UKIJ CJK"/>
+                <a:latin typeface="Calibri" panose="020F0502020204030204" pitchFamily="34" charset="0"/>
                 <a:cs typeface="UKIJ CJK"/>
               </a:rPr>
               <a:t>aws</a:t>
             </a:r>
             <a:r>
               <a:rPr lang="en-US" altLang="ko-KR" sz="2400" dirty="0">
-                <a:latin typeface="UKIJ CJK"/>
+                <a:latin typeface="Calibri" panose="020F0502020204030204" pitchFamily="34" charset="0"/>
                 <a:cs typeface="UKIJ CJK"/>
               </a:rPr>
               <a:t> </a:t>
             </a:r>
             <a:r>
               <a:rPr lang="en-US" altLang="ko-KR" sz="2400" dirty="0" err="1">
-                <a:latin typeface="UKIJ CJK"/>
+                <a:latin typeface="Calibri" panose="020F0502020204030204" pitchFamily="34" charset="0"/>
                 <a:cs typeface="UKIJ CJK"/>
               </a:rPr>
               <a:t>sdk</a:t>
             </a:r>
             <a:r>
               <a:rPr lang="en-US" altLang="ko-KR" sz="2400" dirty="0">
-                <a:latin typeface="UKIJ CJK"/>
+                <a:latin typeface="Calibri" panose="020F0502020204030204" pitchFamily="34" charset="0"/>
                 <a:cs typeface="UKIJ CJK"/>
               </a:rPr>
               <a:t> </a:t>
             </a:r>
             <a:r>
               <a:rPr lang="ko-KR" altLang="en-US" sz="2400" dirty="0">
-                <a:latin typeface="UKIJ CJK"/>
+                <a:latin typeface="Calibri" panose="020F0502020204030204" pitchFamily="34" charset="0"/>
                 <a:cs typeface="UKIJ CJK"/>
               </a:rPr>
               <a:t>설치</a:t>
             </a:r>
             <a:endParaRPr lang="en-US" sz="2400" dirty="0">
-              <a:latin typeface="UKIJ CJK"/>
+              <a:latin typeface="Calibri" panose="020F0502020204030204" pitchFamily="34" charset="0"/>
               <a:cs typeface="UKIJ CJK"/>
             </a:endParaRPr>
           </a:p>
@@ -2593,14 +2596,14 @@
             </a:pPr>
             <a:r>
               <a:rPr lang="en-US" altLang="ko-KR" sz="2400" dirty="0">
-                <a:latin typeface="UKIJ CJK"/>
+                <a:latin typeface="Calibri" panose="020F0502020204030204" pitchFamily="34" charset="0"/>
                 <a:cs typeface="UKIJ CJK"/>
               </a:rPr>
               <a:t>AWS CLI </a:t>
             </a:r>
             <a:r>
               <a:rPr lang="ko-KR" altLang="en-US" sz="2400" dirty="0">
-                <a:latin typeface="UKIJ CJK"/>
+                <a:latin typeface="Calibri" panose="020F0502020204030204" pitchFamily="34" charset="0"/>
                 <a:cs typeface="UKIJ CJK"/>
               </a:rPr>
               <a:t>설치</a:t>
@@ -2664,41 +2667,41 @@
             </a:pPr>
             <a:r>
               <a:rPr lang="en-US" sz="3600" b="1" spc="-185" dirty="0">
-                <a:latin typeface="Trebuchet MS"/>
-                <a:cs typeface="Trebuchet MS"/>
+                <a:latin typeface="Calibri" panose="020F0502020204030204" pitchFamily="34" charset="0"/>
+                <a:cs typeface="Calibri" panose="020F0502020204030204" pitchFamily="34" charset="0"/>
               </a:rPr>
               <a:t>IAM </a:t>
             </a:r>
             <a:r>
               <a:rPr lang="ko-KR" altLang="en-US" sz="3600" b="1" spc="-185" dirty="0">
-                <a:latin typeface="Trebuchet MS"/>
-                <a:cs typeface="Trebuchet MS"/>
+                <a:latin typeface="Calibri" panose="020F0502020204030204" pitchFamily="34" charset="0"/>
+                <a:cs typeface="Calibri" panose="020F0502020204030204" pitchFamily="34" charset="0"/>
               </a:rPr>
               <a:t>대시보드 </a:t>
             </a:r>
             <a:r>
               <a:rPr lang="en-US" altLang="ko-KR" sz="3600" b="1" spc="-185" dirty="0">
-                <a:latin typeface="Trebuchet MS"/>
-                <a:cs typeface="Trebuchet MS"/>
+                <a:latin typeface="Calibri" panose="020F0502020204030204" pitchFamily="34" charset="0"/>
+                <a:cs typeface="Calibri" panose="020F0502020204030204" pitchFamily="34" charset="0"/>
               </a:rPr>
               <a:t>: </a:t>
             </a:r>
             <a:r>
               <a:rPr lang="en-US" sz="3600" b="1" spc="-185" dirty="0">
-                <a:latin typeface="Trebuchet MS"/>
-                <a:cs typeface="Trebuchet MS"/>
+                <a:latin typeface="Calibri" panose="020F0502020204030204" pitchFamily="34" charset="0"/>
+                <a:cs typeface="Calibri" panose="020F0502020204030204" pitchFamily="34" charset="0"/>
               </a:rPr>
               <a:t>IAM User </a:t>
             </a:r>
             <a:r>
               <a:rPr lang="ko-KR" altLang="en-US" sz="3600" b="1" spc="-185" dirty="0">
-                <a:latin typeface="Trebuchet MS"/>
-                <a:cs typeface="Trebuchet MS"/>
+                <a:latin typeface="Calibri" panose="020F0502020204030204" pitchFamily="34" charset="0"/>
+                <a:cs typeface="Calibri" panose="020F0502020204030204" pitchFamily="34" charset="0"/>
               </a:rPr>
               <a:t>생성</a:t>
             </a:r>
             <a:endParaRPr sz="3600" b="1" dirty="0">
-              <a:latin typeface="UnDinaru"/>
+              <a:latin typeface="Calibri" panose="020F0502020204030204" pitchFamily="34" charset="0"/>
               <a:cs typeface="UnDinaru"/>
             </a:endParaRPr>
           </a:p>
@@ -2829,41 +2832,41 @@
             </a:pPr>
             <a:r>
               <a:rPr lang="en-US" sz="3600" b="1" spc="-185" dirty="0">
-                <a:latin typeface="Trebuchet MS"/>
-                <a:cs typeface="Trebuchet MS"/>
+                <a:latin typeface="Calibri" panose="020F0502020204030204" pitchFamily="34" charset="0"/>
+                <a:cs typeface="Calibri" panose="020F0502020204030204" pitchFamily="34" charset="0"/>
               </a:rPr>
               <a:t>IAM </a:t>
             </a:r>
             <a:r>
               <a:rPr lang="ko-KR" altLang="en-US" sz="3600" b="1" spc="-185" dirty="0">
-                <a:latin typeface="Trebuchet MS"/>
-                <a:cs typeface="Trebuchet MS"/>
+                <a:latin typeface="Calibri" panose="020F0502020204030204" pitchFamily="34" charset="0"/>
+                <a:cs typeface="Calibri" panose="020F0502020204030204" pitchFamily="34" charset="0"/>
               </a:rPr>
               <a:t>대시보드 </a:t>
             </a:r>
             <a:r>
               <a:rPr lang="en-US" altLang="ko-KR" sz="3600" b="1" spc="-185" dirty="0">
-                <a:latin typeface="Trebuchet MS"/>
-                <a:cs typeface="Trebuchet MS"/>
+                <a:latin typeface="Calibri" panose="020F0502020204030204" pitchFamily="34" charset="0"/>
+                <a:cs typeface="Calibri" panose="020F0502020204030204" pitchFamily="34" charset="0"/>
               </a:rPr>
               <a:t>: </a:t>
             </a:r>
             <a:r>
               <a:rPr lang="en-US" sz="3600" b="1" spc="-185" dirty="0">
-                <a:latin typeface="Trebuchet MS"/>
-                <a:cs typeface="Trebuchet MS"/>
+                <a:latin typeface="Calibri" panose="020F0502020204030204" pitchFamily="34" charset="0"/>
+                <a:cs typeface="Calibri" panose="020F0502020204030204" pitchFamily="34" charset="0"/>
               </a:rPr>
               <a:t>IAM User </a:t>
             </a:r>
             <a:r>
               <a:rPr lang="ko-KR" altLang="en-US" sz="3600" b="1" spc="-185" dirty="0">
-                <a:latin typeface="Trebuchet MS"/>
-                <a:cs typeface="Trebuchet MS"/>
+                <a:latin typeface="Calibri" panose="020F0502020204030204" pitchFamily="34" charset="0"/>
+                <a:cs typeface="Calibri" panose="020F0502020204030204" pitchFamily="34" charset="0"/>
               </a:rPr>
               <a:t>생성</a:t>
             </a:r>
             <a:endParaRPr sz="3600" b="1" dirty="0">
-              <a:latin typeface="UnDinaru"/>
+              <a:latin typeface="Calibri" panose="020F0502020204030204" pitchFamily="34" charset="0"/>
               <a:cs typeface="UnDinaru"/>
             </a:endParaRPr>
           </a:p>
@@ -2994,41 +2997,41 @@
             </a:pPr>
             <a:r>
               <a:rPr lang="en-US" sz="3600" b="1" spc="-185" dirty="0">
-                <a:latin typeface="Trebuchet MS"/>
-                <a:cs typeface="Trebuchet MS"/>
+                <a:latin typeface="Calibri" panose="020F0502020204030204" pitchFamily="34" charset="0"/>
+                <a:cs typeface="Calibri" panose="020F0502020204030204" pitchFamily="34" charset="0"/>
               </a:rPr>
               <a:t>IAM </a:t>
             </a:r>
             <a:r>
               <a:rPr lang="ko-KR" altLang="en-US" sz="3600" b="1" spc="-185" dirty="0">
-                <a:latin typeface="Trebuchet MS"/>
-                <a:cs typeface="Trebuchet MS"/>
+                <a:latin typeface="Calibri" panose="020F0502020204030204" pitchFamily="34" charset="0"/>
+                <a:cs typeface="Calibri" panose="020F0502020204030204" pitchFamily="34" charset="0"/>
               </a:rPr>
               <a:t>대시보드 </a:t>
             </a:r>
             <a:r>
               <a:rPr lang="en-US" altLang="ko-KR" sz="3600" b="1" spc="-185" dirty="0">
-                <a:latin typeface="Trebuchet MS"/>
-                <a:cs typeface="Trebuchet MS"/>
+                <a:latin typeface="Calibri" panose="020F0502020204030204" pitchFamily="34" charset="0"/>
+                <a:cs typeface="Calibri" panose="020F0502020204030204" pitchFamily="34" charset="0"/>
               </a:rPr>
               <a:t>: </a:t>
             </a:r>
             <a:r>
               <a:rPr lang="en-US" sz="3600" b="1" spc="-185" dirty="0">
-                <a:latin typeface="Trebuchet MS"/>
-                <a:cs typeface="Trebuchet MS"/>
+                <a:latin typeface="Calibri" panose="020F0502020204030204" pitchFamily="34" charset="0"/>
+                <a:cs typeface="Calibri" panose="020F0502020204030204" pitchFamily="34" charset="0"/>
               </a:rPr>
               <a:t>IAM User </a:t>
             </a:r>
             <a:r>
               <a:rPr lang="ko-KR" altLang="en-US" sz="3600" b="1" spc="-185" dirty="0">
-                <a:latin typeface="Trebuchet MS"/>
-                <a:cs typeface="Trebuchet MS"/>
+                <a:latin typeface="Calibri" panose="020F0502020204030204" pitchFamily="34" charset="0"/>
+                <a:cs typeface="Calibri" panose="020F0502020204030204" pitchFamily="34" charset="0"/>
               </a:rPr>
               <a:t>생성</a:t>
             </a:r>
             <a:endParaRPr sz="3600" b="1" dirty="0">
-              <a:latin typeface="UnDinaru"/>
+              <a:latin typeface="Calibri" panose="020F0502020204030204" pitchFamily="34" charset="0"/>
               <a:cs typeface="UnDinaru"/>
             </a:endParaRPr>
           </a:p>
@@ -3236,41 +3239,41 @@
             </a:pPr>
             <a:r>
               <a:rPr lang="en-US" sz="3600" b="1" spc="-185" dirty="0">
-                <a:latin typeface="Trebuchet MS"/>
-                <a:cs typeface="Trebuchet MS"/>
+                <a:latin typeface="Calibri" panose="020F0502020204030204" pitchFamily="34" charset="0"/>
+                <a:cs typeface="Calibri" panose="020F0502020204030204" pitchFamily="34" charset="0"/>
               </a:rPr>
               <a:t>IAM </a:t>
             </a:r>
             <a:r>
               <a:rPr lang="ko-KR" altLang="en-US" sz="3600" b="1" spc="-185" dirty="0">
-                <a:latin typeface="Trebuchet MS"/>
-                <a:cs typeface="Trebuchet MS"/>
+                <a:latin typeface="Calibri" panose="020F0502020204030204" pitchFamily="34" charset="0"/>
+                <a:cs typeface="Calibri" panose="020F0502020204030204" pitchFamily="34" charset="0"/>
               </a:rPr>
               <a:t>대시보드 </a:t>
             </a:r>
             <a:r>
               <a:rPr lang="en-US" altLang="ko-KR" sz="3600" b="1" spc="-185" dirty="0">
-                <a:latin typeface="Trebuchet MS"/>
-                <a:cs typeface="Trebuchet MS"/>
+                <a:latin typeface="Calibri" panose="020F0502020204030204" pitchFamily="34" charset="0"/>
+                <a:cs typeface="Calibri" panose="020F0502020204030204" pitchFamily="34" charset="0"/>
               </a:rPr>
               <a:t>: </a:t>
             </a:r>
             <a:r>
               <a:rPr lang="en-US" sz="3600" b="1" spc="-185" dirty="0">
-                <a:latin typeface="Trebuchet MS"/>
-                <a:cs typeface="Trebuchet MS"/>
+                <a:latin typeface="Calibri" panose="020F0502020204030204" pitchFamily="34" charset="0"/>
+                <a:cs typeface="Calibri" panose="020F0502020204030204" pitchFamily="34" charset="0"/>
               </a:rPr>
               <a:t>IAM User </a:t>
             </a:r>
             <a:r>
               <a:rPr lang="ko-KR" altLang="en-US" sz="3600" b="1" spc="-185" dirty="0">
-                <a:latin typeface="Trebuchet MS"/>
-                <a:cs typeface="Trebuchet MS"/>
+                <a:latin typeface="Calibri" panose="020F0502020204030204" pitchFamily="34" charset="0"/>
+                <a:cs typeface="Calibri" panose="020F0502020204030204" pitchFamily="34" charset="0"/>
               </a:rPr>
               <a:t>생성</a:t>
             </a:r>
             <a:endParaRPr sz="3600" b="1" dirty="0">
-              <a:latin typeface="UnDinaru"/>
+              <a:latin typeface="Calibri" panose="020F0502020204030204" pitchFamily="34" charset="0"/>
               <a:cs typeface="UnDinaru"/>
             </a:endParaRPr>
           </a:p>
@@ -3440,48 +3443,48 @@
             </a:pPr>
             <a:r>
               <a:rPr sz="3600" spc="-185" dirty="0">
-                <a:latin typeface="Trebuchet MS"/>
-                <a:cs typeface="Trebuchet MS"/>
+                <a:latin typeface="Calibri" panose="020F0502020204030204" pitchFamily="34" charset="0"/>
+                <a:cs typeface="Calibri" panose="020F0502020204030204" pitchFamily="34" charset="0"/>
               </a:rPr>
               <a:t>EC2 </a:t>
             </a:r>
             <a:r>
               <a:rPr sz="3600" b="1" spc="-80" dirty="0" err="1">
-                <a:latin typeface="UnDinaru"/>
+                <a:latin typeface="Calibri" panose="020F0502020204030204" pitchFamily="34" charset="0"/>
                 <a:cs typeface="UnDinaru"/>
               </a:rPr>
               <a:t>대시보드</a:t>
             </a:r>
             <a:r>
               <a:rPr sz="3600" spc="-80" dirty="0">
-                <a:latin typeface="Trebuchet MS"/>
-                <a:cs typeface="Trebuchet MS"/>
+                <a:latin typeface="Calibri" panose="020F0502020204030204" pitchFamily="34" charset="0"/>
+                <a:cs typeface="Calibri" panose="020F0502020204030204" pitchFamily="34" charset="0"/>
               </a:rPr>
               <a:t>: </a:t>
             </a:r>
             <a:r>
               <a:rPr lang="ko-KR" altLang="en-US" sz="3600" b="1" dirty="0">
-                <a:latin typeface="UnDinaru"/>
+                <a:latin typeface="Calibri" panose="020F0502020204030204" pitchFamily="34" charset="0"/>
                 <a:cs typeface="UnDinaru"/>
               </a:rPr>
               <a:t>우분투 </a:t>
             </a:r>
             <a:r>
               <a:rPr lang="en-US" altLang="ko-KR" sz="3600" b="1" dirty="0">
-                <a:latin typeface="UnDinaru"/>
+                <a:latin typeface="Calibri" panose="020F0502020204030204" pitchFamily="34" charset="0"/>
                 <a:cs typeface="UnDinaru"/>
               </a:rPr>
               <a:t>18.04 </a:t>
             </a:r>
             <a:r>
               <a:rPr lang="ko-KR" altLang="en-US" sz="3600" b="1" dirty="0">
-                <a:latin typeface="UnDinaru"/>
+                <a:latin typeface="Calibri" panose="020F0502020204030204" pitchFamily="34" charset="0"/>
                 <a:cs typeface="UnDinaru"/>
               </a:rPr>
               <a:t>인스턴스 생성</a:t>
             </a:r>
             <a:endParaRPr sz="3600" dirty="0">
-              <a:latin typeface="UnDinaru"/>
+              <a:latin typeface="Calibri" panose="020F0502020204030204" pitchFamily="34" charset="0"/>
               <a:cs typeface="UnDinaru"/>
             </a:endParaRPr>
           </a:p>
@@ -3711,76 +3714,76 @@
             </a:pPr>
             <a:r>
               <a:rPr lang="ko-KR" altLang="en-US" sz="3600" b="1" spc="-185" dirty="0">
-                <a:latin typeface="Trebuchet MS"/>
+                <a:latin typeface="Calibri" panose="020F0502020204030204" pitchFamily="34" charset="0"/>
                 <a:cs typeface="UnDinaru"/>
               </a:rPr>
               <a:t>인스턴스 </a:t>
             </a:r>
             <a:r>
               <a:rPr lang="en-US" altLang="ko-KR" sz="3600" b="1" spc="-185" dirty="0">
-                <a:latin typeface="Trebuchet MS"/>
+                <a:latin typeface="Calibri" panose="020F0502020204030204" pitchFamily="34" charset="0"/>
                 <a:cs typeface="UnDinaru"/>
               </a:rPr>
               <a:t>SSH </a:t>
             </a:r>
             <a:r>
               <a:rPr lang="ko-KR" altLang="en-US" sz="3600" b="1" spc="-185" dirty="0">
-                <a:latin typeface="Trebuchet MS"/>
+                <a:latin typeface="Calibri" panose="020F0502020204030204" pitchFamily="34" charset="0"/>
                 <a:cs typeface="UnDinaru"/>
               </a:rPr>
               <a:t>연결 후 </a:t>
             </a:r>
             <a:r>
               <a:rPr lang="en-US" altLang="ko-KR" sz="3600" b="1" spc="-185" dirty="0">
-                <a:latin typeface="Trebuchet MS"/>
+                <a:latin typeface="Calibri" panose="020F0502020204030204" pitchFamily="34" charset="0"/>
                 <a:cs typeface="UnDinaru"/>
               </a:rPr>
               <a:t>pip3 </a:t>
             </a:r>
             <a:r>
               <a:rPr lang="ko-KR" altLang="en-US" sz="3600" b="1" spc="-185" dirty="0">
-                <a:latin typeface="Trebuchet MS"/>
+                <a:latin typeface="Calibri" panose="020F0502020204030204" pitchFamily="34" charset="0"/>
                 <a:cs typeface="UnDinaru"/>
               </a:rPr>
               <a:t>및 </a:t>
             </a:r>
             <a:r>
               <a:rPr lang="en-US" altLang="ko-KR" sz="3600" b="1" spc="-185" dirty="0" err="1">
-                <a:latin typeface="Trebuchet MS"/>
+                <a:latin typeface="Calibri" panose="020F0502020204030204" pitchFamily="34" charset="0"/>
                 <a:cs typeface="UnDinaru"/>
               </a:rPr>
               <a:t>aws</a:t>
             </a:r>
             <a:r>
               <a:rPr lang="en-US" altLang="ko-KR" sz="3600" b="1" spc="-185" dirty="0">
-                <a:latin typeface="Trebuchet MS"/>
+                <a:latin typeface="Calibri" panose="020F0502020204030204" pitchFamily="34" charset="0"/>
                 <a:cs typeface="UnDinaru"/>
               </a:rPr>
               <a:t> </a:t>
             </a:r>
             <a:r>
               <a:rPr lang="en-US" altLang="ko-KR" sz="3600" b="1" spc="-185" dirty="0" err="1">
-                <a:latin typeface="Trebuchet MS"/>
+                <a:latin typeface="Calibri" panose="020F0502020204030204" pitchFamily="34" charset="0"/>
                 <a:cs typeface="UnDinaru"/>
               </a:rPr>
               <a:t>sdk</a:t>
             </a:r>
             <a:r>
               <a:rPr lang="en-US" altLang="ko-KR" sz="3600" b="1" spc="-185" dirty="0">
-                <a:latin typeface="Trebuchet MS"/>
+                <a:latin typeface="Calibri" panose="020F0502020204030204" pitchFamily="34" charset="0"/>
                 <a:cs typeface="UnDinaru"/>
               </a:rPr>
               <a:t> </a:t>
             </a:r>
             <a:r>
               <a:rPr lang="ko-KR" altLang="en-US" sz="3600" b="1" spc="-185" dirty="0">
-                <a:latin typeface="Trebuchet MS"/>
+                <a:latin typeface="Calibri" panose="020F0502020204030204" pitchFamily="34" charset="0"/>
                 <a:cs typeface="UnDinaru"/>
               </a:rPr>
               <a:t>설치</a:t>
             </a:r>
             <a:endParaRPr sz="3600" b="1" dirty="0">
-              <a:latin typeface="UnDinaru"/>
+              <a:latin typeface="Calibri" panose="020F0502020204030204" pitchFamily="34" charset="0"/>
               <a:cs typeface="UnDinaru"/>
             </a:endParaRPr>
           </a:p>
@@ -3863,14 +3866,14 @@
             </a:pPr>
             <a:r>
               <a:rPr lang="en-US" sz="2000" dirty="0" err="1">
-                <a:latin typeface="UKIJ CJK"/>
+                <a:latin typeface="Calibri" panose="020F0502020204030204" pitchFamily="34" charset="0"/>
                 <a:cs typeface="UKIJ CJK"/>
               </a:rPr>
               <a:t>Sudo</a:t>
             </a:r>
             <a:r>
               <a:rPr lang="en-US" sz="2000" dirty="0">
-                <a:latin typeface="UKIJ CJK"/>
+                <a:latin typeface="Calibri" panose="020F0502020204030204" pitchFamily="34" charset="0"/>
                 <a:cs typeface="UKIJ CJK"/>
               </a:rPr>
               <a:t> apt-get update</a:t>
@@ -3892,7 +3895,7 @@
               </a:tabLst>
             </a:pPr>
             <a:endParaRPr lang="en-US" altLang="ko-KR" sz="2000" dirty="0">
-              <a:latin typeface="UKIJ CJK"/>
+              <a:latin typeface="Calibri" panose="020F0502020204030204" pitchFamily="34" charset="0"/>
               <a:cs typeface="UKIJ CJK"/>
             </a:endParaRPr>
           </a:p>
@@ -3913,14 +3916,14 @@
             </a:pPr>
             <a:r>
               <a:rPr lang="en-US" sz="2000" dirty="0" err="1">
-                <a:latin typeface="UKIJ CJK"/>
+                <a:latin typeface="Calibri" panose="020F0502020204030204" pitchFamily="34" charset="0"/>
                 <a:cs typeface="UKIJ CJK"/>
               </a:rPr>
               <a:t>Sudo</a:t>
             </a:r>
             <a:r>
               <a:rPr lang="en-US" sz="2000" dirty="0">
-                <a:latin typeface="UKIJ CJK"/>
+                <a:latin typeface="Calibri" panose="020F0502020204030204" pitchFamily="34" charset="0"/>
                 <a:cs typeface="UKIJ CJK"/>
               </a:rPr>
               <a:t> apt-get install python3-pip</a:t>
@@ -3942,7 +3945,7 @@
               </a:tabLst>
             </a:pPr>
             <a:endParaRPr lang="en-US" altLang="ko-KR" sz="2000" dirty="0">
-              <a:latin typeface="UKIJ CJK"/>
+              <a:latin typeface="Calibri" panose="020F0502020204030204" pitchFamily="34" charset="0"/>
               <a:cs typeface="UKIJ CJK"/>
             </a:endParaRPr>
           </a:p>
@@ -3963,14 +3966,14 @@
             </a:pPr>
             <a:r>
               <a:rPr lang="en-US" altLang="ko-KR" sz="2000" dirty="0" err="1">
-                <a:latin typeface="UKIJ CJK"/>
+                <a:latin typeface="Calibri" panose="020F0502020204030204" pitchFamily="34" charset="0"/>
                 <a:cs typeface="UKIJ CJK"/>
               </a:rPr>
               <a:t>Sudo</a:t>
             </a:r>
             <a:r>
               <a:rPr lang="en-US" altLang="ko-KR" sz="2000" dirty="0">
-                <a:latin typeface="UKIJ CJK"/>
+                <a:latin typeface="Calibri" panose="020F0502020204030204" pitchFamily="34" charset="0"/>
                 <a:cs typeface="UKIJ CJK"/>
               </a:rPr>
               <a:t> pip3 install boto3</a:t>
@@ -4115,20 +4118,20 @@
             </a:pPr>
             <a:r>
               <a:rPr lang="en-US" sz="3600" b="1" spc="-185" dirty="0">
-                <a:latin typeface="Trebuchet MS"/>
+                <a:latin typeface="Calibri" panose="020F0502020204030204" pitchFamily="34" charset="0"/>
                 <a:cs typeface="UnDinaru"/>
               </a:rPr>
               <a:t>AWS CLI</a:t>
             </a:r>
             <a:r>
               <a:rPr lang="ko-KR" altLang="en-US" sz="3600" b="1" spc="-185" dirty="0">
-                <a:latin typeface="Trebuchet MS"/>
+                <a:latin typeface="Calibri" panose="020F0502020204030204" pitchFamily="34" charset="0"/>
                 <a:cs typeface="UnDinaru"/>
               </a:rPr>
               <a:t> 설치</a:t>
             </a:r>
             <a:endParaRPr sz="3600" b="1" dirty="0">
-              <a:latin typeface="UnDinaru"/>
+              <a:latin typeface="Calibri" panose="020F0502020204030204" pitchFamily="34" charset="0"/>
               <a:cs typeface="UnDinaru"/>
             </a:endParaRPr>
           </a:p>
@@ -4211,27 +4214,27 @@
             </a:pPr>
             <a:r>
               <a:rPr lang="en-US" sz="2000" dirty="0" err="1">
-                <a:latin typeface="UKIJ CJK"/>
+                <a:latin typeface="Calibri" panose="020F0502020204030204" pitchFamily="34" charset="0"/>
                 <a:cs typeface="UKIJ CJK"/>
               </a:rPr>
               <a:t>Sudo</a:t>
             </a:r>
             <a:r>
               <a:rPr lang="en-US" sz="2000" dirty="0">
-                <a:latin typeface="UKIJ CJK"/>
+                <a:latin typeface="Calibri" panose="020F0502020204030204" pitchFamily="34" charset="0"/>
                 <a:cs typeface="UKIJ CJK"/>
               </a:rPr>
               <a:t> pip3 install </a:t>
             </a:r>
             <a:r>
               <a:rPr lang="en-US" sz="2000" dirty="0" err="1">
-                <a:latin typeface="UKIJ CJK"/>
+                <a:latin typeface="Calibri" panose="020F0502020204030204" pitchFamily="34" charset="0"/>
                 <a:cs typeface="UKIJ CJK"/>
               </a:rPr>
               <a:t>awscli</a:t>
             </a:r>
             <a:endParaRPr lang="en-US" altLang="ko-KR" sz="2000" dirty="0">
-              <a:latin typeface="UKIJ CJK"/>
+              <a:latin typeface="Calibri" panose="020F0502020204030204" pitchFamily="34" charset="0"/>
               <a:cs typeface="UKIJ CJK"/>
             </a:endParaRPr>
           </a:p>
@@ -4328,34 +4331,34 @@
             </a:pPr>
             <a:r>
               <a:rPr lang="en-US" sz="3600" b="1" spc="-185" dirty="0">
-                <a:latin typeface="Trebuchet MS"/>
+                <a:latin typeface="Calibri" panose="020F0502020204030204" pitchFamily="34" charset="0"/>
                 <a:cs typeface="UnDinaru"/>
               </a:rPr>
               <a:t>AWS CLI</a:t>
             </a:r>
             <a:r>
               <a:rPr lang="ko-KR" altLang="en-US" sz="3600" b="1" spc="-185" dirty="0">
-                <a:latin typeface="Trebuchet MS"/>
+                <a:latin typeface="Calibri" panose="020F0502020204030204" pitchFamily="34" charset="0"/>
                 <a:cs typeface="UnDinaru"/>
               </a:rPr>
               <a:t> </a:t>
             </a:r>
             <a:r>
               <a:rPr lang="en-US" altLang="ko-KR" sz="3600" b="1" spc="-185" dirty="0">
-                <a:latin typeface="Trebuchet MS"/>
+                <a:latin typeface="Calibri" panose="020F0502020204030204" pitchFamily="34" charset="0"/>
                 <a:cs typeface="UnDinaru"/>
               </a:rPr>
               <a:t>configure </a:t>
             </a:r>
             <a:r>
               <a:rPr lang="ko-KR" altLang="en-US" sz="3600" b="1" spc="-185" dirty="0">
-                <a:latin typeface="Trebuchet MS"/>
+                <a:latin typeface="Calibri" panose="020F0502020204030204" pitchFamily="34" charset="0"/>
                 <a:cs typeface="UnDinaru"/>
               </a:rPr>
               <a:t>설정</a:t>
             </a:r>
             <a:endParaRPr sz="3600" b="1" dirty="0">
-              <a:latin typeface="UnDinaru"/>
+              <a:latin typeface="Calibri" panose="020F0502020204030204" pitchFamily="34" charset="0"/>
               <a:cs typeface="UnDinaru"/>
             </a:endParaRPr>
           </a:p>
@@ -4438,28 +4441,28 @@
             </a:pPr>
             <a:r>
               <a:rPr lang="en-US" altLang="ko-KR" sz="2000" dirty="0" err="1">
-                <a:latin typeface="UKIJ CJK"/>
+                <a:latin typeface="Calibri" panose="020F0502020204030204" pitchFamily="34" charset="0"/>
                 <a:cs typeface="UKIJ CJK"/>
               </a:rPr>
               <a:t>Sudo</a:t>
             </a:r>
             <a:r>
               <a:rPr lang="en-US" altLang="ko-KR" sz="2000" dirty="0">
-                <a:latin typeface="UKIJ CJK"/>
+                <a:latin typeface="Calibri" panose="020F0502020204030204" pitchFamily="34" charset="0"/>
                 <a:cs typeface="UKIJ CJK"/>
               </a:rPr>
               <a:t> </a:t>
             </a:r>
             <a:r>
               <a:rPr lang="en-US" altLang="ko-KR" sz="2000" dirty="0" err="1">
-                <a:latin typeface="UKIJ CJK"/>
+                <a:latin typeface="Calibri" panose="020F0502020204030204" pitchFamily="34" charset="0"/>
                 <a:cs typeface="UKIJ CJK"/>
               </a:rPr>
               <a:t>aws</a:t>
             </a:r>
             <a:r>
               <a:rPr lang="en-US" altLang="ko-KR" sz="2000" dirty="0">
-                <a:latin typeface="UKIJ CJK"/>
+                <a:latin typeface="Calibri" panose="020F0502020204030204" pitchFamily="34" charset="0"/>
                 <a:cs typeface="UKIJ CJK"/>
               </a:rPr>
               <a:t> configure</a:t>
@@ -4540,21 +4543,21 @@
             </a:pPr>
             <a:r>
               <a:rPr lang="en-US" altLang="ko-KR" sz="2000" dirty="0">
-                <a:latin typeface="UKIJ CJK"/>
+                <a:latin typeface="Calibri" panose="020F0502020204030204" pitchFamily="34" charset="0"/>
                 <a:cs typeface="UKIJ CJK"/>
               </a:rPr>
               <a:t>AWS Access Key ID = </a:t>
             </a:r>
             <a:r>
               <a:rPr lang="ko-KR" altLang="en-US" sz="2000" dirty="0">
-                <a:latin typeface="UKIJ CJK"/>
+                <a:latin typeface="Calibri" panose="020F0502020204030204" pitchFamily="34" charset="0"/>
                 <a:cs typeface="UKIJ CJK"/>
               </a:rPr>
               <a:t>내 </a:t>
             </a:r>
             <a:r>
               <a:rPr lang="en-US" altLang="ko-KR" sz="2000" dirty="0">
-                <a:latin typeface="UKIJ CJK"/>
+                <a:latin typeface="Calibri" panose="020F0502020204030204" pitchFamily="34" charset="0"/>
                 <a:cs typeface="UKIJ CJK"/>
               </a:rPr>
               <a:t>Access key ID</a:t>
@@ -4577,21 +4580,21 @@
             </a:pPr>
             <a:r>
               <a:rPr lang="en-US" altLang="ko-KR" sz="2000" dirty="0">
-                <a:latin typeface="UKIJ CJK"/>
+                <a:latin typeface="Calibri" panose="020F0502020204030204" pitchFamily="34" charset="0"/>
                 <a:cs typeface="UKIJ CJK"/>
               </a:rPr>
               <a:t>AWS Secret Access Key = </a:t>
             </a:r>
             <a:r>
               <a:rPr lang="ko-KR" altLang="en-US" sz="2000" dirty="0">
-                <a:latin typeface="UKIJ CJK"/>
+                <a:latin typeface="Calibri" panose="020F0502020204030204" pitchFamily="34" charset="0"/>
                 <a:cs typeface="UKIJ CJK"/>
               </a:rPr>
               <a:t>내 </a:t>
             </a:r>
             <a:r>
               <a:rPr lang="en-US" altLang="ko-KR" sz="2000" dirty="0">
-                <a:latin typeface="UKIJ CJK"/>
+                <a:latin typeface="Calibri" panose="020F0502020204030204" pitchFamily="34" charset="0"/>
                 <a:cs typeface="UKIJ CJK"/>
               </a:rPr>
               <a:t>Secret access key</a:t>
@@ -4614,63 +4617,63 @@
             </a:pPr>
             <a:r>
               <a:rPr lang="en-US" altLang="ko-KR" sz="2000" dirty="0">
-                <a:latin typeface="UKIJ CJK"/>
+                <a:latin typeface="Calibri" panose="020F0502020204030204" pitchFamily="34" charset="0"/>
                 <a:cs typeface="UKIJ CJK"/>
               </a:rPr>
               <a:t>Default</a:t>
             </a:r>
             <a:r>
               <a:rPr lang="ko-KR" altLang="en-US" sz="2000" dirty="0">
-                <a:latin typeface="UKIJ CJK"/>
+                <a:latin typeface="Calibri" panose="020F0502020204030204" pitchFamily="34" charset="0"/>
                 <a:cs typeface="UKIJ CJK"/>
               </a:rPr>
               <a:t> </a:t>
             </a:r>
             <a:r>
               <a:rPr lang="en-US" altLang="ko-KR" sz="2000" dirty="0">
-                <a:latin typeface="UKIJ CJK"/>
+                <a:latin typeface="Calibri" panose="020F0502020204030204" pitchFamily="34" charset="0"/>
                 <a:cs typeface="UKIJ CJK"/>
               </a:rPr>
               <a:t>region</a:t>
             </a:r>
             <a:r>
               <a:rPr lang="ko-KR" altLang="en-US" sz="2000" dirty="0">
-                <a:latin typeface="UKIJ CJK"/>
+                <a:latin typeface="Calibri" panose="020F0502020204030204" pitchFamily="34" charset="0"/>
                 <a:cs typeface="UKIJ CJK"/>
               </a:rPr>
               <a:t> </a:t>
             </a:r>
             <a:r>
               <a:rPr lang="en-US" altLang="ko-KR" sz="2000" dirty="0">
-                <a:latin typeface="UKIJ CJK"/>
+                <a:latin typeface="Calibri" panose="020F0502020204030204" pitchFamily="34" charset="0"/>
                 <a:cs typeface="UKIJ CJK"/>
               </a:rPr>
               <a:t>name</a:t>
             </a:r>
             <a:r>
               <a:rPr lang="ko-KR" altLang="en-US" sz="2000" dirty="0">
-                <a:latin typeface="UKIJ CJK"/>
+                <a:latin typeface="Calibri" panose="020F0502020204030204" pitchFamily="34" charset="0"/>
                 <a:cs typeface="UKIJ CJK"/>
               </a:rPr>
               <a:t> </a:t>
             </a:r>
             <a:r>
               <a:rPr lang="en-US" altLang="ko-KR" sz="2000" dirty="0">
-                <a:latin typeface="UKIJ CJK"/>
+                <a:latin typeface="Calibri" panose="020F0502020204030204" pitchFamily="34" charset="0"/>
                 <a:cs typeface="UKIJ CJK"/>
               </a:rPr>
               <a:t>=</a:t>
             </a:r>
             <a:r>
               <a:rPr lang="ko-KR" altLang="en-US" sz="2000" dirty="0">
-                <a:latin typeface="UKIJ CJK"/>
+                <a:latin typeface="Calibri" panose="020F0502020204030204" pitchFamily="34" charset="0"/>
                 <a:cs typeface="UKIJ CJK"/>
               </a:rPr>
               <a:t> </a:t>
             </a:r>
             <a:r>
               <a:rPr lang="en-US" altLang="ko-KR" sz="2000" dirty="0">
-                <a:latin typeface="UKIJ CJK"/>
+                <a:latin typeface="Calibri" panose="020F0502020204030204" pitchFamily="34" charset="0"/>
                 <a:cs typeface="UKIJ CJK"/>
               </a:rPr>
               <a:t>ap-northeast-2</a:t>
@@ -4693,7 +4696,7 @@
             </a:pPr>
             <a:r>
               <a:rPr lang="en-US" altLang="ko-KR" sz="2000" dirty="0">
-                <a:latin typeface="UKIJ CJK"/>
+                <a:latin typeface="Calibri" panose="020F0502020204030204" pitchFamily="34" charset="0"/>
                 <a:cs typeface="UKIJ CJK"/>
               </a:rPr>
               <a:t>Default output format = json</a:t>
@@ -4812,7 +4815,127 @@
       </p:grpSpPr>
       <p:sp>
         <p:nvSpPr>
-          <p:cNvPr id="5" name="object 5"/>
+          <p:cNvPr id="2" name="object 2"/>
+          <p:cNvSpPr txBox="1"/>
+          <p:nvPr/>
+        </p:nvSpPr>
+        <p:spPr>
+          <a:xfrm>
+            <a:off x="685800" y="2862178"/>
+            <a:ext cx="8364830" cy="1133644"/>
+          </a:xfrm>
+          <a:prstGeom prst="rect">
+            <a:avLst/>
+          </a:prstGeom>
+        </p:spPr>
+        <p:txBody>
+          <a:bodyPr vert="horz" wrap="square" lIns="0" tIns="12700" rIns="0" bIns="0" rtlCol="0">
+            <a:spAutoFit/>
+          </a:bodyPr>
+          <a:lstStyle/>
+          <a:p>
+            <a:pPr marL="12700">
+              <a:lnSpc>
+                <a:spcPct val="100000"/>
+              </a:lnSpc>
+              <a:spcBef>
+                <a:spcPts val="100"/>
+              </a:spcBef>
+            </a:pPr>
+            <a:r>
+              <a:rPr lang="ko-KR" altLang="en-US" sz="3600" b="1" spc="-185" dirty="0">
+                <a:latin typeface="Calibri" panose="020F0502020204030204" pitchFamily="34" charset="0"/>
+                <a:cs typeface="UnDinaru"/>
+              </a:rPr>
+              <a:t>     실습</a:t>
+            </a:r>
+            <a:r>
+              <a:rPr lang="en-US" altLang="ko-KR" sz="3600" b="1" spc="-185" dirty="0">
+                <a:latin typeface="Calibri" panose="020F0502020204030204" pitchFamily="34" charset="0"/>
+                <a:cs typeface="UnDinaru"/>
+              </a:rPr>
+              <a:t>:</a:t>
+            </a:r>
+            <a:r>
+              <a:rPr lang="en-US" sz="3600" b="1" spc="-185" dirty="0">
+                <a:latin typeface="Calibri" panose="020F0502020204030204" pitchFamily="34" charset="0"/>
+                <a:cs typeface="UnDinaru"/>
+              </a:rPr>
+              <a:t>AWS Comprehend</a:t>
+            </a:r>
+            <a:r>
+              <a:rPr lang="ko-KR" altLang="en-US" sz="3600" b="1" spc="-185" dirty="0">
+                <a:latin typeface="Calibri" panose="020F0502020204030204" pitchFamily="34" charset="0"/>
+                <a:cs typeface="UnDinaru"/>
+              </a:rPr>
+              <a:t>를 </a:t>
+            </a:r>
+            <a:endParaRPr lang="en-US" altLang="ko-KR" sz="3600" b="1" spc="-185" dirty="0">
+              <a:latin typeface="Calibri" panose="020F0502020204030204" pitchFamily="34" charset="0"/>
+              <a:cs typeface="UnDinaru"/>
+            </a:endParaRPr>
+          </a:p>
+          <a:p>
+            <a:pPr marL="12700">
+              <a:lnSpc>
+                <a:spcPct val="100000"/>
+              </a:lnSpc>
+              <a:spcBef>
+                <a:spcPts val="100"/>
+              </a:spcBef>
+            </a:pPr>
+            <a:r>
+              <a:rPr lang="ko-KR" altLang="en-US" sz="3600" b="1" spc="-185" dirty="0">
+                <a:latin typeface="Calibri" panose="020F0502020204030204" pitchFamily="34" charset="0"/>
+                <a:cs typeface="UnDinaru"/>
+              </a:rPr>
+              <a:t>                              호출하는</a:t>
+            </a:r>
+            <a:r>
+              <a:rPr lang="en-US" altLang="ko-KR" sz="3600" b="1" spc="-185" dirty="0">
+                <a:latin typeface="Calibri" panose="020F0502020204030204" pitchFamily="34" charset="0"/>
+                <a:cs typeface="UnDinaru"/>
+              </a:rPr>
+              <a:t> L</a:t>
+            </a:r>
+            <a:r>
+              <a:rPr lang="en-US" sz="3600" b="1" spc="-185" dirty="0">
+                <a:latin typeface="Calibri" panose="020F0502020204030204" pitchFamily="34" charset="0"/>
+                <a:cs typeface="UnDinaru"/>
+              </a:rPr>
+              <a:t>ambda</a:t>
+            </a:r>
+            <a:r>
+              <a:rPr lang="ko-KR" altLang="en-US" sz="3600" b="1" spc="-185" dirty="0">
+                <a:latin typeface="Calibri" panose="020F0502020204030204" pitchFamily="34" charset="0"/>
+                <a:cs typeface="UnDinaru"/>
+              </a:rPr>
+              <a:t> </a:t>
+            </a:r>
+            <a:r>
+              <a:rPr lang="en-US" altLang="ko-KR" sz="3600" b="1" spc="-185" dirty="0">
+                <a:latin typeface="Calibri" panose="020F0502020204030204" pitchFamily="34" charset="0"/>
+                <a:cs typeface="UnDinaru"/>
+              </a:rPr>
+              <a:t>API</a:t>
+            </a:r>
+            <a:r>
+              <a:rPr lang="ko-KR" altLang="en-US" sz="3600" b="1" spc="-185" dirty="0">
+                <a:latin typeface="Calibri" panose="020F0502020204030204" pitchFamily="34" charset="0"/>
+                <a:cs typeface="UnDinaru"/>
+              </a:rPr>
+              <a:t> 만들기</a:t>
+            </a:r>
+            <a:endParaRPr lang="en-US" sz="3600" b="1" spc="-185" dirty="0">
+              <a:latin typeface="Calibri" panose="020F0502020204030204" pitchFamily="34" charset="0"/>
+              <a:cs typeface="UnDinaru"/>
+            </a:endParaRPr>
+          </a:p>
+        </p:txBody>
+      </p:sp>
+      <p:sp>
+        <p:nvSpPr>
+          <p:cNvPr id="7" name="object 7"/>
           <p:cNvSpPr txBox="1">
             <a:spLocks noGrp="1"/>
           </p:cNvSpPr>
@@ -4844,217 +4967,10 @@
           </a:p>
         </p:txBody>
       </p:sp>
-      <p:sp>
-        <p:nvSpPr>
-          <p:cNvPr id="7" name="object 3">
-            <a:extLst>
-              <a:ext uri="{FF2B5EF4-FFF2-40B4-BE49-F238E27FC236}">
-                <a16:creationId xmlns:a16="http://schemas.microsoft.com/office/drawing/2014/main" id="{15992DBA-A09F-4CD0-BD2E-18B8282AF1FD}"/>
-              </a:ext>
-            </a:extLst>
-          </p:cNvPr>
-          <p:cNvSpPr txBox="1">
-            <a:spLocks/>
-          </p:cNvSpPr>
-          <p:nvPr/>
-        </p:nvSpPr>
-        <p:spPr>
-          <a:xfrm>
-            <a:off x="474370" y="172973"/>
-            <a:ext cx="6536030" cy="566822"/>
-          </a:xfrm>
-          <a:prstGeom prst="rect">
-            <a:avLst/>
-          </a:prstGeom>
-        </p:spPr>
-        <p:txBody>
-          <a:bodyPr vert="horz" wrap="square" lIns="0" tIns="12700" rIns="0" bIns="0" rtlCol="0">
-            <a:spAutoFit/>
-          </a:bodyPr>
-          <a:lstStyle>
-            <a:lvl1pPr>
-              <a:defRPr>
-                <a:latin typeface="+mj-lt"/>
-                <a:ea typeface="+mj-ea"/>
-                <a:cs typeface="+mj-cs"/>
-              </a:defRPr>
-            </a:lvl1pPr>
-          </a:lstStyle>
-          <a:p>
-            <a:pPr marL="12700" latinLnBrk="0">
-              <a:spcBef>
-                <a:spcPts val="100"/>
-              </a:spcBef>
-            </a:pPr>
-            <a:r>
-              <a:rPr lang="en-US" altLang="ko-KR" sz="3600" b="1" kern="0" spc="-110" dirty="0">
-                <a:solidFill>
-                  <a:sysClr val="windowText" lastClr="000000"/>
-                </a:solidFill>
-              </a:rPr>
-              <a:t>2</a:t>
-            </a:r>
-            <a:r>
-              <a:rPr lang="ko-KR" altLang="en-US" sz="3600" b="1" kern="0" spc="-110" dirty="0">
-                <a:solidFill>
-                  <a:sysClr val="windowText" lastClr="000000"/>
-                </a:solidFill>
-              </a:rPr>
-              <a:t>번 실습 구성</a:t>
-            </a:r>
-            <a:endParaRPr lang="en-US" sz="3600" b="1" kern="0" dirty="0">
-              <a:solidFill>
-                <a:sysClr val="windowText" lastClr="000000"/>
-              </a:solidFill>
-            </a:endParaRPr>
-          </a:p>
-        </p:txBody>
-      </p:sp>
-      <p:sp>
-        <p:nvSpPr>
-          <p:cNvPr id="2" name="TextBox 1">
-            <a:extLst>
-              <a:ext uri="{FF2B5EF4-FFF2-40B4-BE49-F238E27FC236}">
-                <a16:creationId xmlns:a16="http://schemas.microsoft.com/office/drawing/2014/main" id="{6825CBEF-BE47-465A-AF05-0118FE2983D6}"/>
-              </a:ext>
-            </a:extLst>
-          </p:cNvPr>
-          <p:cNvSpPr txBox="1"/>
-          <p:nvPr/>
-        </p:nvSpPr>
-        <p:spPr>
-          <a:xfrm>
-            <a:off x="838200" y="1600200"/>
-            <a:ext cx="6705600" cy="2031325"/>
-          </a:xfrm>
-          <a:prstGeom prst="rect">
-            <a:avLst/>
-          </a:prstGeom>
-          <a:noFill/>
-        </p:spPr>
-        <p:txBody>
-          <a:bodyPr wrap="square" rtlCol="0">
-            <a:spAutoFit/>
-          </a:bodyPr>
-          <a:lstStyle/>
-          <a:p>
-            <a:pPr marL="285750" indent="-285750">
-              <a:buFont typeface="Arial" panose="020B0604020202020204" pitchFamily="34" charset="0"/>
-              <a:buChar char="•"/>
-            </a:pPr>
-            <a:r>
-              <a:rPr lang="en-US" altLang="ko-KR" dirty="0"/>
-              <a:t>IAM User</a:t>
-            </a:r>
-            <a:r>
-              <a:rPr lang="ko-KR" altLang="en-US" dirty="0"/>
-              <a:t>등록과 </a:t>
-            </a:r>
-            <a:r>
-              <a:rPr lang="en-US" altLang="ko-KR" dirty="0"/>
-              <a:t>Comprehend </a:t>
-            </a:r>
-            <a:r>
-              <a:rPr lang="ko-KR" altLang="en-US" dirty="0"/>
-              <a:t>사용 권한 설정</a:t>
-            </a:r>
-            <a:endParaRPr lang="en-US" altLang="ko-KR" dirty="0"/>
-          </a:p>
-          <a:p>
-            <a:pPr marL="285750" indent="-285750">
-              <a:buFont typeface="Arial" panose="020B0604020202020204" pitchFamily="34" charset="0"/>
-              <a:buChar char="•"/>
-            </a:pPr>
-            <a:endParaRPr lang="en-US" altLang="ko-KR" dirty="0"/>
-          </a:p>
-          <a:p>
-            <a:pPr marL="285750" indent="-285750">
-              <a:buFont typeface="Arial" panose="020B0604020202020204" pitchFamily="34" charset="0"/>
-              <a:buChar char="•"/>
-            </a:pPr>
-            <a:r>
-              <a:rPr lang="en-US" altLang="ko-KR" dirty="0"/>
-              <a:t>Python </a:t>
-            </a:r>
-            <a:r>
-              <a:rPr lang="ko-KR" altLang="en-US" dirty="0"/>
-              <a:t>예제 코드를 사용해 </a:t>
-            </a:r>
-            <a:r>
-              <a:rPr lang="en-US" altLang="ko-KR" dirty="0"/>
-              <a:t>AWS</a:t>
-            </a:r>
-            <a:r>
-              <a:rPr lang="ko-KR" altLang="en-US" dirty="0"/>
-              <a:t> </a:t>
-            </a:r>
-            <a:r>
-              <a:rPr lang="en-US" altLang="ko-KR" dirty="0"/>
-              <a:t>Comprehend</a:t>
-            </a:r>
-            <a:r>
-              <a:rPr lang="ko-KR" altLang="en-US" dirty="0"/>
-              <a:t> 서비스 테스트</a:t>
-            </a:r>
-            <a:endParaRPr lang="en-US" altLang="ko-KR" dirty="0"/>
-          </a:p>
-          <a:p>
-            <a:pPr marL="285750" indent="-285750">
-              <a:buFont typeface="Arial" panose="020B0604020202020204" pitchFamily="34" charset="0"/>
-              <a:buChar char="•"/>
-            </a:pPr>
-            <a:endParaRPr lang="en-US" altLang="ko-KR" dirty="0"/>
-          </a:p>
-          <a:p>
-            <a:pPr marL="285750" indent="-285750">
-              <a:buFont typeface="Arial" panose="020B0604020202020204" pitchFamily="34" charset="0"/>
-              <a:buChar char="•"/>
-            </a:pPr>
-            <a:r>
-              <a:rPr lang="en-US" altLang="ko-KR" dirty="0"/>
-              <a:t>Lambda </a:t>
-            </a:r>
-            <a:r>
-              <a:rPr lang="en-US" altLang="ko-KR" dirty="0" err="1"/>
-              <a:t>Api</a:t>
-            </a:r>
-            <a:r>
-              <a:rPr lang="en-US" altLang="ko-KR" dirty="0"/>
-              <a:t> </a:t>
-            </a:r>
-            <a:r>
-              <a:rPr lang="ko-KR" altLang="en-US" dirty="0"/>
-              <a:t>구성</a:t>
-            </a:r>
-            <a:endParaRPr lang="en-US" altLang="ko-KR" dirty="0"/>
-          </a:p>
-          <a:p>
-            <a:pPr marL="285750" indent="-285750">
-              <a:buFont typeface="Arial" panose="020B0604020202020204" pitchFamily="34" charset="0"/>
-              <a:buChar char="•"/>
-            </a:pPr>
-            <a:endParaRPr lang="en-US" altLang="ko-KR" dirty="0"/>
-          </a:p>
-          <a:p>
-            <a:pPr marL="285750" indent="-285750">
-              <a:buFont typeface="Arial" panose="020B0604020202020204" pitchFamily="34" charset="0"/>
-              <a:buChar char="•"/>
-            </a:pPr>
-            <a:r>
-              <a:rPr lang="en-US" altLang="ko-KR" dirty="0"/>
-              <a:t>Lambda  API</a:t>
-            </a:r>
-            <a:r>
-              <a:rPr lang="ko-KR" altLang="en-US" dirty="0"/>
-              <a:t>를 호출해 결과값을 받아보는 웹페이지 구성</a:t>
-            </a:r>
-          </a:p>
-        </p:txBody>
-      </p:sp>
     </p:spTree>
     <p:extLst>
       <p:ext uri="{BB962C8B-B14F-4D97-AF65-F5344CB8AC3E}">
-        <p14:creationId xmlns:p14="http://schemas.microsoft.com/office/powerpoint/2010/main" val="3748799625"/>
+        <p14:creationId xmlns:p14="http://schemas.microsoft.com/office/powerpoint/2010/main" val="2762366865"/>
       </p:ext>
     </p:extLst>
   </p:cSld>
@@ -5116,21 +5032,21 @@
             </a:pPr>
             <a:r>
               <a:rPr lang="ko-KR" altLang="en-US" sz="3600" b="1" dirty="0">
-                <a:latin typeface="UnDinaru"/>
+                <a:latin typeface="Calibri" panose="020F0502020204030204" pitchFamily="34" charset="0"/>
                 <a:cs typeface="UnDinaru"/>
               </a:rPr>
               <a:t>시작</a:t>
             </a:r>
             <a:r>
               <a:rPr lang="ko-KR" altLang="en-US" sz="3600" b="1" spc="-140" dirty="0">
-                <a:latin typeface="UnDinaru"/>
+                <a:latin typeface="Calibri" panose="020F0502020204030204" pitchFamily="34" charset="0"/>
                 <a:cs typeface="UnDinaru"/>
               </a:rPr>
               <a:t> </a:t>
             </a:r>
             <a:r>
               <a:rPr lang="ko-KR" altLang="en-US" sz="3600" b="1" spc="-70" dirty="0">
-                <a:latin typeface="UnDinaru"/>
+                <a:latin typeface="Calibri" panose="020F0502020204030204" pitchFamily="34" charset="0"/>
                 <a:cs typeface="UnDinaru"/>
               </a:rPr>
               <a:t>전에</a:t>
@@ -5140,7 +5056,7 @@
               <a:t>…</a:t>
             </a:r>
             <a:endParaRPr sz="3600" dirty="0">
-              <a:latin typeface="UnDinaru"/>
+              <a:latin typeface="Calibri" panose="020F0502020204030204" pitchFamily="34" charset="0"/>
               <a:cs typeface="UnDinaru"/>
             </a:endParaRPr>
           </a:p>
@@ -5154,7 +5070,7 @@
         </p:nvSpPr>
         <p:spPr>
           <a:xfrm>
-            <a:off x="474370" y="1116329"/>
+            <a:off x="838200" y="1752600"/>
             <a:ext cx="5860415" cy="391160"/>
           </a:xfrm>
           <a:prstGeom prst="rect">
@@ -5203,7 +5119,7 @@
             </a:r>
             <a:r>
               <a:rPr sz="2400" dirty="0">
-                <a:latin typeface="UKIJ CJK"/>
+                <a:latin typeface="Calibri" panose="020F0502020204030204" pitchFamily="34" charset="0"/>
                 <a:cs typeface="UKIJ CJK"/>
               </a:rPr>
               <a:t>에서 </a:t>
@@ -5224,21 +5140,21 @@
             </a:r>
             <a:r>
               <a:rPr sz="2400" dirty="0">
-                <a:latin typeface="UKIJ CJK"/>
+                <a:latin typeface="Calibri" panose="020F0502020204030204" pitchFamily="34" charset="0"/>
                 <a:cs typeface="UKIJ CJK"/>
               </a:rPr>
               <a:t>사용량</a:t>
             </a:r>
             <a:r>
               <a:rPr sz="2400" spc="-245" dirty="0">
-                <a:latin typeface="UKIJ CJK"/>
+                <a:latin typeface="Calibri" panose="020F0502020204030204" pitchFamily="34" charset="0"/>
                 <a:cs typeface="UKIJ CJK"/>
               </a:rPr>
               <a:t> </a:t>
             </a:r>
             <a:r>
               <a:rPr sz="2400" dirty="0">
-                <a:latin typeface="UKIJ CJK"/>
+                <a:latin typeface="Calibri" panose="020F0502020204030204" pitchFamily="34" charset="0"/>
                 <a:cs typeface="UKIJ CJK"/>
               </a:rPr>
               <a:t>확인</a:t>
@@ -5300,7 +5216,7 @@
         </p:nvSpPr>
         <p:spPr>
           <a:xfrm>
-            <a:off x="381000" y="4572000"/>
+            <a:off x="948944" y="4564063"/>
             <a:ext cx="7487284" cy="300355"/>
           </a:xfrm>
           <a:prstGeom prst="rect">
@@ -5370,57 +5286,7 @@
       </p:grpSpPr>
       <p:sp>
         <p:nvSpPr>
-          <p:cNvPr id="2" name="object 2"/>
-          <p:cNvSpPr txBox="1"/>
-          <p:nvPr/>
-        </p:nvSpPr>
-        <p:spPr>
-          <a:xfrm>
-            <a:off x="474370" y="177546"/>
-            <a:ext cx="8364830" cy="566822"/>
-          </a:xfrm>
-          <a:prstGeom prst="rect">
-            <a:avLst/>
-          </a:prstGeom>
-        </p:spPr>
-        <p:txBody>
-          <a:bodyPr vert="horz" wrap="square" lIns="0" tIns="12700" rIns="0" bIns="0" rtlCol="0">
-            <a:spAutoFit/>
-          </a:bodyPr>
-          <a:lstStyle/>
-          <a:p>
-            <a:pPr marL="12700">
-              <a:lnSpc>
-                <a:spcPct val="100000"/>
-              </a:lnSpc>
-              <a:spcBef>
-                <a:spcPts val="100"/>
-              </a:spcBef>
-            </a:pPr>
-            <a:r>
-              <a:rPr lang="en-US" sz="3600" b="1" spc="-185" dirty="0">
-                <a:latin typeface="Trebuchet MS"/>
-                <a:cs typeface="UnDinaru"/>
-              </a:rPr>
-              <a:t>AWS Lambda </a:t>
-            </a:r>
-            <a:r>
-              <a:rPr lang="ko-KR" altLang="en-US" sz="3600" b="1" spc="-185" dirty="0">
-                <a:latin typeface="Trebuchet MS"/>
-                <a:cs typeface="UnDinaru"/>
-              </a:rPr>
-              <a:t>함수 생성</a:t>
-            </a:r>
-            <a:endParaRPr sz="3600" b="1" dirty="0">
-              <a:latin typeface="UnDinaru"/>
-              <a:cs typeface="UnDinaru"/>
-            </a:endParaRPr>
-          </a:p>
-        </p:txBody>
-      </p:sp>
-      <p:sp>
-        <p:nvSpPr>
-          <p:cNvPr id="7" name="object 7"/>
+          <p:cNvPr id="5" name="object 5"/>
           <p:cNvSpPr txBox="1">
             <a:spLocks noGrp="1"/>
           </p:cNvSpPr>
@@ -5452,312 +5318,78 @@
           </a:p>
         </p:txBody>
       </p:sp>
-      <p:pic>
-        <p:nvPicPr>
-          <p:cNvPr id="3" name="그림 2">
+      <p:sp>
+        <p:nvSpPr>
+          <p:cNvPr id="7" name="object 3">
             <a:extLst>
               <a:ext uri="{FF2B5EF4-FFF2-40B4-BE49-F238E27FC236}">
-                <a16:creationId xmlns:a16="http://schemas.microsoft.com/office/drawing/2014/main" id="{9ACD552B-DAE5-4D12-A782-51DB2C7F01B6}"/>
+                <a16:creationId xmlns:a16="http://schemas.microsoft.com/office/drawing/2014/main" id="{15992DBA-A09F-4CD0-BD2E-18B8282AF1FD}"/>
               </a:ext>
             </a:extLst>
           </p:cNvPr>
-          <p:cNvPicPr>
-            <a:picLocks noChangeAspect="1"/>
-          </p:cNvPicPr>
-          <p:nvPr/>
-        </p:nvPicPr>
-        <p:blipFill>
-          <a:blip r:embed="rId2"/>
-          <a:stretch>
-            <a:fillRect/>
-          </a:stretch>
-        </p:blipFill>
-        <p:spPr>
-          <a:xfrm>
-            <a:off x="-76200" y="1295400"/>
-            <a:ext cx="9144000" cy="1175232"/>
-          </a:xfrm>
-          <a:prstGeom prst="rect">
-            <a:avLst/>
-          </a:prstGeom>
-        </p:spPr>
-      </p:pic>
-      <p:sp>
-        <p:nvSpPr>
-          <p:cNvPr id="9" name="액자 8">
+          <p:cNvSpPr txBox="1">
+            <a:spLocks/>
+          </p:cNvSpPr>
+          <p:nvPr/>
+        </p:nvSpPr>
+        <p:spPr>
+          <a:xfrm>
+            <a:off x="474370" y="172973"/>
+            <a:ext cx="6536030" cy="566822"/>
+          </a:xfrm>
+          <a:prstGeom prst="rect">
+            <a:avLst/>
+          </a:prstGeom>
+        </p:spPr>
+        <p:txBody>
+          <a:bodyPr vert="horz" wrap="square" lIns="0" tIns="12700" rIns="0" bIns="0" rtlCol="0">
+            <a:spAutoFit/>
+          </a:bodyPr>
+          <a:lstStyle>
+            <a:lvl1pPr>
+              <a:defRPr>
+                <a:latin typeface="+mj-lt"/>
+                <a:ea typeface="+mj-ea"/>
+                <a:cs typeface="+mj-cs"/>
+              </a:defRPr>
+            </a:lvl1pPr>
+          </a:lstStyle>
+          <a:p>
+            <a:pPr marL="12700" latinLnBrk="0">
+              <a:spcBef>
+                <a:spcPts val="100"/>
+              </a:spcBef>
+            </a:pPr>
+            <a:r>
+              <a:rPr lang="en-US" altLang="ko-KR" sz="3600" b="1" kern="0" spc="-110" dirty="0">
+                <a:solidFill>
+                  <a:sysClr val="windowText" lastClr="000000"/>
+                </a:solidFill>
+              </a:rPr>
+              <a:t>2</a:t>
+            </a:r>
+            <a:r>
+              <a:rPr lang="ko-KR" altLang="en-US" sz="3600" b="1" kern="0" spc="-110" dirty="0">
+                <a:solidFill>
+                  <a:sysClr val="windowText" lastClr="000000"/>
+                </a:solidFill>
+              </a:rPr>
+              <a:t>번 실습 구성</a:t>
+            </a:r>
+            <a:endParaRPr lang="en-US" sz="3600" b="1" kern="0" dirty="0">
+              <a:solidFill>
+                <a:sysClr val="windowText" lastClr="000000"/>
+              </a:solidFill>
+            </a:endParaRPr>
+          </a:p>
+        </p:txBody>
+      </p:sp>
+      <p:sp>
+        <p:nvSpPr>
+          <p:cNvPr id="2" name="TextBox 1">
             <a:extLst>
               <a:ext uri="{FF2B5EF4-FFF2-40B4-BE49-F238E27FC236}">
-                <a16:creationId xmlns:a16="http://schemas.microsoft.com/office/drawing/2014/main" id="{96871174-84DB-4DFE-982F-4F858B664BED}"/>
-              </a:ext>
-            </a:extLst>
-          </p:cNvPr>
-          <p:cNvSpPr/>
-          <p:nvPr/>
-        </p:nvSpPr>
-        <p:spPr>
-          <a:xfrm>
-            <a:off x="8077200" y="1676400"/>
-            <a:ext cx="990600" cy="228600"/>
-          </a:xfrm>
-          <a:prstGeom prst="frame">
-            <a:avLst>
-              <a:gd name="adj1" fmla="val 0"/>
-            </a:avLst>
-          </a:prstGeom>
-          <a:solidFill>
-            <a:srgbClr val="FF0000"/>
-          </a:solidFill>
-          <a:ln>
-            <a:solidFill>
-              <a:srgbClr val="FF0000"/>
-            </a:solidFill>
-          </a:ln>
-        </p:spPr>
-        <p:style>
-          <a:lnRef idx="2">
-            <a:schemeClr val="accent1">
-              <a:shade val="50000"/>
-            </a:schemeClr>
-          </a:lnRef>
-          <a:fillRef idx="1">
-            <a:schemeClr val="accent1"/>
-          </a:fillRef>
-          <a:effectRef idx="0">
-            <a:schemeClr val="accent1"/>
-          </a:effectRef>
-          <a:fontRef idx="minor">
-            <a:schemeClr val="lt1"/>
-          </a:fontRef>
-        </p:style>
-        <p:txBody>
-          <a:bodyPr rtlCol="0" anchor="ctr"/>
-          <a:lstStyle/>
-          <a:p>
-            <a:pPr algn="ctr"/>
-            <a:endParaRPr lang="ko-KR" altLang="en-US">
-              <a:solidFill>
-                <a:schemeClr val="tx1"/>
-              </a:solidFill>
-            </a:endParaRPr>
-          </a:p>
-        </p:txBody>
-      </p:sp>
-      <p:pic>
-        <p:nvPicPr>
-          <p:cNvPr id="11" name="그림 10">
-            <a:extLst>
-              <a:ext uri="{FF2B5EF4-FFF2-40B4-BE49-F238E27FC236}">
-                <a16:creationId xmlns:a16="http://schemas.microsoft.com/office/drawing/2014/main" id="{924E3D43-88B0-4CD2-894C-448D57336526}"/>
-              </a:ext>
-            </a:extLst>
-          </p:cNvPr>
-          <p:cNvPicPr>
-            <a:picLocks noChangeAspect="1"/>
-          </p:cNvPicPr>
-          <p:nvPr/>
-        </p:nvPicPr>
-        <p:blipFill>
-          <a:blip r:embed="rId3"/>
-          <a:stretch>
-            <a:fillRect/>
-          </a:stretch>
-        </p:blipFill>
-        <p:spPr>
-          <a:xfrm>
-            <a:off x="385292" y="2675188"/>
-            <a:ext cx="8221015" cy="3859520"/>
-          </a:xfrm>
-          <a:prstGeom prst="rect">
-            <a:avLst/>
-          </a:prstGeom>
-        </p:spPr>
-      </p:pic>
-      <p:sp>
-        <p:nvSpPr>
-          <p:cNvPr id="12" name="액자 11">
-            <a:extLst>
-              <a:ext uri="{FF2B5EF4-FFF2-40B4-BE49-F238E27FC236}">
-                <a16:creationId xmlns:a16="http://schemas.microsoft.com/office/drawing/2014/main" id="{98D961E6-BF30-4E23-BBAD-218D70BBC95A}"/>
-              </a:ext>
-            </a:extLst>
-          </p:cNvPr>
-          <p:cNvSpPr/>
-          <p:nvPr/>
-        </p:nvSpPr>
-        <p:spPr>
-          <a:xfrm>
-            <a:off x="7734934" y="6348660"/>
-            <a:ext cx="990600" cy="228600"/>
-          </a:xfrm>
-          <a:prstGeom prst="frame">
-            <a:avLst>
-              <a:gd name="adj1" fmla="val 0"/>
-            </a:avLst>
-          </a:prstGeom>
-          <a:solidFill>
-            <a:srgbClr val="FF0000"/>
-          </a:solidFill>
-          <a:ln>
-            <a:solidFill>
-              <a:srgbClr val="FF0000"/>
-            </a:solidFill>
-          </a:ln>
-        </p:spPr>
-        <p:style>
-          <a:lnRef idx="2">
-            <a:schemeClr val="accent1">
-              <a:shade val="50000"/>
-            </a:schemeClr>
-          </a:lnRef>
-          <a:fillRef idx="1">
-            <a:schemeClr val="accent1"/>
-          </a:fillRef>
-          <a:effectRef idx="0">
-            <a:schemeClr val="accent1"/>
-          </a:effectRef>
-          <a:fontRef idx="minor">
-            <a:schemeClr val="lt1"/>
-          </a:fontRef>
-        </p:style>
-        <p:txBody>
-          <a:bodyPr rtlCol="0" anchor="ctr"/>
-          <a:lstStyle/>
-          <a:p>
-            <a:pPr algn="ctr"/>
-            <a:endParaRPr lang="ko-KR" altLang="en-US">
-              <a:solidFill>
-                <a:schemeClr val="tx1"/>
-              </a:solidFill>
-            </a:endParaRPr>
-          </a:p>
-        </p:txBody>
-      </p:sp>
-      <p:sp>
-        <p:nvSpPr>
-          <p:cNvPr id="13" name="액자 12">
-            <a:extLst>
-              <a:ext uri="{FF2B5EF4-FFF2-40B4-BE49-F238E27FC236}">
-                <a16:creationId xmlns:a16="http://schemas.microsoft.com/office/drawing/2014/main" id="{2D660E06-C30F-49C3-80C5-F944D2D54F9F}"/>
-              </a:ext>
-            </a:extLst>
-          </p:cNvPr>
-          <p:cNvSpPr/>
-          <p:nvPr/>
-        </p:nvSpPr>
-        <p:spPr>
-          <a:xfrm>
-            <a:off x="474370" y="4800600"/>
-            <a:ext cx="990600" cy="228600"/>
-          </a:xfrm>
-          <a:prstGeom prst="frame">
-            <a:avLst>
-              <a:gd name="adj1" fmla="val 0"/>
-            </a:avLst>
-          </a:prstGeom>
-          <a:solidFill>
-            <a:srgbClr val="FF0000"/>
-          </a:solidFill>
-          <a:ln>
-            <a:solidFill>
-              <a:srgbClr val="FF0000"/>
-            </a:solidFill>
-          </a:ln>
-        </p:spPr>
-        <p:style>
-          <a:lnRef idx="2">
-            <a:schemeClr val="accent1">
-              <a:shade val="50000"/>
-            </a:schemeClr>
-          </a:lnRef>
-          <a:fillRef idx="1">
-            <a:schemeClr val="accent1"/>
-          </a:fillRef>
-          <a:effectRef idx="0">
-            <a:schemeClr val="accent1"/>
-          </a:effectRef>
-          <a:fontRef idx="minor">
-            <a:schemeClr val="lt1"/>
-          </a:fontRef>
-        </p:style>
-        <p:txBody>
-          <a:bodyPr rtlCol="0" anchor="ctr"/>
-          <a:lstStyle/>
-          <a:p>
-            <a:pPr algn="ctr"/>
-            <a:endParaRPr lang="ko-KR" altLang="en-US">
-              <a:solidFill>
-                <a:schemeClr val="tx1"/>
-              </a:solidFill>
-            </a:endParaRPr>
-          </a:p>
-        </p:txBody>
-      </p:sp>
-      <p:sp>
-        <p:nvSpPr>
-          <p:cNvPr id="14" name="액자 13">
-            <a:extLst>
-              <a:ext uri="{FF2B5EF4-FFF2-40B4-BE49-F238E27FC236}">
-                <a16:creationId xmlns:a16="http://schemas.microsoft.com/office/drawing/2014/main" id="{EA4ACDCA-39EA-42C2-BC3D-5C84B5666895}"/>
-              </a:ext>
-            </a:extLst>
-          </p:cNvPr>
-          <p:cNvSpPr/>
-          <p:nvPr/>
-        </p:nvSpPr>
-        <p:spPr>
-          <a:xfrm>
-            <a:off x="474370" y="5334000"/>
-            <a:ext cx="990600" cy="228600"/>
-          </a:xfrm>
-          <a:prstGeom prst="frame">
-            <a:avLst>
-              <a:gd name="adj1" fmla="val 0"/>
-            </a:avLst>
-          </a:prstGeom>
-          <a:solidFill>
-            <a:srgbClr val="FF0000"/>
-          </a:solidFill>
-          <a:ln>
-            <a:solidFill>
-              <a:srgbClr val="FF0000"/>
-            </a:solidFill>
-          </a:ln>
-        </p:spPr>
-        <p:style>
-          <a:lnRef idx="2">
-            <a:schemeClr val="accent1">
-              <a:shade val="50000"/>
-            </a:schemeClr>
-          </a:lnRef>
-          <a:fillRef idx="1">
-            <a:schemeClr val="accent1"/>
-          </a:fillRef>
-          <a:effectRef idx="0">
-            <a:schemeClr val="accent1"/>
-          </a:effectRef>
-          <a:fontRef idx="minor">
-            <a:schemeClr val="lt1"/>
-          </a:fontRef>
-        </p:style>
-        <p:txBody>
-          <a:bodyPr rtlCol="0" anchor="ctr"/>
-          <a:lstStyle/>
-          <a:p>
-            <a:pPr algn="ctr"/>
-            <a:endParaRPr lang="ko-KR" altLang="en-US">
-              <a:solidFill>
-                <a:schemeClr val="tx1"/>
-              </a:solidFill>
-            </a:endParaRPr>
-          </a:p>
-        </p:txBody>
-      </p:sp>
-      <p:sp>
-        <p:nvSpPr>
-          <p:cNvPr id="15" name="TextBox 14">
-            <a:extLst>
-              <a:ext uri="{FF2B5EF4-FFF2-40B4-BE49-F238E27FC236}">
-                <a16:creationId xmlns:a16="http://schemas.microsoft.com/office/drawing/2014/main" id="{CEE0B34F-65D9-4404-BDF9-6255CD406D57}"/>
+                <a16:creationId xmlns:a16="http://schemas.microsoft.com/office/drawing/2014/main" id="{6825CBEF-BE47-465A-AF05-0118FE2983D6}"/>
               </a:ext>
             </a:extLst>
           </p:cNvPr>
@@ -5766,8 +5398,8 @@
         </p:nvSpPr>
         <p:spPr>
           <a:xfrm>
-            <a:off x="1828800" y="5334000"/>
-            <a:ext cx="2133600" cy="369332"/>
+            <a:off x="838200" y="1626275"/>
+            <a:ext cx="6705600" cy="2031325"/>
           </a:xfrm>
           <a:prstGeom prst="rect">
             <a:avLst/>
@@ -5780,13 +5412,115 @@
           </a:bodyPr>
           <a:lstStyle/>
           <a:p>
-            <a:r>
-              <a:rPr lang="en-US" altLang="ko-KR"/>
+            <a:pPr marL="285750" indent="-285750">
+              <a:buFont typeface="Arial" panose="020B0604020202020204" pitchFamily="34" charset="0"/>
+              <a:buChar char="•"/>
+            </a:pPr>
+            <a:r>
+              <a:rPr lang="en-US" altLang="ko-KR" dirty="0"/>
+              <a:t>IAM User</a:t>
+            </a:r>
+            <a:r>
+              <a:rPr lang="ko-KR" altLang="en-US" dirty="0"/>
+              <a:t>등록과 </a:t>
+            </a:r>
+            <a:r>
+              <a:rPr lang="en-US" altLang="ko-KR" dirty="0"/>
+              <a:t>Comprehend </a:t>
+            </a:r>
+            <a:r>
+              <a:rPr lang="ko-KR" altLang="en-US" dirty="0"/>
+              <a:t>사용 권한 설정</a:t>
+            </a:r>
+            <a:endParaRPr lang="en-US" altLang="ko-KR" dirty="0"/>
+          </a:p>
+          <a:p>
+            <a:pPr marL="285750" indent="-285750">
+              <a:buFont typeface="Arial" panose="020B0604020202020204" pitchFamily="34" charset="0"/>
+              <a:buChar char="•"/>
+            </a:pPr>
+            <a:endParaRPr lang="en-US" altLang="ko-KR" dirty="0"/>
+          </a:p>
+          <a:p>
+            <a:pPr marL="285750" indent="-285750">
+              <a:buFont typeface="Arial" panose="020B0604020202020204" pitchFamily="34" charset="0"/>
+              <a:buChar char="•"/>
+            </a:pPr>
+            <a:r>
+              <a:rPr lang="en-US" altLang="ko-KR" dirty="0"/>
               <a:t>Python </a:t>
             </a:r>
             <a:r>
               <a:rPr lang="ko-KR" altLang="en-US" dirty="0"/>
-              <a:t>최신버전</a:t>
+              <a:t>예제 코드를 사용해 </a:t>
+            </a:r>
+            <a:r>
+              <a:rPr lang="en-US" altLang="ko-KR" dirty="0"/>
+              <a:t>AWS</a:t>
+            </a:r>
+            <a:r>
+              <a:rPr lang="ko-KR" altLang="en-US" dirty="0"/>
+              <a:t> </a:t>
+            </a:r>
+            <a:r>
+              <a:rPr lang="en-US" altLang="ko-KR" dirty="0"/>
+              <a:t>Comprehend</a:t>
+            </a:r>
+            <a:r>
+              <a:rPr lang="ko-KR" altLang="en-US" dirty="0"/>
+              <a:t> 서비스 테스트</a:t>
+            </a:r>
+            <a:endParaRPr lang="en-US" altLang="ko-KR" dirty="0"/>
+          </a:p>
+          <a:p>
+            <a:pPr marL="285750" indent="-285750">
+              <a:buFont typeface="Arial" panose="020B0604020202020204" pitchFamily="34" charset="0"/>
+              <a:buChar char="•"/>
+            </a:pPr>
+            <a:endParaRPr lang="en-US" altLang="ko-KR" dirty="0"/>
+          </a:p>
+          <a:p>
+            <a:pPr marL="285750" indent="-285750">
+              <a:buFont typeface="Arial" panose="020B0604020202020204" pitchFamily="34" charset="0"/>
+              <a:buChar char="•"/>
+            </a:pPr>
+            <a:r>
+              <a:rPr lang="en-US" altLang="ko-KR" dirty="0"/>
+              <a:t>Lambda </a:t>
+            </a:r>
+            <a:r>
+              <a:rPr lang="en-US" altLang="ko-KR" dirty="0" err="1"/>
+              <a:t>Api</a:t>
+            </a:r>
+            <a:r>
+              <a:rPr lang="en-US" altLang="ko-KR" dirty="0"/>
+              <a:t> </a:t>
+            </a:r>
+            <a:r>
+              <a:rPr lang="ko-KR" altLang="en-US" dirty="0"/>
+              <a:t>구성</a:t>
+            </a:r>
+            <a:endParaRPr lang="en-US" altLang="ko-KR" dirty="0"/>
+          </a:p>
+          <a:p>
+            <a:pPr marL="285750" indent="-285750">
+              <a:buFont typeface="Arial" panose="020B0604020202020204" pitchFamily="34" charset="0"/>
+              <a:buChar char="•"/>
+            </a:pPr>
+            <a:endParaRPr lang="en-US" altLang="ko-KR" dirty="0"/>
+          </a:p>
+          <a:p>
+            <a:pPr marL="285750" indent="-285750">
+              <a:buFont typeface="Arial" panose="020B0604020202020204" pitchFamily="34" charset="0"/>
+              <a:buChar char="•"/>
+            </a:pPr>
+            <a:r>
+              <a:rPr lang="en-US" altLang="ko-KR" dirty="0"/>
+              <a:t>Lambda  API</a:t>
+            </a:r>
+            <a:r>
+              <a:rPr lang="ko-KR" altLang="en-US" dirty="0"/>
+              <a:t>를 호출해 결과값을 받아보는 웹페이지 구성</a:t>
             </a:r>
           </a:p>
         </p:txBody>
@@ -5794,7 +5528,7 @@
     </p:spTree>
     <p:extLst>
       <p:ext uri="{BB962C8B-B14F-4D97-AF65-F5344CB8AC3E}">
-        <p14:creationId xmlns:p14="http://schemas.microsoft.com/office/powerpoint/2010/main" val="1219032658"/>
+        <p14:creationId xmlns:p14="http://schemas.microsoft.com/office/powerpoint/2010/main" val="3748799625"/>
       </p:ext>
     </p:extLst>
   </p:cSld>
@@ -5852,34 +5586,20 @@
             </a:pPr>
             <a:r>
               <a:rPr lang="en-US" sz="3600" b="1" spc="-185" dirty="0">
-                <a:latin typeface="Trebuchet MS"/>
+                <a:latin typeface="Calibri" panose="020F0502020204030204" pitchFamily="34" charset="0"/>
                 <a:cs typeface="UnDinaru"/>
               </a:rPr>
               <a:t>AWS Lambda </a:t>
             </a:r>
             <a:r>
               <a:rPr lang="ko-KR" altLang="en-US" sz="3600" b="1" spc="-185" dirty="0">
-                <a:latin typeface="Trebuchet MS"/>
+                <a:latin typeface="Calibri" panose="020F0502020204030204" pitchFamily="34" charset="0"/>
                 <a:cs typeface="UnDinaru"/>
               </a:rPr>
-              <a:t>함수 </a:t>
-            </a:r>
-            <a:r>
-              <a:rPr lang="en-US" altLang="ko-KR" sz="3600" b="1" spc="-185" dirty="0">
-                <a:latin typeface="Trebuchet MS"/>
-                <a:cs typeface="UnDinaru"/>
-              </a:rPr>
-              <a:t>HTTP API </a:t>
-            </a:r>
-            <a:r>
-              <a:rPr lang="ko-KR" altLang="en-US" sz="3600" b="1" spc="-185" dirty="0">
-                <a:latin typeface="Trebuchet MS"/>
-                <a:cs typeface="UnDinaru"/>
-              </a:rPr>
-              <a:t>트리거 생성</a:t>
+              <a:t>함수 생성</a:t>
             </a:r>
             <a:endParaRPr sz="3600" b="1" dirty="0">
-              <a:latin typeface="UnDinaru"/>
+              <a:latin typeface="Calibri" panose="020F0502020204030204" pitchFamily="34" charset="0"/>
               <a:cs typeface="UnDinaru"/>
             </a:endParaRPr>
           </a:p>
@@ -5924,7 +5644,7 @@
           <p:cNvPr id="3" name="그림 2">
             <a:extLst>
               <a:ext uri="{FF2B5EF4-FFF2-40B4-BE49-F238E27FC236}">
-                <a16:creationId xmlns:a16="http://schemas.microsoft.com/office/drawing/2014/main" id="{96ECBC0F-A8D6-424E-A362-62BBF2AB91EE}"/>
+                <a16:creationId xmlns:a16="http://schemas.microsoft.com/office/drawing/2014/main" id="{9ACD552B-DAE5-4D12-A782-51DB2C7F01B6}"/>
               </a:ext>
             </a:extLst>
           </p:cNvPr>
@@ -5941,8 +5661,8 @@
         </p:blipFill>
         <p:spPr>
           <a:xfrm>
-            <a:off x="381000" y="1495716"/>
-            <a:ext cx="3667125" cy="3590925"/>
+            <a:off x="-76200" y="1295400"/>
+            <a:ext cx="9144000" cy="1175232"/>
           </a:xfrm>
           <a:prstGeom prst="rect">
             <a:avLst/>
@@ -5951,107 +5671,10 @@
       </p:pic>
       <p:sp>
         <p:nvSpPr>
-          <p:cNvPr id="13" name="TextBox 12">
+          <p:cNvPr id="9" name="액자 8">
             <a:extLst>
               <a:ext uri="{FF2B5EF4-FFF2-40B4-BE49-F238E27FC236}">
-                <a16:creationId xmlns:a16="http://schemas.microsoft.com/office/drawing/2014/main" id="{B611EA4E-E38A-4B42-A8EE-66E68EA073B8}"/>
-              </a:ext>
-            </a:extLst>
-          </p:cNvPr>
-          <p:cNvSpPr txBox="1"/>
-          <p:nvPr/>
-        </p:nvSpPr>
-        <p:spPr>
-          <a:xfrm>
-            <a:off x="4495800" y="1676400"/>
-            <a:ext cx="4648200" cy="2031325"/>
-          </a:xfrm>
-          <a:prstGeom prst="rect">
-            <a:avLst/>
-          </a:prstGeom>
-          <a:noFill/>
-        </p:spPr>
-        <p:txBody>
-          <a:bodyPr wrap="square" rtlCol="0">
-            <a:spAutoFit/>
-          </a:bodyPr>
-          <a:lstStyle/>
-          <a:p>
-            <a:r>
-              <a:rPr lang="ko-KR" altLang="en-US" dirty="0" err="1"/>
-              <a:t>트리거란</a:t>
-            </a:r>
-            <a:r>
-              <a:rPr lang="en-US" altLang="ko-KR" dirty="0"/>
-              <a:t>? </a:t>
-            </a:r>
-          </a:p>
-          <a:p>
-            <a:endParaRPr lang="en-US" altLang="ko-KR" dirty="0"/>
-          </a:p>
-          <a:p>
-            <a:r>
-              <a:rPr lang="en-US" altLang="ko-KR" dirty="0"/>
-              <a:t>AWS Lambda</a:t>
-            </a:r>
-            <a:r>
-              <a:rPr lang="ko-KR" altLang="en-US" dirty="0"/>
-              <a:t>에 등록한 이벤트</a:t>
-            </a:r>
-            <a:r>
-              <a:rPr lang="en-US" altLang="ko-KR" dirty="0"/>
-              <a:t>(</a:t>
-            </a:r>
-            <a:r>
-              <a:rPr lang="ko-KR" altLang="en-US" dirty="0"/>
-              <a:t>함수</a:t>
-            </a:r>
-            <a:r>
-              <a:rPr lang="en-US" altLang="ko-KR" dirty="0"/>
-              <a:t>) </a:t>
-            </a:r>
-            <a:r>
-              <a:rPr lang="ko-KR" altLang="en-US" dirty="0"/>
-              <a:t>가 실행될 수 있도록 하는 촉발</a:t>
-            </a:r>
-            <a:r>
-              <a:rPr lang="en-US" altLang="ko-KR" dirty="0"/>
-              <a:t>(trigger)</a:t>
-            </a:r>
-          </a:p>
-          <a:p>
-            <a:endParaRPr lang="en-US" altLang="ko-KR" dirty="0"/>
-          </a:p>
-          <a:p>
-            <a:r>
-              <a:rPr lang="ko-KR" altLang="en-US" dirty="0"/>
-              <a:t>본</a:t>
-            </a:r>
-            <a:r>
-              <a:rPr lang="en-US" altLang="ko-KR" dirty="0"/>
-              <a:t> </a:t>
-            </a:r>
-            <a:r>
-              <a:rPr lang="ko-KR" altLang="en-US" dirty="0"/>
-              <a:t>실습에서는 </a:t>
-            </a:r>
-            <a:r>
-              <a:rPr lang="en-US" altLang="ko-KR" dirty="0"/>
-              <a:t>HTTP </a:t>
-            </a:r>
-            <a:r>
-              <a:rPr lang="ko-KR" altLang="en-US" dirty="0"/>
-              <a:t>요청을 통해 트리거를 구성할 예정</a:t>
-            </a:r>
-          </a:p>
-        </p:txBody>
-      </p:sp>
-      <p:sp>
-        <p:nvSpPr>
-          <p:cNvPr id="14" name="액자 13">
-            <a:extLst>
-              <a:ext uri="{FF2B5EF4-FFF2-40B4-BE49-F238E27FC236}">
-                <a16:creationId xmlns:a16="http://schemas.microsoft.com/office/drawing/2014/main" id="{261FA0B8-BB25-45DC-B90B-96A5A9738C17}"/>
+                <a16:creationId xmlns:a16="http://schemas.microsoft.com/office/drawing/2014/main" id="{96871174-84DB-4DFE-982F-4F858B664BED}"/>
               </a:ext>
             </a:extLst>
           </p:cNvPr>
@@ -6060,8 +5683,8 @@
         </p:nvSpPr>
         <p:spPr>
           <a:xfrm>
-            <a:off x="533400" y="4495800"/>
-            <a:ext cx="1676400" cy="381000"/>
+            <a:off x="8077200" y="1676400"/>
+            <a:ext cx="990600" cy="228600"/>
           </a:xfrm>
           <a:prstGeom prst="frame">
             <a:avLst>
@@ -6106,10 +5729,259 @@
           </a:p>
         </p:txBody>
       </p:sp>
+      <p:pic>
+        <p:nvPicPr>
+          <p:cNvPr id="11" name="그림 10">
+            <a:extLst>
+              <a:ext uri="{FF2B5EF4-FFF2-40B4-BE49-F238E27FC236}">
+                <a16:creationId xmlns:a16="http://schemas.microsoft.com/office/drawing/2014/main" id="{924E3D43-88B0-4CD2-894C-448D57336526}"/>
+              </a:ext>
+            </a:extLst>
+          </p:cNvPr>
+          <p:cNvPicPr>
+            <a:picLocks noChangeAspect="1"/>
+          </p:cNvPicPr>
+          <p:nvPr/>
+        </p:nvPicPr>
+        <p:blipFill>
+          <a:blip r:embed="rId3"/>
+          <a:stretch>
+            <a:fillRect/>
+          </a:stretch>
+        </p:blipFill>
+        <p:spPr>
+          <a:xfrm>
+            <a:off x="385292" y="2675188"/>
+            <a:ext cx="8221015" cy="3859520"/>
+          </a:xfrm>
+          <a:prstGeom prst="rect">
+            <a:avLst/>
+          </a:prstGeom>
+        </p:spPr>
+      </p:pic>
+      <p:sp>
+        <p:nvSpPr>
+          <p:cNvPr id="12" name="액자 11">
+            <a:extLst>
+              <a:ext uri="{FF2B5EF4-FFF2-40B4-BE49-F238E27FC236}">
+                <a16:creationId xmlns:a16="http://schemas.microsoft.com/office/drawing/2014/main" id="{98D961E6-BF30-4E23-BBAD-218D70BBC95A}"/>
+              </a:ext>
+            </a:extLst>
+          </p:cNvPr>
+          <p:cNvSpPr/>
+          <p:nvPr/>
+        </p:nvSpPr>
+        <p:spPr>
+          <a:xfrm>
+            <a:off x="7734934" y="6348660"/>
+            <a:ext cx="990600" cy="228600"/>
+          </a:xfrm>
+          <a:prstGeom prst="frame">
+            <a:avLst>
+              <a:gd name="adj1" fmla="val 0"/>
+            </a:avLst>
+          </a:prstGeom>
+          <a:solidFill>
+            <a:srgbClr val="FF0000"/>
+          </a:solidFill>
+          <a:ln>
+            <a:solidFill>
+              <a:srgbClr val="FF0000"/>
+            </a:solidFill>
+          </a:ln>
+        </p:spPr>
+        <p:style>
+          <a:lnRef idx="2">
+            <a:schemeClr val="accent1">
+              <a:shade val="50000"/>
+            </a:schemeClr>
+          </a:lnRef>
+          <a:fillRef idx="1">
+            <a:schemeClr val="accent1"/>
+          </a:fillRef>
+          <a:effectRef idx="0">
+            <a:schemeClr val="accent1"/>
+          </a:effectRef>
+          <a:fontRef idx="minor">
+            <a:schemeClr val="lt1"/>
+          </a:fontRef>
+        </p:style>
+        <p:txBody>
+          <a:bodyPr rtlCol="0" anchor="ctr"/>
+          <a:lstStyle/>
+          <a:p>
+            <a:pPr algn="ctr"/>
+            <a:endParaRPr lang="ko-KR" altLang="en-US">
+              <a:solidFill>
+                <a:schemeClr val="tx1"/>
+              </a:solidFill>
+            </a:endParaRPr>
+          </a:p>
+        </p:txBody>
+      </p:sp>
+      <p:sp>
+        <p:nvSpPr>
+          <p:cNvPr id="13" name="액자 12">
+            <a:extLst>
+              <a:ext uri="{FF2B5EF4-FFF2-40B4-BE49-F238E27FC236}">
+                <a16:creationId xmlns:a16="http://schemas.microsoft.com/office/drawing/2014/main" id="{2D660E06-C30F-49C3-80C5-F944D2D54F9F}"/>
+              </a:ext>
+            </a:extLst>
+          </p:cNvPr>
+          <p:cNvSpPr/>
+          <p:nvPr/>
+        </p:nvSpPr>
+        <p:spPr>
+          <a:xfrm>
+            <a:off x="474370" y="4800600"/>
+            <a:ext cx="990600" cy="228600"/>
+          </a:xfrm>
+          <a:prstGeom prst="frame">
+            <a:avLst>
+              <a:gd name="adj1" fmla="val 0"/>
+            </a:avLst>
+          </a:prstGeom>
+          <a:solidFill>
+            <a:srgbClr val="FF0000"/>
+          </a:solidFill>
+          <a:ln>
+            <a:solidFill>
+              <a:srgbClr val="FF0000"/>
+            </a:solidFill>
+          </a:ln>
+        </p:spPr>
+        <p:style>
+          <a:lnRef idx="2">
+            <a:schemeClr val="accent1">
+              <a:shade val="50000"/>
+            </a:schemeClr>
+          </a:lnRef>
+          <a:fillRef idx="1">
+            <a:schemeClr val="accent1"/>
+          </a:fillRef>
+          <a:effectRef idx="0">
+            <a:schemeClr val="accent1"/>
+          </a:effectRef>
+          <a:fontRef idx="minor">
+            <a:schemeClr val="lt1"/>
+          </a:fontRef>
+        </p:style>
+        <p:txBody>
+          <a:bodyPr rtlCol="0" anchor="ctr"/>
+          <a:lstStyle/>
+          <a:p>
+            <a:pPr algn="ctr"/>
+            <a:endParaRPr lang="ko-KR" altLang="en-US">
+              <a:solidFill>
+                <a:schemeClr val="tx1"/>
+              </a:solidFill>
+            </a:endParaRPr>
+          </a:p>
+        </p:txBody>
+      </p:sp>
+      <p:sp>
+        <p:nvSpPr>
+          <p:cNvPr id="14" name="액자 13">
+            <a:extLst>
+              <a:ext uri="{FF2B5EF4-FFF2-40B4-BE49-F238E27FC236}">
+                <a16:creationId xmlns:a16="http://schemas.microsoft.com/office/drawing/2014/main" id="{EA4ACDCA-39EA-42C2-BC3D-5C84B5666895}"/>
+              </a:ext>
+            </a:extLst>
+          </p:cNvPr>
+          <p:cNvSpPr/>
+          <p:nvPr/>
+        </p:nvSpPr>
+        <p:spPr>
+          <a:xfrm>
+            <a:off x="474370" y="5334000"/>
+            <a:ext cx="990600" cy="228600"/>
+          </a:xfrm>
+          <a:prstGeom prst="frame">
+            <a:avLst>
+              <a:gd name="adj1" fmla="val 0"/>
+            </a:avLst>
+          </a:prstGeom>
+          <a:solidFill>
+            <a:srgbClr val="FF0000"/>
+          </a:solidFill>
+          <a:ln>
+            <a:solidFill>
+              <a:srgbClr val="FF0000"/>
+            </a:solidFill>
+          </a:ln>
+        </p:spPr>
+        <p:style>
+          <a:lnRef idx="2">
+            <a:schemeClr val="accent1">
+              <a:shade val="50000"/>
+            </a:schemeClr>
+          </a:lnRef>
+          <a:fillRef idx="1">
+            <a:schemeClr val="accent1"/>
+          </a:fillRef>
+          <a:effectRef idx="0">
+            <a:schemeClr val="accent1"/>
+          </a:effectRef>
+          <a:fontRef idx="minor">
+            <a:schemeClr val="lt1"/>
+          </a:fontRef>
+        </p:style>
+        <p:txBody>
+          <a:bodyPr rtlCol="0" anchor="ctr"/>
+          <a:lstStyle/>
+          <a:p>
+            <a:pPr algn="ctr"/>
+            <a:endParaRPr lang="ko-KR" altLang="en-US">
+              <a:solidFill>
+                <a:schemeClr val="tx1"/>
+              </a:solidFill>
+            </a:endParaRPr>
+          </a:p>
+        </p:txBody>
+      </p:sp>
+      <p:sp>
+        <p:nvSpPr>
+          <p:cNvPr id="15" name="TextBox 14">
+            <a:extLst>
+              <a:ext uri="{FF2B5EF4-FFF2-40B4-BE49-F238E27FC236}">
+                <a16:creationId xmlns:a16="http://schemas.microsoft.com/office/drawing/2014/main" id="{CEE0B34F-65D9-4404-BDF9-6255CD406D57}"/>
+              </a:ext>
+            </a:extLst>
+          </p:cNvPr>
+          <p:cNvSpPr txBox="1"/>
+          <p:nvPr/>
+        </p:nvSpPr>
+        <p:spPr>
+          <a:xfrm>
+            <a:off x="1828800" y="5334000"/>
+            <a:ext cx="2133600" cy="369332"/>
+          </a:xfrm>
+          <a:prstGeom prst="rect">
+            <a:avLst/>
+          </a:prstGeom>
+          <a:noFill/>
+        </p:spPr>
+        <p:txBody>
+          <a:bodyPr wrap="square" rtlCol="0">
+            <a:spAutoFit/>
+          </a:bodyPr>
+          <a:lstStyle/>
+          <a:p>
+            <a:r>
+              <a:rPr lang="en-US" altLang="ko-KR"/>
+              <a:t>Python </a:t>
+            </a:r>
+            <a:r>
+              <a:rPr lang="ko-KR" altLang="en-US" dirty="0"/>
+              <a:t>최신버전</a:t>
+            </a:r>
+          </a:p>
+        </p:txBody>
+      </p:sp>
     </p:spTree>
     <p:extLst>
       <p:ext uri="{BB962C8B-B14F-4D97-AF65-F5344CB8AC3E}">
-        <p14:creationId xmlns:p14="http://schemas.microsoft.com/office/powerpoint/2010/main" val="1523631282"/>
+        <p14:creationId xmlns:p14="http://schemas.microsoft.com/office/powerpoint/2010/main" val="1219032658"/>
       </p:ext>
     </p:extLst>
   </p:cSld>
@@ -6167,34 +6039,34 @@
             </a:pPr>
             <a:r>
               <a:rPr lang="en-US" sz="3600" b="1" spc="-185" dirty="0">
-                <a:latin typeface="Trebuchet MS"/>
+                <a:latin typeface="Calibri" panose="020F0502020204030204" pitchFamily="34" charset="0"/>
                 <a:cs typeface="UnDinaru"/>
               </a:rPr>
               <a:t>AWS Lambda </a:t>
             </a:r>
             <a:r>
               <a:rPr lang="ko-KR" altLang="en-US" sz="3600" b="1" spc="-185" dirty="0">
-                <a:latin typeface="Trebuchet MS"/>
+                <a:latin typeface="Calibri" panose="020F0502020204030204" pitchFamily="34" charset="0"/>
                 <a:cs typeface="UnDinaru"/>
               </a:rPr>
               <a:t>함수 </a:t>
             </a:r>
             <a:r>
               <a:rPr lang="en-US" altLang="ko-KR" sz="3600" b="1" spc="-185" dirty="0">
-                <a:latin typeface="Trebuchet MS"/>
+                <a:latin typeface="Calibri" panose="020F0502020204030204" pitchFamily="34" charset="0"/>
                 <a:cs typeface="UnDinaru"/>
               </a:rPr>
               <a:t>HTTP API </a:t>
             </a:r>
             <a:r>
               <a:rPr lang="ko-KR" altLang="en-US" sz="3600" b="1" spc="-185" dirty="0">
-                <a:latin typeface="Trebuchet MS"/>
+                <a:latin typeface="Calibri" panose="020F0502020204030204" pitchFamily="34" charset="0"/>
                 <a:cs typeface="UnDinaru"/>
               </a:rPr>
               <a:t>트리거 생성</a:t>
             </a:r>
             <a:endParaRPr sz="3600" b="1" dirty="0">
-              <a:latin typeface="UnDinaru"/>
+              <a:latin typeface="Calibri" panose="020F0502020204030204" pitchFamily="34" charset="0"/>
               <a:cs typeface="UnDinaru"/>
             </a:endParaRPr>
           </a:p>
@@ -6236,10 +6108,10 @@
       </p:sp>
       <p:pic>
         <p:nvPicPr>
-          <p:cNvPr id="11" name="그림 10">
+          <p:cNvPr id="3" name="그림 2">
             <a:extLst>
               <a:ext uri="{FF2B5EF4-FFF2-40B4-BE49-F238E27FC236}">
-                <a16:creationId xmlns:a16="http://schemas.microsoft.com/office/drawing/2014/main" id="{A42A3F92-25B3-46B3-B3A9-9475B89BD619}"/>
+                <a16:creationId xmlns:a16="http://schemas.microsoft.com/office/drawing/2014/main" id="{96ECBC0F-A8D6-424E-A362-62BBF2AB91EE}"/>
               </a:ext>
             </a:extLst>
           </p:cNvPr>
@@ -6256,50 +6128,117 @@
         </p:blipFill>
         <p:spPr>
           <a:xfrm>
-            <a:off x="455517" y="1066800"/>
-            <a:ext cx="7874352" cy="2100820"/>
+            <a:off x="381000" y="1495716"/>
+            <a:ext cx="3667125" cy="3590925"/>
           </a:xfrm>
           <a:prstGeom prst="rect">
             <a:avLst/>
           </a:prstGeom>
         </p:spPr>
       </p:pic>
-      <p:pic>
-        <p:nvPicPr>
-          <p:cNvPr id="12" name="그림 11">
+      <p:sp>
+        <p:nvSpPr>
+          <p:cNvPr id="13" name="TextBox 12">
             <a:extLst>
               <a:ext uri="{FF2B5EF4-FFF2-40B4-BE49-F238E27FC236}">
-                <a16:creationId xmlns:a16="http://schemas.microsoft.com/office/drawing/2014/main" id="{225F1863-6B60-4E70-B66B-1E196030C485}"/>
+                <a16:creationId xmlns:a16="http://schemas.microsoft.com/office/drawing/2014/main" id="{B611EA4E-E38A-4B42-A8EE-66E68EA073B8}"/>
               </a:ext>
             </a:extLst>
           </p:cNvPr>
-          <p:cNvPicPr>
-            <a:picLocks noChangeAspect="1"/>
-          </p:cNvPicPr>
-          <p:nvPr/>
-        </p:nvPicPr>
-        <p:blipFill>
-          <a:blip r:embed="rId3"/>
-          <a:stretch>
-            <a:fillRect/>
-          </a:stretch>
-        </p:blipFill>
-        <p:spPr>
-          <a:xfrm>
-            <a:off x="609600" y="3886200"/>
-            <a:ext cx="7219950" cy="1685925"/>
-          </a:xfrm>
-          <a:prstGeom prst="rect">
-            <a:avLst/>
-          </a:prstGeom>
-        </p:spPr>
-      </p:pic>
-      <p:sp>
-        <p:nvSpPr>
-          <p:cNvPr id="13" name="액자 12">
+          <p:cNvSpPr txBox="1"/>
+          <p:nvPr/>
+        </p:nvSpPr>
+        <p:spPr>
+          <a:xfrm>
+            <a:off x="4495800" y="1676400"/>
+            <a:ext cx="4648200" cy="2031325"/>
+          </a:xfrm>
+          <a:prstGeom prst="rect">
+            <a:avLst/>
+          </a:prstGeom>
+          <a:noFill/>
+        </p:spPr>
+        <p:txBody>
+          <a:bodyPr wrap="square" rtlCol="0">
+            <a:spAutoFit/>
+          </a:bodyPr>
+          <a:lstStyle/>
+          <a:p>
+            <a:r>
+              <a:rPr lang="ko-KR" altLang="en-US" dirty="0" err="1"/>
+              <a:t>트리거란</a:t>
+            </a:r>
+            <a:r>
+              <a:rPr lang="en-US" altLang="ko-KR" dirty="0"/>
+              <a:t>? </a:t>
+            </a:r>
+          </a:p>
+          <a:p>
+            <a:endParaRPr lang="en-US" altLang="ko-KR" dirty="0"/>
+          </a:p>
+          <a:p>
+            <a:r>
+              <a:rPr lang="en-US" altLang="ko-KR" dirty="0"/>
+              <a:t>AWS Lambda</a:t>
+            </a:r>
+            <a:r>
+              <a:rPr lang="ko-KR" altLang="en-US" dirty="0"/>
+              <a:t>에 등록한 이벤트</a:t>
+            </a:r>
+            <a:r>
+              <a:rPr lang="en-US" altLang="ko-KR" dirty="0"/>
+              <a:t>(</a:t>
+            </a:r>
+            <a:r>
+              <a:rPr lang="ko-KR" altLang="en-US" dirty="0"/>
+              <a:t>함수</a:t>
+            </a:r>
+            <a:r>
+              <a:rPr lang="en-US" altLang="ko-KR" dirty="0"/>
+              <a:t>) </a:t>
+            </a:r>
+            <a:r>
+              <a:rPr lang="ko-KR" altLang="en-US" dirty="0"/>
+              <a:t>가 실행될 수 있도록 하는 촉발</a:t>
+            </a:r>
+            <a:r>
+              <a:rPr lang="en-US" altLang="ko-KR" dirty="0"/>
+              <a:t>(trigger)</a:t>
+            </a:r>
+          </a:p>
+          <a:p>
+            <a:endParaRPr lang="en-US" altLang="ko-KR" dirty="0"/>
+          </a:p>
+          <a:p>
+            <a:r>
+              <a:rPr lang="ko-KR" altLang="en-US" dirty="0"/>
+              <a:t>본</a:t>
+            </a:r>
+            <a:r>
+              <a:rPr lang="en-US" altLang="ko-KR" dirty="0"/>
+              <a:t> </a:t>
+            </a:r>
+            <a:r>
+              <a:rPr lang="ko-KR" altLang="en-US" dirty="0"/>
+              <a:t>실습에서는 </a:t>
+            </a:r>
+            <a:r>
+              <a:rPr lang="en-US" altLang="ko-KR" dirty="0"/>
+              <a:t>HTTP </a:t>
+            </a:r>
+            <a:r>
+              <a:rPr lang="ko-KR" altLang="en-US" dirty="0"/>
+              <a:t>요청을 통해 트리거를 구성할 예정</a:t>
+            </a:r>
+          </a:p>
+        </p:txBody>
+      </p:sp>
+      <p:sp>
+        <p:nvSpPr>
+          <p:cNvPr id="14" name="액자 13">
             <a:extLst>
               <a:ext uri="{FF2B5EF4-FFF2-40B4-BE49-F238E27FC236}">
-                <a16:creationId xmlns:a16="http://schemas.microsoft.com/office/drawing/2014/main" id="{AC1FBEA5-EAE1-4A2A-A619-689D8B1BA805}"/>
+                <a16:creationId xmlns:a16="http://schemas.microsoft.com/office/drawing/2014/main" id="{261FA0B8-BB25-45DC-B90B-96A5A9738C17}"/>
               </a:ext>
             </a:extLst>
           </p:cNvPr>
@@ -6308,8 +6247,8 @@
         </p:nvSpPr>
         <p:spPr>
           <a:xfrm>
-            <a:off x="619812" y="2667000"/>
-            <a:ext cx="6619188" cy="609600"/>
+            <a:off x="533400" y="4495800"/>
+            <a:ext cx="1676400" cy="381000"/>
           </a:xfrm>
           <a:prstGeom prst="frame">
             <a:avLst>
@@ -6354,105 +6293,10 @@
           </a:p>
         </p:txBody>
       </p:sp>
-      <p:sp>
-        <p:nvSpPr>
-          <p:cNvPr id="14" name="액자 13">
-            <a:extLst>
-              <a:ext uri="{FF2B5EF4-FFF2-40B4-BE49-F238E27FC236}">
-                <a16:creationId xmlns:a16="http://schemas.microsoft.com/office/drawing/2014/main" id="{8D00B9C0-D0AB-4293-B407-2031A8436A9F}"/>
-              </a:ext>
-            </a:extLst>
-          </p:cNvPr>
-          <p:cNvSpPr/>
-          <p:nvPr/>
-        </p:nvSpPr>
-        <p:spPr>
-          <a:xfrm>
-            <a:off x="609600" y="4953000"/>
-            <a:ext cx="6314388" cy="364717"/>
-          </a:xfrm>
-          <a:prstGeom prst="frame">
-            <a:avLst>
-              <a:gd name="adj1" fmla="val 0"/>
-            </a:avLst>
-          </a:prstGeom>
-          <a:solidFill>
-            <a:srgbClr val="FF0000"/>
-          </a:solidFill>
-          <a:ln>
-            <a:solidFill>
-              <a:srgbClr val="FF0000"/>
-            </a:solidFill>
-          </a:ln>
-        </p:spPr>
-        <p:style>
-          <a:lnRef idx="2">
-            <a:schemeClr val="accent1">
-              <a:shade val="50000"/>
-            </a:schemeClr>
-          </a:lnRef>
-          <a:fillRef idx="1">
-            <a:schemeClr val="accent1"/>
-          </a:fillRef>
-          <a:effectRef idx="0">
-            <a:schemeClr val="accent1"/>
-          </a:effectRef>
-          <a:fontRef idx="minor">
-            <a:schemeClr val="lt1"/>
-          </a:fontRef>
-        </p:style>
-        <p:txBody>
-          <a:bodyPr rtlCol="0" anchor="ctr"/>
-          <a:lstStyle/>
-          <a:p>
-            <a:pPr algn="ctr"/>
-            <a:endParaRPr lang="ko-KR" altLang="en-US">
-              <a:solidFill>
-                <a:schemeClr val="tx1"/>
-              </a:solidFill>
-            </a:endParaRPr>
-          </a:p>
-        </p:txBody>
-      </p:sp>
-      <p:sp>
-        <p:nvSpPr>
-          <p:cNvPr id="4" name="TextBox 3">
-            <a:extLst>
-              <a:ext uri="{FF2B5EF4-FFF2-40B4-BE49-F238E27FC236}">
-                <a16:creationId xmlns:a16="http://schemas.microsoft.com/office/drawing/2014/main" id="{D523B33B-3285-45C9-B205-ECB201460E6B}"/>
-              </a:ext>
-            </a:extLst>
-          </p:cNvPr>
-          <p:cNvSpPr txBox="1"/>
-          <p:nvPr/>
-        </p:nvSpPr>
-        <p:spPr>
-          <a:xfrm>
-            <a:off x="3505200" y="6096000"/>
-            <a:ext cx="3124200" cy="369332"/>
-          </a:xfrm>
-          <a:prstGeom prst="rect">
-            <a:avLst/>
-          </a:prstGeom>
-          <a:noFill/>
-        </p:spPr>
-        <p:txBody>
-          <a:bodyPr wrap="square" rtlCol="0">
-            <a:spAutoFit/>
-          </a:bodyPr>
-          <a:lstStyle/>
-          <a:p>
-            <a:r>
-              <a:rPr lang="ko-KR" altLang="en-US" dirty="0"/>
-              <a:t>더 이상 설정하지 않고 추가</a:t>
-            </a:r>
-          </a:p>
-        </p:txBody>
-      </p:sp>
     </p:spTree>
     <p:extLst>
       <p:ext uri="{BB962C8B-B14F-4D97-AF65-F5344CB8AC3E}">
-        <p14:creationId xmlns:p14="http://schemas.microsoft.com/office/powerpoint/2010/main" val="1088635437"/>
+        <p14:creationId xmlns:p14="http://schemas.microsoft.com/office/powerpoint/2010/main" val="1523631282"/>
       </p:ext>
     </p:extLst>
   </p:cSld>
@@ -6510,20 +6354,34 @@
             </a:pPr>
             <a:r>
               <a:rPr lang="en-US" sz="3600" b="1" spc="-185" dirty="0">
-                <a:latin typeface="Trebuchet MS"/>
+                <a:latin typeface="Calibri" panose="020F0502020204030204" pitchFamily="34" charset="0"/>
                 <a:cs typeface="UnDinaru"/>
               </a:rPr>
               <a:t>AWS Lambda </a:t>
             </a:r>
             <a:r>
               <a:rPr lang="ko-KR" altLang="en-US" sz="3600" b="1" spc="-185" dirty="0">
-                <a:latin typeface="Trebuchet MS"/>
+                <a:latin typeface="Calibri" panose="020F0502020204030204" pitchFamily="34" charset="0"/>
                 <a:cs typeface="UnDinaru"/>
               </a:rPr>
-              <a:t>함수 트리거 테스트</a:t>
+              <a:t>함수 </a:t>
+            </a:r>
+            <a:r>
+              <a:rPr lang="en-US" altLang="ko-KR" sz="3600" b="1" spc="-185" dirty="0">
+                <a:latin typeface="Calibri" panose="020F0502020204030204" pitchFamily="34" charset="0"/>
+                <a:cs typeface="UnDinaru"/>
+              </a:rPr>
+              <a:t>HTTP API </a:t>
+            </a:r>
+            <a:r>
+              <a:rPr lang="ko-KR" altLang="en-US" sz="3600" b="1" spc="-185" dirty="0">
+                <a:latin typeface="Calibri" panose="020F0502020204030204" pitchFamily="34" charset="0"/>
+                <a:cs typeface="UnDinaru"/>
+              </a:rPr>
+              <a:t>트리거 생성</a:t>
             </a:r>
             <a:endParaRPr sz="3600" b="1" dirty="0">
-              <a:latin typeface="UnDinaru"/>
+              <a:latin typeface="Calibri" panose="020F0502020204030204" pitchFamily="34" charset="0"/>
               <a:cs typeface="UnDinaru"/>
             </a:endParaRPr>
           </a:p>
@@ -6558,6 +6416,335 @@
             <a:fld id="{81D60167-4931-47E6-BA6A-407CBD079E47}" type="slidenum">
               <a:rPr dirty="0"/>
               <a:t>23</a:t>
+            </a:fld>
+            <a:endParaRPr dirty="0"/>
+          </a:p>
+        </p:txBody>
+      </p:sp>
+      <p:pic>
+        <p:nvPicPr>
+          <p:cNvPr id="11" name="그림 10">
+            <a:extLst>
+              <a:ext uri="{FF2B5EF4-FFF2-40B4-BE49-F238E27FC236}">
+                <a16:creationId xmlns:a16="http://schemas.microsoft.com/office/drawing/2014/main" id="{A42A3F92-25B3-46B3-B3A9-9475B89BD619}"/>
+              </a:ext>
+            </a:extLst>
+          </p:cNvPr>
+          <p:cNvPicPr>
+            <a:picLocks noChangeAspect="1"/>
+          </p:cNvPicPr>
+          <p:nvPr/>
+        </p:nvPicPr>
+        <p:blipFill>
+          <a:blip r:embed="rId2"/>
+          <a:stretch>
+            <a:fillRect/>
+          </a:stretch>
+        </p:blipFill>
+        <p:spPr>
+          <a:xfrm>
+            <a:off x="455517" y="1066800"/>
+            <a:ext cx="7874352" cy="2100820"/>
+          </a:xfrm>
+          <a:prstGeom prst="rect">
+            <a:avLst/>
+          </a:prstGeom>
+        </p:spPr>
+      </p:pic>
+      <p:pic>
+        <p:nvPicPr>
+          <p:cNvPr id="12" name="그림 11">
+            <a:extLst>
+              <a:ext uri="{FF2B5EF4-FFF2-40B4-BE49-F238E27FC236}">
+                <a16:creationId xmlns:a16="http://schemas.microsoft.com/office/drawing/2014/main" id="{225F1863-6B60-4E70-B66B-1E196030C485}"/>
+              </a:ext>
+            </a:extLst>
+          </p:cNvPr>
+          <p:cNvPicPr>
+            <a:picLocks noChangeAspect="1"/>
+          </p:cNvPicPr>
+          <p:nvPr/>
+        </p:nvPicPr>
+        <p:blipFill>
+          <a:blip r:embed="rId3"/>
+          <a:stretch>
+            <a:fillRect/>
+          </a:stretch>
+        </p:blipFill>
+        <p:spPr>
+          <a:xfrm>
+            <a:off x="609600" y="3886200"/>
+            <a:ext cx="7219950" cy="1685925"/>
+          </a:xfrm>
+          <a:prstGeom prst="rect">
+            <a:avLst/>
+          </a:prstGeom>
+        </p:spPr>
+      </p:pic>
+      <p:sp>
+        <p:nvSpPr>
+          <p:cNvPr id="13" name="액자 12">
+            <a:extLst>
+              <a:ext uri="{FF2B5EF4-FFF2-40B4-BE49-F238E27FC236}">
+                <a16:creationId xmlns:a16="http://schemas.microsoft.com/office/drawing/2014/main" id="{AC1FBEA5-EAE1-4A2A-A619-689D8B1BA805}"/>
+              </a:ext>
+            </a:extLst>
+          </p:cNvPr>
+          <p:cNvSpPr/>
+          <p:nvPr/>
+        </p:nvSpPr>
+        <p:spPr>
+          <a:xfrm>
+            <a:off x="619812" y="2667000"/>
+            <a:ext cx="6619188" cy="609600"/>
+          </a:xfrm>
+          <a:prstGeom prst="frame">
+            <a:avLst>
+              <a:gd name="adj1" fmla="val 0"/>
+            </a:avLst>
+          </a:prstGeom>
+          <a:solidFill>
+            <a:srgbClr val="FF0000"/>
+          </a:solidFill>
+          <a:ln>
+            <a:solidFill>
+              <a:srgbClr val="FF0000"/>
+            </a:solidFill>
+          </a:ln>
+        </p:spPr>
+        <p:style>
+          <a:lnRef idx="2">
+            <a:schemeClr val="accent1">
+              <a:shade val="50000"/>
+            </a:schemeClr>
+          </a:lnRef>
+          <a:fillRef idx="1">
+            <a:schemeClr val="accent1"/>
+          </a:fillRef>
+          <a:effectRef idx="0">
+            <a:schemeClr val="accent1"/>
+          </a:effectRef>
+          <a:fontRef idx="minor">
+            <a:schemeClr val="lt1"/>
+          </a:fontRef>
+        </p:style>
+        <p:txBody>
+          <a:bodyPr rtlCol="0" anchor="ctr"/>
+          <a:lstStyle/>
+          <a:p>
+            <a:pPr algn="ctr"/>
+            <a:endParaRPr lang="ko-KR" altLang="en-US">
+              <a:solidFill>
+                <a:schemeClr val="tx1"/>
+              </a:solidFill>
+            </a:endParaRPr>
+          </a:p>
+        </p:txBody>
+      </p:sp>
+      <p:sp>
+        <p:nvSpPr>
+          <p:cNvPr id="14" name="액자 13">
+            <a:extLst>
+              <a:ext uri="{FF2B5EF4-FFF2-40B4-BE49-F238E27FC236}">
+                <a16:creationId xmlns:a16="http://schemas.microsoft.com/office/drawing/2014/main" id="{8D00B9C0-D0AB-4293-B407-2031A8436A9F}"/>
+              </a:ext>
+            </a:extLst>
+          </p:cNvPr>
+          <p:cNvSpPr/>
+          <p:nvPr/>
+        </p:nvSpPr>
+        <p:spPr>
+          <a:xfrm>
+            <a:off x="609600" y="4953000"/>
+            <a:ext cx="6314388" cy="364717"/>
+          </a:xfrm>
+          <a:prstGeom prst="frame">
+            <a:avLst>
+              <a:gd name="adj1" fmla="val 0"/>
+            </a:avLst>
+          </a:prstGeom>
+          <a:solidFill>
+            <a:srgbClr val="FF0000"/>
+          </a:solidFill>
+          <a:ln>
+            <a:solidFill>
+              <a:srgbClr val="FF0000"/>
+            </a:solidFill>
+          </a:ln>
+        </p:spPr>
+        <p:style>
+          <a:lnRef idx="2">
+            <a:schemeClr val="accent1">
+              <a:shade val="50000"/>
+            </a:schemeClr>
+          </a:lnRef>
+          <a:fillRef idx="1">
+            <a:schemeClr val="accent1"/>
+          </a:fillRef>
+          <a:effectRef idx="0">
+            <a:schemeClr val="accent1"/>
+          </a:effectRef>
+          <a:fontRef idx="minor">
+            <a:schemeClr val="lt1"/>
+          </a:fontRef>
+        </p:style>
+        <p:txBody>
+          <a:bodyPr rtlCol="0" anchor="ctr"/>
+          <a:lstStyle/>
+          <a:p>
+            <a:pPr algn="ctr"/>
+            <a:endParaRPr lang="ko-KR" altLang="en-US">
+              <a:solidFill>
+                <a:schemeClr val="tx1"/>
+              </a:solidFill>
+            </a:endParaRPr>
+          </a:p>
+        </p:txBody>
+      </p:sp>
+      <p:sp>
+        <p:nvSpPr>
+          <p:cNvPr id="4" name="TextBox 3">
+            <a:extLst>
+              <a:ext uri="{FF2B5EF4-FFF2-40B4-BE49-F238E27FC236}">
+                <a16:creationId xmlns:a16="http://schemas.microsoft.com/office/drawing/2014/main" id="{D523B33B-3285-45C9-B205-ECB201460E6B}"/>
+              </a:ext>
+            </a:extLst>
+          </p:cNvPr>
+          <p:cNvSpPr txBox="1"/>
+          <p:nvPr/>
+        </p:nvSpPr>
+        <p:spPr>
+          <a:xfrm>
+            <a:off x="3505200" y="6096000"/>
+            <a:ext cx="3124200" cy="369332"/>
+          </a:xfrm>
+          <a:prstGeom prst="rect">
+            <a:avLst/>
+          </a:prstGeom>
+          <a:noFill/>
+        </p:spPr>
+        <p:txBody>
+          <a:bodyPr wrap="square" rtlCol="0">
+            <a:spAutoFit/>
+          </a:bodyPr>
+          <a:lstStyle/>
+          <a:p>
+            <a:r>
+              <a:rPr lang="ko-KR" altLang="en-US" dirty="0"/>
+              <a:t>더 이상 설정하지 않고 추가</a:t>
+            </a:r>
+          </a:p>
+        </p:txBody>
+      </p:sp>
+    </p:spTree>
+    <p:extLst>
+      <p:ext uri="{BB962C8B-B14F-4D97-AF65-F5344CB8AC3E}">
+        <p14:creationId xmlns:p14="http://schemas.microsoft.com/office/powerpoint/2010/main" val="1088635437"/>
+      </p:ext>
+    </p:extLst>
+  </p:cSld>
+  <p:clrMapOvr>
+    <a:masterClrMapping/>
+  </p:clrMapOvr>
+</p:sld>
+</file>
+
+<file path=ppt/slides/slide24.xml><?xml version="1.0" encoding="utf-8"?>
+<p:sld xmlns:a="http://schemas.openxmlformats.org/drawingml/2006/main" xmlns:r="http://schemas.openxmlformats.org/officeDocument/2006/relationships" xmlns:p="http://schemas.openxmlformats.org/presentationml/2006/main">
+  <p:cSld>
+    <p:spTree>
+      <p:nvGrpSpPr>
+        <p:cNvPr id="1" name=""/>
+        <p:cNvGrpSpPr/>
+        <p:nvPr/>
+      </p:nvGrpSpPr>
+      <p:grpSpPr>
+        <a:xfrm>
+          <a:off x="0" y="0"/>
+          <a:ext cx="0" cy="0"/>
+          <a:chOff x="0" y="0"/>
+          <a:chExt cx="0" cy="0"/>
+        </a:xfrm>
+      </p:grpSpPr>
+      <p:sp>
+        <p:nvSpPr>
+          <p:cNvPr id="2" name="object 2"/>
+          <p:cNvSpPr txBox="1"/>
+          <p:nvPr/>
+        </p:nvSpPr>
+        <p:spPr>
+          <a:xfrm>
+            <a:off x="474370" y="177546"/>
+            <a:ext cx="8364830" cy="566822"/>
+          </a:xfrm>
+          <a:prstGeom prst="rect">
+            <a:avLst/>
+          </a:prstGeom>
+        </p:spPr>
+        <p:txBody>
+          <a:bodyPr vert="horz" wrap="square" lIns="0" tIns="12700" rIns="0" bIns="0" rtlCol="0">
+            <a:spAutoFit/>
+          </a:bodyPr>
+          <a:lstStyle/>
+          <a:p>
+            <a:pPr marL="12700">
+              <a:lnSpc>
+                <a:spcPct val="100000"/>
+              </a:lnSpc>
+              <a:spcBef>
+                <a:spcPts val="100"/>
+              </a:spcBef>
+            </a:pPr>
+            <a:r>
+              <a:rPr lang="en-US" sz="3600" b="1" spc="-185" dirty="0">
+                <a:latin typeface="Calibri" panose="020F0502020204030204" pitchFamily="34" charset="0"/>
+                <a:cs typeface="UnDinaru"/>
+              </a:rPr>
+              <a:t>AWS Lambda </a:t>
+            </a:r>
+            <a:r>
+              <a:rPr lang="ko-KR" altLang="en-US" sz="3600" b="1" spc="-185" dirty="0">
+                <a:latin typeface="Calibri" panose="020F0502020204030204" pitchFamily="34" charset="0"/>
+                <a:cs typeface="UnDinaru"/>
+              </a:rPr>
+              <a:t>함수 트리거 테스트</a:t>
+            </a:r>
+            <a:endParaRPr sz="3600" b="1" dirty="0">
+              <a:latin typeface="Calibri" panose="020F0502020204030204" pitchFamily="34" charset="0"/>
+              <a:cs typeface="UnDinaru"/>
+            </a:endParaRPr>
+          </a:p>
+        </p:txBody>
+      </p:sp>
+      <p:sp>
+        <p:nvSpPr>
+          <p:cNvPr id="7" name="object 7"/>
+          <p:cNvSpPr txBox="1">
+            <a:spLocks noGrp="1"/>
+          </p:cNvSpPr>
+          <p:nvPr>
+            <p:ph type="sldNum" sz="quarter" idx="7"/>
+          </p:nvPr>
+        </p:nvSpPr>
+        <p:spPr>
+          <a:prstGeom prst="rect">
+            <a:avLst/>
+          </a:prstGeom>
+        </p:spPr>
+        <p:txBody>
+          <a:bodyPr vert="horz" wrap="square" lIns="0" tIns="0" rIns="0" bIns="0" rtlCol="0">
+            <a:spAutoFit/>
+          </a:bodyPr>
+          <a:lstStyle/>
+          <a:p>
+            <a:pPr marL="38100">
+              <a:lnSpc>
+                <a:spcPts val="1240"/>
+              </a:lnSpc>
+            </a:pPr>
+            <a:fld id="{81D60167-4931-47E6-BA6A-407CBD079E47}" type="slidenum">
+              <a:rPr dirty="0"/>
+              <a:t>24</a:t>
             </a:fld>
             <a:endParaRPr dirty="0"/>
           </a:p>
@@ -6793,300 +6980,6 @@
 </p:sld>
 </file>
 
-<file path=ppt/slides/slide24.xml><?xml version="1.0" encoding="utf-8"?>
-<p:sld xmlns:a="http://schemas.openxmlformats.org/drawingml/2006/main" xmlns:r="http://schemas.openxmlformats.org/officeDocument/2006/relationships" xmlns:p="http://schemas.openxmlformats.org/presentationml/2006/main">
-  <p:cSld>
-    <p:spTree>
-      <p:nvGrpSpPr>
-        <p:cNvPr id="1" name=""/>
-        <p:cNvGrpSpPr/>
-        <p:nvPr/>
-      </p:nvGrpSpPr>
-      <p:grpSpPr>
-        <a:xfrm>
-          <a:off x="0" y="0"/>
-          <a:ext cx="0" cy="0"/>
-          <a:chOff x="0" y="0"/>
-          <a:chExt cx="0" cy="0"/>
-        </a:xfrm>
-      </p:grpSpPr>
-      <p:sp>
-        <p:nvSpPr>
-          <p:cNvPr id="2" name="object 2"/>
-          <p:cNvSpPr txBox="1"/>
-          <p:nvPr/>
-        </p:nvSpPr>
-        <p:spPr>
-          <a:xfrm>
-            <a:off x="474370" y="177546"/>
-            <a:ext cx="8364830" cy="566822"/>
-          </a:xfrm>
-          <a:prstGeom prst="rect">
-            <a:avLst/>
-          </a:prstGeom>
-        </p:spPr>
-        <p:txBody>
-          <a:bodyPr vert="horz" wrap="square" lIns="0" tIns="12700" rIns="0" bIns="0" rtlCol="0">
-            <a:spAutoFit/>
-          </a:bodyPr>
-          <a:lstStyle/>
-          <a:p>
-            <a:pPr marL="12700">
-              <a:lnSpc>
-                <a:spcPct val="100000"/>
-              </a:lnSpc>
-              <a:spcBef>
-                <a:spcPts val="100"/>
-              </a:spcBef>
-            </a:pPr>
-            <a:r>
-              <a:rPr lang="en-US" sz="3600" b="1" spc="-185" dirty="0">
-                <a:latin typeface="Trebuchet MS"/>
-                <a:cs typeface="UnDinaru"/>
-              </a:rPr>
-              <a:t>Comprehend </a:t>
-            </a:r>
-            <a:r>
-              <a:rPr lang="ko-KR" altLang="en-US" sz="3600" b="1" spc="-185" dirty="0">
-                <a:latin typeface="Trebuchet MS"/>
-                <a:cs typeface="UnDinaru"/>
-              </a:rPr>
-              <a:t>사용을 위한 권한 설정</a:t>
-            </a:r>
-            <a:endParaRPr sz="3600" b="1" dirty="0">
-              <a:latin typeface="UnDinaru"/>
-              <a:cs typeface="UnDinaru"/>
-            </a:endParaRPr>
-          </a:p>
-        </p:txBody>
-      </p:sp>
-      <p:sp>
-        <p:nvSpPr>
-          <p:cNvPr id="7" name="object 7"/>
-          <p:cNvSpPr txBox="1">
-            <a:spLocks noGrp="1"/>
-          </p:cNvSpPr>
-          <p:nvPr>
-            <p:ph type="sldNum" sz="quarter" idx="7"/>
-          </p:nvPr>
-        </p:nvSpPr>
-        <p:spPr>
-          <a:prstGeom prst="rect">
-            <a:avLst/>
-          </a:prstGeom>
-        </p:spPr>
-        <p:txBody>
-          <a:bodyPr vert="horz" wrap="square" lIns="0" tIns="0" rIns="0" bIns="0" rtlCol="0">
-            <a:spAutoFit/>
-          </a:bodyPr>
-          <a:lstStyle/>
-          <a:p>
-            <a:pPr marL="38100">
-              <a:lnSpc>
-                <a:spcPts val="1240"/>
-              </a:lnSpc>
-            </a:pPr>
-            <a:fld id="{81D60167-4931-47E6-BA6A-407CBD079E47}" type="slidenum">
-              <a:rPr dirty="0"/>
-              <a:t>24</a:t>
-            </a:fld>
-            <a:endParaRPr dirty="0"/>
-          </a:p>
-        </p:txBody>
-      </p:sp>
-      <p:pic>
-        <p:nvPicPr>
-          <p:cNvPr id="3" name="그림 2">
-            <a:extLst>
-              <a:ext uri="{FF2B5EF4-FFF2-40B4-BE49-F238E27FC236}">
-                <a16:creationId xmlns:a16="http://schemas.microsoft.com/office/drawing/2014/main" id="{B62C0058-3024-44E2-8225-E7E95FACF411}"/>
-              </a:ext>
-            </a:extLst>
-          </p:cNvPr>
-          <p:cNvPicPr>
-            <a:picLocks noChangeAspect="1"/>
-          </p:cNvPicPr>
-          <p:nvPr/>
-        </p:nvPicPr>
-        <p:blipFill>
-          <a:blip r:embed="rId2"/>
-          <a:stretch>
-            <a:fillRect/>
-          </a:stretch>
-        </p:blipFill>
-        <p:spPr>
-          <a:xfrm>
-            <a:off x="228600" y="1219200"/>
-            <a:ext cx="7299378" cy="2251936"/>
-          </a:xfrm>
-          <a:prstGeom prst="rect">
-            <a:avLst/>
-          </a:prstGeom>
-        </p:spPr>
-      </p:pic>
-      <p:pic>
-        <p:nvPicPr>
-          <p:cNvPr id="10" name="그림 9">
-            <a:extLst>
-              <a:ext uri="{FF2B5EF4-FFF2-40B4-BE49-F238E27FC236}">
-                <a16:creationId xmlns:a16="http://schemas.microsoft.com/office/drawing/2014/main" id="{BC09FF27-6A13-48A8-B512-057B3E59382D}"/>
-              </a:ext>
-            </a:extLst>
-          </p:cNvPr>
-          <p:cNvPicPr>
-            <a:picLocks noChangeAspect="1"/>
-          </p:cNvPicPr>
-          <p:nvPr/>
-        </p:nvPicPr>
-        <p:blipFill>
-          <a:blip r:embed="rId3"/>
-          <a:stretch>
-            <a:fillRect/>
-          </a:stretch>
-        </p:blipFill>
-        <p:spPr>
-          <a:xfrm>
-            <a:off x="1727721" y="3256623"/>
-            <a:ext cx="6593262" cy="2933699"/>
-          </a:xfrm>
-          <a:prstGeom prst="rect">
-            <a:avLst/>
-          </a:prstGeom>
-        </p:spPr>
-      </p:pic>
-      <p:sp>
-        <p:nvSpPr>
-          <p:cNvPr id="6" name="액자 5">
-            <a:extLst>
-              <a:ext uri="{FF2B5EF4-FFF2-40B4-BE49-F238E27FC236}">
-                <a16:creationId xmlns:a16="http://schemas.microsoft.com/office/drawing/2014/main" id="{94D46BAE-84E5-4CDB-B899-3BEFFDA38138}"/>
-              </a:ext>
-            </a:extLst>
-          </p:cNvPr>
-          <p:cNvSpPr/>
-          <p:nvPr/>
-        </p:nvSpPr>
-        <p:spPr>
-          <a:xfrm>
-            <a:off x="2667000" y="1981200"/>
-            <a:ext cx="2286000" cy="304800"/>
-          </a:xfrm>
-          <a:prstGeom prst="frame">
-            <a:avLst>
-              <a:gd name="adj1" fmla="val 0"/>
-            </a:avLst>
-          </a:prstGeom>
-          <a:solidFill>
-            <a:srgbClr val="FF0000"/>
-          </a:solidFill>
-          <a:ln>
-            <a:solidFill>
-              <a:srgbClr val="FF0000"/>
-            </a:solidFill>
-          </a:ln>
-        </p:spPr>
-        <p:style>
-          <a:lnRef idx="2">
-            <a:schemeClr val="accent1">
-              <a:shade val="50000"/>
-            </a:schemeClr>
-          </a:lnRef>
-          <a:fillRef idx="1">
-            <a:schemeClr val="accent1"/>
-          </a:fillRef>
-          <a:effectRef idx="0">
-            <a:schemeClr val="accent1"/>
-          </a:effectRef>
-          <a:fontRef idx="minor">
-            <a:schemeClr val="lt1"/>
-          </a:fontRef>
-        </p:style>
-        <p:txBody>
-          <a:bodyPr rtlCol="0" anchor="ctr"/>
-          <a:lstStyle/>
-          <a:p>
-            <a:pPr algn="ctr"/>
-            <a:endParaRPr lang="ko-KR" altLang="en-US">
-              <a:solidFill>
-                <a:schemeClr val="tx1"/>
-              </a:solidFill>
-            </a:endParaRPr>
-          </a:p>
-        </p:txBody>
-      </p:sp>
-      <p:sp>
-        <p:nvSpPr>
-          <p:cNvPr id="8" name="액자 7">
-            <a:extLst>
-              <a:ext uri="{FF2B5EF4-FFF2-40B4-BE49-F238E27FC236}">
-                <a16:creationId xmlns:a16="http://schemas.microsoft.com/office/drawing/2014/main" id="{9CF2AF09-EDBE-4CB2-83FF-79B175B51BF7}"/>
-              </a:ext>
-            </a:extLst>
-          </p:cNvPr>
-          <p:cNvSpPr/>
-          <p:nvPr/>
-        </p:nvSpPr>
-        <p:spPr>
-          <a:xfrm>
-            <a:off x="2514600" y="5410200"/>
-            <a:ext cx="2438400" cy="228600"/>
-          </a:xfrm>
-          <a:prstGeom prst="frame">
-            <a:avLst>
-              <a:gd name="adj1" fmla="val 0"/>
-            </a:avLst>
-          </a:prstGeom>
-          <a:solidFill>
-            <a:srgbClr val="FF0000"/>
-          </a:solidFill>
-          <a:ln>
-            <a:solidFill>
-              <a:srgbClr val="FF0000"/>
-            </a:solidFill>
-          </a:ln>
-        </p:spPr>
-        <p:style>
-          <a:lnRef idx="2">
-            <a:schemeClr val="accent1">
-              <a:shade val="50000"/>
-            </a:schemeClr>
-          </a:lnRef>
-          <a:fillRef idx="1">
-            <a:schemeClr val="accent1"/>
-          </a:fillRef>
-          <a:effectRef idx="0">
-            <a:schemeClr val="accent1"/>
-          </a:effectRef>
-          <a:fontRef idx="minor">
-            <a:schemeClr val="lt1"/>
-          </a:fontRef>
-        </p:style>
-        <p:txBody>
-          <a:bodyPr rtlCol="0" anchor="ctr"/>
-          <a:lstStyle/>
-          <a:p>
-            <a:pPr algn="ctr"/>
-            <a:endParaRPr lang="ko-KR" altLang="en-US">
-              <a:solidFill>
-                <a:schemeClr val="tx1"/>
-              </a:solidFill>
-            </a:endParaRPr>
-          </a:p>
-        </p:txBody>
-      </p:sp>
-    </p:spTree>
-    <p:extLst>
-      <p:ext uri="{BB962C8B-B14F-4D97-AF65-F5344CB8AC3E}">
-        <p14:creationId xmlns:p14="http://schemas.microsoft.com/office/powerpoint/2010/main" val="751966321"/>
-      </p:ext>
-    </p:extLst>
-  </p:cSld>
-  <p:clrMapOvr>
-    <a:masterClrMapping/>
-  </p:clrMapOvr>
-</p:sld>
-</file>
-
 <file path=ppt/slides/slide25.xml><?xml version="1.0" encoding="utf-8"?>
 <p:sld xmlns:a="http://schemas.openxmlformats.org/drawingml/2006/main" xmlns:r="http://schemas.openxmlformats.org/officeDocument/2006/relationships" xmlns:p="http://schemas.openxmlformats.org/presentationml/2006/main">
   <p:cSld>
@@ -7135,20 +7028,20 @@
             </a:pPr>
             <a:r>
               <a:rPr lang="en-US" sz="3600" b="1" spc="-185" dirty="0">
-                <a:latin typeface="Trebuchet MS"/>
+                <a:latin typeface="Calibri" panose="020F0502020204030204" pitchFamily="34" charset="0"/>
                 <a:cs typeface="UnDinaru"/>
               </a:rPr>
               <a:t>Comprehend </a:t>
             </a:r>
             <a:r>
               <a:rPr lang="ko-KR" altLang="en-US" sz="3600" b="1" spc="-185" dirty="0">
-                <a:latin typeface="Trebuchet MS"/>
+                <a:latin typeface="Calibri" panose="020F0502020204030204" pitchFamily="34" charset="0"/>
                 <a:cs typeface="UnDinaru"/>
               </a:rPr>
               <a:t>사용을 위한 권한 설정</a:t>
             </a:r>
             <a:endParaRPr sz="3600" b="1" dirty="0">
-              <a:latin typeface="UnDinaru"/>
+              <a:latin typeface="Calibri" panose="020F0502020204030204" pitchFamily="34" charset="0"/>
               <a:cs typeface="UnDinaru"/>
             </a:endParaRPr>
           </a:p>
@@ -7188,6 +7081,66 @@
           </a:p>
         </p:txBody>
       </p:sp>
+      <p:pic>
+        <p:nvPicPr>
+          <p:cNvPr id="3" name="그림 2">
+            <a:extLst>
+              <a:ext uri="{FF2B5EF4-FFF2-40B4-BE49-F238E27FC236}">
+                <a16:creationId xmlns:a16="http://schemas.microsoft.com/office/drawing/2014/main" id="{B62C0058-3024-44E2-8225-E7E95FACF411}"/>
+              </a:ext>
+            </a:extLst>
+          </p:cNvPr>
+          <p:cNvPicPr>
+            <a:picLocks noChangeAspect="1"/>
+          </p:cNvPicPr>
+          <p:nvPr/>
+        </p:nvPicPr>
+        <p:blipFill>
+          <a:blip r:embed="rId2"/>
+          <a:stretch>
+            <a:fillRect/>
+          </a:stretch>
+        </p:blipFill>
+        <p:spPr>
+          <a:xfrm>
+            <a:off x="228600" y="1219200"/>
+            <a:ext cx="7299378" cy="2251936"/>
+          </a:xfrm>
+          <a:prstGeom prst="rect">
+            <a:avLst/>
+          </a:prstGeom>
+        </p:spPr>
+      </p:pic>
+      <p:pic>
+        <p:nvPicPr>
+          <p:cNvPr id="10" name="그림 9">
+            <a:extLst>
+              <a:ext uri="{FF2B5EF4-FFF2-40B4-BE49-F238E27FC236}">
+                <a16:creationId xmlns:a16="http://schemas.microsoft.com/office/drawing/2014/main" id="{BC09FF27-6A13-48A8-B512-057B3E59382D}"/>
+              </a:ext>
+            </a:extLst>
+          </p:cNvPr>
+          <p:cNvPicPr>
+            <a:picLocks noChangeAspect="1"/>
+          </p:cNvPicPr>
+          <p:nvPr/>
+        </p:nvPicPr>
+        <p:blipFill>
+          <a:blip r:embed="rId3"/>
+          <a:stretch>
+            <a:fillRect/>
+          </a:stretch>
+        </p:blipFill>
+        <p:spPr>
+          <a:xfrm>
+            <a:off x="1727721" y="3256623"/>
+            <a:ext cx="6593262" cy="2933699"/>
+          </a:xfrm>
+          <a:prstGeom prst="rect">
+            <a:avLst/>
+          </a:prstGeom>
+        </p:spPr>
+      </p:pic>
       <p:sp>
         <p:nvSpPr>
           <p:cNvPr id="6" name="액자 5">
@@ -7202,8 +7155,8 @@
         </p:nvSpPr>
         <p:spPr>
           <a:xfrm>
-            <a:off x="1143000" y="3886200"/>
-            <a:ext cx="6695388" cy="304800"/>
+            <a:off x="2667000" y="1981200"/>
+            <a:ext cx="2286000" cy="304800"/>
           </a:xfrm>
           <a:prstGeom prst="frame">
             <a:avLst>
@@ -7248,36 +7201,6 @@
           </a:p>
         </p:txBody>
       </p:sp>
-      <p:pic>
-        <p:nvPicPr>
-          <p:cNvPr id="4" name="그림 3">
-            <a:extLst>
-              <a:ext uri="{FF2B5EF4-FFF2-40B4-BE49-F238E27FC236}">
-                <a16:creationId xmlns:a16="http://schemas.microsoft.com/office/drawing/2014/main" id="{C251ADA6-E8B0-4817-BF77-204A24C53B51}"/>
-              </a:ext>
-            </a:extLst>
-          </p:cNvPr>
-          <p:cNvPicPr>
-            <a:picLocks noChangeAspect="1"/>
-          </p:cNvPicPr>
-          <p:nvPr/>
-        </p:nvPicPr>
-        <p:blipFill>
-          <a:blip r:embed="rId2"/>
-          <a:stretch>
-            <a:fillRect/>
-          </a:stretch>
-        </p:blipFill>
-        <p:spPr>
-          <a:xfrm>
-            <a:off x="304113" y="1295400"/>
-            <a:ext cx="7534275" cy="3267075"/>
-          </a:xfrm>
-          <a:prstGeom prst="rect">
-            <a:avLst/>
-          </a:prstGeom>
-        </p:spPr>
-      </p:pic>
       <p:sp>
         <p:nvSpPr>
           <p:cNvPr id="8" name="액자 7">
@@ -7292,8 +7215,8 @@
         </p:nvSpPr>
         <p:spPr>
           <a:xfrm>
-            <a:off x="434419" y="2204721"/>
-            <a:ext cx="1454477" cy="448307"/>
+            <a:off x="2514600" y="5410200"/>
+            <a:ext cx="2438400" cy="228600"/>
           </a:xfrm>
           <a:prstGeom prst="frame">
             <a:avLst>
@@ -7341,6 +7264,270 @@
     </p:spTree>
     <p:extLst>
       <p:ext uri="{BB962C8B-B14F-4D97-AF65-F5344CB8AC3E}">
+        <p14:creationId xmlns:p14="http://schemas.microsoft.com/office/powerpoint/2010/main" val="751966321"/>
+      </p:ext>
+    </p:extLst>
+  </p:cSld>
+  <p:clrMapOvr>
+    <a:masterClrMapping/>
+  </p:clrMapOvr>
+</p:sld>
+</file>
+
+<file path=ppt/slides/slide26.xml><?xml version="1.0" encoding="utf-8"?>
+<p:sld xmlns:a="http://schemas.openxmlformats.org/drawingml/2006/main" xmlns:r="http://schemas.openxmlformats.org/officeDocument/2006/relationships" xmlns:p="http://schemas.openxmlformats.org/presentationml/2006/main">
+  <p:cSld>
+    <p:spTree>
+      <p:nvGrpSpPr>
+        <p:cNvPr id="1" name=""/>
+        <p:cNvGrpSpPr/>
+        <p:nvPr/>
+      </p:nvGrpSpPr>
+      <p:grpSpPr>
+        <a:xfrm>
+          <a:off x="0" y="0"/>
+          <a:ext cx="0" cy="0"/>
+          <a:chOff x="0" y="0"/>
+          <a:chExt cx="0" cy="0"/>
+        </a:xfrm>
+      </p:grpSpPr>
+      <p:sp>
+        <p:nvSpPr>
+          <p:cNvPr id="2" name="object 2"/>
+          <p:cNvSpPr txBox="1"/>
+          <p:nvPr/>
+        </p:nvSpPr>
+        <p:spPr>
+          <a:xfrm>
+            <a:off x="474370" y="177546"/>
+            <a:ext cx="8364830" cy="566822"/>
+          </a:xfrm>
+          <a:prstGeom prst="rect">
+            <a:avLst/>
+          </a:prstGeom>
+        </p:spPr>
+        <p:txBody>
+          <a:bodyPr vert="horz" wrap="square" lIns="0" tIns="12700" rIns="0" bIns="0" rtlCol="0">
+            <a:spAutoFit/>
+          </a:bodyPr>
+          <a:lstStyle/>
+          <a:p>
+            <a:pPr marL="12700">
+              <a:lnSpc>
+                <a:spcPct val="100000"/>
+              </a:lnSpc>
+              <a:spcBef>
+                <a:spcPts val="100"/>
+              </a:spcBef>
+            </a:pPr>
+            <a:r>
+              <a:rPr lang="en-US" sz="3600" b="1" spc="-185" dirty="0">
+                <a:latin typeface="Calibri" panose="020F0502020204030204" pitchFamily="34" charset="0"/>
+                <a:cs typeface="UnDinaru"/>
+              </a:rPr>
+              <a:t>Comprehend </a:t>
+            </a:r>
+            <a:r>
+              <a:rPr lang="ko-KR" altLang="en-US" sz="3600" b="1" spc="-185" dirty="0">
+                <a:latin typeface="Calibri" panose="020F0502020204030204" pitchFamily="34" charset="0"/>
+                <a:cs typeface="UnDinaru"/>
+              </a:rPr>
+              <a:t>사용을 위한 권한 설정</a:t>
+            </a:r>
+            <a:endParaRPr sz="3600" b="1" dirty="0">
+              <a:latin typeface="Calibri" panose="020F0502020204030204" pitchFamily="34" charset="0"/>
+              <a:cs typeface="UnDinaru"/>
+            </a:endParaRPr>
+          </a:p>
+        </p:txBody>
+      </p:sp>
+      <p:sp>
+        <p:nvSpPr>
+          <p:cNvPr id="7" name="object 7"/>
+          <p:cNvSpPr txBox="1">
+            <a:spLocks noGrp="1"/>
+          </p:cNvSpPr>
+          <p:nvPr>
+            <p:ph type="sldNum" sz="quarter" idx="7"/>
+          </p:nvPr>
+        </p:nvSpPr>
+        <p:spPr>
+          <a:prstGeom prst="rect">
+            <a:avLst/>
+          </a:prstGeom>
+        </p:spPr>
+        <p:txBody>
+          <a:bodyPr vert="horz" wrap="square" lIns="0" tIns="0" rIns="0" bIns="0" rtlCol="0">
+            <a:spAutoFit/>
+          </a:bodyPr>
+          <a:lstStyle/>
+          <a:p>
+            <a:pPr marL="38100">
+              <a:lnSpc>
+                <a:spcPts val="1240"/>
+              </a:lnSpc>
+            </a:pPr>
+            <a:fld id="{81D60167-4931-47E6-BA6A-407CBD079E47}" type="slidenum">
+              <a:rPr dirty="0"/>
+              <a:t>26</a:t>
+            </a:fld>
+            <a:endParaRPr dirty="0"/>
+          </a:p>
+        </p:txBody>
+      </p:sp>
+      <p:sp>
+        <p:nvSpPr>
+          <p:cNvPr id="6" name="액자 5">
+            <a:extLst>
+              <a:ext uri="{FF2B5EF4-FFF2-40B4-BE49-F238E27FC236}">
+                <a16:creationId xmlns:a16="http://schemas.microsoft.com/office/drawing/2014/main" id="{94D46BAE-84E5-4CDB-B899-3BEFFDA38138}"/>
+              </a:ext>
+            </a:extLst>
+          </p:cNvPr>
+          <p:cNvSpPr/>
+          <p:nvPr/>
+        </p:nvSpPr>
+        <p:spPr>
+          <a:xfrm>
+            <a:off x="1143000" y="3886200"/>
+            <a:ext cx="6695388" cy="304800"/>
+          </a:xfrm>
+          <a:prstGeom prst="frame">
+            <a:avLst>
+              <a:gd name="adj1" fmla="val 0"/>
+            </a:avLst>
+          </a:prstGeom>
+          <a:solidFill>
+            <a:srgbClr val="FF0000"/>
+          </a:solidFill>
+          <a:ln>
+            <a:solidFill>
+              <a:srgbClr val="FF0000"/>
+            </a:solidFill>
+          </a:ln>
+        </p:spPr>
+        <p:style>
+          <a:lnRef idx="2">
+            <a:schemeClr val="accent1">
+              <a:shade val="50000"/>
+            </a:schemeClr>
+          </a:lnRef>
+          <a:fillRef idx="1">
+            <a:schemeClr val="accent1"/>
+          </a:fillRef>
+          <a:effectRef idx="0">
+            <a:schemeClr val="accent1"/>
+          </a:effectRef>
+          <a:fontRef idx="minor">
+            <a:schemeClr val="lt1"/>
+          </a:fontRef>
+        </p:style>
+        <p:txBody>
+          <a:bodyPr rtlCol="0" anchor="ctr"/>
+          <a:lstStyle/>
+          <a:p>
+            <a:pPr algn="ctr"/>
+            <a:endParaRPr lang="ko-KR" altLang="en-US">
+              <a:solidFill>
+                <a:schemeClr val="tx1"/>
+              </a:solidFill>
+            </a:endParaRPr>
+          </a:p>
+        </p:txBody>
+      </p:sp>
+      <p:pic>
+        <p:nvPicPr>
+          <p:cNvPr id="4" name="그림 3">
+            <a:extLst>
+              <a:ext uri="{FF2B5EF4-FFF2-40B4-BE49-F238E27FC236}">
+                <a16:creationId xmlns:a16="http://schemas.microsoft.com/office/drawing/2014/main" id="{C251ADA6-E8B0-4817-BF77-204A24C53B51}"/>
+              </a:ext>
+            </a:extLst>
+          </p:cNvPr>
+          <p:cNvPicPr>
+            <a:picLocks noChangeAspect="1"/>
+          </p:cNvPicPr>
+          <p:nvPr/>
+        </p:nvPicPr>
+        <p:blipFill>
+          <a:blip r:embed="rId2"/>
+          <a:stretch>
+            <a:fillRect/>
+          </a:stretch>
+        </p:blipFill>
+        <p:spPr>
+          <a:xfrm>
+            <a:off x="304113" y="1295400"/>
+            <a:ext cx="7534275" cy="3267075"/>
+          </a:xfrm>
+          <a:prstGeom prst="rect">
+            <a:avLst/>
+          </a:prstGeom>
+        </p:spPr>
+      </p:pic>
+      <p:sp>
+        <p:nvSpPr>
+          <p:cNvPr id="8" name="액자 7">
+            <a:extLst>
+              <a:ext uri="{FF2B5EF4-FFF2-40B4-BE49-F238E27FC236}">
+                <a16:creationId xmlns:a16="http://schemas.microsoft.com/office/drawing/2014/main" id="{9CF2AF09-EDBE-4CB2-83FF-79B175B51BF7}"/>
+              </a:ext>
+            </a:extLst>
+          </p:cNvPr>
+          <p:cNvSpPr/>
+          <p:nvPr/>
+        </p:nvSpPr>
+        <p:spPr>
+          <a:xfrm>
+            <a:off x="434419" y="2204721"/>
+            <a:ext cx="1454477" cy="448307"/>
+          </a:xfrm>
+          <a:prstGeom prst="frame">
+            <a:avLst>
+              <a:gd name="adj1" fmla="val 0"/>
+            </a:avLst>
+          </a:prstGeom>
+          <a:solidFill>
+            <a:srgbClr val="FF0000"/>
+          </a:solidFill>
+          <a:ln>
+            <a:solidFill>
+              <a:srgbClr val="FF0000"/>
+            </a:solidFill>
+          </a:ln>
+        </p:spPr>
+        <p:style>
+          <a:lnRef idx="2">
+            <a:schemeClr val="accent1">
+              <a:shade val="50000"/>
+            </a:schemeClr>
+          </a:lnRef>
+          <a:fillRef idx="1">
+            <a:schemeClr val="accent1"/>
+          </a:fillRef>
+          <a:effectRef idx="0">
+            <a:schemeClr val="accent1"/>
+          </a:effectRef>
+          <a:fontRef idx="minor">
+            <a:schemeClr val="lt1"/>
+          </a:fontRef>
+        </p:style>
+        <p:txBody>
+          <a:bodyPr rtlCol="0" anchor="ctr"/>
+          <a:lstStyle/>
+          <a:p>
+            <a:pPr algn="ctr"/>
+            <a:endParaRPr lang="ko-KR" altLang="en-US">
+              <a:solidFill>
+                <a:schemeClr val="tx1"/>
+              </a:solidFill>
+            </a:endParaRPr>
+          </a:p>
+        </p:txBody>
+      </p:sp>
+    </p:spTree>
+    <p:extLst>
+      <p:ext uri="{BB962C8B-B14F-4D97-AF65-F5344CB8AC3E}">
         <p14:creationId xmlns:p14="http://schemas.microsoft.com/office/powerpoint/2010/main" val="1067332593"/>
       </p:ext>
     </p:extLst>
@@ -7351,7 +7538,7 @@
 </p:sld>
 </file>
 
-<file path=ppt/slides/slide26.xml><?xml version="1.0" encoding="utf-8"?>
+<file path=ppt/slides/slide27.xml><?xml version="1.0" encoding="utf-8"?>
 <p:sld xmlns:a="http://schemas.openxmlformats.org/drawingml/2006/main" xmlns:r="http://schemas.openxmlformats.org/officeDocument/2006/relationships" xmlns:p="http://schemas.openxmlformats.org/presentationml/2006/main">
   <p:cSld>
     <p:spTree>
@@ -7429,20 +7616,20 @@
             </a:pPr>
             <a:r>
               <a:rPr lang="en-US" sz="3600" b="1" spc="-185" dirty="0">
-                <a:latin typeface="Trebuchet MS"/>
+                <a:latin typeface="Calibri" panose="020F0502020204030204" pitchFamily="34" charset="0"/>
                 <a:cs typeface="UnDinaru"/>
               </a:rPr>
               <a:t>Comprehend </a:t>
             </a:r>
             <a:r>
               <a:rPr lang="ko-KR" altLang="en-US" sz="3600" b="1" spc="-185" dirty="0">
-                <a:latin typeface="Trebuchet MS"/>
+                <a:latin typeface="Calibri" panose="020F0502020204030204" pitchFamily="34" charset="0"/>
                 <a:cs typeface="UnDinaru"/>
               </a:rPr>
               <a:t>사용을 위한 권한 설정</a:t>
             </a:r>
             <a:endParaRPr sz="3600" b="1" dirty="0">
-              <a:latin typeface="UnDinaru"/>
+              <a:latin typeface="Calibri" panose="020F0502020204030204" pitchFamily="34" charset="0"/>
               <a:cs typeface="UnDinaru"/>
             </a:endParaRPr>
           </a:p>
@@ -7476,7 +7663,7 @@
             </a:pPr>
             <a:fld id="{81D60167-4931-47E6-BA6A-407CBD079E47}" type="slidenum">
               <a:rPr dirty="0"/>
-              <a:t>26</a:t>
+              <a:t>27</a:t>
             </a:fld>
             <a:endParaRPr dirty="0"/>
           </a:p>
@@ -7619,423 +7806,6 @@
     <p:extLst>
       <p:ext uri="{BB962C8B-B14F-4D97-AF65-F5344CB8AC3E}">
         <p14:creationId xmlns:p14="http://schemas.microsoft.com/office/powerpoint/2010/main" val="592164141"/>
-      </p:ext>
-    </p:extLst>
-  </p:cSld>
-  <p:clrMapOvr>
-    <a:masterClrMapping/>
-  </p:clrMapOvr>
-</p:sld>
-</file>
-
-<file path=ppt/slides/slide27.xml><?xml version="1.0" encoding="utf-8"?>
-<p:sld xmlns:a="http://schemas.openxmlformats.org/drawingml/2006/main" xmlns:r="http://schemas.openxmlformats.org/officeDocument/2006/relationships" xmlns:p="http://schemas.openxmlformats.org/presentationml/2006/main">
-  <p:cSld>
-    <p:spTree>
-      <p:nvGrpSpPr>
-        <p:cNvPr id="1" name=""/>
-        <p:cNvGrpSpPr/>
-        <p:nvPr/>
-      </p:nvGrpSpPr>
-      <p:grpSpPr>
-        <a:xfrm>
-          <a:off x="0" y="0"/>
-          <a:ext cx="0" cy="0"/>
-          <a:chOff x="0" y="0"/>
-          <a:chExt cx="0" cy="0"/>
-        </a:xfrm>
-      </p:grpSpPr>
-      <p:sp>
-        <p:nvSpPr>
-          <p:cNvPr id="2" name="object 2"/>
-          <p:cNvSpPr txBox="1"/>
-          <p:nvPr/>
-        </p:nvSpPr>
-        <p:spPr>
-          <a:xfrm>
-            <a:off x="474370" y="177546"/>
-            <a:ext cx="8364830" cy="566822"/>
-          </a:xfrm>
-          <a:prstGeom prst="rect">
-            <a:avLst/>
-          </a:prstGeom>
-        </p:spPr>
-        <p:txBody>
-          <a:bodyPr vert="horz" wrap="square" lIns="0" tIns="12700" rIns="0" bIns="0" rtlCol="0">
-            <a:spAutoFit/>
-          </a:bodyPr>
-          <a:lstStyle/>
-          <a:p>
-            <a:pPr marL="12700">
-              <a:lnSpc>
-                <a:spcPct val="100000"/>
-              </a:lnSpc>
-              <a:spcBef>
-                <a:spcPts val="100"/>
-              </a:spcBef>
-            </a:pPr>
-            <a:r>
-              <a:rPr lang="en-US" sz="3600" b="1" spc="-185" dirty="0">
-                <a:latin typeface="Trebuchet MS"/>
-                <a:cs typeface="UnDinaru"/>
-              </a:rPr>
-              <a:t>Comprehend </a:t>
-            </a:r>
-            <a:r>
-              <a:rPr lang="ko-KR" altLang="en-US" sz="3600" b="1" spc="-185" dirty="0">
-                <a:latin typeface="Trebuchet MS"/>
-                <a:cs typeface="UnDinaru"/>
-              </a:rPr>
-              <a:t>함수 작성 </a:t>
-            </a:r>
-            <a:r>
-              <a:rPr lang="en-US" altLang="ko-KR" sz="3600" b="1" spc="-185" dirty="0">
-                <a:latin typeface="Trebuchet MS"/>
-                <a:cs typeface="UnDinaru"/>
-              </a:rPr>
-              <a:t>/ </a:t>
-            </a:r>
-            <a:r>
-              <a:rPr lang="ko-KR" altLang="en-US" sz="3600" b="1" spc="-185" dirty="0">
-                <a:latin typeface="Trebuchet MS"/>
-                <a:cs typeface="UnDinaru"/>
-              </a:rPr>
-              <a:t>테스트</a:t>
-            </a:r>
-            <a:endParaRPr sz="3600" b="1" dirty="0">
-              <a:latin typeface="UnDinaru"/>
-              <a:cs typeface="UnDinaru"/>
-            </a:endParaRPr>
-          </a:p>
-        </p:txBody>
-      </p:sp>
-      <p:sp>
-        <p:nvSpPr>
-          <p:cNvPr id="7" name="object 7"/>
-          <p:cNvSpPr txBox="1">
-            <a:spLocks noGrp="1"/>
-          </p:cNvSpPr>
-          <p:nvPr>
-            <p:ph type="sldNum" sz="quarter" idx="7"/>
-          </p:nvPr>
-        </p:nvSpPr>
-        <p:spPr>
-          <a:prstGeom prst="rect">
-            <a:avLst/>
-          </a:prstGeom>
-        </p:spPr>
-        <p:txBody>
-          <a:bodyPr vert="horz" wrap="square" lIns="0" tIns="0" rIns="0" bIns="0" rtlCol="0">
-            <a:spAutoFit/>
-          </a:bodyPr>
-          <a:lstStyle/>
-          <a:p>
-            <a:pPr marL="38100">
-              <a:lnSpc>
-                <a:spcPts val="1240"/>
-              </a:lnSpc>
-            </a:pPr>
-            <a:fld id="{81D60167-4931-47E6-BA6A-407CBD079E47}" type="slidenum">
-              <a:rPr dirty="0"/>
-              <a:t>27</a:t>
-            </a:fld>
-            <a:endParaRPr dirty="0"/>
-          </a:p>
-        </p:txBody>
-      </p:sp>
-      <p:pic>
-        <p:nvPicPr>
-          <p:cNvPr id="11" name="그림 10">
-            <a:extLst>
-              <a:ext uri="{FF2B5EF4-FFF2-40B4-BE49-F238E27FC236}">
-                <a16:creationId xmlns:a16="http://schemas.microsoft.com/office/drawing/2014/main" id="{C9B150E8-8417-443A-880C-DA5248018061}"/>
-              </a:ext>
-            </a:extLst>
-          </p:cNvPr>
-          <p:cNvPicPr>
-            <a:picLocks noChangeAspect="1"/>
-          </p:cNvPicPr>
-          <p:nvPr/>
-        </p:nvPicPr>
-        <p:blipFill>
-          <a:blip r:embed="rId3"/>
-          <a:stretch>
-            <a:fillRect/>
-          </a:stretch>
-        </p:blipFill>
-        <p:spPr>
-          <a:xfrm>
-            <a:off x="833437" y="3009900"/>
-            <a:ext cx="7477125" cy="838200"/>
-          </a:xfrm>
-          <a:prstGeom prst="rect">
-            <a:avLst/>
-          </a:prstGeom>
-        </p:spPr>
-      </p:pic>
-      <p:pic>
-        <p:nvPicPr>
-          <p:cNvPr id="4" name="그림 3">
-            <a:extLst>
-              <a:ext uri="{FF2B5EF4-FFF2-40B4-BE49-F238E27FC236}">
-                <a16:creationId xmlns:a16="http://schemas.microsoft.com/office/drawing/2014/main" id="{1101C2EF-83E2-4AE8-B55D-0915E4D8D0EC}"/>
-              </a:ext>
-            </a:extLst>
-          </p:cNvPr>
-          <p:cNvPicPr>
-            <a:picLocks noChangeAspect="1"/>
-          </p:cNvPicPr>
-          <p:nvPr/>
-        </p:nvPicPr>
-        <p:blipFill>
-          <a:blip r:embed="rId4"/>
-          <a:stretch>
-            <a:fillRect/>
-          </a:stretch>
-        </p:blipFill>
-        <p:spPr>
-          <a:xfrm>
-            <a:off x="424992" y="1277589"/>
-            <a:ext cx="7620000" cy="2570511"/>
-          </a:xfrm>
-          <a:prstGeom prst="rect">
-            <a:avLst/>
-          </a:prstGeom>
-        </p:spPr>
-      </p:pic>
-      <p:pic>
-        <p:nvPicPr>
-          <p:cNvPr id="12" name="그림 11">
-            <a:extLst>
-              <a:ext uri="{FF2B5EF4-FFF2-40B4-BE49-F238E27FC236}">
-                <a16:creationId xmlns:a16="http://schemas.microsoft.com/office/drawing/2014/main" id="{6EFD646A-0FD8-4C4F-B30B-9FD5B2A29F16}"/>
-              </a:ext>
-            </a:extLst>
-          </p:cNvPr>
-          <p:cNvPicPr>
-            <a:picLocks noChangeAspect="1"/>
-          </p:cNvPicPr>
-          <p:nvPr/>
-        </p:nvPicPr>
-        <p:blipFill>
-          <a:blip r:embed="rId5"/>
-          <a:stretch>
-            <a:fillRect/>
-          </a:stretch>
-        </p:blipFill>
-        <p:spPr>
-          <a:xfrm>
-            <a:off x="493224" y="4067175"/>
-            <a:ext cx="7886700" cy="1076325"/>
-          </a:xfrm>
-          <a:prstGeom prst="rect">
-            <a:avLst/>
-          </a:prstGeom>
-        </p:spPr>
-      </p:pic>
-      <p:sp>
-        <p:nvSpPr>
-          <p:cNvPr id="14" name="액자 13">
-            <a:extLst>
-              <a:ext uri="{FF2B5EF4-FFF2-40B4-BE49-F238E27FC236}">
-                <a16:creationId xmlns:a16="http://schemas.microsoft.com/office/drawing/2014/main" id="{CFF86527-5E45-419B-9902-1E796B1C5064}"/>
-              </a:ext>
-            </a:extLst>
-          </p:cNvPr>
-          <p:cNvSpPr/>
-          <p:nvPr/>
-        </p:nvSpPr>
-        <p:spPr>
-          <a:xfrm>
-            <a:off x="7327683" y="4191000"/>
-            <a:ext cx="902551" cy="351572"/>
-          </a:xfrm>
-          <a:prstGeom prst="frame">
-            <a:avLst>
-              <a:gd name="adj1" fmla="val 0"/>
-            </a:avLst>
-          </a:prstGeom>
-          <a:solidFill>
-            <a:srgbClr val="FF0000"/>
-          </a:solidFill>
-          <a:ln>
-            <a:solidFill>
-              <a:srgbClr val="FF0000"/>
-            </a:solidFill>
-          </a:ln>
-        </p:spPr>
-        <p:style>
-          <a:lnRef idx="2">
-            <a:schemeClr val="accent1">
-              <a:shade val="50000"/>
-            </a:schemeClr>
-          </a:lnRef>
-          <a:fillRef idx="1">
-            <a:schemeClr val="accent1"/>
-          </a:fillRef>
-          <a:effectRef idx="0">
-            <a:schemeClr val="accent1"/>
-          </a:effectRef>
-          <a:fontRef idx="minor">
-            <a:schemeClr val="lt1"/>
-          </a:fontRef>
-        </p:style>
-        <p:txBody>
-          <a:bodyPr rtlCol="0" anchor="ctr"/>
-          <a:lstStyle/>
-          <a:p>
-            <a:pPr algn="ctr"/>
-            <a:endParaRPr lang="ko-KR" altLang="en-US">
-              <a:solidFill>
-                <a:schemeClr val="tx1"/>
-              </a:solidFill>
-            </a:endParaRPr>
-          </a:p>
-        </p:txBody>
-      </p:sp>
-      <p:sp>
-        <p:nvSpPr>
-          <p:cNvPr id="15" name="액자 14">
-            <a:extLst>
-              <a:ext uri="{FF2B5EF4-FFF2-40B4-BE49-F238E27FC236}">
-                <a16:creationId xmlns:a16="http://schemas.microsoft.com/office/drawing/2014/main" id="{65F04927-0447-457D-B45C-944D28BE2B12}"/>
-              </a:ext>
-            </a:extLst>
-          </p:cNvPr>
-          <p:cNvSpPr/>
-          <p:nvPr/>
-        </p:nvSpPr>
-        <p:spPr>
-          <a:xfrm>
-            <a:off x="6324600" y="4191000"/>
-            <a:ext cx="902551" cy="351572"/>
-          </a:xfrm>
-          <a:prstGeom prst="frame">
-            <a:avLst>
-              <a:gd name="adj1" fmla="val 0"/>
-            </a:avLst>
-          </a:prstGeom>
-          <a:solidFill>
-            <a:srgbClr val="FF0000"/>
-          </a:solidFill>
-          <a:ln>
-            <a:solidFill>
-              <a:srgbClr val="FF0000"/>
-            </a:solidFill>
-          </a:ln>
-        </p:spPr>
-        <p:style>
-          <a:lnRef idx="2">
-            <a:schemeClr val="accent1">
-              <a:shade val="50000"/>
-            </a:schemeClr>
-          </a:lnRef>
-          <a:fillRef idx="1">
-            <a:schemeClr val="accent1"/>
-          </a:fillRef>
-          <a:effectRef idx="0">
-            <a:schemeClr val="accent1"/>
-          </a:effectRef>
-          <a:fontRef idx="minor">
-            <a:schemeClr val="lt1"/>
-          </a:fontRef>
-        </p:style>
-        <p:txBody>
-          <a:bodyPr rtlCol="0" anchor="ctr"/>
-          <a:lstStyle/>
-          <a:p>
-            <a:pPr algn="ctr"/>
-            <a:endParaRPr lang="ko-KR" altLang="en-US">
-              <a:solidFill>
-                <a:schemeClr val="tx1"/>
-              </a:solidFill>
-            </a:endParaRPr>
-          </a:p>
-        </p:txBody>
-      </p:sp>
-      <p:sp>
-        <p:nvSpPr>
-          <p:cNvPr id="16" name="TextBox 15">
-            <a:extLst>
-              <a:ext uri="{FF2B5EF4-FFF2-40B4-BE49-F238E27FC236}">
-                <a16:creationId xmlns:a16="http://schemas.microsoft.com/office/drawing/2014/main" id="{14AB0A7C-2328-4652-879A-C1F4288B9461}"/>
-              </a:ext>
-            </a:extLst>
-          </p:cNvPr>
-          <p:cNvSpPr txBox="1"/>
-          <p:nvPr/>
-        </p:nvSpPr>
-        <p:spPr>
-          <a:xfrm>
-            <a:off x="609600" y="5334000"/>
-            <a:ext cx="7620634" cy="1200329"/>
-          </a:xfrm>
-          <a:prstGeom prst="rect">
-            <a:avLst/>
-          </a:prstGeom>
-          <a:noFill/>
-        </p:spPr>
-        <p:txBody>
-          <a:bodyPr wrap="square" rtlCol="0">
-            <a:spAutoFit/>
-          </a:bodyPr>
-          <a:lstStyle/>
-          <a:p>
-            <a:pPr marL="342900" indent="-342900">
-              <a:buAutoNum type="arabicPeriod"/>
-            </a:pPr>
-            <a:r>
-              <a:rPr lang="en-US" altLang="ko-KR" dirty="0"/>
-              <a:t>save</a:t>
-            </a:r>
-            <a:r>
-              <a:rPr lang="ko-KR" altLang="en-US" dirty="0"/>
-              <a:t> 후</a:t>
-            </a:r>
-            <a:r>
-              <a:rPr lang="en-US" altLang="ko-KR" dirty="0"/>
-              <a:t>, 2. </a:t>
-            </a:r>
-            <a:r>
-              <a:rPr lang="ko-KR" altLang="en-US" dirty="0"/>
-              <a:t>테스트</a:t>
-            </a:r>
-            <a:endParaRPr lang="en-US" altLang="ko-KR" dirty="0"/>
-          </a:p>
-          <a:p>
-            <a:endParaRPr lang="en-US" altLang="ko-KR" dirty="0"/>
-          </a:p>
-          <a:p>
-            <a:r>
-              <a:rPr lang="ko-KR" altLang="en-US" dirty="0"/>
-              <a:t>테스트 설정 창이 팝업</a:t>
-            </a:r>
-            <a:r>
-              <a:rPr lang="en-US" altLang="ko-KR" dirty="0"/>
-              <a:t>,</a:t>
-            </a:r>
-          </a:p>
-          <a:p>
-            <a:r>
-              <a:rPr lang="ko-KR" altLang="en-US" dirty="0"/>
-              <a:t>기본 설정</a:t>
-            </a:r>
-            <a:r>
-              <a:rPr lang="en-US" altLang="ko-KR" dirty="0"/>
-              <a:t>/</a:t>
-            </a:r>
-            <a:r>
-              <a:rPr lang="ko-KR" altLang="en-US" dirty="0"/>
-              <a:t>이름을 지정하고 생성하기 버튼 클릭</a:t>
-            </a:r>
-            <a:endParaRPr lang="en-US" altLang="ko-KR" dirty="0"/>
-          </a:p>
-        </p:txBody>
-      </p:sp>
-    </p:spTree>
-    <p:extLst>
-      <p:ext uri="{BB962C8B-B14F-4D97-AF65-F5344CB8AC3E}">
-        <p14:creationId xmlns:p14="http://schemas.microsoft.com/office/powerpoint/2010/main" val="1264488530"/>
       </p:ext>
     </p:extLst>
   </p:cSld>
@@ -8092,25 +7862,80 @@
               </a:spcBef>
             </a:pPr>
             <a:r>
+              <a:rPr lang="en-US" sz="3600" b="1" spc="-185" dirty="0">
+                <a:latin typeface="Calibri" panose="020F0502020204030204" pitchFamily="34" charset="0"/>
+                <a:cs typeface="UnDinaru"/>
+              </a:rPr>
+              <a:t>Comprehend </a:t>
+            </a:r>
+            <a:r>
               <a:rPr lang="ko-KR" altLang="en-US" sz="3600" b="1" spc="-185" dirty="0">
-                <a:latin typeface="Trebuchet MS"/>
+                <a:latin typeface="Calibri" panose="020F0502020204030204" pitchFamily="34" charset="0"/>
                 <a:cs typeface="UnDinaru"/>
               </a:rPr>
-              <a:t>웹 브라우저에서 테스트</a:t>
+              <a:t>함수 작성 </a:t>
+            </a:r>
+            <a:r>
+              <a:rPr lang="en-US" altLang="ko-KR" sz="3600" b="1" spc="-185" dirty="0">
+                <a:latin typeface="Calibri" panose="020F0502020204030204" pitchFamily="34" charset="0"/>
+                <a:cs typeface="UnDinaru"/>
+              </a:rPr>
+              <a:t>/ </a:t>
+            </a:r>
+            <a:r>
+              <a:rPr lang="ko-KR" altLang="en-US" sz="3600" b="1" spc="-185" dirty="0">
+                <a:latin typeface="Calibri" panose="020F0502020204030204" pitchFamily="34" charset="0"/>
+                <a:cs typeface="UnDinaru"/>
+              </a:rPr>
+              <a:t>테스트</a:t>
             </a:r>
             <a:endParaRPr sz="3600" b="1" dirty="0">
-              <a:latin typeface="UnDinaru"/>
+              <a:latin typeface="Calibri" panose="020F0502020204030204" pitchFamily="34" charset="0"/>
               <a:cs typeface="UnDinaru"/>
             </a:endParaRPr>
           </a:p>
         </p:txBody>
       </p:sp>
+      <p:sp>
+        <p:nvSpPr>
+          <p:cNvPr id="7" name="object 7"/>
+          <p:cNvSpPr txBox="1">
+            <a:spLocks noGrp="1"/>
+          </p:cNvSpPr>
+          <p:nvPr>
+            <p:ph type="sldNum" sz="quarter" idx="7"/>
+          </p:nvPr>
+        </p:nvSpPr>
+        <p:spPr>
+          <a:prstGeom prst="rect">
+            <a:avLst/>
+          </a:prstGeom>
+        </p:spPr>
+        <p:txBody>
+          <a:bodyPr vert="horz" wrap="square" lIns="0" tIns="0" rIns="0" bIns="0" rtlCol="0">
+            <a:spAutoFit/>
+          </a:bodyPr>
+          <a:lstStyle/>
+          <a:p>
+            <a:pPr marL="38100">
+              <a:lnSpc>
+                <a:spcPts val="1240"/>
+              </a:lnSpc>
+            </a:pPr>
+            <a:fld id="{81D60167-4931-47E6-BA6A-407CBD079E47}" type="slidenum">
+              <a:rPr dirty="0"/>
+              <a:t>28</a:t>
+            </a:fld>
+            <a:endParaRPr dirty="0"/>
+          </a:p>
+        </p:txBody>
+      </p:sp>
       <p:pic>
         <p:nvPicPr>
-          <p:cNvPr id="3" name="그림 2">
+          <p:cNvPr id="11" name="그림 10">
             <a:extLst>
               <a:ext uri="{FF2B5EF4-FFF2-40B4-BE49-F238E27FC236}">
-                <a16:creationId xmlns:a16="http://schemas.microsoft.com/office/drawing/2014/main" id="{A3A97550-55A4-4B21-B4D5-28723ACFD14A}"/>
+                <a16:creationId xmlns:a16="http://schemas.microsoft.com/office/drawing/2014/main" id="{C9B150E8-8417-443A-880C-DA5248018061}"/>
               </a:ext>
             </a:extLst>
           </p:cNvPr>
@@ -8120,27 +7945,207 @@
           <p:nvPr/>
         </p:nvPicPr>
         <p:blipFill>
-          <a:blip r:embed="rId2"/>
+          <a:blip r:embed="rId3"/>
           <a:stretch>
             <a:fillRect/>
           </a:stretch>
         </p:blipFill>
         <p:spPr>
           <a:xfrm>
-            <a:off x="487725" y="1457137"/>
-            <a:ext cx="7162800" cy="5223317"/>
+            <a:off x="833437" y="3009900"/>
+            <a:ext cx="7477125" cy="838200"/>
           </a:xfrm>
           <a:prstGeom prst="rect">
             <a:avLst/>
           </a:prstGeom>
         </p:spPr>
       </p:pic>
-      <p:sp>
-        <p:nvSpPr>
-          <p:cNvPr id="5" name="TextBox 4">
+      <p:pic>
+        <p:nvPicPr>
+          <p:cNvPr id="4" name="그림 3">
             <a:extLst>
               <a:ext uri="{FF2B5EF4-FFF2-40B4-BE49-F238E27FC236}">
-                <a16:creationId xmlns:a16="http://schemas.microsoft.com/office/drawing/2014/main" id="{82C11C41-336A-49D2-9F7B-7F04AB1109ED}"/>
+                <a16:creationId xmlns:a16="http://schemas.microsoft.com/office/drawing/2014/main" id="{1101C2EF-83E2-4AE8-B55D-0915E4D8D0EC}"/>
+              </a:ext>
+            </a:extLst>
+          </p:cNvPr>
+          <p:cNvPicPr>
+            <a:picLocks noChangeAspect="1"/>
+          </p:cNvPicPr>
+          <p:nvPr/>
+        </p:nvPicPr>
+        <p:blipFill>
+          <a:blip r:embed="rId4"/>
+          <a:stretch>
+            <a:fillRect/>
+          </a:stretch>
+        </p:blipFill>
+        <p:spPr>
+          <a:xfrm>
+            <a:off x="424992" y="1277589"/>
+            <a:ext cx="7620000" cy="2570511"/>
+          </a:xfrm>
+          <a:prstGeom prst="rect">
+            <a:avLst/>
+          </a:prstGeom>
+        </p:spPr>
+      </p:pic>
+      <p:pic>
+        <p:nvPicPr>
+          <p:cNvPr id="12" name="그림 11">
+            <a:extLst>
+              <a:ext uri="{FF2B5EF4-FFF2-40B4-BE49-F238E27FC236}">
+                <a16:creationId xmlns:a16="http://schemas.microsoft.com/office/drawing/2014/main" id="{6EFD646A-0FD8-4C4F-B30B-9FD5B2A29F16}"/>
+              </a:ext>
+            </a:extLst>
+          </p:cNvPr>
+          <p:cNvPicPr>
+            <a:picLocks noChangeAspect="1"/>
+          </p:cNvPicPr>
+          <p:nvPr/>
+        </p:nvPicPr>
+        <p:blipFill>
+          <a:blip r:embed="rId5"/>
+          <a:stretch>
+            <a:fillRect/>
+          </a:stretch>
+        </p:blipFill>
+        <p:spPr>
+          <a:xfrm>
+            <a:off x="493224" y="4067175"/>
+            <a:ext cx="7886700" cy="1076325"/>
+          </a:xfrm>
+          <a:prstGeom prst="rect">
+            <a:avLst/>
+          </a:prstGeom>
+        </p:spPr>
+      </p:pic>
+      <p:sp>
+        <p:nvSpPr>
+          <p:cNvPr id="14" name="액자 13">
+            <a:extLst>
+              <a:ext uri="{FF2B5EF4-FFF2-40B4-BE49-F238E27FC236}">
+                <a16:creationId xmlns:a16="http://schemas.microsoft.com/office/drawing/2014/main" id="{CFF86527-5E45-419B-9902-1E796B1C5064}"/>
+              </a:ext>
+            </a:extLst>
+          </p:cNvPr>
+          <p:cNvSpPr/>
+          <p:nvPr/>
+        </p:nvSpPr>
+        <p:spPr>
+          <a:xfrm>
+            <a:off x="7327683" y="4191000"/>
+            <a:ext cx="902551" cy="351572"/>
+          </a:xfrm>
+          <a:prstGeom prst="frame">
+            <a:avLst>
+              <a:gd name="adj1" fmla="val 0"/>
+            </a:avLst>
+          </a:prstGeom>
+          <a:solidFill>
+            <a:srgbClr val="FF0000"/>
+          </a:solidFill>
+          <a:ln>
+            <a:solidFill>
+              <a:srgbClr val="FF0000"/>
+            </a:solidFill>
+          </a:ln>
+        </p:spPr>
+        <p:style>
+          <a:lnRef idx="2">
+            <a:schemeClr val="accent1">
+              <a:shade val="50000"/>
+            </a:schemeClr>
+          </a:lnRef>
+          <a:fillRef idx="1">
+            <a:schemeClr val="accent1"/>
+          </a:fillRef>
+          <a:effectRef idx="0">
+            <a:schemeClr val="accent1"/>
+          </a:effectRef>
+          <a:fontRef idx="minor">
+            <a:schemeClr val="lt1"/>
+          </a:fontRef>
+        </p:style>
+        <p:txBody>
+          <a:bodyPr rtlCol="0" anchor="ctr"/>
+          <a:lstStyle/>
+          <a:p>
+            <a:pPr algn="ctr"/>
+            <a:endParaRPr lang="ko-KR" altLang="en-US">
+              <a:solidFill>
+                <a:schemeClr val="tx1"/>
+              </a:solidFill>
+            </a:endParaRPr>
+          </a:p>
+        </p:txBody>
+      </p:sp>
+      <p:sp>
+        <p:nvSpPr>
+          <p:cNvPr id="15" name="액자 14">
+            <a:extLst>
+              <a:ext uri="{FF2B5EF4-FFF2-40B4-BE49-F238E27FC236}">
+                <a16:creationId xmlns:a16="http://schemas.microsoft.com/office/drawing/2014/main" id="{65F04927-0447-457D-B45C-944D28BE2B12}"/>
+              </a:ext>
+            </a:extLst>
+          </p:cNvPr>
+          <p:cNvSpPr/>
+          <p:nvPr/>
+        </p:nvSpPr>
+        <p:spPr>
+          <a:xfrm>
+            <a:off x="6324600" y="4191000"/>
+            <a:ext cx="902551" cy="351572"/>
+          </a:xfrm>
+          <a:prstGeom prst="frame">
+            <a:avLst>
+              <a:gd name="adj1" fmla="val 0"/>
+            </a:avLst>
+          </a:prstGeom>
+          <a:solidFill>
+            <a:srgbClr val="FF0000"/>
+          </a:solidFill>
+          <a:ln>
+            <a:solidFill>
+              <a:srgbClr val="FF0000"/>
+            </a:solidFill>
+          </a:ln>
+        </p:spPr>
+        <p:style>
+          <a:lnRef idx="2">
+            <a:schemeClr val="accent1">
+              <a:shade val="50000"/>
+            </a:schemeClr>
+          </a:lnRef>
+          <a:fillRef idx="1">
+            <a:schemeClr val="accent1"/>
+          </a:fillRef>
+          <a:effectRef idx="0">
+            <a:schemeClr val="accent1"/>
+          </a:effectRef>
+          <a:fontRef idx="minor">
+            <a:schemeClr val="lt1"/>
+          </a:fontRef>
+        </p:style>
+        <p:txBody>
+          <a:bodyPr rtlCol="0" anchor="ctr"/>
+          <a:lstStyle/>
+          <a:p>
+            <a:pPr algn="ctr"/>
+            <a:endParaRPr lang="ko-KR" altLang="en-US">
+              <a:solidFill>
+                <a:schemeClr val="tx1"/>
+              </a:solidFill>
+            </a:endParaRPr>
+          </a:p>
+        </p:txBody>
+      </p:sp>
+      <p:sp>
+        <p:nvSpPr>
+          <p:cNvPr id="16" name="TextBox 15">
+            <a:extLst>
+              <a:ext uri="{FF2B5EF4-FFF2-40B4-BE49-F238E27FC236}">
+                <a16:creationId xmlns:a16="http://schemas.microsoft.com/office/drawing/2014/main" id="{14AB0A7C-2328-4652-879A-C1F4288B9461}"/>
               </a:ext>
             </a:extLst>
           </p:cNvPr>
@@ -8149,8 +8154,8 @@
         </p:nvSpPr>
         <p:spPr>
           <a:xfrm>
-            <a:off x="5181600" y="1371600"/>
-            <a:ext cx="2895600" cy="369332"/>
+            <a:off x="609600" y="5334000"/>
+            <a:ext cx="7620634" cy="1200329"/>
           </a:xfrm>
           <a:prstGeom prst="rect">
             <a:avLst/>
@@ -8163,26 +8168,61 @@
           </a:bodyPr>
           <a:lstStyle/>
           <a:p>
+            <a:pPr marL="342900" indent="-342900">
+              <a:buAutoNum type="arabicPeriod"/>
+            </a:pPr>
             <a:r>
               <a:rPr lang="en-US" altLang="ko-KR" dirty="0"/>
-              <a:t>(API </a:t>
+              <a:t>save</a:t>
             </a:r>
             <a:r>
               <a:rPr lang="ko-KR" altLang="en-US" dirty="0"/>
-              <a:t>트리거로 설정된 주소</a:t>
+              <a:t> 후</a:t>
             </a:r>
             <a:r>
               <a:rPr lang="en-US" altLang="ko-KR" dirty="0"/>
-              <a:t>)</a:t>
-            </a:r>
-            <a:endParaRPr lang="ko-KR" altLang="en-US" dirty="0"/>
+              <a:t>, 2. </a:t>
+            </a:r>
+            <a:r>
+              <a:rPr lang="ko-KR" altLang="en-US" dirty="0"/>
+              <a:t>테스트</a:t>
+            </a:r>
+            <a:endParaRPr lang="en-US" altLang="ko-KR" dirty="0"/>
+          </a:p>
+          <a:p>
+            <a:endParaRPr lang="en-US" altLang="ko-KR" dirty="0"/>
+          </a:p>
+          <a:p>
+            <a:r>
+              <a:rPr lang="ko-KR" altLang="en-US" dirty="0"/>
+              <a:t>테스트 설정 창이 팝업</a:t>
+            </a:r>
+            <a:r>
+              <a:rPr lang="en-US" altLang="ko-KR" dirty="0"/>
+              <a:t>,</a:t>
+            </a:r>
+          </a:p>
+          <a:p>
+            <a:r>
+              <a:rPr lang="ko-KR" altLang="en-US" dirty="0"/>
+              <a:t>기본 설정</a:t>
+            </a:r>
+            <a:r>
+              <a:rPr lang="en-US" altLang="ko-KR" dirty="0"/>
+              <a:t>/</a:t>
+            </a:r>
+            <a:r>
+              <a:rPr lang="ko-KR" altLang="en-US" dirty="0"/>
+              <a:t>이름을 지정하고 생성하기 버튼 클릭</a:t>
+            </a:r>
+            <a:endParaRPr lang="en-US" altLang="ko-KR" dirty="0"/>
           </a:p>
         </p:txBody>
       </p:sp>
     </p:spTree>
     <p:extLst>
       <p:ext uri="{BB962C8B-B14F-4D97-AF65-F5344CB8AC3E}">
-        <p14:creationId xmlns:p14="http://schemas.microsoft.com/office/powerpoint/2010/main" val="3352078365"/>
+        <p14:creationId xmlns:p14="http://schemas.microsoft.com/office/powerpoint/2010/main" val="1264488530"/>
       </p:ext>
     </p:extLst>
   </p:cSld>
@@ -8217,8 +8257,8 @@
         </p:nvSpPr>
         <p:spPr>
           <a:xfrm>
-            <a:off x="1981200" y="2667000"/>
-            <a:ext cx="5486400" cy="1700466"/>
+            <a:off x="474370" y="177546"/>
+            <a:ext cx="8364830" cy="566822"/>
           </a:xfrm>
           <a:prstGeom prst="rect">
             <a:avLst/>
@@ -8240,71 +8280,96 @@
             </a:pPr>
             <a:r>
               <a:rPr lang="ko-KR" altLang="en-US" sz="3600" b="1" spc="-185" dirty="0">
-                <a:latin typeface="Trebuchet MS"/>
+                <a:latin typeface="Calibri" panose="020F0502020204030204" pitchFamily="34" charset="0"/>
                 <a:cs typeface="UnDinaru"/>
               </a:rPr>
-              <a:t>키워드 요약 기능이 있는 </a:t>
-            </a:r>
-            <a:endParaRPr lang="en-US" altLang="ko-KR" sz="3600" b="1" spc="-185" dirty="0">
-              <a:latin typeface="Trebuchet MS"/>
+              <a:t>웹 브라우저에서 테스트</a:t>
+            </a:r>
+            <a:endParaRPr sz="3600" b="1" dirty="0">
+              <a:latin typeface="Calibri" panose="020F0502020204030204" pitchFamily="34" charset="0"/>
               <a:cs typeface="UnDinaru"/>
             </a:endParaRPr>
           </a:p>
-          <a:p>
-            <a:pPr marL="12700">
-              <a:lnSpc>
-                <a:spcPct val="100000"/>
-              </a:lnSpc>
-              <a:spcBef>
-                <a:spcPts val="100"/>
-              </a:spcBef>
-            </a:pPr>
-            <a:endParaRPr lang="en-US" altLang="ko-KR" sz="3600" b="1" spc="-185" dirty="0">
-              <a:latin typeface="Trebuchet MS"/>
-              <a:cs typeface="UnDinaru"/>
-            </a:endParaRPr>
-          </a:p>
-          <a:p>
-            <a:pPr marL="12700">
-              <a:lnSpc>
-                <a:spcPct val="100000"/>
-              </a:lnSpc>
-              <a:spcBef>
-                <a:spcPts val="100"/>
-              </a:spcBef>
-            </a:pPr>
-            <a:r>
-              <a:rPr lang="en-US" altLang="ko-KR" sz="3600" b="1" spc="-185" dirty="0">
-                <a:latin typeface="Trebuchet MS"/>
-                <a:cs typeface="UnDinaru"/>
-              </a:rPr>
-              <a:t>        </a:t>
-            </a:r>
-            <a:r>
-              <a:rPr lang="ko-KR" altLang="en-US" sz="3600" b="1" spc="-185" dirty="0">
-                <a:latin typeface="Trebuchet MS"/>
-                <a:cs typeface="UnDinaru"/>
-              </a:rPr>
-              <a:t>뉴스 뷰어 제작</a:t>
-            </a:r>
-            <a:r>
-              <a:rPr lang="en-US" altLang="ko-KR" sz="3600" b="1" spc="-185" dirty="0">
-                <a:latin typeface="Trebuchet MS"/>
-                <a:cs typeface="UnDinaru"/>
-              </a:rPr>
-              <a:t> </a:t>
-            </a:r>
-            <a:endParaRPr sz="3600" b="1" dirty="0">
-              <a:latin typeface="UnDinaru"/>
-              <a:cs typeface="UnDinaru"/>
-            </a:endParaRPr>
+        </p:txBody>
+      </p:sp>
+      <p:pic>
+        <p:nvPicPr>
+          <p:cNvPr id="3" name="그림 2">
+            <a:extLst>
+              <a:ext uri="{FF2B5EF4-FFF2-40B4-BE49-F238E27FC236}">
+                <a16:creationId xmlns:a16="http://schemas.microsoft.com/office/drawing/2014/main" id="{A3A97550-55A4-4B21-B4D5-28723ACFD14A}"/>
+              </a:ext>
+            </a:extLst>
+          </p:cNvPr>
+          <p:cNvPicPr>
+            <a:picLocks noChangeAspect="1"/>
+          </p:cNvPicPr>
+          <p:nvPr/>
+        </p:nvPicPr>
+        <p:blipFill>
+          <a:blip r:embed="rId2"/>
+          <a:stretch>
+            <a:fillRect/>
+          </a:stretch>
+        </p:blipFill>
+        <p:spPr>
+          <a:xfrm>
+            <a:off x="487725" y="1457137"/>
+            <a:ext cx="7162800" cy="5223317"/>
+          </a:xfrm>
+          <a:prstGeom prst="rect">
+            <a:avLst/>
+          </a:prstGeom>
+        </p:spPr>
+      </p:pic>
+      <p:sp>
+        <p:nvSpPr>
+          <p:cNvPr id="5" name="TextBox 4">
+            <a:extLst>
+              <a:ext uri="{FF2B5EF4-FFF2-40B4-BE49-F238E27FC236}">
+                <a16:creationId xmlns:a16="http://schemas.microsoft.com/office/drawing/2014/main" id="{82C11C41-336A-49D2-9F7B-7F04AB1109ED}"/>
+              </a:ext>
+            </a:extLst>
+          </p:cNvPr>
+          <p:cNvSpPr txBox="1"/>
+          <p:nvPr/>
+        </p:nvSpPr>
+        <p:spPr>
+          <a:xfrm>
+            <a:off x="5181600" y="1371600"/>
+            <a:ext cx="2895600" cy="369332"/>
+          </a:xfrm>
+          <a:prstGeom prst="rect">
+            <a:avLst/>
+          </a:prstGeom>
+          <a:noFill/>
+        </p:spPr>
+        <p:txBody>
+          <a:bodyPr wrap="square" rtlCol="0">
+            <a:spAutoFit/>
+          </a:bodyPr>
+          <a:lstStyle/>
+          <a:p>
+            <a:r>
+              <a:rPr lang="en-US" altLang="ko-KR" dirty="0"/>
+              <a:t>(API </a:t>
+            </a:r>
+            <a:r>
+              <a:rPr lang="ko-KR" altLang="en-US" dirty="0"/>
+              <a:t>트리거로 설정된 주소</a:t>
+            </a:r>
+            <a:r>
+              <a:rPr lang="en-US" altLang="ko-KR" dirty="0"/>
+              <a:t>)</a:t>
+            </a:r>
+            <a:endParaRPr lang="ko-KR" altLang="en-US" dirty="0"/>
           </a:p>
         </p:txBody>
       </p:sp>
     </p:spTree>
     <p:extLst>
       <p:ext uri="{BB962C8B-B14F-4D97-AF65-F5344CB8AC3E}">
-        <p14:creationId xmlns:p14="http://schemas.microsoft.com/office/powerpoint/2010/main" val="3896799722"/>
+        <p14:creationId xmlns:p14="http://schemas.microsoft.com/office/powerpoint/2010/main" val="3352078365"/>
       </p:ext>
     </p:extLst>
   </p:cSld>
@@ -8365,11 +8430,11 @@
               </a:spcBef>
             </a:pPr>
             <a:r>
-              <a:rPr lang="en-US" altLang="ko-KR" sz="3600" spc="-70" dirty="0"/>
+              <a:rPr lang="en-US" altLang="ko-KR" sz="3600" b="1" spc="-70" dirty="0"/>
               <a:t>AWS Comprehend Overview</a:t>
             </a:r>
-            <a:endParaRPr sz="3600" dirty="0">
-              <a:latin typeface="UnDinaru"/>
+            <a:endParaRPr sz="3600" b="1" dirty="0">
+              <a:latin typeface="Calibri" panose="020F0502020204030204" pitchFamily="34" charset="0"/>
               <a:cs typeface="UnDinaru"/>
             </a:endParaRPr>
           </a:p>
@@ -8633,8 +8698,8 @@
         </p:nvSpPr>
         <p:spPr>
           <a:xfrm>
-            <a:off x="457200" y="228600"/>
-            <a:ext cx="5486400" cy="566822"/>
+            <a:off x="1371600" y="3048000"/>
+            <a:ext cx="6400800" cy="566822"/>
           </a:xfrm>
           <a:prstGeom prst="rect">
             <a:avLst/>
@@ -8656,20 +8721,114 @@
             </a:pPr>
             <a:r>
               <a:rPr lang="ko-KR" altLang="en-US" sz="3600" b="1" spc="-185" dirty="0">
-                <a:latin typeface="Trebuchet MS"/>
+                <a:latin typeface="Calibri" panose="020F0502020204030204" pitchFamily="34" charset="0"/>
                 <a:cs typeface="UnDinaru"/>
               </a:rPr>
-              <a:t>뉴스 뷰어 제작</a:t>
+              <a:t>실습</a:t>
             </a:r>
             <a:r>
               <a:rPr lang="en-US" altLang="ko-KR" sz="3600" b="1" spc="-185" dirty="0">
-                <a:latin typeface="Trebuchet MS"/>
+                <a:latin typeface="Calibri" panose="020F0502020204030204" pitchFamily="34" charset="0"/>
                 <a:cs typeface="UnDinaru"/>
               </a:rPr>
+              <a:t>: </a:t>
+            </a:r>
+            <a:r>
+              <a:rPr lang="ko-KR" altLang="en-US" sz="3600" b="1" spc="-185" dirty="0">
+                <a:latin typeface="Calibri" panose="020F0502020204030204" pitchFamily="34" charset="0"/>
+                <a:cs typeface="UnDinaru"/>
+              </a:rPr>
+              <a:t>키워드 요약 뉴스 뷰어 제작</a:t>
+            </a:r>
+            <a:r>
+              <a:rPr lang="en-US" altLang="ko-KR" sz="3600" b="1" spc="-185" dirty="0">
+                <a:latin typeface="Calibri" panose="020F0502020204030204" pitchFamily="34" charset="0"/>
+                <a:cs typeface="UnDinaru"/>
+              </a:rPr>
               <a:t> </a:t>
             </a:r>
             <a:endParaRPr sz="3600" b="1" dirty="0">
-              <a:latin typeface="UnDinaru"/>
+              <a:latin typeface="Calibri" panose="020F0502020204030204" pitchFamily="34" charset="0"/>
+              <a:cs typeface="UnDinaru"/>
+            </a:endParaRPr>
+          </a:p>
+        </p:txBody>
+      </p:sp>
+    </p:spTree>
+    <p:extLst>
+      <p:ext uri="{BB962C8B-B14F-4D97-AF65-F5344CB8AC3E}">
+        <p14:creationId xmlns:p14="http://schemas.microsoft.com/office/powerpoint/2010/main" val="3896799722"/>
+      </p:ext>
+    </p:extLst>
+  </p:cSld>
+  <p:clrMapOvr>
+    <a:masterClrMapping/>
+  </p:clrMapOvr>
+</p:sld>
+</file>
+
+<file path=ppt/slides/slide31.xml><?xml version="1.0" encoding="utf-8"?>
+<p:sld xmlns:a="http://schemas.openxmlformats.org/drawingml/2006/main" xmlns:r="http://schemas.openxmlformats.org/officeDocument/2006/relationships" xmlns:p="http://schemas.openxmlformats.org/presentationml/2006/main">
+  <p:cSld>
+    <p:spTree>
+      <p:nvGrpSpPr>
+        <p:cNvPr id="1" name=""/>
+        <p:cNvGrpSpPr/>
+        <p:nvPr/>
+      </p:nvGrpSpPr>
+      <p:grpSpPr>
+        <a:xfrm>
+          <a:off x="0" y="0"/>
+          <a:ext cx="0" cy="0"/>
+          <a:chOff x="0" y="0"/>
+          <a:chExt cx="0" cy="0"/>
+        </a:xfrm>
+      </p:grpSpPr>
+      <p:sp>
+        <p:nvSpPr>
+          <p:cNvPr id="2" name="object 2"/>
+          <p:cNvSpPr txBox="1"/>
+          <p:nvPr/>
+        </p:nvSpPr>
+        <p:spPr>
+          <a:xfrm>
+            <a:off x="457200" y="228600"/>
+            <a:ext cx="5486400" cy="566822"/>
+          </a:xfrm>
+          <a:prstGeom prst="rect">
+            <a:avLst/>
+          </a:prstGeom>
+        </p:spPr>
+        <p:txBody>
+          <a:bodyPr vert="horz" wrap="square" lIns="0" tIns="12700" rIns="0" bIns="0" rtlCol="0">
+            <a:spAutoFit/>
+          </a:bodyPr>
+          <a:lstStyle/>
+          <a:p>
+            <a:pPr marL="12700">
+              <a:lnSpc>
+                <a:spcPct val="100000"/>
+              </a:lnSpc>
+              <a:spcBef>
+                <a:spcPts val="100"/>
+              </a:spcBef>
+            </a:pPr>
+            <a:r>
+              <a:rPr lang="ko-KR" altLang="en-US" sz="3600" b="1" spc="-185" dirty="0">
+                <a:latin typeface="Calibri" panose="020F0502020204030204" pitchFamily="34" charset="0"/>
+                <a:cs typeface="UnDinaru"/>
+              </a:rPr>
+              <a:t>뉴스 뷰어 제작 실습 구성</a:t>
+            </a:r>
+            <a:r>
+              <a:rPr lang="en-US" altLang="ko-KR" sz="3600" b="1" spc="-185" dirty="0">
+                <a:latin typeface="Calibri" panose="020F0502020204030204" pitchFamily="34" charset="0"/>
+                <a:cs typeface="UnDinaru"/>
+              </a:rPr>
+              <a:t> </a:t>
+            </a:r>
+            <a:endParaRPr sz="3600" b="1" dirty="0">
+              <a:latin typeface="Calibri" panose="020F0502020204030204" pitchFamily="34" charset="0"/>
               <a:cs typeface="UnDinaru"/>
             </a:endParaRPr>
           </a:p>
@@ -8837,7 +8996,7 @@
 </p:sld>
 </file>
 
-<file path=ppt/slides/slide31.xml><?xml version="1.0" encoding="utf-8"?>
+<file path=ppt/slides/slide32.xml><?xml version="1.0" encoding="utf-8"?>
 <p:sld xmlns:a="http://schemas.openxmlformats.org/drawingml/2006/main" xmlns:r="http://schemas.openxmlformats.org/officeDocument/2006/relationships" xmlns:p="http://schemas.openxmlformats.org/presentationml/2006/main">
   <p:cSld>
     <p:spTree>
@@ -8912,14 +9071,14 @@
             </a:pPr>
             <a:r>
               <a:rPr lang="ko-KR" altLang="en-US" sz="3600" b="1" spc="-185" dirty="0">
-                <a:latin typeface="Trebuchet MS"/>
+                <a:latin typeface="Calibri" panose="020F0502020204030204" pitchFamily="34" charset="0"/>
                 <a:cs typeface="UnDinaru"/>
               </a:rPr>
               <a:t>뉴스 뷰어 제작 </a:t>
             </a:r>
             <a:r>
               <a:rPr lang="en-US" altLang="ko-KR" sz="2800" b="1" spc="-185" dirty="0">
-                <a:latin typeface="Trebuchet MS"/>
+                <a:latin typeface="Calibri" panose="020F0502020204030204" pitchFamily="34" charset="0"/>
                 <a:cs typeface="UnDinaru"/>
               </a:rPr>
               <a:t>-</a:t>
@@ -8941,13 +9100,13 @@
             </a:pPr>
             <a:r>
               <a:rPr lang="en-US" altLang="ko-KR" sz="3600" b="1" spc="-185" dirty="0">
-                <a:latin typeface="Trebuchet MS"/>
+                <a:latin typeface="Calibri" panose="020F0502020204030204" pitchFamily="34" charset="0"/>
                 <a:cs typeface="UnDinaru"/>
               </a:rPr>
               <a:t> </a:t>
             </a:r>
             <a:endParaRPr lang="en-US" sz="3600" b="1" dirty="0">
-              <a:latin typeface="UnDinaru"/>
+              <a:latin typeface="Calibri" panose="020F0502020204030204" pitchFamily="34" charset="0"/>
               <a:cs typeface="UnDinaru"/>
             </a:endParaRPr>
           </a:p>
@@ -9189,297 +9348,6 @@
     <p:extLst>
       <p:ext uri="{BB962C8B-B14F-4D97-AF65-F5344CB8AC3E}">
         <p14:creationId xmlns:p14="http://schemas.microsoft.com/office/powerpoint/2010/main" val="3025911893"/>
-      </p:ext>
-    </p:extLst>
-  </p:cSld>
-  <p:clrMapOvr>
-    <a:masterClrMapping/>
-  </p:clrMapOvr>
-</p:sld>
-</file>
-
-<file path=ppt/slides/slide32.xml><?xml version="1.0" encoding="utf-8"?>
-<p:sld xmlns:a="http://schemas.openxmlformats.org/drawingml/2006/main" xmlns:r="http://schemas.openxmlformats.org/officeDocument/2006/relationships" xmlns:p="http://schemas.openxmlformats.org/presentationml/2006/main">
-  <p:cSld>
-    <p:spTree>
-      <p:nvGrpSpPr>
-        <p:cNvPr id="1" name=""/>
-        <p:cNvGrpSpPr/>
-        <p:nvPr/>
-      </p:nvGrpSpPr>
-      <p:grpSpPr>
-        <a:xfrm>
-          <a:off x="0" y="0"/>
-          <a:ext cx="0" cy="0"/>
-          <a:chOff x="0" y="0"/>
-          <a:chExt cx="0" cy="0"/>
-        </a:xfrm>
-      </p:grpSpPr>
-      <p:sp>
-        <p:nvSpPr>
-          <p:cNvPr id="2" name="object 2"/>
-          <p:cNvSpPr txBox="1"/>
-          <p:nvPr/>
-        </p:nvSpPr>
-        <p:spPr>
-          <a:xfrm>
-            <a:off x="457200" y="228600"/>
-            <a:ext cx="9677400" cy="1133644"/>
-          </a:xfrm>
-          <a:prstGeom prst="rect">
-            <a:avLst/>
-          </a:prstGeom>
-        </p:spPr>
-        <p:txBody>
-          <a:bodyPr vert="horz" wrap="square" lIns="0" tIns="12700" rIns="0" bIns="0" rtlCol="0">
-            <a:spAutoFit/>
-          </a:bodyPr>
-          <a:lstStyle/>
-          <a:p>
-            <a:pPr marL="12700">
-              <a:spcBef>
-                <a:spcPts val="100"/>
-              </a:spcBef>
-            </a:pPr>
-            <a:r>
-              <a:rPr lang="ko-KR" altLang="en-US" sz="3600" b="1" spc="-185" dirty="0">
-                <a:latin typeface="Trebuchet MS"/>
-                <a:cs typeface="UnDinaru"/>
-              </a:rPr>
-              <a:t>뉴스 뷰어 제작 </a:t>
-            </a:r>
-            <a:r>
-              <a:rPr lang="en-US" altLang="ko-KR" sz="2800" b="1" spc="-185" dirty="0">
-                <a:latin typeface="Trebuchet MS"/>
-                <a:cs typeface="UnDinaru"/>
-              </a:rPr>
-              <a:t>–</a:t>
-            </a:r>
-            <a:r>
-              <a:rPr lang="ko-KR" altLang="en-US" sz="2800" b="1" dirty="0"/>
-              <a:t>웹 페이지 구성</a:t>
-            </a:r>
-            <a:endParaRPr lang="en-US" altLang="ko-KR" sz="2800" b="1" dirty="0"/>
-          </a:p>
-          <a:p>
-            <a:pPr marL="12700">
-              <a:lnSpc>
-                <a:spcPct val="100000"/>
-              </a:lnSpc>
-              <a:spcBef>
-                <a:spcPts val="100"/>
-              </a:spcBef>
-            </a:pPr>
-            <a:r>
-              <a:rPr lang="en-US" altLang="ko-KR" sz="3600" spc="-185" dirty="0">
-                <a:latin typeface="Trebuchet MS"/>
-                <a:cs typeface="UnDinaru"/>
-              </a:rPr>
-              <a:t> </a:t>
-            </a:r>
-            <a:endParaRPr lang="en-US" sz="3600" dirty="0">
-              <a:latin typeface="UnDinaru"/>
-              <a:cs typeface="UnDinaru"/>
-            </a:endParaRPr>
-          </a:p>
-        </p:txBody>
-      </p:sp>
-      <p:pic>
-        <p:nvPicPr>
-          <p:cNvPr id="5" name="그림 4">
-            <a:extLst>
-              <a:ext uri="{FF2B5EF4-FFF2-40B4-BE49-F238E27FC236}">
-                <a16:creationId xmlns:a16="http://schemas.microsoft.com/office/drawing/2014/main" id="{7C4C4013-722D-4D04-A4AC-F57FB4AD84F4}"/>
-              </a:ext>
-            </a:extLst>
-          </p:cNvPr>
-          <p:cNvPicPr>
-            <a:picLocks noChangeAspect="1"/>
-          </p:cNvPicPr>
-          <p:nvPr/>
-        </p:nvPicPr>
-        <p:blipFill>
-          <a:blip r:embed="rId2"/>
-          <a:stretch>
-            <a:fillRect/>
-          </a:stretch>
-        </p:blipFill>
-        <p:spPr>
-          <a:xfrm>
-            <a:off x="228600" y="3276600"/>
-            <a:ext cx="7159682" cy="3465239"/>
-          </a:xfrm>
-          <a:prstGeom prst="rect">
-            <a:avLst/>
-          </a:prstGeom>
-        </p:spPr>
-      </p:pic>
-      <p:pic>
-        <p:nvPicPr>
-          <p:cNvPr id="10" name="그림 9">
-            <a:extLst>
-              <a:ext uri="{FF2B5EF4-FFF2-40B4-BE49-F238E27FC236}">
-                <a16:creationId xmlns:a16="http://schemas.microsoft.com/office/drawing/2014/main" id="{E2F78307-B669-42F2-A8D9-070BAB58D024}"/>
-              </a:ext>
-            </a:extLst>
-          </p:cNvPr>
-          <p:cNvPicPr>
-            <a:picLocks noChangeAspect="1"/>
-          </p:cNvPicPr>
-          <p:nvPr/>
-        </p:nvPicPr>
-        <p:blipFill>
-          <a:blip r:embed="rId3"/>
-          <a:stretch>
-            <a:fillRect/>
-          </a:stretch>
-        </p:blipFill>
-        <p:spPr>
-          <a:xfrm>
-            <a:off x="22781" y="1295400"/>
-            <a:ext cx="5781675" cy="457200"/>
-          </a:xfrm>
-          <a:prstGeom prst="rect">
-            <a:avLst/>
-          </a:prstGeom>
-        </p:spPr>
-      </p:pic>
-      <p:sp>
-        <p:nvSpPr>
-          <p:cNvPr id="12" name="TextBox 11">
-            <a:extLst>
-              <a:ext uri="{FF2B5EF4-FFF2-40B4-BE49-F238E27FC236}">
-                <a16:creationId xmlns:a16="http://schemas.microsoft.com/office/drawing/2014/main" id="{5BF92B00-CABC-4801-A8D8-32EC7C0017EE}"/>
-              </a:ext>
-            </a:extLst>
-          </p:cNvPr>
-          <p:cNvSpPr txBox="1"/>
-          <p:nvPr/>
-        </p:nvSpPr>
-        <p:spPr>
-          <a:xfrm>
-            <a:off x="22781" y="1804220"/>
-            <a:ext cx="7391400" cy="646331"/>
-          </a:xfrm>
-          <a:prstGeom prst="rect">
-            <a:avLst/>
-          </a:prstGeom>
-          <a:noFill/>
-        </p:spPr>
-        <p:txBody>
-          <a:bodyPr wrap="square" rtlCol="0">
-            <a:spAutoFit/>
-          </a:bodyPr>
-          <a:lstStyle/>
-          <a:p>
-            <a:r>
-              <a:rPr lang="ko-KR" altLang="en-US" dirty="0"/>
-              <a:t>제공된 소스코드 사용하되</a:t>
-            </a:r>
-            <a:r>
-              <a:rPr lang="en-US" altLang="ko-KR" dirty="0"/>
-              <a:t>,</a:t>
-            </a:r>
-          </a:p>
-          <a:p>
-            <a:r>
-              <a:rPr lang="en-US" altLang="ko-KR" dirty="0"/>
-              <a:t> index.js </a:t>
-            </a:r>
-            <a:r>
-              <a:rPr lang="ko-KR" altLang="en-US" dirty="0"/>
-              <a:t>첫 번째 줄 </a:t>
-            </a:r>
-            <a:r>
-              <a:rPr lang="en-US" altLang="ko-KR" dirty="0" err="1"/>
-              <a:t>news_apikey</a:t>
-            </a:r>
-            <a:r>
-              <a:rPr lang="ko-KR" altLang="en-US" dirty="0"/>
-              <a:t>를 이전 슬라이드에서 받은 키로 설정</a:t>
-            </a:r>
-          </a:p>
-        </p:txBody>
-      </p:sp>
-      <p:sp>
-        <p:nvSpPr>
-          <p:cNvPr id="13" name="TextBox 12">
-            <a:extLst>
-              <a:ext uri="{FF2B5EF4-FFF2-40B4-BE49-F238E27FC236}">
-                <a16:creationId xmlns:a16="http://schemas.microsoft.com/office/drawing/2014/main" id="{4BCE4F93-DDAB-4CE1-94AD-FA264FB53BD5}"/>
-              </a:ext>
-            </a:extLst>
-          </p:cNvPr>
-          <p:cNvSpPr txBox="1"/>
-          <p:nvPr/>
-        </p:nvSpPr>
-        <p:spPr>
-          <a:xfrm>
-            <a:off x="250596" y="2630269"/>
-            <a:ext cx="6553200" cy="646331"/>
-          </a:xfrm>
-          <a:prstGeom prst="rect">
-            <a:avLst/>
-          </a:prstGeom>
-          <a:noFill/>
-        </p:spPr>
-        <p:txBody>
-          <a:bodyPr wrap="square" rtlCol="0">
-            <a:spAutoFit/>
-          </a:bodyPr>
-          <a:lstStyle/>
-          <a:p>
-            <a:r>
-              <a:rPr lang="ko-KR" altLang="en-US" dirty="0"/>
-              <a:t>테스트 </a:t>
-            </a:r>
-            <a:r>
-              <a:rPr lang="en-US" altLang="ko-KR" dirty="0"/>
-              <a:t>: getNews.html</a:t>
-            </a:r>
-            <a:r>
-              <a:rPr lang="ko-KR" altLang="en-US" dirty="0"/>
-              <a:t>을 </a:t>
-            </a:r>
-            <a:r>
-              <a:rPr lang="en-US" altLang="ko-KR" dirty="0"/>
-              <a:t>chrome</a:t>
-            </a:r>
-            <a:r>
-              <a:rPr lang="ko-KR" altLang="en-US" dirty="0"/>
-              <a:t>으로 열기</a:t>
-            </a:r>
-            <a:endParaRPr lang="en-US" altLang="ko-KR" dirty="0"/>
-          </a:p>
-          <a:p>
-            <a:r>
-              <a:rPr lang="en-US" altLang="ko-KR" dirty="0"/>
-              <a:t>(</a:t>
-            </a:r>
-            <a:r>
-              <a:rPr lang="ko-KR" altLang="en-US" dirty="0"/>
-              <a:t>아직 </a:t>
-            </a:r>
-            <a:r>
-              <a:rPr lang="en-US" altLang="ko-KR" dirty="0"/>
-              <a:t>get key phrase </a:t>
-            </a:r>
-            <a:r>
-              <a:rPr lang="ko-KR" altLang="en-US" dirty="0"/>
-              <a:t>버튼은 작동하지 않음</a:t>
-            </a:r>
-            <a:r>
-              <a:rPr lang="en-US" altLang="ko-KR" dirty="0"/>
-              <a:t>!)</a:t>
-            </a:r>
-            <a:endParaRPr lang="ko-KR" altLang="en-US" dirty="0"/>
-          </a:p>
-        </p:txBody>
-      </p:sp>
-    </p:spTree>
-    <p:extLst>
-      <p:ext uri="{BB962C8B-B14F-4D97-AF65-F5344CB8AC3E}">
-        <p14:creationId xmlns:p14="http://schemas.microsoft.com/office/powerpoint/2010/main" val="3736648709"/>
       </p:ext>
     </p:extLst>
   </p:cSld>
@@ -9534,40 +9402,23 @@
             </a:pPr>
             <a:r>
               <a:rPr lang="ko-KR" altLang="en-US" sz="3600" b="1" spc="-185" dirty="0">
-                <a:latin typeface="Trebuchet MS"/>
+                <a:latin typeface="Calibri" panose="020F0502020204030204" pitchFamily="34" charset="0"/>
                 <a:cs typeface="UnDinaru"/>
               </a:rPr>
               <a:t>뉴스 뷰어 제작 </a:t>
             </a:r>
             <a:r>
               <a:rPr lang="en-US" altLang="ko-KR" sz="2800" b="1" spc="-185" dirty="0">
-                <a:latin typeface="Trebuchet MS"/>
+                <a:latin typeface="Calibri" panose="020F0502020204030204" pitchFamily="34" charset="0"/>
                 <a:cs typeface="UnDinaru"/>
               </a:rPr>
-              <a:t>–comprehend lambda </a:t>
-            </a:r>
-            <a:r>
-              <a:rPr lang="en-US" altLang="ko-KR" sz="2800" b="1" spc="-185" dirty="0" err="1">
-                <a:latin typeface="Trebuchet MS"/>
-                <a:cs typeface="UnDinaru"/>
-              </a:rPr>
-              <a:t>api</a:t>
-            </a:r>
-            <a:r>
-              <a:rPr lang="en-US" altLang="ko-KR" sz="2800" b="1" spc="-185" dirty="0">
-                <a:latin typeface="Trebuchet MS"/>
-                <a:cs typeface="UnDinaru"/>
-              </a:rPr>
-              <a:t> </a:t>
-            </a:r>
-            <a:r>
-              <a:rPr lang="ko-KR" altLang="en-US" sz="2800" b="1" spc="-185" dirty="0">
-                <a:latin typeface="Trebuchet MS"/>
-                <a:cs typeface="UnDinaru"/>
-              </a:rPr>
-              <a:t>구성</a:t>
-            </a:r>
-            <a:endParaRPr lang="en-US" altLang="ko-KR" sz="2800" dirty="0"/>
+              <a:t>–</a:t>
+            </a:r>
+            <a:r>
+              <a:rPr lang="ko-KR" altLang="en-US" sz="2800" b="1" dirty="0"/>
+              <a:t>웹 페이지 구성</a:t>
+            </a:r>
+            <a:endParaRPr lang="en-US" altLang="ko-KR" sz="2800" b="1" dirty="0"/>
           </a:p>
           <a:p>
             <a:pPr marL="12700">
@@ -9579,14 +9430,14 @@
               </a:spcBef>
             </a:pPr>
             <a:r>
-              <a:rPr lang="en-US" altLang="ko-KR" sz="3600" b="1" spc="-185" dirty="0">
-                <a:latin typeface="Trebuchet MS"/>
+              <a:rPr lang="en-US" altLang="ko-KR" sz="3600" spc="-185" dirty="0">
+                <a:latin typeface="Calibri" panose="020F0502020204030204" pitchFamily="34" charset="0"/>
                 <a:cs typeface="UnDinaru"/>
               </a:rPr>
               <a:t> </a:t>
             </a:r>
-            <a:endParaRPr lang="en-US" sz="3600" b="1" dirty="0">
-              <a:latin typeface="UnDinaru"/>
+            <a:endParaRPr lang="en-US" sz="3600" dirty="0">
+              <a:latin typeface="Calibri" panose="020F0502020204030204" pitchFamily="34" charset="0"/>
               <a:cs typeface="UnDinaru"/>
             </a:endParaRPr>
           </a:p>
@@ -9594,10 +9445,10 @@
       </p:sp>
       <p:pic>
         <p:nvPicPr>
-          <p:cNvPr id="3" name="그림 2">
+          <p:cNvPr id="5" name="그림 4">
             <a:extLst>
               <a:ext uri="{FF2B5EF4-FFF2-40B4-BE49-F238E27FC236}">
-                <a16:creationId xmlns:a16="http://schemas.microsoft.com/office/drawing/2014/main" id="{FE59C584-0998-413C-95FE-36A95CCEF3C5}"/>
+                <a16:creationId xmlns:a16="http://schemas.microsoft.com/office/drawing/2014/main" id="{7C4C4013-722D-4D04-A4AC-F57FB4AD84F4}"/>
               </a:ext>
             </a:extLst>
           </p:cNvPr>
@@ -9614,20 +9465,50 @@
         </p:blipFill>
         <p:spPr>
           <a:xfrm>
-            <a:off x="-4876" y="1688068"/>
-            <a:ext cx="9148876" cy="2350532"/>
+            <a:off x="228600" y="3276600"/>
+            <a:ext cx="7159682" cy="3465239"/>
           </a:xfrm>
           <a:prstGeom prst="rect">
             <a:avLst/>
           </a:prstGeom>
         </p:spPr>
       </p:pic>
-      <p:sp>
-        <p:nvSpPr>
-          <p:cNvPr id="4" name="TextBox 3">
+      <p:pic>
+        <p:nvPicPr>
+          <p:cNvPr id="10" name="그림 9">
             <a:extLst>
               <a:ext uri="{FF2B5EF4-FFF2-40B4-BE49-F238E27FC236}">
-                <a16:creationId xmlns:a16="http://schemas.microsoft.com/office/drawing/2014/main" id="{A7772B17-4991-42AD-820F-4443216AEE02}"/>
+                <a16:creationId xmlns:a16="http://schemas.microsoft.com/office/drawing/2014/main" id="{E2F78307-B669-42F2-A8D9-070BAB58D024}"/>
+              </a:ext>
+            </a:extLst>
+          </p:cNvPr>
+          <p:cNvPicPr>
+            <a:picLocks noChangeAspect="1"/>
+          </p:cNvPicPr>
+          <p:nvPr/>
+        </p:nvPicPr>
+        <p:blipFill>
+          <a:blip r:embed="rId3"/>
+          <a:stretch>
+            <a:fillRect/>
+          </a:stretch>
+        </p:blipFill>
+        <p:spPr>
+          <a:xfrm>
+            <a:off x="22781" y="1295400"/>
+            <a:ext cx="5781675" cy="457200"/>
+          </a:xfrm>
+          <a:prstGeom prst="rect">
+            <a:avLst/>
+          </a:prstGeom>
+        </p:spPr>
+      </p:pic>
+      <p:sp>
+        <p:nvSpPr>
+          <p:cNvPr id="12" name="TextBox 11">
+            <a:extLst>
+              <a:ext uri="{FF2B5EF4-FFF2-40B4-BE49-F238E27FC236}">
+                <a16:creationId xmlns:a16="http://schemas.microsoft.com/office/drawing/2014/main" id="{5BF92B00-CABC-4801-A8D8-32EC7C0017EE}"/>
               </a:ext>
             </a:extLst>
           </p:cNvPr>
@@ -9636,8 +9517,8 @@
         </p:nvSpPr>
         <p:spPr>
           <a:xfrm>
-            <a:off x="125690" y="4800600"/>
-            <a:ext cx="8332509" cy="369332"/>
+            <a:off x="22781" y="1804220"/>
+            <a:ext cx="7391400" cy="646331"/>
           </a:xfrm>
           <a:prstGeom prst="rect">
             <a:avLst/>
@@ -9652,39 +9533,112 @@
           <a:p>
             <a:r>
               <a:rPr lang="ko-KR" altLang="en-US" dirty="0"/>
-              <a:t>위와 같이 </a:t>
+              <a:t>제공된 소스코드 사용하되</a:t>
             </a:r>
             <a:r>
               <a:rPr lang="en-US" altLang="ko-KR" dirty="0"/>
-              <a:t>lambda</a:t>
+              <a:t>,</a:t>
+            </a:r>
+          </a:p>
+          <a:p>
+            <a:r>
+              <a:rPr lang="en-US" altLang="ko-KR" dirty="0"/>
+              <a:t> index.js </a:t>
             </a:r>
             <a:r>
               <a:rPr lang="ko-KR" altLang="en-US" dirty="0"/>
-              <a:t> 에서 </a:t>
+              <a:t>첫 번째 줄 </a:t>
+            </a:r>
+            <a:r>
+              <a:rPr lang="en-US" altLang="ko-KR" dirty="0" err="1"/>
+              <a:t>news_apikey</a:t>
+            </a:r>
+            <a:r>
+              <a:rPr lang="ko-KR" altLang="en-US" dirty="0"/>
+              <a:t>를 이전 슬라이드에서 받은 키로 설정</a:t>
+            </a:r>
+          </a:p>
+        </p:txBody>
+      </p:sp>
+      <p:sp>
+        <p:nvSpPr>
+          <p:cNvPr id="13" name="TextBox 12">
+            <a:extLst>
+              <a:ext uri="{FF2B5EF4-FFF2-40B4-BE49-F238E27FC236}">
+                <a16:creationId xmlns:a16="http://schemas.microsoft.com/office/drawing/2014/main" id="{4BCE4F93-DDAB-4CE1-94AD-FA264FB53BD5}"/>
+              </a:ext>
+            </a:extLst>
+          </p:cNvPr>
+          <p:cNvSpPr txBox="1"/>
+          <p:nvPr/>
+        </p:nvSpPr>
+        <p:spPr>
+          <a:xfrm>
+            <a:off x="250596" y="2630269"/>
+            <a:ext cx="6553200" cy="646331"/>
+          </a:xfrm>
+          <a:prstGeom prst="rect">
+            <a:avLst/>
+          </a:prstGeom>
+          <a:noFill/>
+        </p:spPr>
+        <p:txBody>
+          <a:bodyPr wrap="square" rtlCol="0">
+            <a:spAutoFit/>
+          </a:bodyPr>
+          <a:lstStyle/>
+          <a:p>
+            <a:r>
+              <a:rPr lang="ko-KR" altLang="en-US" dirty="0"/>
+              <a:t>테스트 </a:t>
             </a:r>
             <a:r>
               <a:rPr lang="en-US" altLang="ko-KR" dirty="0"/>
-              <a:t>comprehend</a:t>
+              <a:t>: getNews.html</a:t>
             </a:r>
             <a:r>
               <a:rPr lang="ko-KR" altLang="en-US" dirty="0"/>
-              <a:t> 의 </a:t>
+              <a:t>을 </a:t>
             </a:r>
             <a:r>
               <a:rPr lang="en-US" altLang="ko-KR" dirty="0"/>
-              <a:t>key phase </a:t>
+              <a:t>chrome</a:t>
             </a:r>
             <a:r>
               <a:rPr lang="ko-KR" altLang="en-US" dirty="0"/>
-              <a:t>분석 기능 사용하도록 코드 수정</a:t>
-            </a:r>
+              <a:t>으로 열기</a:t>
+            </a:r>
+            <a:endParaRPr lang="en-US" altLang="ko-KR" dirty="0"/>
+          </a:p>
+          <a:p>
+            <a:r>
+              <a:rPr lang="en-US" altLang="ko-KR" dirty="0"/>
+              <a:t>(</a:t>
+            </a:r>
+            <a:r>
+              <a:rPr lang="ko-KR" altLang="en-US" dirty="0"/>
+              <a:t>아직 </a:t>
+            </a:r>
+            <a:r>
+              <a:rPr lang="en-US" altLang="ko-KR" dirty="0"/>
+              <a:t>get key phrase </a:t>
+            </a:r>
+            <a:r>
+              <a:rPr lang="ko-KR" altLang="en-US" dirty="0"/>
+              <a:t>버튼은 작동하지 않음</a:t>
+            </a:r>
+            <a:r>
+              <a:rPr lang="en-US" altLang="ko-KR" dirty="0"/>
+              <a:t>!)</a:t>
+            </a:r>
+            <a:endParaRPr lang="ko-KR" altLang="en-US" dirty="0"/>
           </a:p>
         </p:txBody>
       </p:sp>
     </p:spTree>
     <p:extLst>
       <p:ext uri="{BB962C8B-B14F-4D97-AF65-F5344CB8AC3E}">
-        <p14:creationId xmlns:p14="http://schemas.microsoft.com/office/powerpoint/2010/main" val="607872514"/>
+        <p14:creationId xmlns:p14="http://schemas.microsoft.com/office/powerpoint/2010/main" val="3736648709"/>
       </p:ext>
     </p:extLst>
   </p:cSld>
@@ -9739,35 +9693,35 @@
             </a:pPr>
             <a:r>
               <a:rPr lang="ko-KR" altLang="en-US" sz="3600" b="1" spc="-185" dirty="0">
-                <a:latin typeface="Trebuchet MS"/>
+                <a:latin typeface="Calibri" panose="020F0502020204030204" pitchFamily="34" charset="0"/>
                 <a:cs typeface="UnDinaru"/>
               </a:rPr>
               <a:t>뉴스 뷰어 제작 </a:t>
             </a:r>
             <a:r>
               <a:rPr lang="en-US" altLang="ko-KR" sz="2800" b="1" spc="-185" dirty="0">
-                <a:latin typeface="Trebuchet MS"/>
+                <a:latin typeface="Calibri" panose="020F0502020204030204" pitchFamily="34" charset="0"/>
                 <a:cs typeface="UnDinaru"/>
               </a:rPr>
               <a:t>–comprehend lambda </a:t>
             </a:r>
             <a:r>
               <a:rPr lang="en-US" altLang="ko-KR" sz="2800" b="1" spc="-185" dirty="0" err="1">
-                <a:latin typeface="Trebuchet MS"/>
+                <a:latin typeface="Calibri" panose="020F0502020204030204" pitchFamily="34" charset="0"/>
                 <a:cs typeface="UnDinaru"/>
               </a:rPr>
               <a:t>api</a:t>
             </a:r>
             <a:r>
               <a:rPr lang="en-US" altLang="ko-KR" sz="2800" b="1" spc="-185" dirty="0">
-                <a:latin typeface="Trebuchet MS"/>
+                <a:latin typeface="Calibri" panose="020F0502020204030204" pitchFamily="34" charset="0"/>
                 <a:cs typeface="UnDinaru"/>
               </a:rPr>
               <a:t> </a:t>
             </a:r>
             <a:r>
               <a:rPr lang="ko-KR" altLang="en-US" sz="2800" b="1" spc="-185" dirty="0">
-                <a:latin typeface="Trebuchet MS"/>
+                <a:latin typeface="Calibri" panose="020F0502020204030204" pitchFamily="34" charset="0"/>
                 <a:cs typeface="UnDinaru"/>
               </a:rPr>
               <a:t>구성</a:t>
@@ -9785,13 +9739,218 @@
             </a:pPr>
             <a:r>
               <a:rPr lang="en-US" altLang="ko-KR" sz="3600" b="1" spc="-185" dirty="0">
-                <a:latin typeface="Trebuchet MS"/>
+                <a:latin typeface="Calibri" panose="020F0502020204030204" pitchFamily="34" charset="0"/>
                 <a:cs typeface="UnDinaru"/>
               </a:rPr>
               <a:t> </a:t>
             </a:r>
             <a:endParaRPr lang="en-US" sz="3600" b="1" dirty="0">
-              <a:latin typeface="UnDinaru"/>
+              <a:latin typeface="Calibri" panose="020F0502020204030204" pitchFamily="34" charset="0"/>
+              <a:cs typeface="UnDinaru"/>
+            </a:endParaRPr>
+          </a:p>
+        </p:txBody>
+      </p:sp>
+      <p:pic>
+        <p:nvPicPr>
+          <p:cNvPr id="3" name="그림 2">
+            <a:extLst>
+              <a:ext uri="{FF2B5EF4-FFF2-40B4-BE49-F238E27FC236}">
+                <a16:creationId xmlns:a16="http://schemas.microsoft.com/office/drawing/2014/main" id="{FE59C584-0998-413C-95FE-36A95CCEF3C5}"/>
+              </a:ext>
+            </a:extLst>
+          </p:cNvPr>
+          <p:cNvPicPr>
+            <a:picLocks noChangeAspect="1"/>
+          </p:cNvPicPr>
+          <p:nvPr/>
+        </p:nvPicPr>
+        <p:blipFill>
+          <a:blip r:embed="rId2"/>
+          <a:stretch>
+            <a:fillRect/>
+          </a:stretch>
+        </p:blipFill>
+        <p:spPr>
+          <a:xfrm>
+            <a:off x="-4876" y="1688068"/>
+            <a:ext cx="9148876" cy="2350532"/>
+          </a:xfrm>
+          <a:prstGeom prst="rect">
+            <a:avLst/>
+          </a:prstGeom>
+        </p:spPr>
+      </p:pic>
+      <p:sp>
+        <p:nvSpPr>
+          <p:cNvPr id="4" name="TextBox 3">
+            <a:extLst>
+              <a:ext uri="{FF2B5EF4-FFF2-40B4-BE49-F238E27FC236}">
+                <a16:creationId xmlns:a16="http://schemas.microsoft.com/office/drawing/2014/main" id="{A7772B17-4991-42AD-820F-4443216AEE02}"/>
+              </a:ext>
+            </a:extLst>
+          </p:cNvPr>
+          <p:cNvSpPr txBox="1"/>
+          <p:nvPr/>
+        </p:nvSpPr>
+        <p:spPr>
+          <a:xfrm>
+            <a:off x="125690" y="4800600"/>
+            <a:ext cx="8332509" cy="369332"/>
+          </a:xfrm>
+          <a:prstGeom prst="rect">
+            <a:avLst/>
+          </a:prstGeom>
+          <a:noFill/>
+        </p:spPr>
+        <p:txBody>
+          <a:bodyPr wrap="square" rtlCol="0">
+            <a:spAutoFit/>
+          </a:bodyPr>
+          <a:lstStyle/>
+          <a:p>
+            <a:r>
+              <a:rPr lang="ko-KR" altLang="en-US" dirty="0"/>
+              <a:t>위와 같이 </a:t>
+            </a:r>
+            <a:r>
+              <a:rPr lang="en-US" altLang="ko-KR" dirty="0"/>
+              <a:t>lambda</a:t>
+            </a:r>
+            <a:r>
+              <a:rPr lang="ko-KR" altLang="en-US" dirty="0"/>
+              <a:t> 에서 </a:t>
+            </a:r>
+            <a:r>
+              <a:rPr lang="en-US" altLang="ko-KR" dirty="0"/>
+              <a:t>comprehend</a:t>
+            </a:r>
+            <a:r>
+              <a:rPr lang="ko-KR" altLang="en-US" dirty="0"/>
+              <a:t> 의 </a:t>
+            </a:r>
+            <a:r>
+              <a:rPr lang="en-US" altLang="ko-KR" dirty="0"/>
+              <a:t>key phase </a:t>
+            </a:r>
+            <a:r>
+              <a:rPr lang="ko-KR" altLang="en-US" dirty="0"/>
+              <a:t>분석 기능 사용하도록 코드 수정</a:t>
+            </a:r>
+          </a:p>
+        </p:txBody>
+      </p:sp>
+    </p:spTree>
+    <p:extLst>
+      <p:ext uri="{BB962C8B-B14F-4D97-AF65-F5344CB8AC3E}">
+        <p14:creationId xmlns:p14="http://schemas.microsoft.com/office/powerpoint/2010/main" val="607872514"/>
+      </p:ext>
+    </p:extLst>
+  </p:cSld>
+  <p:clrMapOvr>
+    <a:masterClrMapping/>
+  </p:clrMapOvr>
+</p:sld>
+</file>
+
+<file path=ppt/slides/slide35.xml><?xml version="1.0" encoding="utf-8"?>
+<p:sld xmlns:a="http://schemas.openxmlformats.org/drawingml/2006/main" xmlns:r="http://schemas.openxmlformats.org/officeDocument/2006/relationships" xmlns:p="http://schemas.openxmlformats.org/presentationml/2006/main">
+  <p:cSld>
+    <p:spTree>
+      <p:nvGrpSpPr>
+        <p:cNvPr id="1" name=""/>
+        <p:cNvGrpSpPr/>
+        <p:nvPr/>
+      </p:nvGrpSpPr>
+      <p:grpSpPr>
+        <a:xfrm>
+          <a:off x="0" y="0"/>
+          <a:ext cx="0" cy="0"/>
+          <a:chOff x="0" y="0"/>
+          <a:chExt cx="0" cy="0"/>
+        </a:xfrm>
+      </p:grpSpPr>
+      <p:sp>
+        <p:nvSpPr>
+          <p:cNvPr id="2" name="object 2"/>
+          <p:cNvSpPr txBox="1"/>
+          <p:nvPr/>
+        </p:nvSpPr>
+        <p:spPr>
+          <a:xfrm>
+            <a:off x="457200" y="228600"/>
+            <a:ext cx="9677400" cy="1133644"/>
+          </a:xfrm>
+          <a:prstGeom prst="rect">
+            <a:avLst/>
+          </a:prstGeom>
+        </p:spPr>
+        <p:txBody>
+          <a:bodyPr vert="horz" wrap="square" lIns="0" tIns="12700" rIns="0" bIns="0" rtlCol="0">
+            <a:spAutoFit/>
+          </a:bodyPr>
+          <a:lstStyle/>
+          <a:p>
+            <a:pPr marL="12700">
+              <a:spcBef>
+                <a:spcPts val="100"/>
+              </a:spcBef>
+            </a:pPr>
+            <a:r>
+              <a:rPr lang="ko-KR" altLang="en-US" sz="3600" b="1" spc="-185" dirty="0">
+                <a:latin typeface="Calibri" panose="020F0502020204030204" pitchFamily="34" charset="0"/>
+                <a:cs typeface="UnDinaru"/>
+              </a:rPr>
+              <a:t>뉴스 뷰어 제작 </a:t>
+            </a:r>
+            <a:r>
+              <a:rPr lang="en-US" altLang="ko-KR" sz="2800" b="1" spc="-185" dirty="0">
+                <a:latin typeface="Calibri" panose="020F0502020204030204" pitchFamily="34" charset="0"/>
+                <a:cs typeface="UnDinaru"/>
+              </a:rPr>
+              <a:t>–comprehend lambda </a:t>
+            </a:r>
+            <a:r>
+              <a:rPr lang="en-US" altLang="ko-KR" sz="2800" b="1" spc="-185" dirty="0" err="1">
+                <a:latin typeface="Calibri" panose="020F0502020204030204" pitchFamily="34" charset="0"/>
+                <a:cs typeface="UnDinaru"/>
+              </a:rPr>
+              <a:t>api</a:t>
+            </a:r>
+            <a:r>
+              <a:rPr lang="en-US" altLang="ko-KR" sz="2800" b="1" spc="-185" dirty="0">
+                <a:latin typeface="Calibri" panose="020F0502020204030204" pitchFamily="34" charset="0"/>
+                <a:cs typeface="UnDinaru"/>
+              </a:rPr>
+              <a:t> </a:t>
+            </a:r>
+            <a:r>
+              <a:rPr lang="ko-KR" altLang="en-US" sz="2800" b="1" spc="-185" dirty="0">
+                <a:latin typeface="Calibri" panose="020F0502020204030204" pitchFamily="34" charset="0"/>
+                <a:cs typeface="UnDinaru"/>
+              </a:rPr>
+              <a:t>구성</a:t>
+            </a:r>
+            <a:endParaRPr lang="en-US" altLang="ko-KR" sz="2800" dirty="0"/>
+          </a:p>
+          <a:p>
+            <a:pPr marL="12700">
+              <a:lnSpc>
+                <a:spcPct val="100000"/>
+              </a:lnSpc>
+              <a:spcBef>
+                <a:spcPts val="100"/>
+              </a:spcBef>
+            </a:pPr>
+            <a:r>
+              <a:rPr lang="en-US" altLang="ko-KR" sz="3600" b="1" spc="-185" dirty="0">
+                <a:latin typeface="Calibri" panose="020F0502020204030204" pitchFamily="34" charset="0"/>
+                <a:cs typeface="UnDinaru"/>
+              </a:rPr>
+              <a:t> </a:t>
+            </a:r>
+            <a:endParaRPr lang="en-US" sz="3600" b="1" dirty="0">
+              <a:latin typeface="Calibri" panose="020F0502020204030204" pitchFamily="34" charset="0"/>
               <a:cs typeface="UnDinaru"/>
             </a:endParaRPr>
           </a:p>
@@ -10147,7 +10306,7 @@
 </p:sld>
 </file>
 
-<file path=ppt/slides/slide35.xml><?xml version="1.0" encoding="utf-8"?>
+<file path=ppt/slides/slide36.xml><?xml version="1.0" encoding="utf-8"?>
 <p:sld xmlns:a="http://schemas.openxmlformats.org/drawingml/2006/main" xmlns:r="http://schemas.openxmlformats.org/officeDocument/2006/relationships" xmlns:p="http://schemas.openxmlformats.org/presentationml/2006/main">
   <p:cSld>
     <p:spTree>
@@ -10192,14 +10351,14 @@
             </a:pPr>
             <a:r>
               <a:rPr lang="ko-KR" altLang="en-US" sz="3600" b="1" spc="-185" dirty="0">
-                <a:latin typeface="Trebuchet MS"/>
+                <a:latin typeface="Calibri" panose="020F0502020204030204" pitchFamily="34" charset="0"/>
                 <a:cs typeface="UnDinaru"/>
               </a:rPr>
               <a:t>뉴스 뷰어 제작 </a:t>
             </a:r>
             <a:r>
               <a:rPr lang="en-US" altLang="ko-KR" sz="2800" b="1" spc="-185" dirty="0">
-                <a:latin typeface="Trebuchet MS"/>
+                <a:latin typeface="Calibri" panose="020F0502020204030204" pitchFamily="34" charset="0"/>
                 <a:cs typeface="UnDinaru"/>
               </a:rPr>
               <a:t>–</a:t>
@@ -10218,13 +10377,13 @@
             </a:r>
             <a:r>
               <a:rPr lang="en-US" altLang="ko-KR" sz="3600" spc="-185" dirty="0">
-                <a:latin typeface="Trebuchet MS"/>
+                <a:latin typeface="Calibri" panose="020F0502020204030204" pitchFamily="34" charset="0"/>
                 <a:cs typeface="UnDinaru"/>
               </a:rPr>
               <a:t> </a:t>
             </a:r>
             <a:endParaRPr lang="en-US" sz="3600" dirty="0">
-              <a:latin typeface="UnDinaru"/>
+              <a:latin typeface="Calibri" panose="020F0502020204030204" pitchFamily="34" charset="0"/>
               <a:cs typeface="UnDinaru"/>
             </a:endParaRPr>
           </a:p>
@@ -10658,7 +10817,7 @@
                         </a:lnSpc>
                       </a:pPr>
                       <a:endParaRPr lang="en-US" altLang="ko-KR" sz="1600" dirty="0">
-                        <a:latin typeface="UnDinaru"/>
+                        <a:latin typeface="Calibri" panose="020F0502020204030204" pitchFamily="34" charset="0"/>
                         <a:cs typeface="UnDinaru"/>
                       </a:endParaRPr>
                     </a:p>
@@ -10670,14 +10829,14 @@
                       </a:pPr>
                       <a:r>
                         <a:rPr lang="ko-KR" altLang="en-US" sz="1600" dirty="0">
-                          <a:latin typeface="UnDinaru"/>
+                          <a:latin typeface="Calibri" panose="020F0502020204030204" pitchFamily="34" charset="0"/>
                           <a:cs typeface="UnDinaru"/>
                         </a:rPr>
                         <a:t>  </a:t>
                       </a:r>
                       <a:r>
                         <a:rPr lang="ko-KR" altLang="en-US" sz="1600" b="1" dirty="0">
-                          <a:latin typeface="UnDinaru"/>
+                          <a:latin typeface="Calibri" panose="020F0502020204030204" pitchFamily="34" charset="0"/>
                           <a:cs typeface="UnDinaru"/>
                         </a:rPr>
                         <a:t>기능</a:t>
@@ -10710,7 +10869,7 @@
                         </a:lnSpc>
                       </a:pPr>
                       <a:endParaRPr lang="en-US" altLang="ko-KR" sz="1600" dirty="0">
-                        <a:latin typeface="UnDinaru"/>
+                        <a:latin typeface="Calibri" panose="020F0502020204030204" pitchFamily="34" charset="0"/>
                         <a:cs typeface="UnDinaru"/>
                       </a:endParaRPr>
                     </a:p>
@@ -10722,7 +10881,7 @@
                       </a:pPr>
                       <a:r>
                         <a:rPr lang="ko-KR" altLang="en-US" sz="1600" b="1" dirty="0">
-                          <a:latin typeface="UnDinaru"/>
+                          <a:latin typeface="Calibri" panose="020F0502020204030204" pitchFamily="34" charset="0"/>
                           <a:cs typeface="UnDinaru"/>
                         </a:rPr>
                         <a:t>설명</a:t>
@@ -10766,7 +10925,7 @@
                       </a:pPr>
                       <a:r>
                         <a:rPr lang="ko-KR" altLang="en-US" sz="1600" dirty="0">
-                          <a:latin typeface="UKIJ CJK"/>
+                          <a:latin typeface="Calibri" panose="020F0502020204030204" pitchFamily="34" charset="0"/>
                           <a:cs typeface="UKIJ CJK"/>
                         </a:rPr>
                         <a:t>핵심 문구 추출</a:t>
@@ -10809,34 +10968,34 @@
                       </a:pPr>
                       <a:r>
                         <a:rPr lang="ko-KR" altLang="en-US" sz="1600" dirty="0">
-                          <a:latin typeface="UKIJ CJK"/>
+                          <a:latin typeface="Calibri" panose="020F0502020204030204" pitchFamily="34" charset="0"/>
                           <a:cs typeface="UKIJ CJK"/>
                         </a:rPr>
                         <a:t> 문서에서 핵심 문구 또는 논점을 추출하고</a:t>
                       </a:r>
                       <a:r>
                         <a:rPr lang="en-US" altLang="ko-KR" sz="1600" dirty="0">
-                          <a:latin typeface="UKIJ CJK"/>
+                          <a:latin typeface="Calibri" panose="020F0502020204030204" pitchFamily="34" charset="0"/>
                           <a:cs typeface="UKIJ CJK"/>
                         </a:rPr>
                         <a:t>, </a:t>
                       </a:r>
                       <a:r>
                         <a:rPr lang="ko-KR" altLang="en-US" sz="1600" dirty="0">
-                          <a:latin typeface="UKIJ CJK"/>
+                          <a:latin typeface="Calibri" panose="020F0502020204030204" pitchFamily="34" charset="0"/>
                           <a:cs typeface="UKIJ CJK"/>
                         </a:rPr>
                         <a:t>이것이 핵심문구임을 뒷받침하는 신뢰도 점수를 알려줍니다</a:t>
                       </a:r>
                       <a:r>
                         <a:rPr lang="en-US" altLang="ko-KR" sz="1600" dirty="0">
-                          <a:latin typeface="UKIJ CJK"/>
+                          <a:latin typeface="Calibri" panose="020F0502020204030204" pitchFamily="34" charset="0"/>
                           <a:cs typeface="UKIJ CJK"/>
                         </a:rPr>
                         <a:t>.</a:t>
                       </a:r>
                       <a:endParaRPr lang="ko-KR" altLang="en-US" sz="1600" dirty="0">
-                        <a:latin typeface="UKIJ CJK"/>
+                        <a:latin typeface="Calibri" panose="020F0502020204030204" pitchFamily="34" charset="0"/>
                         <a:cs typeface="UKIJ CJK"/>
                       </a:endParaRPr>
                     </a:p>
@@ -11136,7 +11295,7 @@
                       </a:pPr>
                       <a:r>
                         <a:rPr lang="ko-KR" altLang="en-US" sz="1600" dirty="0">
-                          <a:latin typeface="UKIJ CJK"/>
+                          <a:latin typeface="Calibri" panose="020F0502020204030204" pitchFamily="34" charset="0"/>
                           <a:cs typeface="UKIJ CJK"/>
                         </a:rPr>
                         <a:t>감성 분석</a:t>
@@ -11272,7 +11431,7 @@
                       </a:pPr>
                       <a:r>
                         <a:rPr lang="ko-KR" altLang="en-US" sz="1600" dirty="0">
-                          <a:latin typeface="UKIJ CJK"/>
+                          <a:latin typeface="Calibri" panose="020F0502020204030204" pitchFamily="34" charset="0"/>
                           <a:cs typeface="UKIJ CJK"/>
                         </a:rPr>
                         <a:t>구문 분석</a:t>
@@ -12630,53 +12789,53 @@
             </a:pPr>
             <a:r>
               <a:rPr lang="ko-KR" altLang="en-US" sz="3600" b="1" dirty="0">
-                <a:latin typeface="UnDinaru"/>
+                <a:latin typeface="Calibri" panose="020F0502020204030204" pitchFamily="34" charset="0"/>
                 <a:cs typeface="UnDinaru"/>
               </a:rPr>
               <a:t>       실습 </a:t>
             </a:r>
             <a:r>
               <a:rPr lang="en-US" altLang="ko-KR" sz="3600" b="1" dirty="0">
-                <a:latin typeface="UnDinaru"/>
+                <a:latin typeface="Calibri" panose="020F0502020204030204" pitchFamily="34" charset="0"/>
                 <a:cs typeface="UnDinaru"/>
               </a:rPr>
               <a:t>: AWS Comprehend</a:t>
             </a:r>
             <a:br>
               <a:rPr lang="en-US" altLang="ko-KR" sz="3600" b="1" dirty="0">
-                <a:latin typeface="UnDinaru"/>
+                <a:latin typeface="Calibri" panose="020F0502020204030204" pitchFamily="34" charset="0"/>
                 <a:cs typeface="UnDinaru"/>
               </a:rPr>
             </a:br>
             <a:br>
               <a:rPr lang="en-US" altLang="ko-KR" sz="3600" b="1" dirty="0">
-                <a:latin typeface="UnDinaru"/>
+                <a:latin typeface="Calibri" panose="020F0502020204030204" pitchFamily="34" charset="0"/>
                 <a:cs typeface="UnDinaru"/>
               </a:rPr>
             </a:br>
             <a:r>
               <a:rPr lang="en-US" altLang="ko-KR" sz="3600" b="1" dirty="0">
-                <a:latin typeface="UnDinaru"/>
+                <a:latin typeface="Calibri" panose="020F0502020204030204" pitchFamily="34" charset="0"/>
                 <a:cs typeface="UnDinaru"/>
               </a:rPr>
               <a:t>    CLI, API</a:t>
             </a:r>
             <a:r>
               <a:rPr lang="ko-KR" altLang="en-US" sz="3600" b="1" dirty="0">
-                <a:latin typeface="UnDinaru"/>
+                <a:latin typeface="Calibri" panose="020F0502020204030204" pitchFamily="34" charset="0"/>
                 <a:cs typeface="UnDinaru"/>
               </a:rPr>
               <a:t> 사용해보고 활용하기</a:t>
             </a:r>
             <a:r>
               <a:rPr lang="en-US" altLang="ko-KR" sz="3600" b="1" dirty="0">
-                <a:latin typeface="UnDinaru"/>
+                <a:latin typeface="Calibri" panose="020F0502020204030204" pitchFamily="34" charset="0"/>
                 <a:cs typeface="UnDinaru"/>
               </a:rPr>
               <a:t> </a:t>
             </a:r>
             <a:endParaRPr sz="3600" dirty="0">
-              <a:latin typeface="UnDinaru"/>
+              <a:latin typeface="Calibri" panose="020F0502020204030204" pitchFamily="34" charset="0"/>
               <a:cs typeface="UnDinaru"/>
             </a:endParaRPr>
           </a:p>
